--- a/meeting/作图.pptx
+++ b/meeting/作图.pptx
@@ -22,6 +22,7 @@
     <p:sldId id="590" r:id="rId15"/>
     <p:sldId id="591" r:id="rId16"/>
     <p:sldId id="592" r:id="rId17"/>
+    <p:sldId id="593" r:id="rId18"/>
   </p:sldIdLst>
   <p:sldSz cx="12192000" cy="6858000"/>
   <p:notesSz cx="6858000" cy="9144000"/>
@@ -1123,6 +1124,50 @@
             <a:endParaRPr>
               <a:sym typeface="+mn-ea"/>
             </a:endParaRPr>
+          </a:p>
+        </p:txBody>
+      </p:sp>
+    </p:spTree>
+  </p:cSld>
+  <p:clrMapOvr>
+    <a:masterClrMapping/>
+  </p:clrMapOvr>
+</p:notes>
+</file>
+
+<file path=ppt/notesSlides/notesSlide15.xml><?xml version="1.0" encoding="utf-8"?>
+<p:notes xmlns:a="http://schemas.openxmlformats.org/drawingml/2006/main" xmlns:r="http://schemas.openxmlformats.org/officeDocument/2006/relationships" xmlns:p="http://schemas.openxmlformats.org/presentationml/2006/main">
+  <p:cSld>
+    <p:spTree>
+      <p:nvGrpSpPr>
+        <p:cNvPr id="1" name=""/>
+        <p:cNvGrpSpPr/>
+        <p:nvPr/>
+      </p:nvGrpSpPr>
+      <p:grpSpPr/>
+      <p:sp>
+        <p:nvSpPr>
+          <p:cNvPr id="2" name="幻灯片图像占位符 1"/>
+          <p:cNvSpPr/>
+          <p:nvPr>
+            <p:ph type="sldImg" idx="2"/>
+          </p:nvPr>
+        </p:nvSpPr>
+        <p:spPr/>
+      </p:sp>
+      <p:sp>
+        <p:nvSpPr>
+          <p:cNvPr id="3" name="文本占位符 2"/>
+          <p:cNvSpPr/>
+          <p:nvPr>
+            <p:ph type="body" idx="3"/>
+          </p:nvPr>
+        </p:nvSpPr>
+        <p:spPr/>
+        <p:txBody>
+          <a:bodyPr/>
+          <a:p>
+            <a:endParaRPr lang="zh-CN" altLang="en-US"/>
           </a:p>
         </p:txBody>
       </p:sp>
@@ -18604,6 +18649,2956 @@
               <a:latin typeface="微软雅黑" panose="020B0503020204020204" charset="-122"/>
               <a:ea typeface="微软雅黑" panose="020B0503020204020204" charset="-122"/>
             </a:endParaRPr>
+          </a:p>
+        </p:txBody>
+      </p:sp>
+    </p:spTree>
+  </p:cSld>
+  <p:clrMapOvr>
+    <a:masterClrMapping/>
+  </p:clrMapOvr>
+</p:sld>
+</file>
+
+<file path=ppt/slides/slide15.xml><?xml version="1.0" encoding="utf-8"?>
+<p:sld xmlns:a="http://schemas.openxmlformats.org/drawingml/2006/main" xmlns:r="http://schemas.openxmlformats.org/officeDocument/2006/relationships" xmlns:p="http://schemas.openxmlformats.org/presentationml/2006/main">
+  <p:cSld>
+    <p:spTree>
+      <p:nvGrpSpPr>
+        <p:cNvPr id="1" name=""/>
+        <p:cNvGrpSpPr/>
+        <p:nvPr/>
+      </p:nvGrpSpPr>
+      <p:grpSpPr/>
+      <p:sp>
+        <p:nvSpPr>
+          <p:cNvPr id="2" name="标题 1"/>
+          <p:cNvSpPr>
+            <a:spLocks noGrp="1"/>
+          </p:cNvSpPr>
+          <p:nvPr>
+            <p:ph type="title"/>
+          </p:nvPr>
+        </p:nvSpPr>
+        <p:spPr/>
+        <p:txBody>
+          <a:bodyPr>
+            <a:normAutofit/>
+          </a:bodyPr>
+          <a:p>
+            <a:r>
+              <a:rPr lang="en-US" altLang="zh-CN"/>
+              <a:t>Data </a:t>
+            </a:r>
+            <a:r>
+              <a:rPr lang="en-US" altLang="zh-CN"/>
+              <a:t>analytics</a:t>
+            </a:r>
+            <a:endParaRPr lang="en-US" altLang="zh-CN"/>
+          </a:p>
+        </p:txBody>
+      </p:sp>
+      <p:sp>
+        <p:nvSpPr>
+          <p:cNvPr id="14" name="圆角矩形 13"/>
+          <p:cNvSpPr/>
+          <p:nvPr/>
+        </p:nvSpPr>
+        <p:spPr>
+          <a:xfrm>
+            <a:off x="3982720" y="3166745"/>
+            <a:ext cx="2048510" cy="1328420"/>
+          </a:xfrm>
+          <a:prstGeom prst="roundRect">
+            <a:avLst/>
+          </a:prstGeom>
+          <a:solidFill>
+            <a:schemeClr val="bg1"/>
+          </a:solidFill>
+          <a:ln w="28575" cmpd="sng">
+            <a:solidFill>
+              <a:schemeClr val="bg2">
+                <a:lumMod val="65000"/>
+              </a:schemeClr>
+            </a:solidFill>
+            <a:prstDash val="sysDash"/>
+          </a:ln>
+        </p:spPr>
+        <p:style>
+          <a:lnRef idx="2">
+            <a:schemeClr val="accent1">
+              <a:shade val="50000"/>
+            </a:schemeClr>
+          </a:lnRef>
+          <a:fillRef idx="1">
+            <a:schemeClr val="accent1"/>
+          </a:fillRef>
+          <a:effectRef idx="0">
+            <a:schemeClr val="accent1"/>
+          </a:effectRef>
+          <a:fontRef idx="minor">
+            <a:schemeClr val="lt1"/>
+          </a:fontRef>
+        </p:style>
+        <p:txBody>
+          <a:bodyPr rtlCol="0" anchor="ctr"/>
+          <a:p>
+            <a:pPr algn="ctr"/>
+            <a:endParaRPr lang="zh-CN" altLang="en-US"/>
+          </a:p>
+        </p:txBody>
+      </p:sp>
+      <p:sp>
+        <p:nvSpPr>
+          <p:cNvPr id="17" name="文本框 16"/>
+          <p:cNvSpPr txBox="1"/>
+          <p:nvPr/>
+        </p:nvSpPr>
+        <p:spPr>
+          <a:xfrm>
+            <a:off x="4531995" y="4594225"/>
+            <a:ext cx="1120775" cy="398780"/>
+          </a:xfrm>
+          <a:prstGeom prst="rect">
+            <a:avLst/>
+          </a:prstGeom>
+          <a:noFill/>
+        </p:spPr>
+        <p:txBody>
+          <a:bodyPr wrap="square" rtlCol="0">
+            <a:spAutoFit/>
+          </a:bodyPr>
+          <a:p>
+            <a:r>
+              <a:rPr lang="en-US" altLang="zh-CN" sz="2000">
+                <a:solidFill>
+                  <a:schemeClr val="bg2">
+                    <a:lumMod val="65000"/>
+                  </a:schemeClr>
+                </a:solidFill>
+                <a:latin typeface="微软雅黑" panose="020B0503020204020204" charset="-122"/>
+                <a:ea typeface="微软雅黑" panose="020B0503020204020204" charset="-122"/>
+              </a:rPr>
+              <a:t>Stage 2</a:t>
+            </a:r>
+            <a:endParaRPr lang="en-US" altLang="zh-CN" sz="2000">
+              <a:solidFill>
+                <a:schemeClr val="bg2">
+                  <a:lumMod val="65000"/>
+                </a:schemeClr>
+              </a:solidFill>
+              <a:latin typeface="微软雅黑" panose="020B0503020204020204" charset="-122"/>
+              <a:ea typeface="微软雅黑" panose="020B0503020204020204" charset="-122"/>
+            </a:endParaRPr>
+          </a:p>
+        </p:txBody>
+      </p:sp>
+      <p:sp>
+        <p:nvSpPr>
+          <p:cNvPr id="18" name="圆角矩形 17"/>
+          <p:cNvSpPr/>
+          <p:nvPr/>
+        </p:nvSpPr>
+        <p:spPr>
+          <a:xfrm>
+            <a:off x="1104900" y="3166745"/>
+            <a:ext cx="2574925" cy="1327785"/>
+          </a:xfrm>
+          <a:prstGeom prst="roundRect">
+            <a:avLst/>
+          </a:prstGeom>
+          <a:solidFill>
+            <a:schemeClr val="bg1"/>
+          </a:solidFill>
+          <a:ln w="28575" cmpd="sng">
+            <a:solidFill>
+              <a:schemeClr val="bg2">
+                <a:lumMod val="65000"/>
+              </a:schemeClr>
+            </a:solidFill>
+            <a:prstDash val="sysDash"/>
+          </a:ln>
+        </p:spPr>
+        <p:style>
+          <a:lnRef idx="2">
+            <a:schemeClr val="accent1">
+              <a:shade val="50000"/>
+            </a:schemeClr>
+          </a:lnRef>
+          <a:fillRef idx="1">
+            <a:schemeClr val="accent1"/>
+          </a:fillRef>
+          <a:effectRef idx="0">
+            <a:schemeClr val="accent1"/>
+          </a:effectRef>
+          <a:fontRef idx="minor">
+            <a:schemeClr val="lt1"/>
+          </a:fontRef>
+        </p:style>
+        <p:txBody>
+          <a:bodyPr rtlCol="0" anchor="ctr"/>
+          <a:p>
+            <a:pPr algn="ctr"/>
+            <a:endParaRPr lang="zh-CN" altLang="en-US"/>
+          </a:p>
+        </p:txBody>
+      </p:sp>
+      <p:sp>
+        <p:nvSpPr>
+          <p:cNvPr id="19" name="文本框 18"/>
+          <p:cNvSpPr txBox="1"/>
+          <p:nvPr/>
+        </p:nvSpPr>
+        <p:spPr>
+          <a:xfrm>
+            <a:off x="1723390" y="4594225"/>
+            <a:ext cx="1108710" cy="398780"/>
+          </a:xfrm>
+          <a:prstGeom prst="rect">
+            <a:avLst/>
+          </a:prstGeom>
+          <a:noFill/>
+        </p:spPr>
+        <p:txBody>
+          <a:bodyPr wrap="square" rtlCol="0">
+            <a:spAutoFit/>
+          </a:bodyPr>
+          <a:p>
+            <a:r>
+              <a:rPr lang="en-US" altLang="zh-CN" sz="2000">
+                <a:solidFill>
+                  <a:schemeClr val="bg2">
+                    <a:lumMod val="65000"/>
+                  </a:schemeClr>
+                </a:solidFill>
+                <a:latin typeface="微软雅黑" panose="020B0503020204020204" charset="-122"/>
+                <a:ea typeface="微软雅黑" panose="020B0503020204020204" charset="-122"/>
+              </a:rPr>
+              <a:t>Stage 1</a:t>
+            </a:r>
+            <a:endParaRPr lang="en-US" altLang="zh-CN" sz="2000">
+              <a:solidFill>
+                <a:schemeClr val="bg2">
+                  <a:lumMod val="65000"/>
+                </a:schemeClr>
+              </a:solidFill>
+              <a:latin typeface="微软雅黑" panose="020B0503020204020204" charset="-122"/>
+              <a:ea typeface="微软雅黑" panose="020B0503020204020204" charset="-122"/>
+            </a:endParaRPr>
+          </a:p>
+        </p:txBody>
+      </p:sp>
+      <p:sp>
+        <p:nvSpPr>
+          <p:cNvPr id="26" name="圆角矩形 25"/>
+          <p:cNvSpPr/>
+          <p:nvPr/>
+        </p:nvSpPr>
+        <p:spPr>
+          <a:xfrm>
+            <a:off x="5179060" y="3382645"/>
+            <a:ext cx="589280" cy="784225"/>
+          </a:xfrm>
+          <a:prstGeom prst="roundRect">
+            <a:avLst/>
+          </a:prstGeom>
+          <a:solidFill>
+            <a:schemeClr val="bg1"/>
+          </a:solidFill>
+          <a:ln w="28575" cmpd="sng">
+            <a:solidFill>
+              <a:schemeClr val="accent1">
+                <a:shade val="50000"/>
+              </a:schemeClr>
+            </a:solidFill>
+            <a:prstDash val="solid"/>
+          </a:ln>
+        </p:spPr>
+        <p:style>
+          <a:lnRef idx="2">
+            <a:schemeClr val="accent1">
+              <a:shade val="50000"/>
+            </a:schemeClr>
+          </a:lnRef>
+          <a:fillRef idx="1">
+            <a:schemeClr val="accent1"/>
+          </a:fillRef>
+          <a:effectRef idx="0">
+            <a:schemeClr val="accent1"/>
+          </a:effectRef>
+          <a:fontRef idx="minor">
+            <a:schemeClr val="lt1"/>
+          </a:fontRef>
+        </p:style>
+        <p:txBody>
+          <a:bodyPr rtlCol="0" anchor="ctr"/>
+          <a:p>
+            <a:pPr algn="ctr"/>
+            <a:endParaRPr lang="zh-CN" altLang="en-US"/>
+          </a:p>
+        </p:txBody>
+      </p:sp>
+      <p:sp>
+        <p:nvSpPr>
+          <p:cNvPr id="27" name="圆角矩形 26"/>
+          <p:cNvSpPr/>
+          <p:nvPr/>
+        </p:nvSpPr>
+        <p:spPr>
+          <a:xfrm>
+            <a:off x="5294630" y="3688715"/>
+            <a:ext cx="358140" cy="149860"/>
+          </a:xfrm>
+          <a:prstGeom prst="roundRect">
+            <a:avLst/>
+          </a:prstGeom>
+        </p:spPr>
+        <p:style>
+          <a:lnRef idx="2">
+            <a:schemeClr val="accent1">
+              <a:shade val="50000"/>
+            </a:schemeClr>
+          </a:lnRef>
+          <a:fillRef idx="1">
+            <a:schemeClr val="accent1"/>
+          </a:fillRef>
+          <a:effectRef idx="0">
+            <a:schemeClr val="accent1"/>
+          </a:effectRef>
+          <a:fontRef idx="minor">
+            <a:schemeClr val="lt1"/>
+          </a:fontRef>
+        </p:style>
+        <p:txBody>
+          <a:bodyPr rtlCol="0" anchor="ctr"/>
+          <a:p>
+            <a:pPr algn="ctr"/>
+            <a:endParaRPr lang="zh-CN" altLang="en-US"/>
+          </a:p>
+        </p:txBody>
+      </p:sp>
+      <p:sp>
+        <p:nvSpPr>
+          <p:cNvPr id="28" name="圆角矩形 27"/>
+          <p:cNvSpPr/>
+          <p:nvPr/>
+        </p:nvSpPr>
+        <p:spPr>
+          <a:xfrm>
+            <a:off x="5294630" y="3909695"/>
+            <a:ext cx="358140" cy="149860"/>
+          </a:xfrm>
+          <a:prstGeom prst="roundRect">
+            <a:avLst/>
+          </a:prstGeom>
+        </p:spPr>
+        <p:style>
+          <a:lnRef idx="2">
+            <a:schemeClr val="accent1">
+              <a:shade val="50000"/>
+            </a:schemeClr>
+          </a:lnRef>
+          <a:fillRef idx="1">
+            <a:schemeClr val="accent1"/>
+          </a:fillRef>
+          <a:effectRef idx="0">
+            <a:schemeClr val="accent1"/>
+          </a:effectRef>
+          <a:fontRef idx="minor">
+            <a:schemeClr val="lt1"/>
+          </a:fontRef>
+        </p:style>
+        <p:txBody>
+          <a:bodyPr rtlCol="0" anchor="ctr"/>
+          <a:p>
+            <a:pPr algn="ctr"/>
+            <a:endParaRPr lang="zh-CN" altLang="en-US"/>
+          </a:p>
+        </p:txBody>
+      </p:sp>
+      <p:sp>
+        <p:nvSpPr>
+          <p:cNvPr id="29" name="圆角矩形 28"/>
+          <p:cNvSpPr/>
+          <p:nvPr/>
+        </p:nvSpPr>
+        <p:spPr>
+          <a:xfrm>
+            <a:off x="5294630" y="3467735"/>
+            <a:ext cx="358140" cy="149860"/>
+          </a:xfrm>
+          <a:prstGeom prst="roundRect">
+            <a:avLst/>
+          </a:prstGeom>
+        </p:spPr>
+        <p:style>
+          <a:lnRef idx="2">
+            <a:schemeClr val="accent1">
+              <a:shade val="50000"/>
+            </a:schemeClr>
+          </a:lnRef>
+          <a:fillRef idx="1">
+            <a:schemeClr val="accent1"/>
+          </a:fillRef>
+          <a:effectRef idx="0">
+            <a:schemeClr val="accent1"/>
+          </a:effectRef>
+          <a:fontRef idx="minor">
+            <a:schemeClr val="lt1"/>
+          </a:fontRef>
+        </p:style>
+        <p:txBody>
+          <a:bodyPr rtlCol="0" anchor="ctr"/>
+          <a:p>
+            <a:pPr algn="ctr"/>
+            <a:endParaRPr lang="zh-CN" altLang="en-US"/>
+          </a:p>
+        </p:txBody>
+      </p:sp>
+      <p:sp>
+        <p:nvSpPr>
+          <p:cNvPr id="42" name="圆角矩形 41"/>
+          <p:cNvSpPr/>
+          <p:nvPr/>
+        </p:nvSpPr>
+        <p:spPr>
+          <a:xfrm>
+            <a:off x="1249680" y="3226435"/>
+            <a:ext cx="589280" cy="540385"/>
+          </a:xfrm>
+          <a:prstGeom prst="roundRect">
+            <a:avLst/>
+          </a:prstGeom>
+          <a:solidFill>
+            <a:schemeClr val="bg1"/>
+          </a:solidFill>
+          <a:ln w="28575" cmpd="sng">
+            <a:solidFill>
+              <a:schemeClr val="accent1">
+                <a:shade val="50000"/>
+              </a:schemeClr>
+            </a:solidFill>
+            <a:prstDash val="solid"/>
+          </a:ln>
+        </p:spPr>
+        <p:style>
+          <a:lnRef idx="2">
+            <a:schemeClr val="accent1">
+              <a:shade val="50000"/>
+            </a:schemeClr>
+          </a:lnRef>
+          <a:fillRef idx="1">
+            <a:schemeClr val="accent1"/>
+          </a:fillRef>
+          <a:effectRef idx="0">
+            <a:schemeClr val="accent1"/>
+          </a:effectRef>
+          <a:fontRef idx="minor">
+            <a:schemeClr val="lt1"/>
+          </a:fontRef>
+        </p:style>
+        <p:txBody>
+          <a:bodyPr rtlCol="0" anchor="ctr"/>
+          <a:p>
+            <a:pPr algn="ctr"/>
+            <a:endParaRPr lang="zh-CN" altLang="en-US"/>
+          </a:p>
+        </p:txBody>
+      </p:sp>
+      <p:sp>
+        <p:nvSpPr>
+          <p:cNvPr id="43" name="圆角矩形 42"/>
+          <p:cNvSpPr/>
+          <p:nvPr/>
+        </p:nvSpPr>
+        <p:spPr>
+          <a:xfrm>
+            <a:off x="1365250" y="3301365"/>
+            <a:ext cx="358140" cy="149860"/>
+          </a:xfrm>
+          <a:prstGeom prst="roundRect">
+            <a:avLst/>
+          </a:prstGeom>
+          <a:solidFill>
+            <a:schemeClr val="accent4"/>
+          </a:solidFill>
+        </p:spPr>
+        <p:style>
+          <a:lnRef idx="2">
+            <a:schemeClr val="accent1">
+              <a:shade val="50000"/>
+            </a:schemeClr>
+          </a:lnRef>
+          <a:fillRef idx="1">
+            <a:schemeClr val="accent1"/>
+          </a:fillRef>
+          <a:effectRef idx="0">
+            <a:schemeClr val="accent1"/>
+          </a:effectRef>
+          <a:fontRef idx="minor">
+            <a:schemeClr val="lt1"/>
+          </a:fontRef>
+        </p:style>
+        <p:txBody>
+          <a:bodyPr rtlCol="0" anchor="ctr"/>
+          <a:p>
+            <a:pPr algn="ctr"/>
+            <a:endParaRPr lang="zh-CN" altLang="en-US"/>
+          </a:p>
+        </p:txBody>
+      </p:sp>
+      <p:sp>
+        <p:nvSpPr>
+          <p:cNvPr id="44" name="圆角矩形 43"/>
+          <p:cNvSpPr/>
+          <p:nvPr/>
+        </p:nvSpPr>
+        <p:spPr>
+          <a:xfrm>
+            <a:off x="1365250" y="3529965"/>
+            <a:ext cx="358140" cy="149860"/>
+          </a:xfrm>
+          <a:prstGeom prst="roundRect">
+            <a:avLst/>
+          </a:prstGeom>
+          <a:solidFill>
+            <a:schemeClr val="accent4"/>
+          </a:solidFill>
+        </p:spPr>
+        <p:style>
+          <a:lnRef idx="2">
+            <a:schemeClr val="accent1">
+              <a:shade val="50000"/>
+            </a:schemeClr>
+          </a:lnRef>
+          <a:fillRef idx="1">
+            <a:schemeClr val="accent1"/>
+          </a:fillRef>
+          <a:effectRef idx="0">
+            <a:schemeClr val="accent1"/>
+          </a:effectRef>
+          <a:fontRef idx="minor">
+            <a:schemeClr val="lt1"/>
+          </a:fontRef>
+        </p:style>
+        <p:txBody>
+          <a:bodyPr rtlCol="0" anchor="ctr"/>
+          <a:p>
+            <a:pPr algn="ctr"/>
+            <a:endParaRPr lang="zh-CN" altLang="en-US"/>
+          </a:p>
+        </p:txBody>
+      </p:sp>
+      <p:sp>
+        <p:nvSpPr>
+          <p:cNvPr id="45" name="圆角矩形 44"/>
+          <p:cNvSpPr/>
+          <p:nvPr/>
+        </p:nvSpPr>
+        <p:spPr>
+          <a:xfrm>
+            <a:off x="2098675" y="3232785"/>
+            <a:ext cx="589280" cy="540385"/>
+          </a:xfrm>
+          <a:prstGeom prst="roundRect">
+            <a:avLst/>
+          </a:prstGeom>
+          <a:solidFill>
+            <a:schemeClr val="bg1"/>
+          </a:solidFill>
+          <a:ln w="28575" cmpd="sng">
+            <a:solidFill>
+              <a:schemeClr val="accent1">
+                <a:shade val="50000"/>
+              </a:schemeClr>
+            </a:solidFill>
+            <a:prstDash val="solid"/>
+          </a:ln>
+        </p:spPr>
+        <p:style>
+          <a:lnRef idx="2">
+            <a:schemeClr val="accent1">
+              <a:shade val="50000"/>
+            </a:schemeClr>
+          </a:lnRef>
+          <a:fillRef idx="1">
+            <a:schemeClr val="accent1"/>
+          </a:fillRef>
+          <a:effectRef idx="0">
+            <a:schemeClr val="accent1"/>
+          </a:effectRef>
+          <a:fontRef idx="minor">
+            <a:schemeClr val="lt1"/>
+          </a:fontRef>
+        </p:style>
+        <p:txBody>
+          <a:bodyPr rtlCol="0" anchor="ctr"/>
+          <a:p>
+            <a:pPr algn="ctr"/>
+            <a:endParaRPr lang="zh-CN" altLang="en-US"/>
+          </a:p>
+        </p:txBody>
+      </p:sp>
+      <p:sp>
+        <p:nvSpPr>
+          <p:cNvPr id="46" name="圆角矩形 45"/>
+          <p:cNvSpPr/>
+          <p:nvPr/>
+        </p:nvSpPr>
+        <p:spPr>
+          <a:xfrm>
+            <a:off x="2214245" y="3307715"/>
+            <a:ext cx="358140" cy="149860"/>
+          </a:xfrm>
+          <a:prstGeom prst="roundRect">
+            <a:avLst/>
+          </a:prstGeom>
+          <a:solidFill>
+            <a:schemeClr val="accent4"/>
+          </a:solidFill>
+        </p:spPr>
+        <p:style>
+          <a:lnRef idx="2">
+            <a:schemeClr val="accent1">
+              <a:shade val="50000"/>
+            </a:schemeClr>
+          </a:lnRef>
+          <a:fillRef idx="1">
+            <a:schemeClr val="accent1"/>
+          </a:fillRef>
+          <a:effectRef idx="0">
+            <a:schemeClr val="accent1"/>
+          </a:effectRef>
+          <a:fontRef idx="minor">
+            <a:schemeClr val="lt1"/>
+          </a:fontRef>
+        </p:style>
+        <p:txBody>
+          <a:bodyPr rtlCol="0" anchor="ctr"/>
+          <a:p>
+            <a:pPr algn="ctr"/>
+            <a:endParaRPr lang="zh-CN" altLang="en-US"/>
+          </a:p>
+        </p:txBody>
+      </p:sp>
+      <p:sp>
+        <p:nvSpPr>
+          <p:cNvPr id="47" name="圆角矩形 46"/>
+          <p:cNvSpPr/>
+          <p:nvPr/>
+        </p:nvSpPr>
+        <p:spPr>
+          <a:xfrm>
+            <a:off x="2214245" y="3536315"/>
+            <a:ext cx="358140" cy="149860"/>
+          </a:xfrm>
+          <a:prstGeom prst="roundRect">
+            <a:avLst/>
+          </a:prstGeom>
+          <a:solidFill>
+            <a:schemeClr val="accent4"/>
+          </a:solidFill>
+        </p:spPr>
+        <p:style>
+          <a:lnRef idx="2">
+            <a:schemeClr val="accent1">
+              <a:shade val="50000"/>
+            </a:schemeClr>
+          </a:lnRef>
+          <a:fillRef idx="1">
+            <a:schemeClr val="accent1"/>
+          </a:fillRef>
+          <a:effectRef idx="0">
+            <a:schemeClr val="accent1"/>
+          </a:effectRef>
+          <a:fontRef idx="minor">
+            <a:schemeClr val="lt1"/>
+          </a:fontRef>
+        </p:style>
+        <p:txBody>
+          <a:bodyPr rtlCol="0" anchor="ctr"/>
+          <a:p>
+            <a:pPr algn="ctr"/>
+            <a:endParaRPr lang="zh-CN" altLang="en-US"/>
+          </a:p>
+        </p:txBody>
+      </p:sp>
+      <p:cxnSp>
+        <p:nvCxnSpPr>
+          <p:cNvPr id="48" name="直接箭头连接符 47"/>
+          <p:cNvCxnSpPr>
+            <a:stCxn id="43" idx="3"/>
+            <a:endCxn id="46" idx="1"/>
+          </p:cNvCxnSpPr>
+          <p:nvPr/>
+        </p:nvCxnSpPr>
+        <p:spPr>
+          <a:xfrm>
+            <a:off x="1723390" y="3376295"/>
+            <a:ext cx="490855" cy="6350"/>
+          </a:xfrm>
+          <a:prstGeom prst="straightConnector1">
+            <a:avLst/>
+          </a:prstGeom>
+          <a:ln>
+            <a:tailEnd type="arrow" w="med" len="med"/>
+          </a:ln>
+        </p:spPr>
+        <p:style>
+          <a:lnRef idx="1">
+            <a:schemeClr val="dk1"/>
+          </a:lnRef>
+          <a:fillRef idx="0">
+            <a:schemeClr val="dk1"/>
+          </a:fillRef>
+          <a:effectRef idx="0">
+            <a:schemeClr val="dk1"/>
+          </a:effectRef>
+          <a:fontRef idx="minor">
+            <a:schemeClr val="tx1"/>
+          </a:fontRef>
+        </p:style>
+      </p:cxnSp>
+      <p:cxnSp>
+        <p:nvCxnSpPr>
+          <p:cNvPr id="49" name="直接箭头连接符 48"/>
+          <p:cNvCxnSpPr>
+            <a:stCxn id="44" idx="3"/>
+            <a:endCxn id="47" idx="1"/>
+          </p:cNvCxnSpPr>
+          <p:nvPr/>
+        </p:nvCxnSpPr>
+        <p:spPr>
+          <a:xfrm>
+            <a:off x="1723390" y="3604895"/>
+            <a:ext cx="490855" cy="6350"/>
+          </a:xfrm>
+          <a:prstGeom prst="straightConnector1">
+            <a:avLst/>
+          </a:prstGeom>
+          <a:ln>
+            <a:tailEnd type="arrow" w="med" len="med"/>
+          </a:ln>
+        </p:spPr>
+        <p:style>
+          <a:lnRef idx="1">
+            <a:schemeClr val="dk1"/>
+          </a:lnRef>
+          <a:fillRef idx="0">
+            <a:schemeClr val="dk1"/>
+          </a:fillRef>
+          <a:effectRef idx="0">
+            <a:schemeClr val="dk1"/>
+          </a:effectRef>
+          <a:fontRef idx="minor">
+            <a:schemeClr val="tx1"/>
+          </a:fontRef>
+        </p:style>
+      </p:cxnSp>
+      <p:sp>
+        <p:nvSpPr>
+          <p:cNvPr id="54" name="圆角矩形 53"/>
+          <p:cNvSpPr/>
+          <p:nvPr/>
+        </p:nvSpPr>
+        <p:spPr>
+          <a:xfrm>
+            <a:off x="2098675" y="3857625"/>
+            <a:ext cx="589280" cy="540385"/>
+          </a:xfrm>
+          <a:prstGeom prst="roundRect">
+            <a:avLst/>
+          </a:prstGeom>
+          <a:solidFill>
+            <a:schemeClr val="bg1"/>
+          </a:solidFill>
+          <a:ln w="28575" cmpd="sng">
+            <a:solidFill>
+              <a:schemeClr val="accent1">
+                <a:shade val="50000"/>
+              </a:schemeClr>
+            </a:solidFill>
+            <a:prstDash val="solid"/>
+          </a:ln>
+        </p:spPr>
+        <p:style>
+          <a:lnRef idx="2">
+            <a:schemeClr val="accent1">
+              <a:shade val="50000"/>
+            </a:schemeClr>
+          </a:lnRef>
+          <a:fillRef idx="1">
+            <a:schemeClr val="accent1"/>
+          </a:fillRef>
+          <a:effectRef idx="0">
+            <a:schemeClr val="accent1"/>
+          </a:effectRef>
+          <a:fontRef idx="minor">
+            <a:schemeClr val="lt1"/>
+          </a:fontRef>
+        </p:style>
+        <p:txBody>
+          <a:bodyPr rtlCol="0" anchor="ctr"/>
+          <a:p>
+            <a:pPr algn="ctr"/>
+            <a:endParaRPr lang="zh-CN" altLang="en-US"/>
+          </a:p>
+        </p:txBody>
+      </p:sp>
+      <p:sp>
+        <p:nvSpPr>
+          <p:cNvPr id="55" name="圆角矩形 54"/>
+          <p:cNvSpPr/>
+          <p:nvPr/>
+        </p:nvSpPr>
+        <p:spPr>
+          <a:xfrm>
+            <a:off x="2214245" y="3932555"/>
+            <a:ext cx="358140" cy="149860"/>
+          </a:xfrm>
+          <a:prstGeom prst="roundRect">
+            <a:avLst/>
+          </a:prstGeom>
+        </p:spPr>
+        <p:style>
+          <a:lnRef idx="2">
+            <a:schemeClr val="accent1">
+              <a:shade val="50000"/>
+            </a:schemeClr>
+          </a:lnRef>
+          <a:fillRef idx="1">
+            <a:schemeClr val="accent1"/>
+          </a:fillRef>
+          <a:effectRef idx="0">
+            <a:schemeClr val="accent1"/>
+          </a:effectRef>
+          <a:fontRef idx="minor">
+            <a:schemeClr val="lt1"/>
+          </a:fontRef>
+        </p:style>
+        <p:txBody>
+          <a:bodyPr rtlCol="0" anchor="ctr"/>
+          <a:p>
+            <a:pPr algn="ctr"/>
+            <a:endParaRPr lang="zh-CN" altLang="en-US"/>
+          </a:p>
+        </p:txBody>
+      </p:sp>
+      <p:sp>
+        <p:nvSpPr>
+          <p:cNvPr id="56" name="圆角矩形 55"/>
+          <p:cNvSpPr/>
+          <p:nvPr/>
+        </p:nvSpPr>
+        <p:spPr>
+          <a:xfrm>
+            <a:off x="2214245" y="4161155"/>
+            <a:ext cx="358140" cy="149860"/>
+          </a:xfrm>
+          <a:prstGeom prst="roundRect">
+            <a:avLst/>
+          </a:prstGeom>
+        </p:spPr>
+        <p:style>
+          <a:lnRef idx="2">
+            <a:schemeClr val="accent1">
+              <a:shade val="50000"/>
+            </a:schemeClr>
+          </a:lnRef>
+          <a:fillRef idx="1">
+            <a:schemeClr val="accent1"/>
+          </a:fillRef>
+          <a:effectRef idx="0">
+            <a:schemeClr val="accent1"/>
+          </a:effectRef>
+          <a:fontRef idx="minor">
+            <a:schemeClr val="lt1"/>
+          </a:fontRef>
+        </p:style>
+        <p:txBody>
+          <a:bodyPr rtlCol="0" anchor="ctr"/>
+          <a:p>
+            <a:pPr algn="ctr"/>
+            <a:endParaRPr lang="zh-CN" altLang="en-US"/>
+          </a:p>
+        </p:txBody>
+      </p:sp>
+      <p:sp>
+        <p:nvSpPr>
+          <p:cNvPr id="57" name="圆角矩形 56"/>
+          <p:cNvSpPr/>
+          <p:nvPr/>
+        </p:nvSpPr>
+        <p:spPr>
+          <a:xfrm>
+            <a:off x="2943860" y="3227705"/>
+            <a:ext cx="589280" cy="1179830"/>
+          </a:xfrm>
+          <a:prstGeom prst="roundRect">
+            <a:avLst/>
+          </a:prstGeom>
+          <a:solidFill>
+            <a:schemeClr val="bg1"/>
+          </a:solidFill>
+          <a:ln w="28575" cmpd="sng">
+            <a:solidFill>
+              <a:schemeClr val="accent1">
+                <a:shade val="50000"/>
+              </a:schemeClr>
+            </a:solidFill>
+            <a:prstDash val="solid"/>
+          </a:ln>
+        </p:spPr>
+        <p:style>
+          <a:lnRef idx="2">
+            <a:schemeClr val="accent1">
+              <a:shade val="50000"/>
+            </a:schemeClr>
+          </a:lnRef>
+          <a:fillRef idx="1">
+            <a:schemeClr val="accent1"/>
+          </a:fillRef>
+          <a:effectRef idx="0">
+            <a:schemeClr val="accent1"/>
+          </a:effectRef>
+          <a:fontRef idx="minor">
+            <a:schemeClr val="lt1"/>
+          </a:fontRef>
+        </p:style>
+        <p:txBody>
+          <a:bodyPr rtlCol="0" anchor="ctr"/>
+          <a:p>
+            <a:pPr algn="ctr"/>
+            <a:endParaRPr lang="zh-CN" altLang="en-US"/>
+          </a:p>
+        </p:txBody>
+      </p:sp>
+      <p:sp>
+        <p:nvSpPr>
+          <p:cNvPr id="58" name="圆角矩形 57"/>
+          <p:cNvSpPr/>
+          <p:nvPr/>
+        </p:nvSpPr>
+        <p:spPr>
+          <a:xfrm>
+            <a:off x="3058795" y="3307715"/>
+            <a:ext cx="358140" cy="149860"/>
+          </a:xfrm>
+          <a:prstGeom prst="roundRect">
+            <a:avLst/>
+          </a:prstGeom>
+          <a:solidFill>
+            <a:schemeClr val="accent4"/>
+          </a:solidFill>
+        </p:spPr>
+        <p:style>
+          <a:lnRef idx="2">
+            <a:schemeClr val="accent1">
+              <a:shade val="50000"/>
+            </a:schemeClr>
+          </a:lnRef>
+          <a:fillRef idx="1">
+            <a:schemeClr val="accent1"/>
+          </a:fillRef>
+          <a:effectRef idx="0">
+            <a:schemeClr val="accent1"/>
+          </a:effectRef>
+          <a:fontRef idx="minor">
+            <a:schemeClr val="lt1"/>
+          </a:fontRef>
+        </p:style>
+        <p:txBody>
+          <a:bodyPr rtlCol="0" anchor="ctr"/>
+          <a:p>
+            <a:pPr algn="ctr"/>
+            <a:endParaRPr lang="zh-CN" altLang="en-US"/>
+          </a:p>
+        </p:txBody>
+      </p:sp>
+      <p:sp>
+        <p:nvSpPr>
+          <p:cNvPr id="59" name="圆角矩形 58"/>
+          <p:cNvSpPr/>
+          <p:nvPr/>
+        </p:nvSpPr>
+        <p:spPr>
+          <a:xfrm>
+            <a:off x="3059430" y="3541395"/>
+            <a:ext cx="358140" cy="149860"/>
+          </a:xfrm>
+          <a:prstGeom prst="roundRect">
+            <a:avLst/>
+          </a:prstGeom>
+          <a:solidFill>
+            <a:schemeClr val="accent4"/>
+          </a:solidFill>
+        </p:spPr>
+        <p:style>
+          <a:lnRef idx="2">
+            <a:schemeClr val="accent1">
+              <a:shade val="50000"/>
+            </a:schemeClr>
+          </a:lnRef>
+          <a:fillRef idx="1">
+            <a:schemeClr val="accent1"/>
+          </a:fillRef>
+          <a:effectRef idx="0">
+            <a:schemeClr val="accent1"/>
+          </a:effectRef>
+          <a:fontRef idx="minor">
+            <a:schemeClr val="lt1"/>
+          </a:fontRef>
+        </p:style>
+        <p:txBody>
+          <a:bodyPr rtlCol="0" anchor="ctr"/>
+          <a:p>
+            <a:pPr algn="ctr"/>
+            <a:endParaRPr lang="zh-CN" altLang="en-US"/>
+          </a:p>
+        </p:txBody>
+      </p:sp>
+      <p:sp>
+        <p:nvSpPr>
+          <p:cNvPr id="60" name="圆角矩形 59"/>
+          <p:cNvSpPr/>
+          <p:nvPr/>
+        </p:nvSpPr>
+        <p:spPr>
+          <a:xfrm>
+            <a:off x="3059430" y="3932555"/>
+            <a:ext cx="358140" cy="149860"/>
+          </a:xfrm>
+          <a:prstGeom prst="roundRect">
+            <a:avLst/>
+          </a:prstGeom>
+        </p:spPr>
+        <p:style>
+          <a:lnRef idx="2">
+            <a:schemeClr val="accent1">
+              <a:shade val="50000"/>
+            </a:schemeClr>
+          </a:lnRef>
+          <a:fillRef idx="1">
+            <a:schemeClr val="accent1"/>
+          </a:fillRef>
+          <a:effectRef idx="0">
+            <a:schemeClr val="accent1"/>
+          </a:effectRef>
+          <a:fontRef idx="minor">
+            <a:schemeClr val="lt1"/>
+          </a:fontRef>
+        </p:style>
+        <p:txBody>
+          <a:bodyPr rtlCol="0" anchor="ctr"/>
+          <a:p>
+            <a:pPr algn="ctr"/>
+            <a:endParaRPr lang="zh-CN" altLang="en-US"/>
+          </a:p>
+        </p:txBody>
+      </p:sp>
+      <p:sp>
+        <p:nvSpPr>
+          <p:cNvPr id="61" name="圆角矩形 60"/>
+          <p:cNvSpPr/>
+          <p:nvPr/>
+        </p:nvSpPr>
+        <p:spPr>
+          <a:xfrm>
+            <a:off x="3059430" y="4161155"/>
+            <a:ext cx="358140" cy="149860"/>
+          </a:xfrm>
+          <a:prstGeom prst="roundRect">
+            <a:avLst/>
+          </a:prstGeom>
+        </p:spPr>
+        <p:style>
+          <a:lnRef idx="2">
+            <a:schemeClr val="accent1">
+              <a:shade val="50000"/>
+            </a:schemeClr>
+          </a:lnRef>
+          <a:fillRef idx="1">
+            <a:schemeClr val="accent1"/>
+          </a:fillRef>
+          <a:effectRef idx="0">
+            <a:schemeClr val="accent1"/>
+          </a:effectRef>
+          <a:fontRef idx="minor">
+            <a:schemeClr val="lt1"/>
+          </a:fontRef>
+        </p:style>
+        <p:txBody>
+          <a:bodyPr rtlCol="0" anchor="ctr"/>
+          <a:p>
+            <a:pPr algn="ctr"/>
+            <a:endParaRPr lang="zh-CN" altLang="en-US"/>
+          </a:p>
+        </p:txBody>
+      </p:sp>
+      <p:cxnSp>
+        <p:nvCxnSpPr>
+          <p:cNvPr id="62" name="直接箭头连接符 61"/>
+          <p:cNvCxnSpPr>
+            <a:stCxn id="55" idx="3"/>
+            <a:endCxn id="60" idx="1"/>
+          </p:cNvCxnSpPr>
+          <p:nvPr/>
+        </p:nvCxnSpPr>
+        <p:spPr>
+          <a:xfrm>
+            <a:off x="2572385" y="4007485"/>
+            <a:ext cx="487045" cy="0"/>
+          </a:xfrm>
+          <a:prstGeom prst="straightConnector1">
+            <a:avLst/>
+          </a:prstGeom>
+          <a:ln>
+            <a:tailEnd type="arrow" w="med" len="med"/>
+          </a:ln>
+        </p:spPr>
+        <p:style>
+          <a:lnRef idx="1">
+            <a:schemeClr val="dk1"/>
+          </a:lnRef>
+          <a:fillRef idx="0">
+            <a:schemeClr val="dk1"/>
+          </a:fillRef>
+          <a:effectRef idx="0">
+            <a:schemeClr val="dk1"/>
+          </a:effectRef>
+          <a:fontRef idx="minor">
+            <a:schemeClr val="tx1"/>
+          </a:fontRef>
+        </p:style>
+      </p:cxnSp>
+      <p:cxnSp>
+        <p:nvCxnSpPr>
+          <p:cNvPr id="63" name="直接箭头连接符 62"/>
+          <p:cNvCxnSpPr>
+            <a:stCxn id="56" idx="3"/>
+            <a:endCxn id="61" idx="1"/>
+          </p:cNvCxnSpPr>
+          <p:nvPr/>
+        </p:nvCxnSpPr>
+        <p:spPr>
+          <a:xfrm>
+            <a:off x="2572385" y="4236085"/>
+            <a:ext cx="487045" cy="0"/>
+          </a:xfrm>
+          <a:prstGeom prst="straightConnector1">
+            <a:avLst/>
+          </a:prstGeom>
+          <a:ln>
+            <a:tailEnd type="arrow" w="med" len="med"/>
+          </a:ln>
+        </p:spPr>
+        <p:style>
+          <a:lnRef idx="1">
+            <a:schemeClr val="dk1"/>
+          </a:lnRef>
+          <a:fillRef idx="0">
+            <a:schemeClr val="dk1"/>
+          </a:fillRef>
+          <a:effectRef idx="0">
+            <a:schemeClr val="dk1"/>
+          </a:effectRef>
+          <a:fontRef idx="minor">
+            <a:schemeClr val="tx1"/>
+          </a:fontRef>
+        </p:style>
+      </p:cxnSp>
+      <p:cxnSp>
+        <p:nvCxnSpPr>
+          <p:cNvPr id="64" name="直接箭头连接符 63"/>
+          <p:cNvCxnSpPr>
+            <a:stCxn id="46" idx="3"/>
+            <a:endCxn id="58" idx="1"/>
+          </p:cNvCxnSpPr>
+          <p:nvPr/>
+        </p:nvCxnSpPr>
+        <p:spPr>
+          <a:xfrm>
+            <a:off x="2572385" y="3382645"/>
+            <a:ext cx="486410" cy="0"/>
+          </a:xfrm>
+          <a:prstGeom prst="straightConnector1">
+            <a:avLst/>
+          </a:prstGeom>
+          <a:ln>
+            <a:tailEnd type="arrow" w="med" len="med"/>
+          </a:ln>
+        </p:spPr>
+        <p:style>
+          <a:lnRef idx="1">
+            <a:schemeClr val="dk1"/>
+          </a:lnRef>
+          <a:fillRef idx="0">
+            <a:schemeClr val="dk1"/>
+          </a:fillRef>
+          <a:effectRef idx="0">
+            <a:schemeClr val="dk1"/>
+          </a:effectRef>
+          <a:fontRef idx="minor">
+            <a:schemeClr val="tx1"/>
+          </a:fontRef>
+        </p:style>
+      </p:cxnSp>
+      <p:cxnSp>
+        <p:nvCxnSpPr>
+          <p:cNvPr id="65" name="直接箭头连接符 64"/>
+          <p:cNvCxnSpPr>
+            <a:stCxn id="47" idx="3"/>
+            <a:endCxn id="59" idx="1"/>
+          </p:cNvCxnSpPr>
+          <p:nvPr/>
+        </p:nvCxnSpPr>
+        <p:spPr>
+          <a:xfrm>
+            <a:off x="2572385" y="3611245"/>
+            <a:ext cx="487045" cy="5080"/>
+          </a:xfrm>
+          <a:prstGeom prst="straightConnector1">
+            <a:avLst/>
+          </a:prstGeom>
+          <a:ln>
+            <a:tailEnd type="arrow" w="med" len="med"/>
+          </a:ln>
+        </p:spPr>
+        <p:style>
+          <a:lnRef idx="1">
+            <a:schemeClr val="dk1"/>
+          </a:lnRef>
+          <a:fillRef idx="0">
+            <a:schemeClr val="dk1"/>
+          </a:fillRef>
+          <a:effectRef idx="0">
+            <a:schemeClr val="dk1"/>
+          </a:effectRef>
+          <a:fontRef idx="minor">
+            <a:schemeClr val="tx1"/>
+          </a:fontRef>
+        </p:style>
+      </p:cxnSp>
+      <p:sp>
+        <p:nvSpPr>
+          <p:cNvPr id="66" name="圆角矩形 65"/>
+          <p:cNvSpPr/>
+          <p:nvPr/>
+        </p:nvSpPr>
+        <p:spPr>
+          <a:xfrm>
+            <a:off x="4157345" y="3382645"/>
+            <a:ext cx="589280" cy="784225"/>
+          </a:xfrm>
+          <a:prstGeom prst="roundRect">
+            <a:avLst/>
+          </a:prstGeom>
+          <a:solidFill>
+            <a:schemeClr val="bg1"/>
+          </a:solidFill>
+          <a:ln w="28575" cmpd="sng">
+            <a:solidFill>
+              <a:schemeClr val="accent1">
+                <a:shade val="50000"/>
+              </a:schemeClr>
+            </a:solidFill>
+            <a:prstDash val="solid"/>
+          </a:ln>
+        </p:spPr>
+        <p:style>
+          <a:lnRef idx="2">
+            <a:schemeClr val="accent1">
+              <a:shade val="50000"/>
+            </a:schemeClr>
+          </a:lnRef>
+          <a:fillRef idx="1">
+            <a:schemeClr val="accent1"/>
+          </a:fillRef>
+          <a:effectRef idx="0">
+            <a:schemeClr val="accent1"/>
+          </a:effectRef>
+          <a:fontRef idx="minor">
+            <a:schemeClr val="lt1"/>
+          </a:fontRef>
+        </p:style>
+        <p:txBody>
+          <a:bodyPr rtlCol="0" anchor="ctr"/>
+          <a:p>
+            <a:pPr algn="ctr"/>
+            <a:endParaRPr lang="zh-CN" altLang="en-US"/>
+          </a:p>
+        </p:txBody>
+      </p:sp>
+      <p:sp>
+        <p:nvSpPr>
+          <p:cNvPr id="67" name="圆角矩形 66"/>
+          <p:cNvSpPr/>
+          <p:nvPr/>
+        </p:nvSpPr>
+        <p:spPr>
+          <a:xfrm>
+            <a:off x="4272915" y="3688715"/>
+            <a:ext cx="358140" cy="149860"/>
+          </a:xfrm>
+          <a:prstGeom prst="roundRect">
+            <a:avLst/>
+          </a:prstGeom>
+        </p:spPr>
+        <p:style>
+          <a:lnRef idx="2">
+            <a:schemeClr val="accent1">
+              <a:shade val="50000"/>
+            </a:schemeClr>
+          </a:lnRef>
+          <a:fillRef idx="1">
+            <a:schemeClr val="accent1"/>
+          </a:fillRef>
+          <a:effectRef idx="0">
+            <a:schemeClr val="accent1"/>
+          </a:effectRef>
+          <a:fontRef idx="minor">
+            <a:schemeClr val="lt1"/>
+          </a:fontRef>
+        </p:style>
+        <p:txBody>
+          <a:bodyPr rtlCol="0" anchor="ctr"/>
+          <a:p>
+            <a:pPr algn="ctr"/>
+            <a:endParaRPr lang="zh-CN" altLang="en-US"/>
+          </a:p>
+        </p:txBody>
+      </p:sp>
+      <p:sp>
+        <p:nvSpPr>
+          <p:cNvPr id="68" name="圆角矩形 67"/>
+          <p:cNvSpPr/>
+          <p:nvPr/>
+        </p:nvSpPr>
+        <p:spPr>
+          <a:xfrm>
+            <a:off x="4272915" y="3909695"/>
+            <a:ext cx="358140" cy="149860"/>
+          </a:xfrm>
+          <a:prstGeom prst="roundRect">
+            <a:avLst/>
+          </a:prstGeom>
+        </p:spPr>
+        <p:style>
+          <a:lnRef idx="2">
+            <a:schemeClr val="accent1">
+              <a:shade val="50000"/>
+            </a:schemeClr>
+          </a:lnRef>
+          <a:fillRef idx="1">
+            <a:schemeClr val="accent1"/>
+          </a:fillRef>
+          <a:effectRef idx="0">
+            <a:schemeClr val="accent1"/>
+          </a:effectRef>
+          <a:fontRef idx="minor">
+            <a:schemeClr val="lt1"/>
+          </a:fontRef>
+        </p:style>
+        <p:txBody>
+          <a:bodyPr rtlCol="0" anchor="ctr"/>
+          <a:p>
+            <a:pPr algn="ctr"/>
+            <a:endParaRPr lang="zh-CN" altLang="en-US"/>
+          </a:p>
+        </p:txBody>
+      </p:sp>
+      <p:sp>
+        <p:nvSpPr>
+          <p:cNvPr id="69" name="圆角矩形 68"/>
+          <p:cNvSpPr/>
+          <p:nvPr/>
+        </p:nvSpPr>
+        <p:spPr>
+          <a:xfrm>
+            <a:off x="4272915" y="3467735"/>
+            <a:ext cx="358140" cy="149860"/>
+          </a:xfrm>
+          <a:prstGeom prst="roundRect">
+            <a:avLst/>
+          </a:prstGeom>
+        </p:spPr>
+        <p:style>
+          <a:lnRef idx="2">
+            <a:schemeClr val="accent1">
+              <a:shade val="50000"/>
+            </a:schemeClr>
+          </a:lnRef>
+          <a:fillRef idx="1">
+            <a:schemeClr val="accent1"/>
+          </a:fillRef>
+          <a:effectRef idx="0">
+            <a:schemeClr val="accent1"/>
+          </a:effectRef>
+          <a:fontRef idx="minor">
+            <a:schemeClr val="lt1"/>
+          </a:fontRef>
+        </p:style>
+        <p:txBody>
+          <a:bodyPr rtlCol="0" anchor="ctr"/>
+          <a:p>
+            <a:pPr algn="ctr"/>
+            <a:endParaRPr lang="zh-CN" altLang="en-US"/>
+          </a:p>
+        </p:txBody>
+      </p:sp>
+      <p:cxnSp>
+        <p:nvCxnSpPr>
+          <p:cNvPr id="73" name="直接箭头连接符 72"/>
+          <p:cNvCxnSpPr>
+            <a:stCxn id="58" idx="3"/>
+            <a:endCxn id="69" idx="1"/>
+          </p:cNvCxnSpPr>
+          <p:nvPr/>
+        </p:nvCxnSpPr>
+        <p:spPr>
+          <a:xfrm>
+            <a:off x="3416935" y="3382645"/>
+            <a:ext cx="855980" cy="160020"/>
+          </a:xfrm>
+          <a:prstGeom prst="straightConnector1">
+            <a:avLst/>
+          </a:prstGeom>
+          <a:ln>
+            <a:tailEnd type="arrow" w="med" len="med"/>
+          </a:ln>
+        </p:spPr>
+        <p:style>
+          <a:lnRef idx="1">
+            <a:schemeClr val="dk1"/>
+          </a:lnRef>
+          <a:fillRef idx="0">
+            <a:schemeClr val="dk1"/>
+          </a:fillRef>
+          <a:effectRef idx="0">
+            <a:schemeClr val="dk1"/>
+          </a:effectRef>
+          <a:fontRef idx="minor">
+            <a:schemeClr val="tx1"/>
+          </a:fontRef>
+        </p:style>
+      </p:cxnSp>
+      <p:cxnSp>
+        <p:nvCxnSpPr>
+          <p:cNvPr id="74" name="直接箭头连接符 73"/>
+          <p:cNvCxnSpPr>
+            <a:stCxn id="59" idx="3"/>
+            <a:endCxn id="67" idx="1"/>
+          </p:cNvCxnSpPr>
+          <p:nvPr/>
+        </p:nvCxnSpPr>
+        <p:spPr>
+          <a:xfrm>
+            <a:off x="3417570" y="3616325"/>
+            <a:ext cx="855345" cy="147320"/>
+          </a:xfrm>
+          <a:prstGeom prst="straightConnector1">
+            <a:avLst/>
+          </a:prstGeom>
+          <a:ln>
+            <a:tailEnd type="arrow" w="med" len="med"/>
+          </a:ln>
+        </p:spPr>
+        <p:style>
+          <a:lnRef idx="1">
+            <a:schemeClr val="dk1"/>
+          </a:lnRef>
+          <a:fillRef idx="0">
+            <a:schemeClr val="dk1"/>
+          </a:fillRef>
+          <a:effectRef idx="0">
+            <a:schemeClr val="dk1"/>
+          </a:effectRef>
+          <a:fontRef idx="minor">
+            <a:schemeClr val="tx1"/>
+          </a:fontRef>
+        </p:style>
+      </p:cxnSp>
+      <p:cxnSp>
+        <p:nvCxnSpPr>
+          <p:cNvPr id="75" name="直接箭头连接符 74"/>
+          <p:cNvCxnSpPr>
+            <a:stCxn id="60" idx="3"/>
+            <a:endCxn id="68" idx="1"/>
+          </p:cNvCxnSpPr>
+          <p:nvPr/>
+        </p:nvCxnSpPr>
+        <p:spPr>
+          <a:xfrm flipV="1">
+            <a:off x="3417570" y="3984625"/>
+            <a:ext cx="855345" cy="22860"/>
+          </a:xfrm>
+          <a:prstGeom prst="straightConnector1">
+            <a:avLst/>
+          </a:prstGeom>
+          <a:ln>
+            <a:tailEnd type="arrow" w="med" len="med"/>
+          </a:ln>
+        </p:spPr>
+        <p:style>
+          <a:lnRef idx="1">
+            <a:schemeClr val="dk1"/>
+          </a:lnRef>
+          <a:fillRef idx="0">
+            <a:schemeClr val="dk1"/>
+          </a:fillRef>
+          <a:effectRef idx="0">
+            <a:schemeClr val="dk1"/>
+          </a:effectRef>
+          <a:fontRef idx="minor">
+            <a:schemeClr val="tx1"/>
+          </a:fontRef>
+        </p:style>
+      </p:cxnSp>
+      <p:cxnSp>
+        <p:nvCxnSpPr>
+          <p:cNvPr id="76" name="直接箭头连接符 75"/>
+          <p:cNvCxnSpPr>
+            <a:stCxn id="58" idx="3"/>
+            <a:endCxn id="67" idx="1"/>
+          </p:cNvCxnSpPr>
+          <p:nvPr/>
+        </p:nvCxnSpPr>
+        <p:spPr>
+          <a:xfrm>
+            <a:off x="3416935" y="3382645"/>
+            <a:ext cx="855980" cy="381000"/>
+          </a:xfrm>
+          <a:prstGeom prst="straightConnector1">
+            <a:avLst/>
+          </a:prstGeom>
+          <a:ln>
+            <a:tailEnd type="arrow" w="med" len="med"/>
+          </a:ln>
+        </p:spPr>
+        <p:style>
+          <a:lnRef idx="1">
+            <a:schemeClr val="dk1"/>
+          </a:lnRef>
+          <a:fillRef idx="0">
+            <a:schemeClr val="dk1"/>
+          </a:fillRef>
+          <a:effectRef idx="0">
+            <a:schemeClr val="dk1"/>
+          </a:effectRef>
+          <a:fontRef idx="minor">
+            <a:schemeClr val="tx1"/>
+          </a:fontRef>
+        </p:style>
+      </p:cxnSp>
+      <p:cxnSp>
+        <p:nvCxnSpPr>
+          <p:cNvPr id="77" name="直接箭头连接符 76"/>
+          <p:cNvCxnSpPr>
+            <a:stCxn id="58" idx="3"/>
+            <a:endCxn id="68" idx="1"/>
+          </p:cNvCxnSpPr>
+          <p:nvPr/>
+        </p:nvCxnSpPr>
+        <p:spPr>
+          <a:xfrm>
+            <a:off x="3416935" y="3382645"/>
+            <a:ext cx="855980" cy="601980"/>
+          </a:xfrm>
+          <a:prstGeom prst="straightConnector1">
+            <a:avLst/>
+          </a:prstGeom>
+          <a:ln>
+            <a:tailEnd type="arrow" w="med" len="med"/>
+          </a:ln>
+        </p:spPr>
+        <p:style>
+          <a:lnRef idx="1">
+            <a:schemeClr val="dk1"/>
+          </a:lnRef>
+          <a:fillRef idx="0">
+            <a:schemeClr val="dk1"/>
+          </a:fillRef>
+          <a:effectRef idx="0">
+            <a:schemeClr val="dk1"/>
+          </a:effectRef>
+          <a:fontRef idx="minor">
+            <a:schemeClr val="tx1"/>
+          </a:fontRef>
+        </p:style>
+      </p:cxnSp>
+      <p:cxnSp>
+        <p:nvCxnSpPr>
+          <p:cNvPr id="78" name="直接箭头连接符 77"/>
+          <p:cNvCxnSpPr>
+            <a:stCxn id="59" idx="3"/>
+            <a:endCxn id="69" idx="1"/>
+          </p:cNvCxnSpPr>
+          <p:nvPr/>
+        </p:nvCxnSpPr>
+        <p:spPr>
+          <a:xfrm flipV="1">
+            <a:off x="3417570" y="3542665"/>
+            <a:ext cx="855345" cy="73660"/>
+          </a:xfrm>
+          <a:prstGeom prst="straightConnector1">
+            <a:avLst/>
+          </a:prstGeom>
+          <a:ln>
+            <a:tailEnd type="arrow" w="med" len="med"/>
+          </a:ln>
+        </p:spPr>
+        <p:style>
+          <a:lnRef idx="1">
+            <a:schemeClr val="dk1"/>
+          </a:lnRef>
+          <a:fillRef idx="0">
+            <a:schemeClr val="dk1"/>
+          </a:fillRef>
+          <a:effectRef idx="0">
+            <a:schemeClr val="dk1"/>
+          </a:effectRef>
+          <a:fontRef idx="minor">
+            <a:schemeClr val="tx1"/>
+          </a:fontRef>
+        </p:style>
+      </p:cxnSp>
+      <p:cxnSp>
+        <p:nvCxnSpPr>
+          <p:cNvPr id="79" name="直接箭头连接符 78"/>
+          <p:cNvCxnSpPr>
+            <a:stCxn id="59" idx="3"/>
+            <a:endCxn id="68" idx="1"/>
+          </p:cNvCxnSpPr>
+          <p:nvPr/>
+        </p:nvCxnSpPr>
+        <p:spPr>
+          <a:xfrm>
+            <a:off x="3417570" y="3616325"/>
+            <a:ext cx="855345" cy="368300"/>
+          </a:xfrm>
+          <a:prstGeom prst="straightConnector1">
+            <a:avLst/>
+          </a:prstGeom>
+          <a:ln>
+            <a:tailEnd type="arrow" w="med" len="med"/>
+          </a:ln>
+        </p:spPr>
+        <p:style>
+          <a:lnRef idx="1">
+            <a:schemeClr val="dk1"/>
+          </a:lnRef>
+          <a:fillRef idx="0">
+            <a:schemeClr val="dk1"/>
+          </a:fillRef>
+          <a:effectRef idx="0">
+            <a:schemeClr val="dk1"/>
+          </a:effectRef>
+          <a:fontRef idx="minor">
+            <a:schemeClr val="tx1"/>
+          </a:fontRef>
+        </p:style>
+      </p:cxnSp>
+      <p:cxnSp>
+        <p:nvCxnSpPr>
+          <p:cNvPr id="80" name="直接箭头连接符 79"/>
+          <p:cNvCxnSpPr>
+            <a:stCxn id="60" idx="3"/>
+            <a:endCxn id="69" idx="1"/>
+          </p:cNvCxnSpPr>
+          <p:nvPr/>
+        </p:nvCxnSpPr>
+        <p:spPr>
+          <a:xfrm flipV="1">
+            <a:off x="3417570" y="3542665"/>
+            <a:ext cx="855345" cy="464820"/>
+          </a:xfrm>
+          <a:prstGeom prst="straightConnector1">
+            <a:avLst/>
+          </a:prstGeom>
+          <a:ln>
+            <a:tailEnd type="arrow" w="med" len="med"/>
+          </a:ln>
+        </p:spPr>
+        <p:style>
+          <a:lnRef idx="1">
+            <a:schemeClr val="dk1"/>
+          </a:lnRef>
+          <a:fillRef idx="0">
+            <a:schemeClr val="dk1"/>
+          </a:fillRef>
+          <a:effectRef idx="0">
+            <a:schemeClr val="dk1"/>
+          </a:effectRef>
+          <a:fontRef idx="minor">
+            <a:schemeClr val="tx1"/>
+          </a:fontRef>
+        </p:style>
+      </p:cxnSp>
+      <p:cxnSp>
+        <p:nvCxnSpPr>
+          <p:cNvPr id="81" name="直接箭头连接符 80"/>
+          <p:cNvCxnSpPr>
+            <a:stCxn id="60" idx="3"/>
+            <a:endCxn id="67" idx="1"/>
+          </p:cNvCxnSpPr>
+          <p:nvPr/>
+        </p:nvCxnSpPr>
+        <p:spPr>
+          <a:xfrm flipV="1">
+            <a:off x="3417570" y="3763645"/>
+            <a:ext cx="855345" cy="243840"/>
+          </a:xfrm>
+          <a:prstGeom prst="straightConnector1">
+            <a:avLst/>
+          </a:prstGeom>
+          <a:ln>
+            <a:tailEnd type="arrow" w="med" len="med"/>
+          </a:ln>
+        </p:spPr>
+        <p:style>
+          <a:lnRef idx="1">
+            <a:schemeClr val="dk1"/>
+          </a:lnRef>
+          <a:fillRef idx="0">
+            <a:schemeClr val="dk1"/>
+          </a:fillRef>
+          <a:effectRef idx="0">
+            <a:schemeClr val="dk1"/>
+          </a:effectRef>
+          <a:fontRef idx="minor">
+            <a:schemeClr val="tx1"/>
+          </a:fontRef>
+        </p:style>
+      </p:cxnSp>
+      <p:cxnSp>
+        <p:nvCxnSpPr>
+          <p:cNvPr id="82" name="直接箭头连接符 81"/>
+          <p:cNvCxnSpPr>
+            <a:stCxn id="61" idx="3"/>
+            <a:endCxn id="69" idx="1"/>
+          </p:cNvCxnSpPr>
+          <p:nvPr/>
+        </p:nvCxnSpPr>
+        <p:spPr>
+          <a:xfrm flipV="1">
+            <a:off x="3417570" y="3542665"/>
+            <a:ext cx="855345" cy="693420"/>
+          </a:xfrm>
+          <a:prstGeom prst="straightConnector1">
+            <a:avLst/>
+          </a:prstGeom>
+          <a:ln>
+            <a:tailEnd type="arrow" w="med" len="med"/>
+          </a:ln>
+        </p:spPr>
+        <p:style>
+          <a:lnRef idx="1">
+            <a:schemeClr val="dk1"/>
+          </a:lnRef>
+          <a:fillRef idx="0">
+            <a:schemeClr val="dk1"/>
+          </a:fillRef>
+          <a:effectRef idx="0">
+            <a:schemeClr val="dk1"/>
+          </a:effectRef>
+          <a:fontRef idx="minor">
+            <a:schemeClr val="tx1"/>
+          </a:fontRef>
+        </p:style>
+      </p:cxnSp>
+      <p:cxnSp>
+        <p:nvCxnSpPr>
+          <p:cNvPr id="83" name="直接箭头连接符 82"/>
+          <p:cNvCxnSpPr>
+            <a:stCxn id="61" idx="3"/>
+            <a:endCxn id="67" idx="1"/>
+          </p:cNvCxnSpPr>
+          <p:nvPr/>
+        </p:nvCxnSpPr>
+        <p:spPr>
+          <a:xfrm flipV="1">
+            <a:off x="3417570" y="3763645"/>
+            <a:ext cx="855345" cy="472440"/>
+          </a:xfrm>
+          <a:prstGeom prst="straightConnector1">
+            <a:avLst/>
+          </a:prstGeom>
+          <a:ln>
+            <a:tailEnd type="arrow" w="med" len="med"/>
+          </a:ln>
+        </p:spPr>
+        <p:style>
+          <a:lnRef idx="1">
+            <a:schemeClr val="dk1"/>
+          </a:lnRef>
+          <a:fillRef idx="0">
+            <a:schemeClr val="dk1"/>
+          </a:fillRef>
+          <a:effectRef idx="0">
+            <a:schemeClr val="dk1"/>
+          </a:effectRef>
+          <a:fontRef idx="minor">
+            <a:schemeClr val="tx1"/>
+          </a:fontRef>
+        </p:style>
+      </p:cxnSp>
+      <p:cxnSp>
+        <p:nvCxnSpPr>
+          <p:cNvPr id="84" name="直接箭头连接符 83"/>
+          <p:cNvCxnSpPr>
+            <a:stCxn id="61" idx="3"/>
+            <a:endCxn id="68" idx="1"/>
+          </p:cNvCxnSpPr>
+          <p:nvPr/>
+        </p:nvCxnSpPr>
+        <p:spPr>
+          <a:xfrm flipV="1">
+            <a:off x="3417570" y="3984625"/>
+            <a:ext cx="855345" cy="251460"/>
+          </a:xfrm>
+          <a:prstGeom prst="straightConnector1">
+            <a:avLst/>
+          </a:prstGeom>
+          <a:ln>
+            <a:tailEnd type="arrow" w="med" len="med"/>
+          </a:ln>
+        </p:spPr>
+        <p:style>
+          <a:lnRef idx="1">
+            <a:schemeClr val="dk1"/>
+          </a:lnRef>
+          <a:fillRef idx="0">
+            <a:schemeClr val="dk1"/>
+          </a:fillRef>
+          <a:effectRef idx="0">
+            <a:schemeClr val="dk1"/>
+          </a:effectRef>
+          <a:fontRef idx="minor">
+            <a:schemeClr val="tx1"/>
+          </a:fontRef>
+        </p:style>
+      </p:cxnSp>
+      <p:cxnSp>
+        <p:nvCxnSpPr>
+          <p:cNvPr id="3" name="直接箭头连接符 2"/>
+          <p:cNvCxnSpPr>
+            <a:stCxn id="69" idx="3"/>
+            <a:endCxn id="29" idx="1"/>
+          </p:cNvCxnSpPr>
+          <p:nvPr/>
+        </p:nvCxnSpPr>
+        <p:spPr>
+          <a:xfrm>
+            <a:off x="4631055" y="3542665"/>
+            <a:ext cx="663575" cy="0"/>
+          </a:xfrm>
+          <a:prstGeom prst="straightConnector1">
+            <a:avLst/>
+          </a:prstGeom>
+          <a:ln>
+            <a:tailEnd type="arrow" w="med" len="med"/>
+          </a:ln>
+        </p:spPr>
+        <p:style>
+          <a:lnRef idx="1">
+            <a:schemeClr val="dk1"/>
+          </a:lnRef>
+          <a:fillRef idx="0">
+            <a:schemeClr val="dk1"/>
+          </a:fillRef>
+          <a:effectRef idx="0">
+            <a:schemeClr val="dk1"/>
+          </a:effectRef>
+          <a:fontRef idx="minor">
+            <a:schemeClr val="tx1"/>
+          </a:fontRef>
+        </p:style>
+      </p:cxnSp>
+      <p:cxnSp>
+        <p:nvCxnSpPr>
+          <p:cNvPr id="4" name="直接箭头连接符 3"/>
+          <p:cNvCxnSpPr>
+            <a:stCxn id="67" idx="3"/>
+            <a:endCxn id="27" idx="1"/>
+          </p:cNvCxnSpPr>
+          <p:nvPr/>
+        </p:nvCxnSpPr>
+        <p:spPr>
+          <a:xfrm>
+            <a:off x="4631055" y="3763645"/>
+            <a:ext cx="663575" cy="0"/>
+          </a:xfrm>
+          <a:prstGeom prst="straightConnector1">
+            <a:avLst/>
+          </a:prstGeom>
+          <a:ln>
+            <a:tailEnd type="arrow" w="med" len="med"/>
+          </a:ln>
+        </p:spPr>
+        <p:style>
+          <a:lnRef idx="1">
+            <a:schemeClr val="dk1"/>
+          </a:lnRef>
+          <a:fillRef idx="0">
+            <a:schemeClr val="dk1"/>
+          </a:fillRef>
+          <a:effectRef idx="0">
+            <a:schemeClr val="dk1"/>
+          </a:effectRef>
+          <a:fontRef idx="minor">
+            <a:schemeClr val="tx1"/>
+          </a:fontRef>
+        </p:style>
+      </p:cxnSp>
+      <p:cxnSp>
+        <p:nvCxnSpPr>
+          <p:cNvPr id="5" name="直接箭头连接符 4"/>
+          <p:cNvCxnSpPr>
+            <a:stCxn id="68" idx="3"/>
+            <a:endCxn id="28" idx="1"/>
+          </p:cNvCxnSpPr>
+          <p:nvPr/>
+        </p:nvCxnSpPr>
+        <p:spPr>
+          <a:xfrm>
+            <a:off x="4631055" y="3984625"/>
+            <a:ext cx="663575" cy="0"/>
+          </a:xfrm>
+          <a:prstGeom prst="straightConnector1">
+            <a:avLst/>
+          </a:prstGeom>
+          <a:ln>
+            <a:tailEnd type="arrow" w="med" len="med"/>
+          </a:ln>
+        </p:spPr>
+        <p:style>
+          <a:lnRef idx="1">
+            <a:schemeClr val="dk1"/>
+          </a:lnRef>
+          <a:fillRef idx="0">
+            <a:schemeClr val="dk1"/>
+          </a:fillRef>
+          <a:effectRef idx="0">
+            <a:schemeClr val="dk1"/>
+          </a:effectRef>
+          <a:fontRef idx="minor">
+            <a:schemeClr val="tx1"/>
+          </a:fontRef>
+        </p:style>
+      </p:cxnSp>
+      <p:sp>
+        <p:nvSpPr>
+          <p:cNvPr id="6" name="圆角矩形 5"/>
+          <p:cNvSpPr/>
+          <p:nvPr/>
+        </p:nvSpPr>
+        <p:spPr>
+          <a:xfrm>
+            <a:off x="8759190" y="3166745"/>
+            <a:ext cx="1097915" cy="1328420"/>
+          </a:xfrm>
+          <a:prstGeom prst="roundRect">
+            <a:avLst/>
+          </a:prstGeom>
+          <a:solidFill>
+            <a:schemeClr val="bg1"/>
+          </a:solidFill>
+          <a:ln w="28575" cmpd="sng">
+            <a:solidFill>
+              <a:schemeClr val="bg2">
+                <a:lumMod val="65000"/>
+              </a:schemeClr>
+            </a:solidFill>
+            <a:prstDash val="sysDash"/>
+          </a:ln>
+        </p:spPr>
+        <p:style>
+          <a:lnRef idx="2">
+            <a:schemeClr val="accent1">
+              <a:shade val="50000"/>
+            </a:schemeClr>
+          </a:lnRef>
+          <a:fillRef idx="1">
+            <a:schemeClr val="accent1"/>
+          </a:fillRef>
+          <a:effectRef idx="0">
+            <a:schemeClr val="accent1"/>
+          </a:effectRef>
+          <a:fontRef idx="minor">
+            <a:schemeClr val="lt1"/>
+          </a:fontRef>
+        </p:style>
+        <p:txBody>
+          <a:bodyPr rtlCol="0" anchor="ctr"/>
+          <a:p>
+            <a:pPr algn="ctr"/>
+            <a:endParaRPr lang="zh-CN" altLang="en-US"/>
+          </a:p>
+        </p:txBody>
+      </p:sp>
+      <p:sp>
+        <p:nvSpPr>
+          <p:cNvPr id="120" name="圆角矩形 119"/>
+          <p:cNvSpPr/>
+          <p:nvPr/>
+        </p:nvSpPr>
+        <p:spPr>
+          <a:xfrm>
+            <a:off x="8845550" y="3218180"/>
+            <a:ext cx="912495" cy="1179830"/>
+          </a:xfrm>
+          <a:prstGeom prst="roundRect">
+            <a:avLst/>
+          </a:prstGeom>
+          <a:solidFill>
+            <a:schemeClr val="bg1"/>
+          </a:solidFill>
+          <a:ln w="28575" cmpd="sng">
+            <a:solidFill>
+              <a:schemeClr val="accent1">
+                <a:shade val="50000"/>
+              </a:schemeClr>
+            </a:solidFill>
+            <a:prstDash val="solid"/>
+          </a:ln>
+        </p:spPr>
+        <p:style>
+          <a:lnRef idx="2">
+            <a:schemeClr val="accent1">
+              <a:shade val="50000"/>
+            </a:schemeClr>
+          </a:lnRef>
+          <a:fillRef idx="1">
+            <a:schemeClr val="accent1"/>
+          </a:fillRef>
+          <a:effectRef idx="0">
+            <a:schemeClr val="accent1"/>
+          </a:effectRef>
+          <a:fontRef idx="minor">
+            <a:schemeClr val="lt1"/>
+          </a:fontRef>
+        </p:style>
+        <p:txBody>
+          <a:bodyPr rtlCol="0" anchor="ctr"/>
+          <a:p>
+            <a:pPr algn="ctr"/>
+            <a:endParaRPr lang="zh-CN" altLang="en-US"/>
+          </a:p>
+        </p:txBody>
+      </p:sp>
+      <p:sp>
+        <p:nvSpPr>
+          <p:cNvPr id="7" name="文本框 6"/>
+          <p:cNvSpPr txBox="1"/>
+          <p:nvPr/>
+        </p:nvSpPr>
+        <p:spPr>
+          <a:xfrm>
+            <a:off x="8845550" y="4594225"/>
+            <a:ext cx="1120775" cy="398780"/>
+          </a:xfrm>
+          <a:prstGeom prst="rect">
+            <a:avLst/>
+          </a:prstGeom>
+          <a:noFill/>
+        </p:spPr>
+        <p:txBody>
+          <a:bodyPr wrap="square" rtlCol="0">
+            <a:spAutoFit/>
+          </a:bodyPr>
+          <a:p>
+            <a:r>
+              <a:rPr lang="en-US" altLang="zh-CN" sz="2000">
+                <a:solidFill>
+                  <a:schemeClr val="bg2">
+                    <a:lumMod val="65000"/>
+                  </a:schemeClr>
+                </a:solidFill>
+                <a:latin typeface="微软雅黑" panose="020B0503020204020204" charset="-122"/>
+                <a:ea typeface="微软雅黑" panose="020B0503020204020204" charset="-122"/>
+              </a:rPr>
+              <a:t>Stage 2</a:t>
+            </a:r>
+            <a:endParaRPr lang="en-US" altLang="zh-CN" sz="2000">
+              <a:solidFill>
+                <a:schemeClr val="bg2">
+                  <a:lumMod val="65000"/>
+                </a:schemeClr>
+              </a:solidFill>
+              <a:latin typeface="微软雅黑" panose="020B0503020204020204" charset="-122"/>
+              <a:ea typeface="微软雅黑" panose="020B0503020204020204" charset="-122"/>
+            </a:endParaRPr>
+          </a:p>
+        </p:txBody>
+      </p:sp>
+      <p:sp>
+        <p:nvSpPr>
+          <p:cNvPr id="8" name="圆角矩形 7"/>
+          <p:cNvSpPr/>
+          <p:nvPr/>
+        </p:nvSpPr>
+        <p:spPr>
+          <a:xfrm>
+            <a:off x="7392035" y="3166745"/>
+            <a:ext cx="1064260" cy="1327785"/>
+          </a:xfrm>
+          <a:prstGeom prst="roundRect">
+            <a:avLst/>
+          </a:prstGeom>
+          <a:solidFill>
+            <a:schemeClr val="bg1"/>
+          </a:solidFill>
+          <a:ln w="28575" cmpd="sng">
+            <a:solidFill>
+              <a:schemeClr val="bg2">
+                <a:lumMod val="65000"/>
+              </a:schemeClr>
+            </a:solidFill>
+            <a:prstDash val="sysDash"/>
+          </a:ln>
+        </p:spPr>
+        <p:style>
+          <a:lnRef idx="2">
+            <a:schemeClr val="accent1">
+              <a:shade val="50000"/>
+            </a:schemeClr>
+          </a:lnRef>
+          <a:fillRef idx="1">
+            <a:schemeClr val="accent1"/>
+          </a:fillRef>
+          <a:effectRef idx="0">
+            <a:schemeClr val="accent1"/>
+          </a:effectRef>
+          <a:fontRef idx="minor">
+            <a:schemeClr val="lt1"/>
+          </a:fontRef>
+        </p:style>
+        <p:txBody>
+          <a:bodyPr rtlCol="0" anchor="ctr"/>
+          <a:p>
+            <a:pPr algn="ctr"/>
+            <a:endParaRPr lang="zh-CN" altLang="en-US"/>
+          </a:p>
+        </p:txBody>
+      </p:sp>
+      <p:sp>
+        <p:nvSpPr>
+          <p:cNvPr id="9" name="文本框 8"/>
+          <p:cNvSpPr txBox="1"/>
+          <p:nvPr/>
+        </p:nvSpPr>
+        <p:spPr>
+          <a:xfrm>
+            <a:off x="7392035" y="4594225"/>
+            <a:ext cx="1116330" cy="398780"/>
+          </a:xfrm>
+          <a:prstGeom prst="rect">
+            <a:avLst/>
+          </a:prstGeom>
+          <a:noFill/>
+        </p:spPr>
+        <p:txBody>
+          <a:bodyPr wrap="square" rtlCol="0">
+            <a:spAutoFit/>
+          </a:bodyPr>
+          <a:p>
+            <a:r>
+              <a:rPr lang="en-US" altLang="zh-CN" sz="2000">
+                <a:solidFill>
+                  <a:schemeClr val="bg2">
+                    <a:lumMod val="65000"/>
+                  </a:schemeClr>
+                </a:solidFill>
+                <a:latin typeface="微软雅黑" panose="020B0503020204020204" charset="-122"/>
+                <a:ea typeface="微软雅黑" panose="020B0503020204020204" charset="-122"/>
+              </a:rPr>
+              <a:t>Stage 1</a:t>
+            </a:r>
+            <a:endParaRPr lang="en-US" altLang="zh-CN" sz="2000">
+              <a:solidFill>
+                <a:schemeClr val="bg2">
+                  <a:lumMod val="65000"/>
+                </a:schemeClr>
+              </a:solidFill>
+              <a:latin typeface="微软雅黑" panose="020B0503020204020204" charset="-122"/>
+              <a:ea typeface="微软雅黑" panose="020B0503020204020204" charset="-122"/>
+            </a:endParaRPr>
+          </a:p>
+        </p:txBody>
+      </p:sp>
+      <p:sp>
+        <p:nvSpPr>
+          <p:cNvPr id="88" name="圆角矩形 87"/>
+          <p:cNvSpPr/>
+          <p:nvPr/>
+        </p:nvSpPr>
+        <p:spPr>
+          <a:xfrm>
+            <a:off x="7543800" y="3227705"/>
+            <a:ext cx="765810" cy="1179830"/>
+          </a:xfrm>
+          <a:prstGeom prst="roundRect">
+            <a:avLst/>
+          </a:prstGeom>
+          <a:solidFill>
+            <a:schemeClr val="bg1"/>
+          </a:solidFill>
+          <a:ln w="28575" cmpd="sng">
+            <a:solidFill>
+              <a:schemeClr val="accent1">
+                <a:shade val="50000"/>
+              </a:schemeClr>
+            </a:solidFill>
+            <a:prstDash val="solid"/>
+          </a:ln>
+        </p:spPr>
+        <p:style>
+          <a:lnRef idx="2">
+            <a:schemeClr val="accent1">
+              <a:shade val="50000"/>
+            </a:schemeClr>
+          </a:lnRef>
+          <a:fillRef idx="1">
+            <a:schemeClr val="accent1"/>
+          </a:fillRef>
+          <a:effectRef idx="0">
+            <a:schemeClr val="accent1"/>
+          </a:effectRef>
+          <a:fontRef idx="minor">
+            <a:schemeClr val="lt1"/>
+          </a:fontRef>
+        </p:style>
+        <p:txBody>
+          <a:bodyPr rtlCol="0" anchor="ctr"/>
+          <a:p>
+            <a:pPr algn="ctr"/>
+            <a:endParaRPr lang="zh-CN" altLang="en-US"/>
+          </a:p>
+        </p:txBody>
+      </p:sp>
+      <p:cxnSp>
+        <p:nvCxnSpPr>
+          <p:cNvPr id="101" name="直接箭头连接符 100"/>
+          <p:cNvCxnSpPr>
+            <a:stCxn id="116" idx="3"/>
+            <a:endCxn id="121" idx="1"/>
+          </p:cNvCxnSpPr>
+          <p:nvPr/>
+        </p:nvCxnSpPr>
+        <p:spPr>
+          <a:xfrm>
+            <a:off x="8209280" y="3404870"/>
+            <a:ext cx="815975" cy="57785"/>
+          </a:xfrm>
+          <a:prstGeom prst="straightConnector1">
+            <a:avLst/>
+          </a:prstGeom>
+          <a:ln>
+            <a:tailEnd type="arrow" w="med" len="med"/>
+          </a:ln>
+        </p:spPr>
+        <p:style>
+          <a:lnRef idx="1">
+            <a:schemeClr val="dk1"/>
+          </a:lnRef>
+          <a:fillRef idx="0">
+            <a:schemeClr val="dk1"/>
+          </a:fillRef>
+          <a:effectRef idx="0">
+            <a:schemeClr val="dk1"/>
+          </a:effectRef>
+          <a:fontRef idx="minor">
+            <a:schemeClr val="tx1"/>
+          </a:fontRef>
+        </p:style>
+      </p:cxnSp>
+      <p:cxnSp>
+        <p:nvCxnSpPr>
+          <p:cNvPr id="102" name="直接箭头连接符 101"/>
+          <p:cNvCxnSpPr>
+            <a:stCxn id="117" idx="3"/>
+            <a:endCxn id="122" idx="1"/>
+          </p:cNvCxnSpPr>
+          <p:nvPr/>
+        </p:nvCxnSpPr>
+        <p:spPr>
+          <a:xfrm>
+            <a:off x="8209915" y="3695065"/>
+            <a:ext cx="808990" cy="103505"/>
+          </a:xfrm>
+          <a:prstGeom prst="straightConnector1">
+            <a:avLst/>
+          </a:prstGeom>
+          <a:ln>
+            <a:tailEnd type="arrow" w="med" len="med"/>
+          </a:ln>
+        </p:spPr>
+        <p:style>
+          <a:lnRef idx="1">
+            <a:schemeClr val="dk1"/>
+          </a:lnRef>
+          <a:fillRef idx="0">
+            <a:schemeClr val="dk1"/>
+          </a:fillRef>
+          <a:effectRef idx="0">
+            <a:schemeClr val="dk1"/>
+          </a:effectRef>
+          <a:fontRef idx="minor">
+            <a:schemeClr val="tx1"/>
+          </a:fontRef>
+        </p:style>
+      </p:cxnSp>
+      <p:cxnSp>
+        <p:nvCxnSpPr>
+          <p:cNvPr id="103" name="直接箭头连接符 102"/>
+          <p:cNvCxnSpPr>
+            <a:stCxn id="118" idx="3"/>
+            <a:endCxn id="123" idx="1"/>
+          </p:cNvCxnSpPr>
+          <p:nvPr/>
+        </p:nvCxnSpPr>
+        <p:spPr>
+          <a:xfrm>
+            <a:off x="8209915" y="3961130"/>
+            <a:ext cx="815340" cy="174625"/>
+          </a:xfrm>
+          <a:prstGeom prst="straightConnector1">
+            <a:avLst/>
+          </a:prstGeom>
+          <a:ln>
+            <a:tailEnd type="arrow" w="med" len="med"/>
+          </a:ln>
+        </p:spPr>
+        <p:style>
+          <a:lnRef idx="1">
+            <a:schemeClr val="dk1"/>
+          </a:lnRef>
+          <a:fillRef idx="0">
+            <a:schemeClr val="dk1"/>
+          </a:fillRef>
+          <a:effectRef idx="0">
+            <a:schemeClr val="dk1"/>
+          </a:effectRef>
+          <a:fontRef idx="minor">
+            <a:schemeClr val="tx1"/>
+          </a:fontRef>
+        </p:style>
+      </p:cxnSp>
+      <p:cxnSp>
+        <p:nvCxnSpPr>
+          <p:cNvPr id="104" name="直接箭头连接符 103"/>
+          <p:cNvCxnSpPr>
+            <a:stCxn id="116" idx="3"/>
+            <a:endCxn id="122" idx="1"/>
+          </p:cNvCxnSpPr>
+          <p:nvPr/>
+        </p:nvCxnSpPr>
+        <p:spPr>
+          <a:xfrm>
+            <a:off x="8209280" y="3404870"/>
+            <a:ext cx="809625" cy="393700"/>
+          </a:xfrm>
+          <a:prstGeom prst="straightConnector1">
+            <a:avLst/>
+          </a:prstGeom>
+          <a:ln>
+            <a:tailEnd type="arrow" w="med" len="med"/>
+          </a:ln>
+        </p:spPr>
+        <p:style>
+          <a:lnRef idx="1">
+            <a:schemeClr val="dk1"/>
+          </a:lnRef>
+          <a:fillRef idx="0">
+            <a:schemeClr val="dk1"/>
+          </a:fillRef>
+          <a:effectRef idx="0">
+            <a:schemeClr val="dk1"/>
+          </a:effectRef>
+          <a:fontRef idx="minor">
+            <a:schemeClr val="tx1"/>
+          </a:fontRef>
+        </p:style>
+      </p:cxnSp>
+      <p:cxnSp>
+        <p:nvCxnSpPr>
+          <p:cNvPr id="105" name="直接箭头连接符 104"/>
+          <p:cNvCxnSpPr>
+            <a:stCxn id="116" idx="3"/>
+            <a:endCxn id="123" idx="1"/>
+          </p:cNvCxnSpPr>
+          <p:nvPr/>
+        </p:nvCxnSpPr>
+        <p:spPr>
+          <a:xfrm>
+            <a:off x="8209280" y="3404870"/>
+            <a:ext cx="815975" cy="730885"/>
+          </a:xfrm>
+          <a:prstGeom prst="straightConnector1">
+            <a:avLst/>
+          </a:prstGeom>
+          <a:ln>
+            <a:tailEnd type="arrow" w="med" len="med"/>
+          </a:ln>
+        </p:spPr>
+        <p:style>
+          <a:lnRef idx="1">
+            <a:schemeClr val="dk1"/>
+          </a:lnRef>
+          <a:fillRef idx="0">
+            <a:schemeClr val="dk1"/>
+          </a:fillRef>
+          <a:effectRef idx="0">
+            <a:schemeClr val="dk1"/>
+          </a:effectRef>
+          <a:fontRef idx="minor">
+            <a:schemeClr val="tx1"/>
+          </a:fontRef>
+        </p:style>
+      </p:cxnSp>
+      <p:cxnSp>
+        <p:nvCxnSpPr>
+          <p:cNvPr id="106" name="直接箭头连接符 105"/>
+          <p:cNvCxnSpPr>
+            <a:stCxn id="117" idx="3"/>
+            <a:endCxn id="121" idx="1"/>
+          </p:cNvCxnSpPr>
+          <p:nvPr/>
+        </p:nvCxnSpPr>
+        <p:spPr>
+          <a:xfrm flipV="1">
+            <a:off x="8209915" y="3462655"/>
+            <a:ext cx="815340" cy="232410"/>
+          </a:xfrm>
+          <a:prstGeom prst="straightConnector1">
+            <a:avLst/>
+          </a:prstGeom>
+          <a:ln>
+            <a:tailEnd type="arrow" w="med" len="med"/>
+          </a:ln>
+        </p:spPr>
+        <p:style>
+          <a:lnRef idx="1">
+            <a:schemeClr val="dk1"/>
+          </a:lnRef>
+          <a:fillRef idx="0">
+            <a:schemeClr val="dk1"/>
+          </a:fillRef>
+          <a:effectRef idx="0">
+            <a:schemeClr val="dk1"/>
+          </a:effectRef>
+          <a:fontRef idx="minor">
+            <a:schemeClr val="tx1"/>
+          </a:fontRef>
+        </p:style>
+      </p:cxnSp>
+      <p:cxnSp>
+        <p:nvCxnSpPr>
+          <p:cNvPr id="107" name="直接箭头连接符 106"/>
+          <p:cNvCxnSpPr>
+            <a:stCxn id="117" idx="3"/>
+            <a:endCxn id="123" idx="1"/>
+          </p:cNvCxnSpPr>
+          <p:nvPr/>
+        </p:nvCxnSpPr>
+        <p:spPr>
+          <a:xfrm>
+            <a:off x="8209915" y="3695065"/>
+            <a:ext cx="815340" cy="440690"/>
+          </a:xfrm>
+          <a:prstGeom prst="straightConnector1">
+            <a:avLst/>
+          </a:prstGeom>
+          <a:ln>
+            <a:tailEnd type="arrow" w="med" len="med"/>
+          </a:ln>
+        </p:spPr>
+        <p:style>
+          <a:lnRef idx="1">
+            <a:schemeClr val="dk1"/>
+          </a:lnRef>
+          <a:fillRef idx="0">
+            <a:schemeClr val="dk1"/>
+          </a:fillRef>
+          <a:effectRef idx="0">
+            <a:schemeClr val="dk1"/>
+          </a:effectRef>
+          <a:fontRef idx="minor">
+            <a:schemeClr val="tx1"/>
+          </a:fontRef>
+        </p:style>
+      </p:cxnSp>
+      <p:cxnSp>
+        <p:nvCxnSpPr>
+          <p:cNvPr id="108" name="直接箭头连接符 107"/>
+          <p:cNvCxnSpPr>
+            <a:stCxn id="118" idx="3"/>
+            <a:endCxn id="121" idx="1"/>
+          </p:cNvCxnSpPr>
+          <p:nvPr/>
+        </p:nvCxnSpPr>
+        <p:spPr>
+          <a:xfrm flipV="1">
+            <a:off x="8209915" y="3462655"/>
+            <a:ext cx="815340" cy="498475"/>
+          </a:xfrm>
+          <a:prstGeom prst="straightConnector1">
+            <a:avLst/>
+          </a:prstGeom>
+          <a:ln>
+            <a:tailEnd type="arrow" w="med" len="med"/>
+          </a:ln>
+        </p:spPr>
+        <p:style>
+          <a:lnRef idx="1">
+            <a:schemeClr val="dk1"/>
+          </a:lnRef>
+          <a:fillRef idx="0">
+            <a:schemeClr val="dk1"/>
+          </a:fillRef>
+          <a:effectRef idx="0">
+            <a:schemeClr val="dk1"/>
+          </a:effectRef>
+          <a:fontRef idx="minor">
+            <a:schemeClr val="tx1"/>
+          </a:fontRef>
+        </p:style>
+      </p:cxnSp>
+      <p:cxnSp>
+        <p:nvCxnSpPr>
+          <p:cNvPr id="109" name="直接箭头连接符 108"/>
+          <p:cNvCxnSpPr>
+            <a:stCxn id="118" idx="3"/>
+            <a:endCxn id="122" idx="1"/>
+          </p:cNvCxnSpPr>
+          <p:nvPr/>
+        </p:nvCxnSpPr>
+        <p:spPr>
+          <a:xfrm flipV="1">
+            <a:off x="8209915" y="3798570"/>
+            <a:ext cx="808990" cy="162560"/>
+          </a:xfrm>
+          <a:prstGeom prst="straightConnector1">
+            <a:avLst/>
+          </a:prstGeom>
+          <a:ln>
+            <a:tailEnd type="arrow" w="med" len="med"/>
+          </a:ln>
+        </p:spPr>
+        <p:style>
+          <a:lnRef idx="1">
+            <a:schemeClr val="dk1"/>
+          </a:lnRef>
+          <a:fillRef idx="0">
+            <a:schemeClr val="dk1"/>
+          </a:fillRef>
+          <a:effectRef idx="0">
+            <a:schemeClr val="dk1"/>
+          </a:effectRef>
+          <a:fontRef idx="minor">
+            <a:schemeClr val="tx1"/>
+          </a:fontRef>
+        </p:style>
+      </p:cxnSp>
+      <p:cxnSp>
+        <p:nvCxnSpPr>
+          <p:cNvPr id="110" name="直接箭头连接符 109"/>
+          <p:cNvCxnSpPr>
+            <a:stCxn id="119" idx="3"/>
+            <a:endCxn id="121" idx="1"/>
+          </p:cNvCxnSpPr>
+          <p:nvPr/>
+        </p:nvCxnSpPr>
+        <p:spPr>
+          <a:xfrm flipV="1">
+            <a:off x="8209915" y="3462655"/>
+            <a:ext cx="815340" cy="775970"/>
+          </a:xfrm>
+          <a:prstGeom prst="straightConnector1">
+            <a:avLst/>
+          </a:prstGeom>
+          <a:ln>
+            <a:tailEnd type="arrow" w="med" len="med"/>
+          </a:ln>
+        </p:spPr>
+        <p:style>
+          <a:lnRef idx="1">
+            <a:schemeClr val="dk1"/>
+          </a:lnRef>
+          <a:fillRef idx="0">
+            <a:schemeClr val="dk1"/>
+          </a:fillRef>
+          <a:effectRef idx="0">
+            <a:schemeClr val="dk1"/>
+          </a:effectRef>
+          <a:fontRef idx="minor">
+            <a:schemeClr val="tx1"/>
+          </a:fontRef>
+        </p:style>
+      </p:cxnSp>
+      <p:cxnSp>
+        <p:nvCxnSpPr>
+          <p:cNvPr id="111" name="直接箭头连接符 110"/>
+          <p:cNvCxnSpPr>
+            <a:stCxn id="119" idx="3"/>
+            <a:endCxn id="122" idx="1"/>
+          </p:cNvCxnSpPr>
+          <p:nvPr/>
+        </p:nvCxnSpPr>
+        <p:spPr>
+          <a:xfrm flipV="1">
+            <a:off x="8209915" y="3798570"/>
+            <a:ext cx="808990" cy="440055"/>
+          </a:xfrm>
+          <a:prstGeom prst="straightConnector1">
+            <a:avLst/>
+          </a:prstGeom>
+          <a:ln>
+            <a:tailEnd type="arrow" w="med" len="med"/>
+          </a:ln>
+        </p:spPr>
+        <p:style>
+          <a:lnRef idx="1">
+            <a:schemeClr val="dk1"/>
+          </a:lnRef>
+          <a:fillRef idx="0">
+            <a:schemeClr val="dk1"/>
+          </a:fillRef>
+          <a:effectRef idx="0">
+            <a:schemeClr val="dk1"/>
+          </a:effectRef>
+          <a:fontRef idx="minor">
+            <a:schemeClr val="tx1"/>
+          </a:fontRef>
+        </p:style>
+      </p:cxnSp>
+      <p:cxnSp>
+        <p:nvCxnSpPr>
+          <p:cNvPr id="112" name="直接箭头连接符 111"/>
+          <p:cNvCxnSpPr>
+            <a:stCxn id="119" idx="3"/>
+            <a:endCxn id="123" idx="1"/>
+          </p:cNvCxnSpPr>
+          <p:nvPr/>
+        </p:nvCxnSpPr>
+        <p:spPr>
+          <a:xfrm flipV="1">
+            <a:off x="8209915" y="4135755"/>
+            <a:ext cx="815340" cy="102870"/>
+          </a:xfrm>
+          <a:prstGeom prst="straightConnector1">
+            <a:avLst/>
+          </a:prstGeom>
+          <a:ln>
+            <a:tailEnd type="arrow" w="med" len="med"/>
+          </a:ln>
+        </p:spPr>
+        <p:style>
+          <a:lnRef idx="1">
+            <a:schemeClr val="dk1"/>
+          </a:lnRef>
+          <a:fillRef idx="0">
+            <a:schemeClr val="dk1"/>
+          </a:fillRef>
+          <a:effectRef idx="0">
+            <a:schemeClr val="dk1"/>
+          </a:effectRef>
+          <a:fontRef idx="minor">
+            <a:schemeClr val="tx1"/>
+          </a:fontRef>
+        </p:style>
+      </p:cxnSp>
+      <p:sp>
+        <p:nvSpPr>
+          <p:cNvPr id="116" name="圆角矩形 115"/>
+          <p:cNvSpPr/>
+          <p:nvPr/>
+        </p:nvSpPr>
+        <p:spPr>
+          <a:xfrm>
+            <a:off x="7643495" y="3301365"/>
+            <a:ext cx="565785" cy="206375"/>
+          </a:xfrm>
+          <a:prstGeom prst="roundRect">
+            <a:avLst/>
+          </a:prstGeom>
+          <a:solidFill>
+            <a:schemeClr val="accent4"/>
+          </a:solidFill>
+        </p:spPr>
+        <p:style>
+          <a:lnRef idx="2">
+            <a:schemeClr val="accent1">
+              <a:shade val="50000"/>
+            </a:schemeClr>
+          </a:lnRef>
+          <a:fillRef idx="1">
+            <a:schemeClr val="accent1"/>
+          </a:fillRef>
+          <a:effectRef idx="0">
+            <a:schemeClr val="accent1"/>
+          </a:effectRef>
+          <a:fontRef idx="minor">
+            <a:schemeClr val="lt1"/>
+          </a:fontRef>
+        </p:style>
+        <p:txBody>
+          <a:bodyPr rtlCol="0" anchor="ctr"/>
+          <a:p>
+            <a:pPr algn="ctr"/>
+            <a:endParaRPr lang="zh-CN" altLang="en-US"/>
+          </a:p>
+        </p:txBody>
+      </p:sp>
+      <p:sp>
+        <p:nvSpPr>
+          <p:cNvPr id="117" name="圆角矩形 116"/>
+          <p:cNvSpPr/>
+          <p:nvPr/>
+        </p:nvSpPr>
+        <p:spPr>
+          <a:xfrm>
+            <a:off x="7644130" y="3591560"/>
+            <a:ext cx="565785" cy="206375"/>
+          </a:xfrm>
+          <a:prstGeom prst="roundRect">
+            <a:avLst/>
+          </a:prstGeom>
+          <a:solidFill>
+            <a:schemeClr val="accent4"/>
+          </a:solidFill>
+        </p:spPr>
+        <p:style>
+          <a:lnRef idx="2">
+            <a:schemeClr val="accent1">
+              <a:shade val="50000"/>
+            </a:schemeClr>
+          </a:lnRef>
+          <a:fillRef idx="1">
+            <a:schemeClr val="accent1"/>
+          </a:fillRef>
+          <a:effectRef idx="0">
+            <a:schemeClr val="accent1"/>
+          </a:effectRef>
+          <a:fontRef idx="minor">
+            <a:schemeClr val="lt1"/>
+          </a:fontRef>
+        </p:style>
+        <p:txBody>
+          <a:bodyPr rtlCol="0" anchor="ctr"/>
+          <a:p>
+            <a:pPr algn="ctr"/>
+            <a:endParaRPr lang="zh-CN" altLang="en-US"/>
+          </a:p>
+        </p:txBody>
+      </p:sp>
+      <p:sp>
+        <p:nvSpPr>
+          <p:cNvPr id="118" name="圆角矩形 117"/>
+          <p:cNvSpPr/>
+          <p:nvPr/>
+        </p:nvSpPr>
+        <p:spPr>
+          <a:xfrm>
+            <a:off x="7644130" y="3857625"/>
+            <a:ext cx="565785" cy="206375"/>
+          </a:xfrm>
+          <a:prstGeom prst="roundRect">
+            <a:avLst/>
+          </a:prstGeom>
+          <a:solidFill>
+            <a:schemeClr val="accent1"/>
+          </a:solidFill>
+        </p:spPr>
+        <p:style>
+          <a:lnRef idx="2">
+            <a:schemeClr val="accent1">
+              <a:shade val="50000"/>
+            </a:schemeClr>
+          </a:lnRef>
+          <a:fillRef idx="1">
+            <a:schemeClr val="accent1"/>
+          </a:fillRef>
+          <a:effectRef idx="0">
+            <a:schemeClr val="accent1"/>
+          </a:effectRef>
+          <a:fontRef idx="minor">
+            <a:schemeClr val="lt1"/>
+          </a:fontRef>
+        </p:style>
+        <p:txBody>
+          <a:bodyPr rtlCol="0" anchor="ctr"/>
+          <a:p>
+            <a:pPr algn="ctr"/>
+            <a:endParaRPr lang="zh-CN" altLang="en-US"/>
+          </a:p>
+        </p:txBody>
+      </p:sp>
+      <p:sp>
+        <p:nvSpPr>
+          <p:cNvPr id="119" name="圆角矩形 118"/>
+          <p:cNvSpPr/>
+          <p:nvPr/>
+        </p:nvSpPr>
+        <p:spPr>
+          <a:xfrm>
+            <a:off x="7644130" y="4135120"/>
+            <a:ext cx="565785" cy="206375"/>
+          </a:xfrm>
+          <a:prstGeom prst="roundRect">
+            <a:avLst/>
+          </a:prstGeom>
+          <a:solidFill>
+            <a:schemeClr val="accent1"/>
+          </a:solidFill>
+        </p:spPr>
+        <p:style>
+          <a:lnRef idx="2">
+            <a:schemeClr val="accent1">
+              <a:shade val="50000"/>
+            </a:schemeClr>
+          </a:lnRef>
+          <a:fillRef idx="1">
+            <a:schemeClr val="accent1"/>
+          </a:fillRef>
+          <a:effectRef idx="0">
+            <a:schemeClr val="accent1"/>
+          </a:effectRef>
+          <a:fontRef idx="minor">
+            <a:schemeClr val="lt1"/>
+          </a:fontRef>
+        </p:style>
+        <p:txBody>
+          <a:bodyPr rtlCol="0" anchor="ctr"/>
+          <a:p>
+            <a:pPr algn="ctr"/>
+            <a:endParaRPr lang="zh-CN" altLang="en-US"/>
+          </a:p>
+        </p:txBody>
+      </p:sp>
+      <p:sp>
+        <p:nvSpPr>
+          <p:cNvPr id="121" name="圆角矩形 120"/>
+          <p:cNvSpPr/>
+          <p:nvPr/>
+        </p:nvSpPr>
+        <p:spPr>
+          <a:xfrm>
+            <a:off x="9025255" y="3359150"/>
+            <a:ext cx="565785" cy="206375"/>
+          </a:xfrm>
+          <a:prstGeom prst="roundRect">
+            <a:avLst/>
+          </a:prstGeom>
+          <a:solidFill>
+            <a:schemeClr val="accent1"/>
+          </a:solidFill>
+        </p:spPr>
+        <p:style>
+          <a:lnRef idx="2">
+            <a:schemeClr val="accent1">
+              <a:shade val="50000"/>
+            </a:schemeClr>
+          </a:lnRef>
+          <a:fillRef idx="1">
+            <a:schemeClr val="accent1"/>
+          </a:fillRef>
+          <a:effectRef idx="0">
+            <a:schemeClr val="accent1"/>
+          </a:effectRef>
+          <a:fontRef idx="minor">
+            <a:schemeClr val="lt1"/>
+          </a:fontRef>
+        </p:style>
+        <p:txBody>
+          <a:bodyPr rtlCol="0" anchor="ctr"/>
+          <a:p>
+            <a:pPr algn="ctr"/>
+            <a:endParaRPr lang="zh-CN" altLang="en-US"/>
+          </a:p>
+        </p:txBody>
+      </p:sp>
+      <p:sp>
+        <p:nvSpPr>
+          <p:cNvPr id="122" name="圆角矩形 121"/>
+          <p:cNvSpPr/>
+          <p:nvPr/>
+        </p:nvSpPr>
+        <p:spPr>
+          <a:xfrm>
+            <a:off x="9018905" y="3695065"/>
+            <a:ext cx="565785" cy="206375"/>
+          </a:xfrm>
+          <a:prstGeom prst="roundRect">
+            <a:avLst/>
+          </a:prstGeom>
+          <a:solidFill>
+            <a:schemeClr val="accent1"/>
+          </a:solidFill>
+        </p:spPr>
+        <p:style>
+          <a:lnRef idx="2">
+            <a:schemeClr val="accent1">
+              <a:shade val="50000"/>
+            </a:schemeClr>
+          </a:lnRef>
+          <a:fillRef idx="1">
+            <a:schemeClr val="accent1"/>
+          </a:fillRef>
+          <a:effectRef idx="0">
+            <a:schemeClr val="accent1"/>
+          </a:effectRef>
+          <a:fontRef idx="minor">
+            <a:schemeClr val="lt1"/>
+          </a:fontRef>
+        </p:style>
+        <p:txBody>
+          <a:bodyPr rtlCol="0" anchor="ctr"/>
+          <a:p>
+            <a:pPr algn="ctr"/>
+            <a:endParaRPr lang="zh-CN" altLang="en-US"/>
+          </a:p>
+        </p:txBody>
+      </p:sp>
+      <p:sp>
+        <p:nvSpPr>
+          <p:cNvPr id="123" name="圆角矩形 122"/>
+          <p:cNvSpPr/>
+          <p:nvPr/>
+        </p:nvSpPr>
+        <p:spPr>
+          <a:xfrm>
+            <a:off x="9025255" y="4032250"/>
+            <a:ext cx="565785" cy="206375"/>
+          </a:xfrm>
+          <a:prstGeom prst="roundRect">
+            <a:avLst/>
+          </a:prstGeom>
+          <a:solidFill>
+            <a:schemeClr val="accent1"/>
+          </a:solidFill>
+        </p:spPr>
+        <p:style>
+          <a:lnRef idx="2">
+            <a:schemeClr val="accent1">
+              <a:shade val="50000"/>
+            </a:schemeClr>
+          </a:lnRef>
+          <a:fillRef idx="1">
+            <a:schemeClr val="accent1"/>
+          </a:fillRef>
+          <a:effectRef idx="0">
+            <a:schemeClr val="accent1"/>
+          </a:effectRef>
+          <a:fontRef idx="minor">
+            <a:schemeClr val="lt1"/>
+          </a:fontRef>
+        </p:style>
+        <p:txBody>
+          <a:bodyPr rtlCol="0" anchor="ctr"/>
+          <a:p>
+            <a:pPr algn="ctr"/>
+            <a:endParaRPr lang="zh-CN" altLang="en-US"/>
           </a:p>
         </p:txBody>
       </p:sp>

--- a/meeting/作图.pptx
+++ b/meeting/作图.pptx
@@ -26,6 +26,7 @@
     <p:sldId id="594" r:id="rId19"/>
     <p:sldId id="596" r:id="rId20"/>
     <p:sldId id="595" r:id="rId21"/>
+    <p:sldId id="598" r:id="rId22"/>
   </p:sldIdLst>
   <p:sldSz cx="12192000" cy="6858000"/>
   <p:notesSz cx="6858000" cy="9144000"/>
@@ -27308,51 +27309,6 @@
           </a:p>
         </p:txBody>
       </p:sp>
-      <p:sp>
-        <p:nvSpPr>
-          <p:cNvPr id="70" name="文本框 69"/>
-          <p:cNvSpPr txBox="1"/>
-          <p:nvPr/>
-        </p:nvSpPr>
-        <p:spPr>
-          <a:xfrm>
-            <a:off x="5316855" y="6232525"/>
-            <a:ext cx="563880" cy="398780"/>
-          </a:xfrm>
-          <a:prstGeom prst="rect">
-            <a:avLst/>
-          </a:prstGeom>
-          <a:noFill/>
-        </p:spPr>
-        <p:txBody>
-          <a:bodyPr wrap="square" rtlCol="0">
-            <a:spAutoFit/>
-          </a:bodyPr>
-          <a:p>
-            <a:r>
-              <a:rPr lang="en-US" altLang="zh-CN" sz="2000">
-                <a:solidFill>
-                  <a:schemeClr val="bg2">
-                    <a:lumMod val="65000"/>
-                  </a:schemeClr>
-                </a:solidFill>
-                <a:latin typeface="微软雅黑" panose="020B0503020204020204" charset="-122"/>
-                <a:ea typeface="微软雅黑" panose="020B0503020204020204" charset="-122"/>
-              </a:rPr>
-              <a:t>G2</a:t>
-            </a:r>
-            <a:endParaRPr lang="en-US" altLang="zh-CN" sz="2000">
-              <a:solidFill>
-                <a:schemeClr val="bg2">
-                  <a:lumMod val="65000"/>
-                </a:schemeClr>
-              </a:solidFill>
-              <a:latin typeface="微软雅黑" panose="020B0503020204020204" charset="-122"/>
-              <a:ea typeface="微软雅黑" panose="020B0503020204020204" charset="-122"/>
-            </a:endParaRPr>
-          </a:p>
-        </p:txBody>
-      </p:sp>
       <p:cxnSp>
         <p:nvCxnSpPr>
           <p:cNvPr id="87" name="直接箭头连接符 86"/>
@@ -27364,7 +27320,7 @@
         </p:nvCxnSpPr>
         <p:spPr>
           <a:xfrm>
-            <a:off x="3190558" y="3584893"/>
+            <a:off x="2087563" y="3614738"/>
             <a:ext cx="431165" cy="967105"/>
           </a:xfrm>
           <a:prstGeom prst="straightConnector1">
@@ -27400,7 +27356,7 @@
         </p:nvCxnSpPr>
         <p:spPr>
           <a:xfrm>
-            <a:off x="2760028" y="3584893"/>
+            <a:off x="1657033" y="3614738"/>
             <a:ext cx="422910" cy="967105"/>
           </a:xfrm>
           <a:prstGeom prst="straightConnector1">
@@ -27436,7 +27392,7 @@
         </p:nvCxnSpPr>
         <p:spPr>
           <a:xfrm>
-            <a:off x="3622040" y="3585210"/>
+            <a:off x="2519045" y="3615055"/>
             <a:ext cx="0" cy="967105"/>
           </a:xfrm>
           <a:prstGeom prst="straightConnector1">
@@ -27472,7 +27428,7 @@
         </p:nvCxnSpPr>
         <p:spPr>
           <a:xfrm flipH="1">
-            <a:off x="3183255" y="3585210"/>
+            <a:off x="2080260" y="3615055"/>
             <a:ext cx="438785" cy="967105"/>
           </a:xfrm>
           <a:prstGeom prst="straightConnector1">
@@ -27508,7 +27464,7 @@
         </p:nvCxnSpPr>
         <p:spPr>
           <a:xfrm flipH="1">
-            <a:off x="3182938" y="3584893"/>
+            <a:off x="2079943" y="3614738"/>
             <a:ext cx="7620" cy="967105"/>
           </a:xfrm>
           <a:prstGeom prst="straightConnector1">
@@ -27544,7 +27500,7 @@
         </p:nvCxnSpPr>
         <p:spPr>
           <a:xfrm>
-            <a:off x="2760028" y="3584893"/>
+            <a:off x="1657033" y="3614738"/>
             <a:ext cx="861695" cy="967105"/>
           </a:xfrm>
           <a:prstGeom prst="straightConnector1">
@@ -27580,7 +27536,7 @@
         </p:nvCxnSpPr>
         <p:spPr>
           <a:xfrm>
-            <a:off x="2337118" y="3584258"/>
+            <a:off x="1234123" y="3614103"/>
             <a:ext cx="1284605" cy="967740"/>
           </a:xfrm>
           <a:prstGeom prst="straightConnector1">
@@ -27616,7 +27572,7 @@
         </p:nvCxnSpPr>
         <p:spPr>
           <a:xfrm>
-            <a:off x="2337118" y="3584258"/>
+            <a:off x="1234123" y="3614103"/>
             <a:ext cx="845820" cy="967740"/>
           </a:xfrm>
           <a:prstGeom prst="straightConnector1">
@@ -27649,7 +27605,7 @@
         </p:nvSpPr>
         <p:spPr>
           <a:xfrm rot="5400000">
-            <a:off x="3476625" y="3290570"/>
+            <a:off x="2373630" y="3320415"/>
             <a:ext cx="291465" cy="297815"/>
           </a:xfrm>
           <a:prstGeom prst="ellipse">
@@ -27691,7 +27647,7 @@
         </p:nvSpPr>
         <p:spPr>
           <a:xfrm rot="5400000">
-            <a:off x="3045460" y="3290570"/>
+            <a:off x="1942465" y="3320415"/>
             <a:ext cx="291465" cy="297815"/>
           </a:xfrm>
           <a:prstGeom prst="ellipse">
@@ -27733,7 +27689,7 @@
         </p:nvSpPr>
         <p:spPr>
           <a:xfrm rot="5400000">
-            <a:off x="2614930" y="3290570"/>
+            <a:off x="1511935" y="3320415"/>
             <a:ext cx="291465" cy="297815"/>
           </a:xfrm>
           <a:prstGeom prst="ellipse">
@@ -27775,7 +27731,7 @@
         </p:nvSpPr>
         <p:spPr>
           <a:xfrm rot="5400000">
-            <a:off x="2192020" y="3289935"/>
+            <a:off x="1089025" y="3319780"/>
             <a:ext cx="291465" cy="297815"/>
           </a:xfrm>
           <a:prstGeom prst="ellipse">
@@ -27817,7 +27773,7 @@
         </p:nvSpPr>
         <p:spPr>
           <a:xfrm rot="5400000">
-            <a:off x="3476625" y="4549140"/>
+            <a:off x="2373630" y="4578985"/>
             <a:ext cx="291465" cy="297815"/>
           </a:xfrm>
           <a:prstGeom prst="ellipse">
@@ -27859,7 +27815,7 @@
         </p:nvSpPr>
         <p:spPr>
           <a:xfrm rot="5400000">
-            <a:off x="3037840" y="4549140"/>
+            <a:off x="1934845" y="4578985"/>
             <a:ext cx="291465" cy="297815"/>
           </a:xfrm>
           <a:prstGeom prst="ellipse">
@@ -27901,7 +27857,7 @@
         </p:nvSpPr>
         <p:spPr>
           <a:xfrm rot="5400000">
-            <a:off x="3735070" y="2546985"/>
+            <a:off x="2632075" y="2576830"/>
             <a:ext cx="291465" cy="297815"/>
           </a:xfrm>
           <a:prstGeom prst="ellipse">
@@ -27946,7 +27902,7 @@
         </p:nvCxnSpPr>
         <p:spPr>
           <a:xfrm flipH="1">
-            <a:off x="2337435" y="2841625"/>
+            <a:off x="1234440" y="2871470"/>
             <a:ext cx="1543050" cy="451485"/>
           </a:xfrm>
           <a:prstGeom prst="straightConnector1">
@@ -27982,7 +27938,7 @@
         </p:nvCxnSpPr>
         <p:spPr>
           <a:xfrm flipH="1">
-            <a:off x="2760345" y="2841625"/>
+            <a:off x="1657350" y="2871470"/>
             <a:ext cx="1120140" cy="452120"/>
           </a:xfrm>
           <a:prstGeom prst="straightConnector1">
@@ -28018,7 +27974,7 @@
         </p:nvCxnSpPr>
         <p:spPr>
           <a:xfrm flipH="1">
-            <a:off x="3190875" y="2841625"/>
+            <a:off x="2087880" y="2871470"/>
             <a:ext cx="689610" cy="452120"/>
           </a:xfrm>
           <a:prstGeom prst="straightConnector1">
@@ -28054,7 +28010,7 @@
         </p:nvCxnSpPr>
         <p:spPr>
           <a:xfrm flipH="1">
-            <a:off x="3622040" y="2841625"/>
+            <a:off x="2519045" y="2871470"/>
             <a:ext cx="258445" cy="452120"/>
           </a:xfrm>
           <a:prstGeom prst="straightConnector1">
@@ -28087,7 +28043,7 @@
         </p:nvSpPr>
         <p:spPr>
           <a:xfrm rot="5400000">
-            <a:off x="3702050" y="5265420"/>
+            <a:off x="2599055" y="5295265"/>
             <a:ext cx="291465" cy="297815"/>
           </a:xfrm>
           <a:prstGeom prst="ellipse">
@@ -28132,7 +28088,7 @@
         </p:nvCxnSpPr>
         <p:spPr>
           <a:xfrm>
-            <a:off x="3183255" y="4843780"/>
+            <a:off x="2080260" y="4873625"/>
             <a:ext cx="664210" cy="424815"/>
           </a:xfrm>
           <a:prstGeom prst="straightConnector1">
@@ -28168,7 +28124,7 @@
         </p:nvCxnSpPr>
         <p:spPr>
           <a:xfrm>
-            <a:off x="3622040" y="4843780"/>
+            <a:off x="2519045" y="4873625"/>
             <a:ext cx="225425" cy="424815"/>
           </a:xfrm>
           <a:prstGeom prst="straightConnector1">
@@ -28201,7 +28157,7 @@
         </p:nvSpPr>
         <p:spPr>
           <a:xfrm>
-            <a:off x="2275840" y="6043295"/>
+            <a:off x="4902835" y="3905885"/>
             <a:ext cx="1348740" cy="588010"/>
           </a:xfrm>
           <a:prstGeom prst="rightArrow">
@@ -28366,7 +28322,7 @@
         </p:nvCxnSpPr>
         <p:spPr>
           <a:xfrm flipH="1">
-            <a:off x="3622040" y="3585210"/>
+            <a:off x="2519045" y="3615055"/>
             <a:ext cx="523240" cy="967105"/>
           </a:xfrm>
           <a:prstGeom prst="straightConnector1">
@@ -28402,7 +28358,7 @@
         </p:nvCxnSpPr>
         <p:spPr>
           <a:xfrm flipH="1">
-            <a:off x="3183255" y="3584575"/>
+            <a:off x="2080260" y="3614420"/>
             <a:ext cx="1396365" cy="967740"/>
           </a:xfrm>
           <a:prstGeom prst="straightConnector1">
@@ -28438,7 +28394,7 @@
         </p:nvCxnSpPr>
         <p:spPr>
           <a:xfrm flipH="1">
-            <a:off x="3183255" y="3585210"/>
+            <a:off x="2080260" y="3615055"/>
             <a:ext cx="2299335" cy="967105"/>
           </a:xfrm>
           <a:prstGeom prst="straightConnector1">
@@ -28474,7 +28430,7 @@
         </p:nvCxnSpPr>
         <p:spPr>
           <a:xfrm flipH="1">
-            <a:off x="3183255" y="3585210"/>
+            <a:off x="2080260" y="3615055"/>
             <a:ext cx="2299335" cy="967105"/>
           </a:xfrm>
           <a:prstGeom prst="straightConnector1">
@@ -28510,7 +28466,7 @@
         </p:nvCxnSpPr>
         <p:spPr>
           <a:xfrm flipH="1">
-            <a:off x="3183255" y="3584575"/>
+            <a:off x="2080260" y="3614420"/>
             <a:ext cx="1812290" cy="967740"/>
           </a:xfrm>
           <a:prstGeom prst="straightConnector1">
@@ -28546,7 +28502,7 @@
         </p:nvCxnSpPr>
         <p:spPr>
           <a:xfrm flipH="1">
-            <a:off x="3183255" y="3584575"/>
+            <a:off x="2080260" y="3614420"/>
             <a:ext cx="1396365" cy="967740"/>
           </a:xfrm>
           <a:prstGeom prst="straightConnector1">
@@ -28582,7 +28538,7 @@
         </p:nvCxnSpPr>
         <p:spPr>
           <a:xfrm flipH="1">
-            <a:off x="3183255" y="3585210"/>
+            <a:off x="2080260" y="3615055"/>
             <a:ext cx="962025" cy="967105"/>
           </a:xfrm>
           <a:prstGeom prst="straightConnector1">
@@ -28618,7 +28574,7 @@
         </p:nvCxnSpPr>
         <p:spPr>
           <a:xfrm flipH="1">
-            <a:off x="3183255" y="3585210"/>
+            <a:off x="2080260" y="3615055"/>
             <a:ext cx="962025" cy="967105"/>
           </a:xfrm>
           <a:prstGeom prst="straightConnector1">
@@ -28651,7 +28607,7 @@
         </p:nvSpPr>
         <p:spPr>
           <a:xfrm rot="5400000">
-            <a:off x="5337175" y="3290570"/>
+            <a:off x="4234180" y="3320415"/>
             <a:ext cx="291465" cy="297815"/>
           </a:xfrm>
           <a:prstGeom prst="ellipse">
@@ -28693,7 +28649,7 @@
         </p:nvSpPr>
         <p:spPr>
           <a:xfrm rot="5400000">
-            <a:off x="4850130" y="3289935"/>
+            <a:off x="3747135" y="3319780"/>
             <a:ext cx="291465" cy="297815"/>
           </a:xfrm>
           <a:prstGeom prst="ellipse">
@@ -28735,7 +28691,7 @@
         </p:nvSpPr>
         <p:spPr>
           <a:xfrm rot="5400000">
-            <a:off x="4434205" y="3289935"/>
+            <a:off x="3331210" y="3319780"/>
             <a:ext cx="291465" cy="297815"/>
           </a:xfrm>
           <a:prstGeom prst="ellipse">
@@ -28777,7 +28733,7 @@
         </p:nvSpPr>
         <p:spPr>
           <a:xfrm rot="5400000">
-            <a:off x="3999865" y="3290570"/>
+            <a:off x="2896870" y="3320415"/>
             <a:ext cx="291465" cy="297815"/>
           </a:xfrm>
           <a:prstGeom prst="ellipse">
@@ -28822,7 +28778,7 @@
         </p:nvCxnSpPr>
         <p:spPr>
           <a:xfrm>
-            <a:off x="3880485" y="2841625"/>
+            <a:off x="2777490" y="2871470"/>
             <a:ext cx="264795" cy="452120"/>
           </a:xfrm>
           <a:prstGeom prst="straightConnector1">
@@ -28858,7 +28814,7 @@
         </p:nvCxnSpPr>
         <p:spPr>
           <a:xfrm>
-            <a:off x="3880485" y="2841625"/>
+            <a:off x="2777490" y="2871470"/>
             <a:ext cx="699135" cy="451485"/>
           </a:xfrm>
           <a:prstGeom prst="straightConnector1">
@@ -28894,7 +28850,7 @@
         </p:nvCxnSpPr>
         <p:spPr>
           <a:xfrm>
-            <a:off x="3880485" y="2841625"/>
+            <a:off x="2777490" y="2871470"/>
             <a:ext cx="1115060" cy="451485"/>
           </a:xfrm>
           <a:prstGeom prst="straightConnector1">
@@ -28930,7 +28886,7 @@
         </p:nvCxnSpPr>
         <p:spPr>
           <a:xfrm>
-            <a:off x="3880485" y="2841625"/>
+            <a:off x="2777490" y="2871470"/>
             <a:ext cx="1602105" cy="452120"/>
           </a:xfrm>
           <a:prstGeom prst="straightConnector1">
@@ -28966,7 +28922,7 @@
         </p:nvCxnSpPr>
         <p:spPr>
           <a:xfrm flipH="1">
-            <a:off x="3622040" y="3584575"/>
+            <a:off x="2519045" y="3614420"/>
             <a:ext cx="957580" cy="967740"/>
           </a:xfrm>
           <a:prstGeom prst="straightConnector1">
@@ -29002,7 +28958,7 @@
         </p:nvCxnSpPr>
         <p:spPr>
           <a:xfrm flipH="1">
-            <a:off x="3622040" y="3584575"/>
+            <a:off x="2519045" y="3614420"/>
             <a:ext cx="1373505" cy="967740"/>
           </a:xfrm>
           <a:prstGeom prst="straightConnector1">
@@ -29038,7 +28994,7 @@
         </p:nvCxnSpPr>
         <p:spPr>
           <a:xfrm flipH="1">
-            <a:off x="3622040" y="3585210"/>
+            <a:off x="2519045" y="3615055"/>
             <a:ext cx="1860550" cy="967105"/>
           </a:xfrm>
           <a:prstGeom prst="straightConnector1">
@@ -29071,7 +29027,7 @@
         </p:nvSpPr>
         <p:spPr>
           <a:xfrm rot="5400000">
-            <a:off x="3883660" y="4549140"/>
+            <a:off x="2780665" y="4578985"/>
             <a:ext cx="291465" cy="297815"/>
           </a:xfrm>
           <a:prstGeom prst="ellipse">
@@ -29113,7 +29069,7 @@
         </p:nvSpPr>
         <p:spPr>
           <a:xfrm rot="5400000">
-            <a:off x="4285615" y="4549140"/>
+            <a:off x="3181985" y="4578985"/>
             <a:ext cx="291465" cy="297815"/>
           </a:xfrm>
           <a:prstGeom prst="ellipse">
@@ -29158,8 +29114,8 @@
         </p:nvCxnSpPr>
         <p:spPr>
           <a:xfrm>
-            <a:off x="2337435" y="3584575"/>
-            <a:ext cx="2093595" cy="967740"/>
+            <a:off x="1234440" y="3614420"/>
+            <a:ext cx="2092960" cy="967740"/>
           </a:xfrm>
           <a:prstGeom prst="straightConnector1">
             <a:avLst/>
@@ -29194,7 +29150,7 @@
         </p:nvCxnSpPr>
         <p:spPr>
           <a:xfrm>
-            <a:off x="2337435" y="3584575"/>
+            <a:off x="1234440" y="3614420"/>
             <a:ext cx="1691640" cy="967740"/>
           </a:xfrm>
           <a:prstGeom prst="straightConnector1">
@@ -29230,7 +29186,7 @@
         </p:nvCxnSpPr>
         <p:spPr>
           <a:xfrm>
-            <a:off x="2760345" y="3585210"/>
+            <a:off x="1657350" y="3615055"/>
             <a:ext cx="1268730" cy="967105"/>
           </a:xfrm>
           <a:prstGeom prst="straightConnector1">
@@ -29266,8 +29222,8 @@
         </p:nvCxnSpPr>
         <p:spPr>
           <a:xfrm>
-            <a:off x="2760345" y="3585210"/>
-            <a:ext cx="1670685" cy="967105"/>
+            <a:off x="1657350" y="3615055"/>
+            <a:ext cx="1670050" cy="967105"/>
           </a:xfrm>
           <a:prstGeom prst="straightConnector1">
             <a:avLst/>
@@ -29302,7 +29258,7 @@
         </p:nvCxnSpPr>
         <p:spPr>
           <a:xfrm>
-            <a:off x="3190875" y="3585210"/>
+            <a:off x="2087880" y="3615055"/>
             <a:ext cx="838200" cy="967105"/>
           </a:xfrm>
           <a:prstGeom prst="straightConnector1">
@@ -29338,8 +29294,8 @@
         </p:nvCxnSpPr>
         <p:spPr>
           <a:xfrm>
-            <a:off x="3190875" y="3585210"/>
-            <a:ext cx="1240155" cy="967105"/>
+            <a:off x="2087880" y="3615055"/>
+            <a:ext cx="1239520" cy="967105"/>
           </a:xfrm>
           <a:prstGeom prst="straightConnector1">
             <a:avLst/>
@@ -29374,7 +29330,7 @@
         </p:nvCxnSpPr>
         <p:spPr>
           <a:xfrm>
-            <a:off x="3622040" y="3585210"/>
+            <a:off x="2519045" y="3615055"/>
             <a:ext cx="407035" cy="967105"/>
           </a:xfrm>
           <a:prstGeom prst="straightConnector1">
@@ -29410,7 +29366,7 @@
         </p:nvCxnSpPr>
         <p:spPr>
           <a:xfrm flipH="1">
-            <a:off x="4029075" y="3585210"/>
+            <a:off x="2926080" y="3615055"/>
             <a:ext cx="116205" cy="967105"/>
           </a:xfrm>
           <a:prstGeom prst="straightConnector1">
@@ -29446,7 +29402,7 @@
         </p:nvCxnSpPr>
         <p:spPr>
           <a:xfrm flipH="1">
-            <a:off x="4029075" y="3584575"/>
+            <a:off x="2926080" y="3614420"/>
             <a:ext cx="550545" cy="967740"/>
           </a:xfrm>
           <a:prstGeom prst="straightConnector1">
@@ -29482,7 +29438,7 @@
         </p:nvCxnSpPr>
         <p:spPr>
           <a:xfrm flipH="1">
-            <a:off x="4029075" y="3584575"/>
+            <a:off x="2926080" y="3614420"/>
             <a:ext cx="966470" cy="967740"/>
           </a:xfrm>
           <a:prstGeom prst="straightConnector1">
@@ -29518,7 +29474,7 @@
         </p:nvCxnSpPr>
         <p:spPr>
           <a:xfrm flipH="1">
-            <a:off x="4029075" y="3585210"/>
+            <a:off x="2926080" y="3615055"/>
             <a:ext cx="1453515" cy="967105"/>
           </a:xfrm>
           <a:prstGeom prst="straightConnector1">
@@ -29554,8 +29510,8 @@
         </p:nvCxnSpPr>
         <p:spPr>
           <a:xfrm flipH="1">
-            <a:off x="4431030" y="3585210"/>
-            <a:ext cx="1051560" cy="967105"/>
+            <a:off x="3327400" y="3615055"/>
+            <a:ext cx="1052195" cy="967105"/>
           </a:xfrm>
           <a:prstGeom prst="straightConnector1">
             <a:avLst/>
@@ -29590,8 +29546,8 @@
         </p:nvCxnSpPr>
         <p:spPr>
           <a:xfrm flipH="1">
-            <a:off x="4431030" y="3584575"/>
-            <a:ext cx="564515" cy="967740"/>
+            <a:off x="3327400" y="3614420"/>
+            <a:ext cx="565150" cy="967740"/>
           </a:xfrm>
           <a:prstGeom prst="straightConnector1">
             <a:avLst/>
@@ -29626,8 +29582,8 @@
         </p:nvCxnSpPr>
         <p:spPr>
           <a:xfrm flipH="1">
-            <a:off x="4431030" y="3584575"/>
-            <a:ext cx="148590" cy="967740"/>
+            <a:off x="3327400" y="3614420"/>
+            <a:ext cx="149225" cy="967740"/>
           </a:xfrm>
           <a:prstGeom prst="straightConnector1">
             <a:avLst/>
@@ -29662,8 +29618,8 @@
         </p:nvCxnSpPr>
         <p:spPr>
           <a:xfrm>
-            <a:off x="4145280" y="3585210"/>
-            <a:ext cx="285750" cy="967105"/>
+            <a:off x="3042285" y="3615055"/>
+            <a:ext cx="285115" cy="967105"/>
           </a:xfrm>
           <a:prstGeom prst="straightConnector1">
             <a:avLst/>
@@ -29698,8 +29654,8 @@
         </p:nvCxnSpPr>
         <p:spPr>
           <a:xfrm>
-            <a:off x="3622040" y="3585210"/>
-            <a:ext cx="808990" cy="967105"/>
+            <a:off x="2519045" y="3615055"/>
+            <a:ext cx="808355" cy="967105"/>
           </a:xfrm>
           <a:prstGeom prst="straightConnector1">
             <a:avLst/>
@@ -29734,7 +29690,7 @@
         </p:nvCxnSpPr>
         <p:spPr>
           <a:xfrm flipH="1">
-            <a:off x="3847465" y="4843780"/>
+            <a:off x="2744470" y="4873625"/>
             <a:ext cx="181610" cy="424815"/>
           </a:xfrm>
           <a:prstGeom prst="straightConnector1">
@@ -29770,8 +29726,8 @@
         </p:nvCxnSpPr>
         <p:spPr>
           <a:xfrm flipH="1">
-            <a:off x="3847465" y="4843780"/>
-            <a:ext cx="583565" cy="424815"/>
+            <a:off x="2744470" y="4873625"/>
+            <a:ext cx="582930" cy="424815"/>
           </a:xfrm>
           <a:prstGeom prst="straightConnector1">
             <a:avLst/>
@@ -29803,7 +29759,7 @@
         </p:nvSpPr>
         <p:spPr>
           <a:xfrm rot="5400000">
-            <a:off x="3735705" y="1818640"/>
+            <a:off x="2632710" y="1848485"/>
             <a:ext cx="291465" cy="297815"/>
           </a:xfrm>
           <a:prstGeom prst="ellipse">
@@ -29848,7 +29804,7 @@
         </p:nvCxnSpPr>
         <p:spPr>
           <a:xfrm flipH="1">
-            <a:off x="3880485" y="2113280"/>
+            <a:off x="2777490" y="2143125"/>
             <a:ext cx="635" cy="436880"/>
           </a:xfrm>
           <a:prstGeom prst="straightConnector1">
@@ -29881,7 +29837,7 @@
         </p:nvSpPr>
         <p:spPr>
           <a:xfrm>
-            <a:off x="3624580" y="1662430"/>
+            <a:off x="2521585" y="1692275"/>
             <a:ext cx="517525" cy="1308100"/>
           </a:xfrm>
           <a:prstGeom prst="roundRect">
@@ -29933,7 +29889,7 @@
         </p:nvSpPr>
         <p:spPr>
           <a:xfrm>
-            <a:off x="2150110" y="3241675"/>
+            <a:off x="1047115" y="3271520"/>
             <a:ext cx="375285" cy="396240"/>
           </a:xfrm>
           <a:prstGeom prst="roundRect">
@@ -29985,7 +29941,7 @@
         </p:nvSpPr>
         <p:spPr>
           <a:xfrm>
-            <a:off x="2572385" y="3240405"/>
+            <a:off x="1469390" y="3270250"/>
             <a:ext cx="375285" cy="396240"/>
           </a:xfrm>
           <a:prstGeom prst="roundRect">
@@ -30037,7 +29993,7 @@
         </p:nvSpPr>
         <p:spPr>
           <a:xfrm>
-            <a:off x="2995295" y="3241675"/>
+            <a:off x="1892300" y="3271520"/>
             <a:ext cx="375285" cy="396240"/>
           </a:xfrm>
           <a:prstGeom prst="roundRect">
@@ -30089,7 +30045,7 @@
         </p:nvSpPr>
         <p:spPr>
           <a:xfrm>
-            <a:off x="5295265" y="3240405"/>
+            <a:off x="4192270" y="3270250"/>
             <a:ext cx="375285" cy="396240"/>
           </a:xfrm>
           <a:prstGeom prst="roundRect">
@@ -30141,7 +30097,7 @@
         </p:nvSpPr>
         <p:spPr>
           <a:xfrm>
-            <a:off x="3434080" y="3240405"/>
+            <a:off x="2331085" y="3270250"/>
             <a:ext cx="375285" cy="396240"/>
           </a:xfrm>
           <a:prstGeom prst="roundRect">
@@ -30193,7 +30149,7 @@
         </p:nvSpPr>
         <p:spPr>
           <a:xfrm>
-            <a:off x="4392295" y="3241675"/>
+            <a:off x="3289300" y="3271520"/>
             <a:ext cx="375285" cy="396240"/>
           </a:xfrm>
           <a:prstGeom prst="roundRect">
@@ -30245,7 +30201,7 @@
         </p:nvSpPr>
         <p:spPr>
           <a:xfrm>
-            <a:off x="4808220" y="3240405"/>
+            <a:off x="3705225" y="3270250"/>
             <a:ext cx="375285" cy="396240"/>
           </a:xfrm>
           <a:prstGeom prst="roundRect">
@@ -30297,7 +30253,7 @@
         </p:nvSpPr>
         <p:spPr>
           <a:xfrm>
-            <a:off x="3957955" y="3241675"/>
+            <a:off x="2854960" y="3271520"/>
             <a:ext cx="375285" cy="396240"/>
           </a:xfrm>
           <a:prstGeom prst="roundRect">
@@ -30349,7 +30305,7 @@
         </p:nvSpPr>
         <p:spPr>
           <a:xfrm>
-            <a:off x="2948305" y="4354195"/>
+            <a:off x="1845310" y="4384040"/>
             <a:ext cx="1779905" cy="1308100"/>
           </a:xfrm>
           <a:prstGeom prst="roundRect">
@@ -30434,7 +30390,7 @@
         <p:spPr>
           <a:xfrm>
             <a:off x="7314248" y="3599498"/>
-            <a:ext cx="488315" cy="536575"/>
+            <a:ext cx="431165" cy="536575"/>
           </a:xfrm>
           <a:prstGeom prst="straightConnector1">
             <a:avLst/>
@@ -30470,7 +30426,7 @@
         <p:spPr>
           <a:xfrm>
             <a:off x="6883718" y="3599498"/>
-            <a:ext cx="449580" cy="536575"/>
+            <a:ext cx="454660" cy="536575"/>
           </a:xfrm>
           <a:prstGeom prst="straightConnector1">
             <a:avLst/>
@@ -30506,7 +30462,7 @@
         <p:spPr>
           <a:xfrm>
             <a:off x="7745730" y="3599815"/>
-            <a:ext cx="57150" cy="536575"/>
+            <a:ext cx="0" cy="536575"/>
           </a:xfrm>
           <a:prstGeom prst="straightConnector1">
             <a:avLst/>
@@ -30541,8 +30497,8 @@
         </p:nvCxnSpPr>
         <p:spPr>
           <a:xfrm flipH="1">
-            <a:off x="7333615" y="3599815"/>
-            <a:ext cx="412115" cy="536575"/>
+            <a:off x="7338695" y="3599815"/>
+            <a:ext cx="407035" cy="536575"/>
           </a:xfrm>
           <a:prstGeom prst="straightConnector1">
             <a:avLst/>
@@ -30578,7 +30534,7 @@
         <p:spPr>
           <a:xfrm>
             <a:off x="7314248" y="3599498"/>
-            <a:ext cx="19050" cy="536575"/>
+            <a:ext cx="24130" cy="536575"/>
           </a:xfrm>
           <a:prstGeom prst="straightConnector1">
             <a:avLst/>
@@ -30614,7 +30570,7 @@
         <p:spPr>
           <a:xfrm>
             <a:off x="6883718" y="3599498"/>
-            <a:ext cx="918845" cy="536575"/>
+            <a:ext cx="861695" cy="536575"/>
           </a:xfrm>
           <a:prstGeom prst="straightConnector1">
             <a:avLst/>
@@ -30650,7 +30606,7 @@
         <p:spPr>
           <a:xfrm>
             <a:off x="6460808" y="3598863"/>
-            <a:ext cx="1341755" cy="537210"/>
+            <a:ext cx="1284605" cy="537210"/>
           </a:xfrm>
           <a:prstGeom prst="straightConnector1">
             <a:avLst/>
@@ -30686,7 +30642,7 @@
         <p:spPr>
           <a:xfrm>
             <a:off x="6460808" y="3598863"/>
-            <a:ext cx="872490" cy="537210"/>
+            <a:ext cx="877570" cy="537210"/>
           </a:xfrm>
           <a:prstGeom prst="straightConnector1">
             <a:avLst/>
@@ -30725,7 +30681,7 @@
             <a:avLst/>
           </a:prstGeom>
           <a:solidFill>
-            <a:schemeClr val="accent4"/>
+            <a:schemeClr val="accent1"/>
           </a:solidFill>
         </p:spPr>
         <p:style>
@@ -30767,7 +30723,7 @@
             <a:avLst/>
           </a:prstGeom>
           <a:solidFill>
-            <a:schemeClr val="accent4"/>
+            <a:schemeClr val="accent1"/>
           </a:solidFill>
         </p:spPr>
         <p:style>
@@ -30809,7 +30765,7 @@
             <a:avLst/>
           </a:prstGeom>
           <a:solidFill>
-            <a:schemeClr val="accent4"/>
+            <a:schemeClr val="accent1"/>
           </a:solidFill>
         </p:spPr>
         <p:style>
@@ -30851,7 +30807,7 @@
             <a:avLst/>
           </a:prstGeom>
           <a:solidFill>
-            <a:schemeClr val="accent4"/>
+            <a:schemeClr val="accent1"/>
           </a:solidFill>
         </p:spPr>
         <p:style>
@@ -30886,14 +30842,14 @@
         </p:nvSpPr>
         <p:spPr>
           <a:xfrm rot="5400000">
-            <a:off x="7657465" y="4133215"/>
+            <a:off x="7600315" y="4133215"/>
             <a:ext cx="291465" cy="297815"/>
           </a:xfrm>
           <a:prstGeom prst="ellipse">
             <a:avLst/>
           </a:prstGeom>
           <a:solidFill>
-            <a:schemeClr val="accent4"/>
+            <a:schemeClr val="accent1"/>
           </a:solidFill>
         </p:spPr>
         <p:style>
@@ -30928,14 +30884,14 @@
         </p:nvSpPr>
         <p:spPr>
           <a:xfrm rot="5400000">
-            <a:off x="7188200" y="4133215"/>
+            <a:off x="7193280" y="4133215"/>
             <a:ext cx="291465" cy="297815"/>
           </a:xfrm>
           <a:prstGeom prst="ellipse">
             <a:avLst/>
           </a:prstGeom>
           <a:solidFill>
-            <a:schemeClr val="accent4"/>
+            <a:schemeClr val="accent1"/>
           </a:solidFill>
         </p:spPr>
         <p:style>
@@ -31159,8 +31115,8 @@
         </p:nvCxnSpPr>
         <p:spPr>
           <a:xfrm flipH="1">
-            <a:off x="8249285" y="3599815"/>
-            <a:ext cx="1356995" cy="536575"/>
+            <a:off x="8268970" y="3574415"/>
+            <a:ext cx="1340485" cy="561975"/>
           </a:xfrm>
           <a:prstGeom prst="straightConnector1">
             <a:avLst/>
@@ -31192,14 +31148,14 @@
         </p:nvSpPr>
         <p:spPr>
           <a:xfrm rot="5400000">
-            <a:off x="9460865" y="3305175"/>
+            <a:off x="9464040" y="3279775"/>
             <a:ext cx="291465" cy="297815"/>
           </a:xfrm>
           <a:prstGeom prst="ellipse">
             <a:avLst/>
           </a:prstGeom>
           <a:solidFill>
-            <a:schemeClr val="accent4"/>
+            <a:schemeClr val="accent1"/>
           </a:solidFill>
         </p:spPr>
         <p:style>
@@ -31234,14 +31190,14 @@
         </p:nvSpPr>
         <p:spPr>
           <a:xfrm rot="5400000">
-            <a:off x="8973820" y="3304540"/>
+            <a:off x="9000490" y="3280410"/>
             <a:ext cx="291465" cy="297815"/>
           </a:xfrm>
           <a:prstGeom prst="ellipse">
             <a:avLst/>
           </a:prstGeom>
           <a:solidFill>
-            <a:schemeClr val="accent4"/>
+            <a:schemeClr val="accent1"/>
           </a:solidFill>
         </p:spPr>
         <p:style>
@@ -31283,7 +31239,7 @@
             <a:avLst/>
           </a:prstGeom>
           <a:solidFill>
-            <a:schemeClr val="accent4"/>
+            <a:schemeClr val="accent1"/>
           </a:solidFill>
         </p:spPr>
         <p:style>
@@ -31325,7 +31281,7 @@
             <a:avLst/>
           </a:prstGeom>
           <a:solidFill>
-            <a:schemeClr val="accent4"/>
+            <a:schemeClr val="accent1"/>
           </a:solidFill>
         </p:spPr>
         <p:style>
@@ -31436,7 +31392,7 @@
         <p:spPr>
           <a:xfrm>
             <a:off x="8004175" y="2856230"/>
-            <a:ext cx="1115060" cy="451485"/>
+            <a:ext cx="1141730" cy="427355"/>
           </a:xfrm>
           <a:prstGeom prst="straightConnector1">
             <a:avLst/>
@@ -31472,7 +31428,7 @@
         <p:spPr>
           <a:xfrm>
             <a:off x="8004175" y="2856230"/>
-            <a:ext cx="1602105" cy="452120"/>
+            <a:ext cx="1605280" cy="426720"/>
           </a:xfrm>
           <a:prstGeom prst="straightConnector1">
             <a:avLst/>
@@ -31504,14 +31460,14 @@
         </p:nvSpPr>
         <p:spPr>
           <a:xfrm rot="5400000">
-            <a:off x="8103870" y="4133215"/>
+            <a:off x="8123555" y="4133215"/>
             <a:ext cx="291465" cy="297815"/>
           </a:xfrm>
           <a:prstGeom prst="ellipse">
             <a:avLst/>
           </a:prstGeom>
           <a:solidFill>
-            <a:schemeClr val="accent4"/>
+            <a:schemeClr val="accent1"/>
           </a:solidFill>
         </p:spPr>
         <p:style>
@@ -31553,7 +31509,7 @@
             <a:avLst/>
           </a:prstGeom>
           <a:solidFill>
-            <a:schemeClr val="accent4"/>
+            <a:schemeClr val="accent1"/>
           </a:solidFill>
         </p:spPr>
         <p:style>
@@ -31590,9 +31546,9 @@
           <p:nvPr/>
         </p:nvCxnSpPr>
         <p:spPr>
-          <a:xfrm flipH="1">
-            <a:off x="8249285" y="3599815"/>
-            <a:ext cx="19685" cy="536575"/>
+          <a:xfrm>
+            <a:off x="8268970" y="3599815"/>
+            <a:ext cx="0" cy="536575"/>
           </a:xfrm>
           <a:prstGeom prst="straightConnector1">
             <a:avLst/>
@@ -31627,8 +31583,8 @@
         </p:nvCxnSpPr>
         <p:spPr>
           <a:xfrm flipH="1">
-            <a:off x="8249285" y="3599180"/>
-            <a:ext cx="454025" cy="537210"/>
+            <a:off x="8268970" y="3599180"/>
+            <a:ext cx="434340" cy="537210"/>
           </a:xfrm>
           <a:prstGeom prst="straightConnector1">
             <a:avLst/>
@@ -31663,8 +31619,8 @@
         </p:nvCxnSpPr>
         <p:spPr>
           <a:xfrm flipH="1">
-            <a:off x="8249285" y="3599180"/>
-            <a:ext cx="869950" cy="537210"/>
+            <a:off x="8268970" y="3575050"/>
+            <a:ext cx="876935" cy="561340"/>
           </a:xfrm>
           <a:prstGeom prst="straightConnector1">
             <a:avLst/>
@@ -31699,8 +31655,8 @@
         </p:nvCxnSpPr>
         <p:spPr>
           <a:xfrm flipH="1">
-            <a:off x="8249285" y="3599815"/>
-            <a:ext cx="1356995" cy="536575"/>
+            <a:off x="8268970" y="3574415"/>
+            <a:ext cx="1340485" cy="561975"/>
           </a:xfrm>
           <a:prstGeom prst="straightConnector1">
             <a:avLst/>
@@ -31735,8 +31691,8 @@
         </p:nvCxnSpPr>
         <p:spPr>
           <a:xfrm flipH="1">
-            <a:off x="8683625" y="3599815"/>
-            <a:ext cx="922655" cy="536575"/>
+            <a:off x="8683625" y="3574415"/>
+            <a:ext cx="925830" cy="561975"/>
           </a:xfrm>
           <a:prstGeom prst="straightConnector1">
             <a:avLst/>
@@ -31771,8 +31727,8 @@
         </p:nvCxnSpPr>
         <p:spPr>
           <a:xfrm flipH="1">
-            <a:off x="8683625" y="3599180"/>
-            <a:ext cx="435610" cy="537210"/>
+            <a:off x="8683625" y="3575050"/>
+            <a:ext cx="462280" cy="561340"/>
           </a:xfrm>
           <a:prstGeom prst="straightConnector1">
             <a:avLst/>
@@ -31880,7 +31836,7 @@
         <p:spPr>
           <a:xfrm flipH="1">
             <a:off x="7345045" y="4427855"/>
-            <a:ext cx="904240" cy="482600"/>
+            <a:ext cx="923925" cy="482600"/>
           </a:xfrm>
           <a:prstGeom prst="straightConnector1">
             <a:avLst/>
@@ -32042,7 +31998,7 @@
         </p:nvSpPr>
         <p:spPr>
           <a:xfrm rot="5400000">
-            <a:off x="7668895" y="4907280"/>
+            <a:off x="7657465" y="4907280"/>
             <a:ext cx="291465" cy="297815"/>
           </a:xfrm>
           <a:prstGeom prst="ellipse">
@@ -32168,7 +32124,7 @@
         </p:nvSpPr>
         <p:spPr>
           <a:xfrm rot="5400000">
-            <a:off x="8519160" y="4907280"/>
+            <a:off x="8528050" y="4907280"/>
             <a:ext cx="291465" cy="297815"/>
           </a:xfrm>
           <a:prstGeom prst="ellipse">
@@ -32213,8 +32169,8 @@
         </p:nvCxnSpPr>
         <p:spPr>
           <a:xfrm flipH="1">
-            <a:off x="7814310" y="4427855"/>
-            <a:ext cx="434975" cy="482600"/>
+            <a:off x="7802880" y="4427855"/>
+            <a:ext cx="466090" cy="482600"/>
           </a:xfrm>
           <a:prstGeom prst="straightConnector1">
             <a:avLst/>
@@ -32249,8 +32205,8 @@
         </p:nvCxnSpPr>
         <p:spPr>
           <a:xfrm>
-            <a:off x="7333615" y="4427855"/>
-            <a:ext cx="11430" cy="482600"/>
+            <a:off x="7338695" y="4427855"/>
+            <a:ext cx="6350" cy="482600"/>
           </a:xfrm>
           <a:prstGeom prst="straightConnector1">
             <a:avLst/>
@@ -32285,8 +32241,8 @@
         </p:nvCxnSpPr>
         <p:spPr>
           <a:xfrm>
-            <a:off x="7333615" y="4427855"/>
-            <a:ext cx="480695" cy="482600"/>
+            <a:off x="7338695" y="4427855"/>
+            <a:ext cx="464185" cy="482600"/>
           </a:xfrm>
           <a:prstGeom prst="straightConnector1">
             <a:avLst/>
@@ -32321,8 +32277,8 @@
         </p:nvCxnSpPr>
         <p:spPr>
           <a:xfrm flipH="1">
-            <a:off x="8664575" y="4427855"/>
-            <a:ext cx="19050" cy="482600"/>
+            <a:off x="8673465" y="4427855"/>
+            <a:ext cx="10160" cy="482600"/>
           </a:xfrm>
           <a:prstGeom prst="straightConnector1">
             <a:avLst/>
@@ -32393,8 +32349,8 @@
         </p:nvCxnSpPr>
         <p:spPr>
           <a:xfrm>
-            <a:off x="7802880" y="4427855"/>
-            <a:ext cx="466090" cy="482600"/>
+            <a:off x="7745730" y="4427855"/>
+            <a:ext cx="523240" cy="482600"/>
           </a:xfrm>
           <a:prstGeom prst="straightConnector1">
             <a:avLst/>
@@ -32429,8 +32385,8 @@
         </p:nvCxnSpPr>
         <p:spPr>
           <a:xfrm>
-            <a:off x="7802880" y="4427855"/>
-            <a:ext cx="861695" cy="482600"/>
+            <a:off x="7745730" y="4427855"/>
+            <a:ext cx="927735" cy="482600"/>
           </a:xfrm>
           <a:prstGeom prst="straightConnector1">
             <a:avLst/>
@@ -32543,8 +32499,8 @@
         </p:nvCxnSpPr>
         <p:spPr>
           <a:xfrm>
-            <a:off x="7814310" y="5201920"/>
-            <a:ext cx="229235" cy="237490"/>
+            <a:off x="7802880" y="5201920"/>
+            <a:ext cx="240665" cy="237490"/>
           </a:xfrm>
           <a:prstGeom prst="straightConnector1">
             <a:avLst/>
@@ -32571,10 +32527,7 @@
       <p:cxnSp>
         <p:nvCxnSpPr>
           <p:cNvPr id="212" name="直接箭头连接符 211"/>
-          <p:cNvCxnSpPr>
-            <a:stCxn id="200" idx="6"/>
-            <a:endCxn id="209" idx="2"/>
-          </p:cNvCxnSpPr>
+          <p:cNvCxnSpPr/>
           <p:nvPr/>
         </p:nvCxnSpPr>
         <p:spPr>
@@ -32616,7 +32569,7 @@
         <p:spPr>
           <a:xfrm flipH="1">
             <a:off x="8043545" y="5201920"/>
-            <a:ext cx="621030" cy="237490"/>
+            <a:ext cx="629920" cy="237490"/>
           </a:xfrm>
           <a:prstGeom prst="straightConnector1">
             <a:avLst/>
@@ -32640,6 +32593,385 @@
           </a:fontRef>
         </p:style>
       </p:cxnSp>
+      <p:sp>
+        <p:nvSpPr>
+          <p:cNvPr id="3" name="圆角矩形 2"/>
+          <p:cNvSpPr/>
+          <p:nvPr/>
+        </p:nvSpPr>
+        <p:spPr>
+          <a:xfrm>
+            <a:off x="9758680" y="2658745"/>
+            <a:ext cx="306705" cy="311785"/>
+          </a:xfrm>
+          <a:prstGeom prst="roundRect">
+            <a:avLst/>
+          </a:prstGeom>
+          <a:noFill/>
+          <a:ln w="28575" cmpd="sng">
+            <a:solidFill>
+              <a:schemeClr val="bg2">
+                <a:lumMod val="75000"/>
+              </a:schemeClr>
+            </a:solidFill>
+            <a:prstDash val="sysDash"/>
+          </a:ln>
+        </p:spPr>
+        <p:style>
+          <a:lnRef idx="2">
+            <a:schemeClr val="accent1">
+              <a:shade val="50000"/>
+            </a:schemeClr>
+          </a:lnRef>
+          <a:fillRef idx="1">
+            <a:schemeClr val="accent1"/>
+          </a:fillRef>
+          <a:effectRef idx="0">
+            <a:schemeClr val="accent1"/>
+          </a:effectRef>
+          <a:fontRef idx="minor">
+            <a:schemeClr val="lt1"/>
+          </a:fontRef>
+        </p:style>
+        <p:txBody>
+          <a:bodyPr rtlCol="0" anchor="ctr"/>
+          <a:p>
+            <a:pPr algn="ctr"/>
+            <a:endParaRPr lang="zh-CN" altLang="en-US" dirty="0">
+              <a:solidFill>
+                <a:schemeClr val="tx1"/>
+              </a:solidFill>
+            </a:endParaRPr>
+          </a:p>
+        </p:txBody>
+      </p:sp>
+      <p:sp>
+        <p:nvSpPr>
+          <p:cNvPr id="4" name="文本框 3"/>
+          <p:cNvSpPr txBox="1"/>
+          <p:nvPr/>
+        </p:nvSpPr>
+        <p:spPr>
+          <a:xfrm>
+            <a:off x="10132060" y="2616835"/>
+            <a:ext cx="1942465" cy="368300"/>
+          </a:xfrm>
+          <a:prstGeom prst="rect">
+            <a:avLst/>
+          </a:prstGeom>
+          <a:noFill/>
+        </p:spPr>
+        <p:txBody>
+          <a:bodyPr wrap="square" rtlCol="0">
+            <a:spAutoFit/>
+          </a:bodyPr>
+          <a:p>
+            <a:r>
+              <a:rPr lang="en-US" altLang="zh-CN"/>
+              <a:t>function </a:t>
+            </a:r>
+            <a:r>
+              <a:rPr lang="en-US" altLang="zh-CN"/>
+              <a:t>executor</a:t>
+            </a:r>
+            <a:endParaRPr lang="en-US" altLang="zh-CN"/>
+          </a:p>
+        </p:txBody>
+      </p:sp>
+      <p:sp>
+        <p:nvSpPr>
+          <p:cNvPr id="214" name="椭圆 213"/>
+          <p:cNvSpPr/>
+          <p:nvPr/>
+        </p:nvSpPr>
+        <p:spPr>
+          <a:xfrm rot="5400000">
+            <a:off x="2373630" y="4578985"/>
+            <a:ext cx="291465" cy="297815"/>
+          </a:xfrm>
+          <a:prstGeom prst="ellipse">
+            <a:avLst/>
+          </a:prstGeom>
+          <a:solidFill>
+            <a:schemeClr val="accent4"/>
+          </a:solidFill>
+        </p:spPr>
+        <p:style>
+          <a:lnRef idx="2">
+            <a:schemeClr val="accent1">
+              <a:shade val="50000"/>
+            </a:schemeClr>
+          </a:lnRef>
+          <a:fillRef idx="1">
+            <a:schemeClr val="accent1"/>
+          </a:fillRef>
+          <a:effectRef idx="0">
+            <a:schemeClr val="accent1"/>
+          </a:effectRef>
+          <a:fontRef idx="minor">
+            <a:schemeClr val="lt1"/>
+          </a:fontRef>
+        </p:style>
+        <p:txBody>
+          <a:bodyPr rtlCol="0" anchor="ctr"/>
+          <a:p>
+            <a:pPr algn="ctr"/>
+            <a:endParaRPr lang="zh-CN" altLang="en-US"/>
+          </a:p>
+        </p:txBody>
+      </p:sp>
+      <p:sp>
+        <p:nvSpPr>
+          <p:cNvPr id="215" name="椭圆 214"/>
+          <p:cNvSpPr/>
+          <p:nvPr/>
+        </p:nvSpPr>
+        <p:spPr>
+          <a:xfrm rot="5400000">
+            <a:off x="2780665" y="4578985"/>
+            <a:ext cx="291465" cy="297815"/>
+          </a:xfrm>
+          <a:prstGeom prst="ellipse">
+            <a:avLst/>
+          </a:prstGeom>
+          <a:solidFill>
+            <a:schemeClr val="accent4"/>
+          </a:solidFill>
+        </p:spPr>
+        <p:style>
+          <a:lnRef idx="2">
+            <a:schemeClr val="accent1">
+              <a:shade val="50000"/>
+            </a:schemeClr>
+          </a:lnRef>
+          <a:fillRef idx="1">
+            <a:schemeClr val="accent1"/>
+          </a:fillRef>
+          <a:effectRef idx="0">
+            <a:schemeClr val="accent1"/>
+          </a:effectRef>
+          <a:fontRef idx="minor">
+            <a:schemeClr val="lt1"/>
+          </a:fontRef>
+        </p:style>
+        <p:txBody>
+          <a:bodyPr rtlCol="0" anchor="ctr"/>
+          <a:p>
+            <a:pPr algn="ctr"/>
+            <a:endParaRPr lang="zh-CN" altLang="en-US"/>
+          </a:p>
+        </p:txBody>
+      </p:sp>
+      <p:sp>
+        <p:nvSpPr>
+          <p:cNvPr id="216" name="椭圆 215"/>
+          <p:cNvSpPr/>
+          <p:nvPr/>
+        </p:nvSpPr>
+        <p:spPr>
+          <a:xfrm rot="5400000">
+            <a:off x="3181985" y="4578985"/>
+            <a:ext cx="291465" cy="297815"/>
+          </a:xfrm>
+          <a:prstGeom prst="ellipse">
+            <a:avLst/>
+          </a:prstGeom>
+          <a:solidFill>
+            <a:schemeClr val="accent4"/>
+          </a:solidFill>
+        </p:spPr>
+        <p:style>
+          <a:lnRef idx="2">
+            <a:schemeClr val="accent1">
+              <a:shade val="50000"/>
+            </a:schemeClr>
+          </a:lnRef>
+          <a:fillRef idx="1">
+            <a:schemeClr val="accent1"/>
+          </a:fillRef>
+          <a:effectRef idx="0">
+            <a:schemeClr val="accent1"/>
+          </a:effectRef>
+          <a:fontRef idx="minor">
+            <a:schemeClr val="lt1"/>
+          </a:fontRef>
+        </p:style>
+        <p:txBody>
+          <a:bodyPr rtlCol="0" anchor="ctr"/>
+          <a:p>
+            <a:pPr algn="ctr"/>
+            <a:endParaRPr lang="zh-CN" altLang="en-US"/>
+          </a:p>
+        </p:txBody>
+      </p:sp>
+      <p:sp>
+        <p:nvSpPr>
+          <p:cNvPr id="217" name="椭圆 216"/>
+          <p:cNvSpPr/>
+          <p:nvPr/>
+        </p:nvSpPr>
+        <p:spPr>
+          <a:xfrm rot="5400000">
+            <a:off x="1934845" y="4578985"/>
+            <a:ext cx="291465" cy="297815"/>
+          </a:xfrm>
+          <a:prstGeom prst="ellipse">
+            <a:avLst/>
+          </a:prstGeom>
+          <a:solidFill>
+            <a:schemeClr val="accent1"/>
+          </a:solidFill>
+        </p:spPr>
+        <p:style>
+          <a:lnRef idx="2">
+            <a:schemeClr val="accent1">
+              <a:shade val="50000"/>
+            </a:schemeClr>
+          </a:lnRef>
+          <a:fillRef idx="1">
+            <a:schemeClr val="accent1"/>
+          </a:fillRef>
+          <a:effectRef idx="0">
+            <a:schemeClr val="accent1"/>
+          </a:effectRef>
+          <a:fontRef idx="minor">
+            <a:schemeClr val="lt1"/>
+          </a:fontRef>
+        </p:style>
+        <p:txBody>
+          <a:bodyPr rtlCol="0" anchor="ctr"/>
+          <a:p>
+            <a:pPr algn="ctr"/>
+            <a:endParaRPr lang="zh-CN" altLang="en-US"/>
+          </a:p>
+        </p:txBody>
+      </p:sp>
+      <p:sp>
+        <p:nvSpPr>
+          <p:cNvPr id="218" name="椭圆 217"/>
+          <p:cNvSpPr/>
+          <p:nvPr/>
+        </p:nvSpPr>
+        <p:spPr>
+          <a:xfrm rot="5400000">
+            <a:off x="2373630" y="4578985"/>
+            <a:ext cx="291465" cy="297815"/>
+          </a:xfrm>
+          <a:prstGeom prst="ellipse">
+            <a:avLst/>
+          </a:prstGeom>
+          <a:solidFill>
+            <a:schemeClr val="accent1"/>
+          </a:solidFill>
+        </p:spPr>
+        <p:style>
+          <a:lnRef idx="2">
+            <a:schemeClr val="accent1">
+              <a:shade val="50000"/>
+            </a:schemeClr>
+          </a:lnRef>
+          <a:fillRef idx="1">
+            <a:schemeClr val="accent1"/>
+          </a:fillRef>
+          <a:effectRef idx="0">
+            <a:schemeClr val="accent1"/>
+          </a:effectRef>
+          <a:fontRef idx="minor">
+            <a:schemeClr val="lt1"/>
+          </a:fontRef>
+        </p:style>
+        <p:txBody>
+          <a:bodyPr rtlCol="0" anchor="ctr"/>
+          <a:p>
+            <a:pPr algn="ctr"/>
+            <a:endParaRPr lang="zh-CN" altLang="en-US"/>
+          </a:p>
+        </p:txBody>
+      </p:sp>
+      <p:sp>
+        <p:nvSpPr>
+          <p:cNvPr id="219" name="椭圆 218"/>
+          <p:cNvSpPr/>
+          <p:nvPr/>
+        </p:nvSpPr>
+        <p:spPr>
+          <a:xfrm rot="5400000">
+            <a:off x="2780665" y="4578985"/>
+            <a:ext cx="291465" cy="297815"/>
+          </a:xfrm>
+          <a:prstGeom prst="ellipse">
+            <a:avLst/>
+          </a:prstGeom>
+          <a:solidFill>
+            <a:schemeClr val="accent1"/>
+          </a:solidFill>
+        </p:spPr>
+        <p:style>
+          <a:lnRef idx="2">
+            <a:schemeClr val="accent1">
+              <a:shade val="50000"/>
+            </a:schemeClr>
+          </a:lnRef>
+          <a:fillRef idx="1">
+            <a:schemeClr val="accent1"/>
+          </a:fillRef>
+          <a:effectRef idx="0">
+            <a:schemeClr val="accent1"/>
+          </a:effectRef>
+          <a:fontRef idx="minor">
+            <a:schemeClr val="lt1"/>
+          </a:fontRef>
+        </p:style>
+        <p:txBody>
+          <a:bodyPr rtlCol="0" anchor="ctr"/>
+          <a:p>
+            <a:pPr algn="ctr"/>
+            <a:endParaRPr lang="zh-CN" altLang="en-US"/>
+          </a:p>
+        </p:txBody>
+      </p:sp>
+      <p:sp>
+        <p:nvSpPr>
+          <p:cNvPr id="220" name="椭圆 219"/>
+          <p:cNvSpPr/>
+          <p:nvPr/>
+        </p:nvSpPr>
+        <p:spPr>
+          <a:xfrm rot="5400000">
+            <a:off x="3181985" y="4578985"/>
+            <a:ext cx="291465" cy="297815"/>
+          </a:xfrm>
+          <a:prstGeom prst="ellipse">
+            <a:avLst/>
+          </a:prstGeom>
+          <a:solidFill>
+            <a:schemeClr val="accent1"/>
+          </a:solidFill>
+        </p:spPr>
+        <p:style>
+          <a:lnRef idx="2">
+            <a:schemeClr val="accent1">
+              <a:shade val="50000"/>
+            </a:schemeClr>
+          </a:lnRef>
+          <a:fillRef idx="1">
+            <a:schemeClr val="accent1"/>
+          </a:fillRef>
+          <a:effectRef idx="0">
+            <a:schemeClr val="accent1"/>
+          </a:effectRef>
+          <a:fontRef idx="minor">
+            <a:schemeClr val="lt1"/>
+          </a:fontRef>
+        </p:style>
+        <p:txBody>
+          <a:bodyPr rtlCol="0" anchor="ctr"/>
+          <a:p>
+            <a:pPr algn="ctr"/>
+            <a:endParaRPr lang="zh-CN" altLang="en-US"/>
+          </a:p>
+        </p:txBody>
+      </p:sp>
     </p:spTree>
   </p:cSld>
   <p:clrMapOvr>
@@ -32714,6 +33046,5798 @@
           </a:prstGeom>
         </p:spPr>
       </p:pic>
+    </p:spTree>
+  </p:cSld>
+  <p:clrMapOvr>
+    <a:masterClrMapping/>
+  </p:clrMapOvr>
+</p:sld>
+</file>
+
+<file path=ppt/slides/slide19.xml><?xml version="1.0" encoding="utf-8"?>
+<p:sld xmlns:a="http://schemas.openxmlformats.org/drawingml/2006/main" xmlns:r="http://schemas.openxmlformats.org/officeDocument/2006/relationships" xmlns:p="http://schemas.openxmlformats.org/presentationml/2006/main">
+  <p:cSld>
+    <p:spTree>
+      <p:nvGrpSpPr>
+        <p:cNvPr id="1" name=""/>
+        <p:cNvGrpSpPr/>
+        <p:nvPr/>
+      </p:nvGrpSpPr>
+      <p:grpSpPr/>
+      <p:sp>
+        <p:nvSpPr>
+          <p:cNvPr id="2" name="标题 1"/>
+          <p:cNvSpPr>
+            <a:spLocks noGrp="1"/>
+          </p:cNvSpPr>
+          <p:nvPr>
+            <p:ph type="title"/>
+          </p:nvPr>
+        </p:nvSpPr>
+        <p:spPr/>
+        <p:txBody>
+          <a:bodyPr/>
+          <a:p>
+            <a:r>
+              <a:rPr lang="en-US" altLang="zh-CN"/>
+              <a:t>I</a:t>
+            </a:r>
+            <a:r>
+              <a:rPr lang="en-US" altLang="zh-CN"/>
+              <a:t>dea</a:t>
+            </a:r>
+            <a:endParaRPr lang="en-US" altLang="zh-CN"/>
+          </a:p>
+        </p:txBody>
+      </p:sp>
+      <p:sp>
+        <p:nvSpPr>
+          <p:cNvPr id="3" name="内容占位符 2"/>
+          <p:cNvSpPr>
+            <a:spLocks noGrp="1"/>
+          </p:cNvSpPr>
+          <p:nvPr>
+            <p:ph idx="1"/>
+          </p:nvPr>
+        </p:nvSpPr>
+        <p:spPr>
+          <a:xfrm>
+            <a:off x="850900" y="1361812"/>
+            <a:ext cx="10515600" cy="4796737"/>
+          </a:xfrm>
+        </p:spPr>
+        <p:txBody>
+          <a:bodyPr/>
+          <a:p>
+            <a:r>
+              <a:rPr lang="en-US" altLang="zh-CN"/>
+              <a:t> Large fan-out </a:t>
+            </a:r>
+            <a:r>
+              <a:rPr lang="en-US" altLang="zh-CN"/>
+              <a:t>task</a:t>
+            </a:r>
+            <a:endParaRPr lang="en-US" altLang="zh-CN"/>
+          </a:p>
+        </p:txBody>
+      </p:sp>
+      <p:sp>
+        <p:nvSpPr>
+          <p:cNvPr id="5" name="文本框 4"/>
+          <p:cNvSpPr txBox="1"/>
+          <p:nvPr/>
+        </p:nvSpPr>
+        <p:spPr>
+          <a:xfrm>
+            <a:off x="0" y="6489700"/>
+            <a:ext cx="10696575" cy="368300"/>
+          </a:xfrm>
+          <a:prstGeom prst="rect">
+            <a:avLst/>
+          </a:prstGeom>
+          <a:noFill/>
+        </p:spPr>
+        <p:txBody>
+          <a:bodyPr wrap="square" rtlCol="0">
+            <a:spAutoFit/>
+          </a:bodyPr>
+          <a:p>
+            <a:r>
+              <a:rPr lang="zh-CN" altLang="en-US">
+                <a:solidFill>
+                  <a:schemeClr val="bg2">
+                    <a:lumMod val="50000"/>
+                  </a:schemeClr>
+                </a:solidFill>
+              </a:rPr>
+              <a:t>[</a:t>
+            </a:r>
+            <a:r>
+              <a:rPr lang="en-US" altLang="zh-CN">
+                <a:solidFill>
+                  <a:schemeClr val="bg2">
+                    <a:lumMod val="50000"/>
+                  </a:schemeClr>
+                </a:solidFill>
+              </a:rPr>
+              <a:t>1</a:t>
+            </a:r>
+            <a:r>
+              <a:rPr lang="zh-CN" altLang="en-US">
+                <a:solidFill>
+                  <a:schemeClr val="bg2">
+                    <a:lumMod val="50000"/>
+                  </a:schemeClr>
+                </a:solidFill>
+              </a:rPr>
+              <a:t>] </a:t>
+            </a:r>
+            <a:r>
+              <a:rPr lang="en-US" altLang="zh-CN">
+                <a:solidFill>
+                  <a:schemeClr val="bg2">
+                    <a:lumMod val="50000"/>
+                  </a:schemeClr>
+                </a:solidFill>
+                <a:sym typeface="+mn-ea"/>
+              </a:rPr>
+              <a:t>Sonic: Application-aware Data Passing for Chained Serverless Applications  ATC’21</a:t>
+            </a:r>
+            <a:endParaRPr lang="en-US" altLang="zh-CN">
+              <a:solidFill>
+                <a:schemeClr val="bg2">
+                  <a:lumMod val="50000"/>
+                </a:schemeClr>
+              </a:solidFill>
+              <a:sym typeface="+mn-ea"/>
+            </a:endParaRPr>
+          </a:p>
+        </p:txBody>
+      </p:sp>
+      <p:sp>
+        <p:nvSpPr>
+          <p:cNvPr id="82" name="文本框 81"/>
+          <p:cNvSpPr txBox="1"/>
+          <p:nvPr/>
+        </p:nvSpPr>
+        <p:spPr>
+          <a:xfrm>
+            <a:off x="3364865" y="2844165"/>
+            <a:ext cx="1236980" cy="275590"/>
+          </a:xfrm>
+          <a:prstGeom prst="rect">
+            <a:avLst/>
+          </a:prstGeom>
+          <a:noFill/>
+        </p:spPr>
+        <p:txBody>
+          <a:bodyPr wrap="square" rtlCol="0">
+            <a:spAutoFit/>
+          </a:bodyPr>
+          <a:p>
+            <a:r>
+              <a:rPr lang="en-US" altLang="zh-CN" sz="1200" b="1">
+                <a:uFillTx/>
+                <a:latin typeface="等线" panose="02010600030101010101" charset="-122"/>
+                <a:ea typeface="等线" panose="02010600030101010101" charset="-122"/>
+                <a:cs typeface="等线" panose="02010600030101010101" charset="-122"/>
+                <a:sym typeface="+mn-ea"/>
+              </a:rPr>
+              <a:t>range </a:t>
+            </a:r>
+            <a:r>
+              <a:rPr lang="en-US" altLang="zh-CN" sz="1200" b="1">
+                <a:uFillTx/>
+                <a:ea typeface="+mn-lt"/>
+                <a:sym typeface="+mn-ea"/>
+              </a:rPr>
+              <a:t>partition</a:t>
+            </a:r>
+            <a:endParaRPr lang="en-US" altLang="zh-CN" sz="1200" b="1">
+              <a:uFillTx/>
+              <a:ea typeface="+mn-lt"/>
+              <a:sym typeface="+mn-ea"/>
+            </a:endParaRPr>
+          </a:p>
+        </p:txBody>
+      </p:sp>
+      <p:sp>
+        <p:nvSpPr>
+          <p:cNvPr id="89" name="文本框 88"/>
+          <p:cNvSpPr txBox="1"/>
+          <p:nvPr/>
+        </p:nvSpPr>
+        <p:spPr>
+          <a:xfrm>
+            <a:off x="3218180" y="4497070"/>
+            <a:ext cx="1530350" cy="275590"/>
+          </a:xfrm>
+          <a:prstGeom prst="rect">
+            <a:avLst/>
+          </a:prstGeom>
+          <a:noFill/>
+        </p:spPr>
+        <p:txBody>
+          <a:bodyPr wrap="square" rtlCol="0">
+            <a:spAutoFit/>
+          </a:bodyPr>
+          <a:p>
+            <a:r>
+              <a:rPr lang="en-US" altLang="zh-CN" sz="1200" b="1">
+                <a:uFillTx/>
+                <a:ea typeface="+mn-lt"/>
+                <a:sym typeface="+mn-ea"/>
+              </a:rPr>
+              <a:t>merge sort</a:t>
+            </a:r>
+            <a:endParaRPr lang="en-US" altLang="zh-CN" sz="1200" b="1">
+              <a:uFillTx/>
+              <a:ea typeface="+mn-lt"/>
+              <a:sym typeface="+mn-ea"/>
+            </a:endParaRPr>
+          </a:p>
+        </p:txBody>
+      </p:sp>
+      <p:grpSp>
+        <p:nvGrpSpPr>
+          <p:cNvPr id="26" name="组合 25"/>
+          <p:cNvGrpSpPr/>
+          <p:nvPr/>
+        </p:nvGrpSpPr>
+        <p:grpSpPr>
+          <a:xfrm>
+            <a:off x="1351280" y="2668270"/>
+            <a:ext cx="2894965" cy="2364569"/>
+            <a:chOff x="1328" y="4534"/>
+            <a:chExt cx="4559" cy="2890"/>
+          </a:xfrm>
+        </p:grpSpPr>
+        <p:sp>
+          <p:nvSpPr>
+            <p:cNvPr id="9" name="流程图: 磁盘 8"/>
+            <p:cNvSpPr/>
+            <p:nvPr/>
+          </p:nvSpPr>
+          <p:spPr>
+            <a:xfrm>
+              <a:off x="2547" y="4534"/>
+              <a:ext cx="2048" cy="313"/>
+            </a:xfrm>
+            <a:prstGeom prst="flowChartMagneticDisk">
+              <a:avLst/>
+            </a:prstGeom>
+            <a:solidFill>
+              <a:schemeClr val="accent4">
+                <a:lumMod val="60000"/>
+                <a:lumOff val="40000"/>
+              </a:schemeClr>
+            </a:solidFill>
+            <a:ln w="28575">
+              <a:solidFill>
+                <a:schemeClr val="tx1"/>
+              </a:solidFill>
+            </a:ln>
+          </p:spPr>
+          <p:style>
+            <a:lnRef idx="2">
+              <a:schemeClr val="accent1">
+                <a:shade val="50000"/>
+              </a:schemeClr>
+            </a:lnRef>
+            <a:fillRef idx="1">
+              <a:schemeClr val="accent1"/>
+            </a:fillRef>
+            <a:effectRef idx="0">
+              <a:schemeClr val="accent1"/>
+            </a:effectRef>
+            <a:fontRef idx="minor">
+              <a:schemeClr val="lt1"/>
+            </a:fontRef>
+          </p:style>
+          <p:txBody>
+            <a:bodyPr rtlCol="0" anchor="ctr"/>
+            <a:p>
+              <a:pPr algn="ctr"/>
+              <a:endParaRPr lang="zh-CN" altLang="en-US" dirty="0">
+                <a:solidFill>
+                  <a:schemeClr val="tx1"/>
+                </a:solidFill>
+              </a:endParaRPr>
+            </a:p>
+          </p:txBody>
+        </p:sp>
+        <p:sp>
+          <p:nvSpPr>
+            <p:cNvPr id="10" name="文本框 9"/>
+            <p:cNvSpPr txBox="1"/>
+            <p:nvPr/>
+          </p:nvSpPr>
+          <p:spPr>
+            <a:xfrm>
+              <a:off x="2562" y="4546"/>
+              <a:ext cx="2018" cy="300"/>
+            </a:xfrm>
+            <a:prstGeom prst="rect">
+              <a:avLst/>
+            </a:prstGeom>
+            <a:noFill/>
+          </p:spPr>
+          <p:txBody>
+            <a:bodyPr wrap="square" rtlCol="0">
+              <a:spAutoFit/>
+            </a:bodyPr>
+            <a:p>
+              <a:r>
+                <a:rPr lang="en-US" altLang="zh-CN" sz="1000" b="1"/>
+                <a:t>Long term storage</a:t>
+              </a:r>
+              <a:endParaRPr lang="en-US" altLang="zh-CN" sz="1000" b="1"/>
+            </a:p>
+          </p:txBody>
+        </p:sp>
+        <p:sp>
+          <p:nvSpPr>
+            <p:cNvPr id="11" name="流程图: 磁盘 10"/>
+            <p:cNvSpPr/>
+            <p:nvPr/>
+          </p:nvSpPr>
+          <p:spPr>
+            <a:xfrm>
+              <a:off x="2621" y="7095"/>
+              <a:ext cx="2050" cy="313"/>
+            </a:xfrm>
+            <a:prstGeom prst="flowChartMagneticDisk">
+              <a:avLst/>
+            </a:prstGeom>
+            <a:solidFill>
+              <a:schemeClr val="accent4">
+                <a:lumMod val="60000"/>
+                <a:lumOff val="40000"/>
+              </a:schemeClr>
+            </a:solidFill>
+            <a:ln w="28575">
+              <a:solidFill>
+                <a:schemeClr val="tx1"/>
+              </a:solidFill>
+            </a:ln>
+          </p:spPr>
+          <p:style>
+            <a:lnRef idx="2">
+              <a:schemeClr val="accent1">
+                <a:shade val="50000"/>
+              </a:schemeClr>
+            </a:lnRef>
+            <a:fillRef idx="1">
+              <a:schemeClr val="accent1"/>
+            </a:fillRef>
+            <a:effectRef idx="0">
+              <a:schemeClr val="accent1"/>
+            </a:effectRef>
+            <a:fontRef idx="minor">
+              <a:schemeClr val="lt1"/>
+            </a:fontRef>
+          </p:style>
+          <p:txBody>
+            <a:bodyPr rtlCol="0" anchor="ctr"/>
+            <a:p>
+              <a:pPr algn="ctr"/>
+              <a:endParaRPr lang="zh-CN" altLang="en-US" dirty="0">
+                <a:solidFill>
+                  <a:schemeClr val="tx1"/>
+                </a:solidFill>
+              </a:endParaRPr>
+            </a:p>
+          </p:txBody>
+        </p:sp>
+        <p:cxnSp>
+          <p:nvCxnSpPr>
+            <p:cNvPr id="16" name="直接箭头连接符 15"/>
+            <p:cNvCxnSpPr>
+              <a:stCxn id="9" idx="3"/>
+            </p:cNvCxnSpPr>
+            <p:nvPr/>
+          </p:nvCxnSpPr>
+          <p:spPr>
+            <a:xfrm>
+              <a:off x="3571" y="4847"/>
+              <a:ext cx="2" cy="458"/>
+            </a:xfrm>
+            <a:prstGeom prst="straightConnector1">
+              <a:avLst/>
+            </a:prstGeom>
+            <a:ln w="28575" cmpd="sng">
+              <a:solidFill>
+                <a:schemeClr val="accent1">
+                  <a:shade val="50000"/>
+                </a:schemeClr>
+              </a:solidFill>
+              <a:prstDash val="sysDash"/>
+              <a:headEnd type="none" w="med" len="med"/>
+              <a:tailEnd type="arrow" w="med" len="med"/>
+            </a:ln>
+          </p:spPr>
+          <p:style>
+            <a:lnRef idx="1">
+              <a:schemeClr val="accent1"/>
+            </a:lnRef>
+            <a:fillRef idx="0">
+              <a:schemeClr val="accent1"/>
+            </a:fillRef>
+            <a:effectRef idx="0">
+              <a:schemeClr val="accent1"/>
+            </a:effectRef>
+            <a:fontRef idx="minor">
+              <a:schemeClr val="tx1"/>
+            </a:fontRef>
+          </p:style>
+        </p:cxnSp>
+        <p:sp>
+          <p:nvSpPr>
+            <p:cNvPr id="17" name="圆角矩形 16"/>
+            <p:cNvSpPr/>
+            <p:nvPr/>
+          </p:nvSpPr>
+          <p:spPr>
+            <a:xfrm>
+              <a:off x="1328" y="5245"/>
+              <a:ext cx="4559" cy="301"/>
+            </a:xfrm>
+            <a:prstGeom prst="roundRect">
+              <a:avLst/>
+            </a:prstGeom>
+            <a:noFill/>
+            <a:ln w="28575" cmpd="sng">
+              <a:solidFill>
+                <a:schemeClr val="accent1">
+                  <a:shade val="50000"/>
+                </a:schemeClr>
+              </a:solidFill>
+              <a:prstDash val="sysDash"/>
+            </a:ln>
+          </p:spPr>
+          <p:style>
+            <a:lnRef idx="2">
+              <a:schemeClr val="accent1">
+                <a:shade val="50000"/>
+              </a:schemeClr>
+            </a:lnRef>
+            <a:fillRef idx="1">
+              <a:schemeClr val="accent1"/>
+            </a:fillRef>
+            <a:effectRef idx="0">
+              <a:schemeClr val="accent1"/>
+            </a:effectRef>
+            <a:fontRef idx="minor">
+              <a:schemeClr val="lt1"/>
+            </a:fontRef>
+          </p:style>
+          <p:txBody>
+            <a:bodyPr rtlCol="0" anchor="ctr"/>
+            <a:p>
+              <a:pPr algn="ctr"/>
+              <a:endParaRPr lang="zh-CN" altLang="en-US" dirty="0">
+                <a:solidFill>
+                  <a:schemeClr val="tx1"/>
+                </a:solidFill>
+              </a:endParaRPr>
+            </a:p>
+          </p:txBody>
+        </p:sp>
+        <p:sp>
+          <p:nvSpPr>
+            <p:cNvPr id="18" name="圆角矩形 17"/>
+            <p:cNvSpPr/>
+            <p:nvPr/>
+          </p:nvSpPr>
+          <p:spPr>
+            <a:xfrm>
+              <a:off x="1400" y="5291"/>
+              <a:ext cx="957" cy="209"/>
+            </a:xfrm>
+            <a:prstGeom prst="roundRect">
+              <a:avLst/>
+            </a:prstGeom>
+            <a:solidFill>
+              <a:schemeClr val="accent1">
+                <a:lumMod val="60000"/>
+                <a:lumOff val="40000"/>
+              </a:schemeClr>
+            </a:solidFill>
+            <a:ln w="28575" cmpd="sng">
+              <a:solidFill>
+                <a:schemeClr val="accent1">
+                  <a:shade val="50000"/>
+                </a:schemeClr>
+              </a:solidFill>
+              <a:prstDash val="solid"/>
+            </a:ln>
+          </p:spPr>
+          <p:style>
+            <a:lnRef idx="2">
+              <a:schemeClr val="accent1">
+                <a:shade val="50000"/>
+              </a:schemeClr>
+            </a:lnRef>
+            <a:fillRef idx="1">
+              <a:schemeClr val="accent1"/>
+            </a:fillRef>
+            <a:effectRef idx="0">
+              <a:schemeClr val="accent1"/>
+            </a:effectRef>
+            <a:fontRef idx="minor">
+              <a:schemeClr val="lt1"/>
+            </a:fontRef>
+          </p:style>
+          <p:txBody>
+            <a:bodyPr rtlCol="0" anchor="ctr"/>
+            <a:p>
+              <a:pPr algn="ctr"/>
+              <a:endParaRPr lang="zh-CN" altLang="en-US" dirty="0">
+                <a:solidFill>
+                  <a:schemeClr val="tx1"/>
+                </a:solidFill>
+              </a:endParaRPr>
+            </a:p>
+          </p:txBody>
+        </p:sp>
+        <p:cxnSp>
+          <p:nvCxnSpPr>
+            <p:cNvPr id="24" name="直接箭头连接符 23"/>
+            <p:cNvCxnSpPr>
+              <a:stCxn id="9" idx="3"/>
+              <a:endCxn id="15" idx="0"/>
+            </p:cNvCxnSpPr>
+            <p:nvPr/>
+          </p:nvCxnSpPr>
+          <p:spPr>
+            <a:xfrm>
+              <a:off x="3571" y="4847"/>
+              <a:ext cx="730" cy="452"/>
+            </a:xfrm>
+            <a:prstGeom prst="straightConnector1">
+              <a:avLst/>
+            </a:prstGeom>
+            <a:ln w="28575" cmpd="sng">
+              <a:solidFill>
+                <a:schemeClr val="accent1">
+                  <a:shade val="50000"/>
+                </a:schemeClr>
+              </a:solidFill>
+              <a:prstDash val="solid"/>
+              <a:headEnd type="none" w="med" len="med"/>
+              <a:tailEnd type="arrow" w="med" len="med"/>
+            </a:ln>
+          </p:spPr>
+          <p:style>
+            <a:lnRef idx="1">
+              <a:schemeClr val="accent1"/>
+            </a:lnRef>
+            <a:fillRef idx="0">
+              <a:schemeClr val="accent1"/>
+            </a:fillRef>
+            <a:effectRef idx="0">
+              <a:schemeClr val="accent1"/>
+            </a:effectRef>
+            <a:fontRef idx="minor">
+              <a:schemeClr val="tx1"/>
+            </a:fontRef>
+          </p:style>
+        </p:cxnSp>
+        <p:cxnSp>
+          <p:nvCxnSpPr>
+            <p:cNvPr id="25" name="直接箭头连接符 24"/>
+            <p:cNvCxnSpPr>
+              <a:stCxn id="9" idx="3"/>
+              <a:endCxn id="18" idx="0"/>
+            </p:cNvCxnSpPr>
+            <p:nvPr/>
+          </p:nvCxnSpPr>
+          <p:spPr>
+            <a:xfrm flipH="1">
+              <a:off x="1879" y="4847"/>
+              <a:ext cx="1692" cy="444"/>
+            </a:xfrm>
+            <a:prstGeom prst="straightConnector1">
+              <a:avLst/>
+            </a:prstGeom>
+            <a:ln w="28575" cmpd="sng">
+              <a:solidFill>
+                <a:schemeClr val="accent1">
+                  <a:shade val="50000"/>
+                </a:schemeClr>
+              </a:solidFill>
+              <a:prstDash val="solid"/>
+              <a:headEnd type="none" w="med" len="med"/>
+              <a:tailEnd type="arrow" w="med" len="med"/>
+            </a:ln>
+          </p:spPr>
+          <p:style>
+            <a:lnRef idx="1">
+              <a:schemeClr val="accent1"/>
+            </a:lnRef>
+            <a:fillRef idx="0">
+              <a:schemeClr val="accent1"/>
+            </a:fillRef>
+            <a:effectRef idx="0">
+              <a:schemeClr val="accent1"/>
+            </a:effectRef>
+            <a:fontRef idx="minor">
+              <a:schemeClr val="tx1"/>
+            </a:fontRef>
+          </p:style>
+        </p:cxnSp>
+        <p:sp>
+          <p:nvSpPr>
+            <p:cNvPr id="32" name="文本框 31"/>
+            <p:cNvSpPr txBox="1"/>
+            <p:nvPr/>
+          </p:nvSpPr>
+          <p:spPr>
+            <a:xfrm>
+              <a:off x="3369" y="5185"/>
+              <a:ext cx="554" cy="300"/>
+            </a:xfrm>
+            <a:prstGeom prst="rect">
+              <a:avLst/>
+            </a:prstGeom>
+            <a:noFill/>
+          </p:spPr>
+          <p:txBody>
+            <a:bodyPr wrap="square" rtlCol="0">
+              <a:spAutoFit/>
+            </a:bodyPr>
+            <a:p>
+              <a:r>
+                <a:rPr lang="en-US" altLang="zh-CN" sz="1000" b="1"/>
+                <a:t>...</a:t>
+              </a:r>
+              <a:endParaRPr lang="en-US" altLang="zh-CN" sz="1000" b="1"/>
+            </a:p>
+          </p:txBody>
+        </p:sp>
+        <p:sp>
+          <p:nvSpPr>
+            <p:cNvPr id="7" name="圆角矩形 6"/>
+            <p:cNvSpPr/>
+            <p:nvPr/>
+          </p:nvSpPr>
+          <p:spPr>
+            <a:xfrm>
+              <a:off x="2410" y="5292"/>
+              <a:ext cx="957" cy="209"/>
+            </a:xfrm>
+            <a:prstGeom prst="roundRect">
+              <a:avLst/>
+            </a:prstGeom>
+            <a:solidFill>
+              <a:schemeClr val="accent1">
+                <a:lumMod val="60000"/>
+                <a:lumOff val="40000"/>
+              </a:schemeClr>
+            </a:solidFill>
+            <a:ln w="28575" cmpd="sng">
+              <a:solidFill>
+                <a:schemeClr val="accent1">
+                  <a:shade val="50000"/>
+                </a:schemeClr>
+              </a:solidFill>
+              <a:prstDash val="solid"/>
+            </a:ln>
+          </p:spPr>
+          <p:style>
+            <a:lnRef idx="2">
+              <a:schemeClr val="accent1">
+                <a:shade val="50000"/>
+              </a:schemeClr>
+            </a:lnRef>
+            <a:fillRef idx="1">
+              <a:schemeClr val="accent1"/>
+            </a:fillRef>
+            <a:effectRef idx="0">
+              <a:schemeClr val="accent1"/>
+            </a:effectRef>
+            <a:fontRef idx="minor">
+              <a:schemeClr val="lt1"/>
+            </a:fontRef>
+          </p:style>
+          <p:txBody>
+            <a:bodyPr rtlCol="0" anchor="ctr"/>
+            <a:p>
+              <a:pPr algn="ctr"/>
+              <a:endParaRPr lang="zh-CN" altLang="en-US" dirty="0">
+                <a:solidFill>
+                  <a:schemeClr val="tx1"/>
+                </a:solidFill>
+              </a:endParaRPr>
+            </a:p>
+          </p:txBody>
+        </p:sp>
+        <p:sp>
+          <p:nvSpPr>
+            <p:cNvPr id="15" name="圆角矩形 14"/>
+            <p:cNvSpPr/>
+            <p:nvPr/>
+          </p:nvSpPr>
+          <p:spPr>
+            <a:xfrm>
+              <a:off x="3822" y="5299"/>
+              <a:ext cx="957" cy="209"/>
+            </a:xfrm>
+            <a:prstGeom prst="roundRect">
+              <a:avLst/>
+            </a:prstGeom>
+            <a:solidFill>
+              <a:schemeClr val="accent1">
+                <a:lumMod val="60000"/>
+                <a:lumOff val="40000"/>
+              </a:schemeClr>
+            </a:solidFill>
+            <a:ln w="28575" cmpd="sng">
+              <a:solidFill>
+                <a:schemeClr val="accent1">
+                  <a:shade val="50000"/>
+                </a:schemeClr>
+              </a:solidFill>
+              <a:prstDash val="solid"/>
+            </a:ln>
+          </p:spPr>
+          <p:style>
+            <a:lnRef idx="2">
+              <a:schemeClr val="accent1">
+                <a:shade val="50000"/>
+              </a:schemeClr>
+            </a:lnRef>
+            <a:fillRef idx="1">
+              <a:schemeClr val="accent1"/>
+            </a:fillRef>
+            <a:effectRef idx="0">
+              <a:schemeClr val="accent1"/>
+            </a:effectRef>
+            <a:fontRef idx="minor">
+              <a:schemeClr val="lt1"/>
+            </a:fontRef>
+          </p:style>
+          <p:txBody>
+            <a:bodyPr rtlCol="0" anchor="ctr"/>
+            <a:p>
+              <a:pPr algn="ctr"/>
+              <a:endParaRPr lang="zh-CN" altLang="en-US" dirty="0">
+                <a:solidFill>
+                  <a:schemeClr val="tx1"/>
+                </a:solidFill>
+              </a:endParaRPr>
+            </a:p>
+          </p:txBody>
+        </p:sp>
+        <p:sp>
+          <p:nvSpPr>
+            <p:cNvPr id="19" name="圆角矩形 18"/>
+            <p:cNvSpPr/>
+            <p:nvPr/>
+          </p:nvSpPr>
+          <p:spPr>
+            <a:xfrm>
+              <a:off x="4859" y="5291"/>
+              <a:ext cx="957" cy="209"/>
+            </a:xfrm>
+            <a:prstGeom prst="roundRect">
+              <a:avLst/>
+            </a:prstGeom>
+            <a:solidFill>
+              <a:schemeClr val="accent1">
+                <a:lumMod val="60000"/>
+                <a:lumOff val="40000"/>
+              </a:schemeClr>
+            </a:solidFill>
+            <a:ln w="28575" cmpd="sng">
+              <a:solidFill>
+                <a:schemeClr val="accent1">
+                  <a:shade val="50000"/>
+                </a:schemeClr>
+              </a:solidFill>
+              <a:prstDash val="solid"/>
+            </a:ln>
+          </p:spPr>
+          <p:style>
+            <a:lnRef idx="2">
+              <a:schemeClr val="accent1">
+                <a:shade val="50000"/>
+              </a:schemeClr>
+            </a:lnRef>
+            <a:fillRef idx="1">
+              <a:schemeClr val="accent1"/>
+            </a:fillRef>
+            <a:effectRef idx="0">
+              <a:schemeClr val="accent1"/>
+            </a:effectRef>
+            <a:fontRef idx="minor">
+              <a:schemeClr val="lt1"/>
+            </a:fontRef>
+          </p:style>
+          <p:txBody>
+            <a:bodyPr rtlCol="0" anchor="ctr"/>
+            <a:p>
+              <a:pPr algn="ctr"/>
+              <a:endParaRPr lang="zh-CN" altLang="en-US" dirty="0">
+                <a:solidFill>
+                  <a:schemeClr val="tx1"/>
+                </a:solidFill>
+              </a:endParaRPr>
+            </a:p>
+          </p:txBody>
+        </p:sp>
+        <p:cxnSp>
+          <p:nvCxnSpPr>
+            <p:cNvPr id="23" name="直接箭头连接符 22"/>
+            <p:cNvCxnSpPr>
+              <a:stCxn id="9" idx="3"/>
+              <a:endCxn id="7" idx="0"/>
+            </p:cNvCxnSpPr>
+            <p:nvPr/>
+          </p:nvCxnSpPr>
+          <p:spPr>
+            <a:xfrm flipH="1">
+              <a:off x="2889" y="4847"/>
+              <a:ext cx="682" cy="445"/>
+            </a:xfrm>
+            <a:prstGeom prst="straightConnector1">
+              <a:avLst/>
+            </a:prstGeom>
+            <a:ln w="28575" cmpd="sng">
+              <a:solidFill>
+                <a:schemeClr val="accent1">
+                  <a:shade val="50000"/>
+                </a:schemeClr>
+              </a:solidFill>
+              <a:prstDash val="solid"/>
+              <a:headEnd type="none" w="med" len="med"/>
+              <a:tailEnd type="arrow" w="med" len="med"/>
+            </a:ln>
+          </p:spPr>
+          <p:style>
+            <a:lnRef idx="1">
+              <a:schemeClr val="accent1"/>
+            </a:lnRef>
+            <a:fillRef idx="0">
+              <a:schemeClr val="accent1"/>
+            </a:fillRef>
+            <a:effectRef idx="0">
+              <a:schemeClr val="accent1"/>
+            </a:effectRef>
+            <a:fontRef idx="minor">
+              <a:schemeClr val="tx1"/>
+            </a:fontRef>
+          </p:style>
+        </p:cxnSp>
+        <p:cxnSp>
+          <p:nvCxnSpPr>
+            <p:cNvPr id="42" name="直接箭头连接符 41"/>
+            <p:cNvCxnSpPr>
+              <a:stCxn id="9" idx="3"/>
+              <a:endCxn id="19" idx="0"/>
+            </p:cNvCxnSpPr>
+            <p:nvPr/>
+          </p:nvCxnSpPr>
+          <p:spPr>
+            <a:xfrm>
+              <a:off x="3571" y="4847"/>
+              <a:ext cx="1767" cy="444"/>
+            </a:xfrm>
+            <a:prstGeom prst="straightConnector1">
+              <a:avLst/>
+            </a:prstGeom>
+            <a:ln w="28575" cmpd="sng">
+              <a:solidFill>
+                <a:schemeClr val="accent1">
+                  <a:shade val="50000"/>
+                </a:schemeClr>
+              </a:solidFill>
+              <a:prstDash val="solid"/>
+              <a:headEnd type="none" w="med" len="med"/>
+              <a:tailEnd type="arrow" w="med" len="med"/>
+            </a:ln>
+          </p:spPr>
+          <p:style>
+            <a:lnRef idx="1">
+              <a:schemeClr val="accent1"/>
+            </a:lnRef>
+            <a:fillRef idx="0">
+              <a:schemeClr val="accent1"/>
+            </a:fillRef>
+            <a:effectRef idx="0">
+              <a:schemeClr val="accent1"/>
+            </a:effectRef>
+            <a:fontRef idx="minor">
+              <a:schemeClr val="tx1"/>
+            </a:fontRef>
+          </p:style>
+        </p:cxnSp>
+        <p:sp>
+          <p:nvSpPr>
+            <p:cNvPr id="43" name="圆角矩形 42"/>
+            <p:cNvSpPr/>
+            <p:nvPr/>
+          </p:nvSpPr>
+          <p:spPr>
+            <a:xfrm>
+              <a:off x="1328" y="6381"/>
+              <a:ext cx="4559" cy="301"/>
+            </a:xfrm>
+            <a:prstGeom prst="roundRect">
+              <a:avLst/>
+            </a:prstGeom>
+            <a:noFill/>
+            <a:ln w="28575" cmpd="sng">
+              <a:solidFill>
+                <a:schemeClr val="accent1">
+                  <a:shade val="50000"/>
+                </a:schemeClr>
+              </a:solidFill>
+              <a:prstDash val="sysDash"/>
+            </a:ln>
+          </p:spPr>
+          <p:style>
+            <a:lnRef idx="2">
+              <a:schemeClr val="accent1">
+                <a:shade val="50000"/>
+              </a:schemeClr>
+            </a:lnRef>
+            <a:fillRef idx="1">
+              <a:schemeClr val="accent1"/>
+            </a:fillRef>
+            <a:effectRef idx="0">
+              <a:schemeClr val="accent1"/>
+            </a:effectRef>
+            <a:fontRef idx="minor">
+              <a:schemeClr val="lt1"/>
+            </a:fontRef>
+          </p:style>
+          <p:txBody>
+            <a:bodyPr rtlCol="0" anchor="ctr"/>
+            <a:p>
+              <a:pPr algn="ctr"/>
+              <a:endParaRPr lang="zh-CN" altLang="en-US" dirty="0">
+                <a:solidFill>
+                  <a:schemeClr val="tx1"/>
+                </a:solidFill>
+              </a:endParaRPr>
+            </a:p>
+          </p:txBody>
+        </p:sp>
+        <p:sp>
+          <p:nvSpPr>
+            <p:cNvPr id="44" name="圆角矩形 43"/>
+            <p:cNvSpPr/>
+            <p:nvPr/>
+          </p:nvSpPr>
+          <p:spPr>
+            <a:xfrm>
+              <a:off x="1400" y="6427"/>
+              <a:ext cx="957" cy="209"/>
+            </a:xfrm>
+            <a:prstGeom prst="roundRect">
+              <a:avLst/>
+            </a:prstGeom>
+            <a:solidFill>
+              <a:schemeClr val="accent1">
+                <a:lumMod val="60000"/>
+                <a:lumOff val="40000"/>
+              </a:schemeClr>
+            </a:solidFill>
+            <a:ln w="28575" cmpd="sng">
+              <a:solidFill>
+                <a:schemeClr val="accent1">
+                  <a:shade val="50000"/>
+                </a:schemeClr>
+              </a:solidFill>
+              <a:prstDash val="solid"/>
+            </a:ln>
+          </p:spPr>
+          <p:style>
+            <a:lnRef idx="2">
+              <a:schemeClr val="accent1">
+                <a:shade val="50000"/>
+              </a:schemeClr>
+            </a:lnRef>
+            <a:fillRef idx="1">
+              <a:schemeClr val="accent1"/>
+            </a:fillRef>
+            <a:effectRef idx="0">
+              <a:schemeClr val="accent1"/>
+            </a:effectRef>
+            <a:fontRef idx="minor">
+              <a:schemeClr val="lt1"/>
+            </a:fontRef>
+          </p:style>
+          <p:txBody>
+            <a:bodyPr rtlCol="0" anchor="ctr"/>
+            <a:p>
+              <a:pPr algn="ctr"/>
+              <a:endParaRPr lang="zh-CN" altLang="en-US" dirty="0">
+                <a:solidFill>
+                  <a:schemeClr val="tx1"/>
+                </a:solidFill>
+              </a:endParaRPr>
+            </a:p>
+          </p:txBody>
+        </p:sp>
+        <p:sp>
+          <p:nvSpPr>
+            <p:cNvPr id="46" name="圆角矩形 45"/>
+            <p:cNvSpPr/>
+            <p:nvPr/>
+          </p:nvSpPr>
+          <p:spPr>
+            <a:xfrm>
+              <a:off x="2410" y="6428"/>
+              <a:ext cx="957" cy="209"/>
+            </a:xfrm>
+            <a:prstGeom prst="roundRect">
+              <a:avLst/>
+            </a:prstGeom>
+            <a:solidFill>
+              <a:schemeClr val="accent1">
+                <a:lumMod val="60000"/>
+                <a:lumOff val="40000"/>
+              </a:schemeClr>
+            </a:solidFill>
+            <a:ln w="28575" cmpd="sng">
+              <a:solidFill>
+                <a:schemeClr val="accent1">
+                  <a:shade val="50000"/>
+                </a:schemeClr>
+              </a:solidFill>
+              <a:prstDash val="solid"/>
+            </a:ln>
+          </p:spPr>
+          <p:style>
+            <a:lnRef idx="2">
+              <a:schemeClr val="accent1">
+                <a:shade val="50000"/>
+              </a:schemeClr>
+            </a:lnRef>
+            <a:fillRef idx="1">
+              <a:schemeClr val="accent1"/>
+            </a:fillRef>
+            <a:effectRef idx="0">
+              <a:schemeClr val="accent1"/>
+            </a:effectRef>
+            <a:fontRef idx="minor">
+              <a:schemeClr val="lt1"/>
+            </a:fontRef>
+          </p:style>
+          <p:txBody>
+            <a:bodyPr rtlCol="0" anchor="ctr"/>
+            <a:p>
+              <a:pPr algn="ctr"/>
+              <a:endParaRPr lang="zh-CN" altLang="en-US" dirty="0">
+                <a:solidFill>
+                  <a:schemeClr val="tx1"/>
+                </a:solidFill>
+              </a:endParaRPr>
+            </a:p>
+          </p:txBody>
+        </p:sp>
+        <p:sp>
+          <p:nvSpPr>
+            <p:cNvPr id="47" name="圆角矩形 46"/>
+            <p:cNvSpPr/>
+            <p:nvPr/>
+          </p:nvSpPr>
+          <p:spPr>
+            <a:xfrm>
+              <a:off x="3822" y="6434"/>
+              <a:ext cx="957" cy="209"/>
+            </a:xfrm>
+            <a:prstGeom prst="roundRect">
+              <a:avLst/>
+            </a:prstGeom>
+            <a:solidFill>
+              <a:schemeClr val="accent1">
+                <a:lumMod val="60000"/>
+                <a:lumOff val="40000"/>
+              </a:schemeClr>
+            </a:solidFill>
+            <a:ln w="28575" cmpd="sng">
+              <a:solidFill>
+                <a:schemeClr val="accent1">
+                  <a:shade val="50000"/>
+                </a:schemeClr>
+              </a:solidFill>
+              <a:prstDash val="solid"/>
+            </a:ln>
+          </p:spPr>
+          <p:style>
+            <a:lnRef idx="2">
+              <a:schemeClr val="accent1">
+                <a:shade val="50000"/>
+              </a:schemeClr>
+            </a:lnRef>
+            <a:fillRef idx="1">
+              <a:schemeClr val="accent1"/>
+            </a:fillRef>
+            <a:effectRef idx="0">
+              <a:schemeClr val="accent1"/>
+            </a:effectRef>
+            <a:fontRef idx="minor">
+              <a:schemeClr val="lt1"/>
+            </a:fontRef>
+          </p:style>
+          <p:txBody>
+            <a:bodyPr rtlCol="0" anchor="ctr"/>
+            <a:p>
+              <a:pPr algn="ctr"/>
+              <a:endParaRPr lang="zh-CN" altLang="en-US" dirty="0">
+                <a:solidFill>
+                  <a:schemeClr val="tx1"/>
+                </a:solidFill>
+              </a:endParaRPr>
+            </a:p>
+          </p:txBody>
+        </p:sp>
+        <p:sp>
+          <p:nvSpPr>
+            <p:cNvPr id="48" name="圆角矩形 47"/>
+            <p:cNvSpPr/>
+            <p:nvPr/>
+          </p:nvSpPr>
+          <p:spPr>
+            <a:xfrm>
+              <a:off x="4859" y="6426"/>
+              <a:ext cx="957" cy="209"/>
+            </a:xfrm>
+            <a:prstGeom prst="roundRect">
+              <a:avLst/>
+            </a:prstGeom>
+            <a:solidFill>
+              <a:schemeClr val="accent1">
+                <a:lumMod val="60000"/>
+                <a:lumOff val="40000"/>
+              </a:schemeClr>
+            </a:solidFill>
+            <a:ln w="28575" cmpd="sng">
+              <a:solidFill>
+                <a:schemeClr val="accent1">
+                  <a:shade val="50000"/>
+                </a:schemeClr>
+              </a:solidFill>
+              <a:prstDash val="solid"/>
+            </a:ln>
+          </p:spPr>
+          <p:style>
+            <a:lnRef idx="2">
+              <a:schemeClr val="accent1">
+                <a:shade val="50000"/>
+              </a:schemeClr>
+            </a:lnRef>
+            <a:fillRef idx="1">
+              <a:schemeClr val="accent1"/>
+            </a:fillRef>
+            <a:effectRef idx="0">
+              <a:schemeClr val="accent1"/>
+            </a:effectRef>
+            <a:fontRef idx="minor">
+              <a:schemeClr val="lt1"/>
+            </a:fontRef>
+          </p:style>
+          <p:txBody>
+            <a:bodyPr rtlCol="0" anchor="ctr"/>
+            <a:p>
+              <a:pPr algn="ctr"/>
+              <a:endParaRPr lang="zh-CN" altLang="en-US" dirty="0">
+                <a:solidFill>
+                  <a:schemeClr val="tx1"/>
+                </a:solidFill>
+              </a:endParaRPr>
+            </a:p>
+          </p:txBody>
+        </p:sp>
+        <p:cxnSp>
+          <p:nvCxnSpPr>
+            <p:cNvPr id="53" name="直接箭头连接符 52"/>
+            <p:cNvCxnSpPr>
+              <a:endCxn id="44" idx="0"/>
+            </p:cNvCxnSpPr>
+            <p:nvPr/>
+          </p:nvCxnSpPr>
+          <p:spPr>
+            <a:xfrm>
+              <a:off x="1864" y="5504"/>
+              <a:ext cx="15" cy="923"/>
+            </a:xfrm>
+            <a:prstGeom prst="straightConnector1">
+              <a:avLst/>
+            </a:prstGeom>
+            <a:ln w="19050" cmpd="sng">
+              <a:solidFill>
+                <a:schemeClr val="accent1">
+                  <a:shade val="50000"/>
+                </a:schemeClr>
+              </a:solidFill>
+              <a:prstDash val="solid"/>
+              <a:headEnd type="none" w="med" len="med"/>
+              <a:tailEnd type="arrow" w="med" len="med"/>
+            </a:ln>
+          </p:spPr>
+          <p:style>
+            <a:lnRef idx="1">
+              <a:schemeClr val="accent1"/>
+            </a:lnRef>
+            <a:fillRef idx="0">
+              <a:schemeClr val="accent1"/>
+            </a:fillRef>
+            <a:effectRef idx="0">
+              <a:schemeClr val="accent1"/>
+            </a:effectRef>
+            <a:fontRef idx="minor">
+              <a:schemeClr val="tx1"/>
+            </a:fontRef>
+          </p:style>
+        </p:cxnSp>
+        <p:cxnSp>
+          <p:nvCxnSpPr>
+            <p:cNvPr id="55" name="直接箭头连接符 54"/>
+            <p:cNvCxnSpPr>
+              <a:endCxn id="46" idx="0"/>
+            </p:cNvCxnSpPr>
+            <p:nvPr/>
+          </p:nvCxnSpPr>
+          <p:spPr>
+            <a:xfrm>
+              <a:off x="1865" y="5512"/>
+              <a:ext cx="1024" cy="916"/>
+            </a:xfrm>
+            <a:prstGeom prst="straightConnector1">
+              <a:avLst/>
+            </a:prstGeom>
+            <a:ln w="19050" cmpd="sng">
+              <a:solidFill>
+                <a:schemeClr val="accent1">
+                  <a:shade val="50000"/>
+                </a:schemeClr>
+              </a:solidFill>
+              <a:prstDash val="solid"/>
+              <a:headEnd type="none" w="med" len="med"/>
+              <a:tailEnd type="arrow" w="med" len="med"/>
+            </a:ln>
+          </p:spPr>
+          <p:style>
+            <a:lnRef idx="1">
+              <a:schemeClr val="accent1"/>
+            </a:lnRef>
+            <a:fillRef idx="0">
+              <a:schemeClr val="accent1"/>
+            </a:fillRef>
+            <a:effectRef idx="0">
+              <a:schemeClr val="accent1"/>
+            </a:effectRef>
+            <a:fontRef idx="minor">
+              <a:schemeClr val="tx1"/>
+            </a:fontRef>
+          </p:style>
+        </p:cxnSp>
+        <p:cxnSp>
+          <p:nvCxnSpPr>
+            <p:cNvPr id="64" name="直接箭头连接符 63"/>
+            <p:cNvCxnSpPr>
+              <a:endCxn id="47" idx="0"/>
+            </p:cNvCxnSpPr>
+            <p:nvPr/>
+          </p:nvCxnSpPr>
+          <p:spPr>
+            <a:xfrm>
+              <a:off x="1858" y="5511"/>
+              <a:ext cx="2443" cy="923"/>
+            </a:xfrm>
+            <a:prstGeom prst="straightConnector1">
+              <a:avLst/>
+            </a:prstGeom>
+            <a:ln w="19050" cmpd="sng">
+              <a:solidFill>
+                <a:schemeClr val="accent1">
+                  <a:shade val="50000"/>
+                </a:schemeClr>
+              </a:solidFill>
+              <a:prstDash val="solid"/>
+              <a:headEnd type="none" w="med" len="med"/>
+              <a:tailEnd type="arrow" w="med" len="med"/>
+            </a:ln>
+          </p:spPr>
+          <p:style>
+            <a:lnRef idx="1">
+              <a:schemeClr val="accent1"/>
+            </a:lnRef>
+            <a:fillRef idx="0">
+              <a:schemeClr val="accent1"/>
+            </a:fillRef>
+            <a:effectRef idx="0">
+              <a:schemeClr val="accent1"/>
+            </a:effectRef>
+            <a:fontRef idx="minor">
+              <a:schemeClr val="tx1"/>
+            </a:fontRef>
+          </p:style>
+        </p:cxnSp>
+        <p:cxnSp>
+          <p:nvCxnSpPr>
+            <p:cNvPr id="65" name="直接箭头连接符 64"/>
+            <p:cNvCxnSpPr>
+              <a:endCxn id="48" idx="0"/>
+            </p:cNvCxnSpPr>
+            <p:nvPr/>
+          </p:nvCxnSpPr>
+          <p:spPr>
+            <a:xfrm>
+              <a:off x="1858" y="5511"/>
+              <a:ext cx="3480" cy="915"/>
+            </a:xfrm>
+            <a:prstGeom prst="straightConnector1">
+              <a:avLst/>
+            </a:prstGeom>
+            <a:ln w="19050" cmpd="sng">
+              <a:solidFill>
+                <a:schemeClr val="accent1">
+                  <a:shade val="50000"/>
+                </a:schemeClr>
+              </a:solidFill>
+              <a:prstDash val="solid"/>
+              <a:headEnd type="none" w="med" len="med"/>
+              <a:tailEnd type="arrow" w="med" len="med"/>
+            </a:ln>
+          </p:spPr>
+          <p:style>
+            <a:lnRef idx="1">
+              <a:schemeClr val="accent1"/>
+            </a:lnRef>
+            <a:fillRef idx="0">
+              <a:schemeClr val="accent1"/>
+            </a:fillRef>
+            <a:effectRef idx="0">
+              <a:schemeClr val="accent1"/>
+            </a:effectRef>
+            <a:fontRef idx="minor">
+              <a:schemeClr val="tx1"/>
+            </a:fontRef>
+          </p:style>
+        </p:cxnSp>
+        <p:cxnSp>
+          <p:nvCxnSpPr>
+            <p:cNvPr id="69" name="直接箭头连接符 68"/>
+            <p:cNvCxnSpPr>
+              <a:stCxn id="7" idx="2"/>
+              <a:endCxn id="44" idx="0"/>
+            </p:cNvCxnSpPr>
+            <p:nvPr/>
+          </p:nvCxnSpPr>
+          <p:spPr>
+            <a:xfrm flipH="1">
+              <a:off x="1879" y="5501"/>
+              <a:ext cx="1010" cy="926"/>
+            </a:xfrm>
+            <a:prstGeom prst="straightConnector1">
+              <a:avLst/>
+            </a:prstGeom>
+            <a:ln w="19050" cmpd="sng">
+              <a:solidFill>
+                <a:schemeClr val="accent1">
+                  <a:shade val="50000"/>
+                </a:schemeClr>
+              </a:solidFill>
+              <a:prstDash val="solid"/>
+              <a:headEnd type="none" w="med" len="med"/>
+              <a:tailEnd type="arrow" w="med" len="med"/>
+            </a:ln>
+          </p:spPr>
+          <p:style>
+            <a:lnRef idx="1">
+              <a:schemeClr val="accent1"/>
+            </a:lnRef>
+            <a:fillRef idx="0">
+              <a:schemeClr val="accent1"/>
+            </a:fillRef>
+            <a:effectRef idx="0">
+              <a:schemeClr val="accent1"/>
+            </a:effectRef>
+            <a:fontRef idx="minor">
+              <a:schemeClr val="tx1"/>
+            </a:fontRef>
+          </p:style>
+        </p:cxnSp>
+        <p:cxnSp>
+          <p:nvCxnSpPr>
+            <p:cNvPr id="70" name="直接箭头连接符 69"/>
+            <p:cNvCxnSpPr/>
+            <p:nvPr/>
+          </p:nvCxnSpPr>
+          <p:spPr>
+            <a:xfrm flipH="1">
+              <a:off x="1879" y="5500"/>
+              <a:ext cx="2422" cy="919"/>
+            </a:xfrm>
+            <a:prstGeom prst="straightConnector1">
+              <a:avLst/>
+            </a:prstGeom>
+            <a:ln w="19050" cmpd="sng">
+              <a:solidFill>
+                <a:schemeClr val="accent1">
+                  <a:shade val="50000"/>
+                </a:schemeClr>
+              </a:solidFill>
+              <a:prstDash val="solid"/>
+              <a:headEnd type="none" w="med" len="med"/>
+              <a:tailEnd type="arrow" w="med" len="med"/>
+            </a:ln>
+          </p:spPr>
+          <p:style>
+            <a:lnRef idx="1">
+              <a:schemeClr val="accent1"/>
+            </a:lnRef>
+            <a:fillRef idx="0">
+              <a:schemeClr val="accent1"/>
+            </a:fillRef>
+            <a:effectRef idx="0">
+              <a:schemeClr val="accent1"/>
+            </a:effectRef>
+            <a:fontRef idx="minor">
+              <a:schemeClr val="tx1"/>
+            </a:fontRef>
+          </p:style>
+        </p:cxnSp>
+        <p:cxnSp>
+          <p:nvCxnSpPr>
+            <p:cNvPr id="71" name="直接箭头连接符 70"/>
+            <p:cNvCxnSpPr>
+              <a:stCxn id="19" idx="2"/>
+              <a:endCxn id="44" idx="0"/>
+            </p:cNvCxnSpPr>
+            <p:nvPr/>
+          </p:nvCxnSpPr>
+          <p:spPr>
+            <a:xfrm flipH="1">
+              <a:off x="1879" y="5500"/>
+              <a:ext cx="3459" cy="927"/>
+            </a:xfrm>
+            <a:prstGeom prst="straightConnector1">
+              <a:avLst/>
+            </a:prstGeom>
+            <a:ln w="19050" cmpd="sng">
+              <a:solidFill>
+                <a:schemeClr val="accent1">
+                  <a:shade val="50000"/>
+                </a:schemeClr>
+              </a:solidFill>
+              <a:prstDash val="solid"/>
+              <a:headEnd type="none" w="med" len="med"/>
+              <a:tailEnd type="arrow" w="med" len="med"/>
+            </a:ln>
+          </p:spPr>
+          <p:style>
+            <a:lnRef idx="1">
+              <a:schemeClr val="accent1"/>
+            </a:lnRef>
+            <a:fillRef idx="0">
+              <a:schemeClr val="accent1"/>
+            </a:fillRef>
+            <a:effectRef idx="0">
+              <a:schemeClr val="accent1"/>
+            </a:effectRef>
+            <a:fontRef idx="minor">
+              <a:schemeClr val="tx1"/>
+            </a:fontRef>
+          </p:style>
+        </p:cxnSp>
+        <p:cxnSp>
+          <p:nvCxnSpPr>
+            <p:cNvPr id="72" name="直接箭头连接符 71"/>
+            <p:cNvCxnSpPr>
+              <a:stCxn id="7" idx="2"/>
+              <a:endCxn id="46" idx="0"/>
+            </p:cNvCxnSpPr>
+            <p:nvPr/>
+          </p:nvCxnSpPr>
+          <p:spPr>
+            <a:xfrm>
+              <a:off x="2889" y="5501"/>
+              <a:ext cx="0" cy="927"/>
+            </a:xfrm>
+            <a:prstGeom prst="straightConnector1">
+              <a:avLst/>
+            </a:prstGeom>
+            <a:ln w="19050" cmpd="sng">
+              <a:solidFill>
+                <a:schemeClr val="accent1">
+                  <a:shade val="50000"/>
+                </a:schemeClr>
+              </a:solidFill>
+              <a:prstDash val="solid"/>
+              <a:headEnd type="none" w="med" len="med"/>
+              <a:tailEnd type="arrow" w="med" len="med"/>
+            </a:ln>
+          </p:spPr>
+          <p:style>
+            <a:lnRef idx="1">
+              <a:schemeClr val="accent1"/>
+            </a:lnRef>
+            <a:fillRef idx="0">
+              <a:schemeClr val="accent1"/>
+            </a:fillRef>
+            <a:effectRef idx="0">
+              <a:schemeClr val="accent1"/>
+            </a:effectRef>
+            <a:fontRef idx="minor">
+              <a:schemeClr val="tx1"/>
+            </a:fontRef>
+          </p:style>
+        </p:cxnSp>
+        <p:cxnSp>
+          <p:nvCxnSpPr>
+            <p:cNvPr id="73" name="直接箭头连接符 72"/>
+            <p:cNvCxnSpPr>
+              <a:stCxn id="15" idx="2"/>
+              <a:endCxn id="46" idx="0"/>
+            </p:cNvCxnSpPr>
+            <p:nvPr/>
+          </p:nvCxnSpPr>
+          <p:spPr>
+            <a:xfrm flipH="1">
+              <a:off x="2889" y="5508"/>
+              <a:ext cx="1412" cy="920"/>
+            </a:xfrm>
+            <a:prstGeom prst="straightConnector1">
+              <a:avLst/>
+            </a:prstGeom>
+            <a:ln w="19050" cmpd="sng">
+              <a:solidFill>
+                <a:schemeClr val="accent1">
+                  <a:shade val="50000"/>
+                </a:schemeClr>
+              </a:solidFill>
+              <a:prstDash val="solid"/>
+              <a:headEnd type="none" w="med" len="med"/>
+              <a:tailEnd type="arrow" w="med" len="med"/>
+            </a:ln>
+          </p:spPr>
+          <p:style>
+            <a:lnRef idx="1">
+              <a:schemeClr val="accent1"/>
+            </a:lnRef>
+            <a:fillRef idx="0">
+              <a:schemeClr val="accent1"/>
+            </a:fillRef>
+            <a:effectRef idx="0">
+              <a:schemeClr val="accent1"/>
+            </a:effectRef>
+            <a:fontRef idx="minor">
+              <a:schemeClr val="tx1"/>
+            </a:fontRef>
+          </p:style>
+        </p:cxnSp>
+        <p:cxnSp>
+          <p:nvCxnSpPr>
+            <p:cNvPr id="74" name="直接箭头连接符 73"/>
+            <p:cNvCxnSpPr/>
+            <p:nvPr/>
+          </p:nvCxnSpPr>
+          <p:spPr>
+            <a:xfrm flipH="1">
+              <a:off x="2869" y="5520"/>
+              <a:ext cx="2470" cy="909"/>
+            </a:xfrm>
+            <a:prstGeom prst="straightConnector1">
+              <a:avLst/>
+            </a:prstGeom>
+            <a:ln w="19050" cmpd="sng">
+              <a:solidFill>
+                <a:schemeClr val="accent1">
+                  <a:shade val="50000"/>
+                </a:schemeClr>
+              </a:solidFill>
+              <a:prstDash val="solid"/>
+              <a:headEnd type="none" w="med" len="med"/>
+              <a:tailEnd type="arrow" w="med" len="med"/>
+            </a:ln>
+          </p:spPr>
+          <p:style>
+            <a:lnRef idx="1">
+              <a:schemeClr val="accent1"/>
+            </a:lnRef>
+            <a:fillRef idx="0">
+              <a:schemeClr val="accent1"/>
+            </a:fillRef>
+            <a:effectRef idx="0">
+              <a:schemeClr val="accent1"/>
+            </a:effectRef>
+            <a:fontRef idx="minor">
+              <a:schemeClr val="tx1"/>
+            </a:fontRef>
+          </p:style>
+        </p:cxnSp>
+        <p:cxnSp>
+          <p:nvCxnSpPr>
+            <p:cNvPr id="75" name="直接箭头连接符 74"/>
+            <p:cNvCxnSpPr>
+              <a:stCxn id="7" idx="2"/>
+              <a:endCxn id="47" idx="0"/>
+            </p:cNvCxnSpPr>
+            <p:nvPr/>
+          </p:nvCxnSpPr>
+          <p:spPr>
+            <a:xfrm>
+              <a:off x="2889" y="5501"/>
+              <a:ext cx="1412" cy="933"/>
+            </a:xfrm>
+            <a:prstGeom prst="straightConnector1">
+              <a:avLst/>
+            </a:prstGeom>
+            <a:ln w="19050" cmpd="sng">
+              <a:solidFill>
+                <a:schemeClr val="accent1">
+                  <a:shade val="50000"/>
+                </a:schemeClr>
+              </a:solidFill>
+              <a:prstDash val="solid"/>
+              <a:headEnd type="none" w="med" len="med"/>
+              <a:tailEnd type="arrow" w="med" len="med"/>
+            </a:ln>
+          </p:spPr>
+          <p:style>
+            <a:lnRef idx="1">
+              <a:schemeClr val="accent1"/>
+            </a:lnRef>
+            <a:fillRef idx="0">
+              <a:schemeClr val="accent1"/>
+            </a:fillRef>
+            <a:effectRef idx="0">
+              <a:schemeClr val="accent1"/>
+            </a:effectRef>
+            <a:fontRef idx="minor">
+              <a:schemeClr val="tx1"/>
+            </a:fontRef>
+          </p:style>
+        </p:cxnSp>
+        <p:cxnSp>
+          <p:nvCxnSpPr>
+            <p:cNvPr id="76" name="直接箭头连接符 75"/>
+            <p:cNvCxnSpPr>
+              <a:stCxn id="15" idx="2"/>
+              <a:endCxn id="47" idx="0"/>
+            </p:cNvCxnSpPr>
+            <p:nvPr/>
+          </p:nvCxnSpPr>
+          <p:spPr>
+            <a:xfrm>
+              <a:off x="4301" y="5508"/>
+              <a:ext cx="0" cy="926"/>
+            </a:xfrm>
+            <a:prstGeom prst="straightConnector1">
+              <a:avLst/>
+            </a:prstGeom>
+            <a:ln w="19050" cmpd="sng">
+              <a:solidFill>
+                <a:schemeClr val="accent1">
+                  <a:shade val="50000"/>
+                </a:schemeClr>
+              </a:solidFill>
+              <a:prstDash val="solid"/>
+              <a:headEnd type="none" w="med" len="med"/>
+              <a:tailEnd type="arrow" w="med" len="med"/>
+            </a:ln>
+          </p:spPr>
+          <p:style>
+            <a:lnRef idx="1">
+              <a:schemeClr val="accent1"/>
+            </a:lnRef>
+            <a:fillRef idx="0">
+              <a:schemeClr val="accent1"/>
+            </a:fillRef>
+            <a:effectRef idx="0">
+              <a:schemeClr val="accent1"/>
+            </a:effectRef>
+            <a:fontRef idx="minor">
+              <a:schemeClr val="tx1"/>
+            </a:fontRef>
+          </p:style>
+        </p:cxnSp>
+        <p:cxnSp>
+          <p:nvCxnSpPr>
+            <p:cNvPr id="77" name="直接箭头连接符 76"/>
+            <p:cNvCxnSpPr>
+              <a:stCxn id="19" idx="2"/>
+              <a:endCxn id="47" idx="0"/>
+            </p:cNvCxnSpPr>
+            <p:nvPr/>
+          </p:nvCxnSpPr>
+          <p:spPr>
+            <a:xfrm flipH="1">
+              <a:off x="4301" y="5500"/>
+              <a:ext cx="1037" cy="934"/>
+            </a:xfrm>
+            <a:prstGeom prst="straightConnector1">
+              <a:avLst/>
+            </a:prstGeom>
+            <a:ln w="19050" cmpd="sng">
+              <a:solidFill>
+                <a:schemeClr val="accent1">
+                  <a:shade val="50000"/>
+                </a:schemeClr>
+              </a:solidFill>
+              <a:prstDash val="solid"/>
+              <a:headEnd type="none" w="med" len="med"/>
+              <a:tailEnd type="arrow" w="med" len="med"/>
+            </a:ln>
+          </p:spPr>
+          <p:style>
+            <a:lnRef idx="1">
+              <a:schemeClr val="accent1"/>
+            </a:lnRef>
+            <a:fillRef idx="0">
+              <a:schemeClr val="accent1"/>
+            </a:fillRef>
+            <a:effectRef idx="0">
+              <a:schemeClr val="accent1"/>
+            </a:effectRef>
+            <a:fontRef idx="minor">
+              <a:schemeClr val="tx1"/>
+            </a:fontRef>
+          </p:style>
+        </p:cxnSp>
+        <p:cxnSp>
+          <p:nvCxnSpPr>
+            <p:cNvPr id="78" name="直接箭头连接符 77"/>
+            <p:cNvCxnSpPr/>
+            <p:nvPr/>
+          </p:nvCxnSpPr>
+          <p:spPr>
+            <a:xfrm>
+              <a:off x="2895" y="5535"/>
+              <a:ext cx="2445" cy="877"/>
+            </a:xfrm>
+            <a:prstGeom prst="straightConnector1">
+              <a:avLst/>
+            </a:prstGeom>
+            <a:ln w="19050" cmpd="sng">
+              <a:solidFill>
+                <a:schemeClr val="accent1">
+                  <a:shade val="50000"/>
+                </a:schemeClr>
+              </a:solidFill>
+              <a:prstDash val="solid"/>
+              <a:headEnd type="none" w="med" len="med"/>
+              <a:tailEnd type="arrow" w="med" len="med"/>
+            </a:ln>
+          </p:spPr>
+          <p:style>
+            <a:lnRef idx="1">
+              <a:schemeClr val="accent1"/>
+            </a:lnRef>
+            <a:fillRef idx="0">
+              <a:schemeClr val="accent1"/>
+            </a:fillRef>
+            <a:effectRef idx="0">
+              <a:schemeClr val="accent1"/>
+            </a:effectRef>
+            <a:fontRef idx="minor">
+              <a:schemeClr val="tx1"/>
+            </a:fontRef>
+          </p:style>
+        </p:cxnSp>
+        <p:cxnSp>
+          <p:nvCxnSpPr>
+            <p:cNvPr id="79" name="直接箭头连接符 78"/>
+            <p:cNvCxnSpPr>
+              <a:stCxn id="15" idx="2"/>
+            </p:cNvCxnSpPr>
+            <p:nvPr/>
+          </p:nvCxnSpPr>
+          <p:spPr>
+            <a:xfrm>
+              <a:off x="4301" y="5508"/>
+              <a:ext cx="1025" cy="904"/>
+            </a:xfrm>
+            <a:prstGeom prst="straightConnector1">
+              <a:avLst/>
+            </a:prstGeom>
+            <a:ln w="19050" cmpd="sng">
+              <a:solidFill>
+                <a:schemeClr val="accent1">
+                  <a:shade val="50000"/>
+                </a:schemeClr>
+              </a:solidFill>
+              <a:prstDash val="solid"/>
+              <a:headEnd type="none" w="med" len="med"/>
+              <a:tailEnd type="arrow" w="med" len="med"/>
+            </a:ln>
+          </p:spPr>
+          <p:style>
+            <a:lnRef idx="1">
+              <a:schemeClr val="accent1"/>
+            </a:lnRef>
+            <a:fillRef idx="0">
+              <a:schemeClr val="accent1"/>
+            </a:fillRef>
+            <a:effectRef idx="0">
+              <a:schemeClr val="accent1"/>
+            </a:effectRef>
+            <a:fontRef idx="minor">
+              <a:schemeClr val="tx1"/>
+            </a:fontRef>
+          </p:style>
+        </p:cxnSp>
+        <p:cxnSp>
+          <p:nvCxnSpPr>
+            <p:cNvPr id="80" name="直接箭头连接符 79"/>
+            <p:cNvCxnSpPr>
+              <a:stCxn id="19" idx="2"/>
+              <a:endCxn id="48" idx="0"/>
+            </p:cNvCxnSpPr>
+            <p:nvPr/>
+          </p:nvCxnSpPr>
+          <p:spPr>
+            <a:xfrm>
+              <a:off x="5338" y="5500"/>
+              <a:ext cx="0" cy="926"/>
+            </a:xfrm>
+            <a:prstGeom prst="straightConnector1">
+              <a:avLst/>
+            </a:prstGeom>
+            <a:ln w="19050" cmpd="sng">
+              <a:solidFill>
+                <a:schemeClr val="accent1">
+                  <a:shade val="50000"/>
+                </a:schemeClr>
+              </a:solidFill>
+              <a:prstDash val="solid"/>
+              <a:headEnd type="none" w="med" len="med"/>
+              <a:tailEnd type="arrow" w="med" len="med"/>
+            </a:ln>
+          </p:spPr>
+          <p:style>
+            <a:lnRef idx="1">
+              <a:schemeClr val="accent1"/>
+            </a:lnRef>
+            <a:fillRef idx="0">
+              <a:schemeClr val="accent1"/>
+            </a:fillRef>
+            <a:effectRef idx="0">
+              <a:schemeClr val="accent1"/>
+            </a:effectRef>
+            <a:fontRef idx="minor">
+              <a:schemeClr val="tx1"/>
+            </a:fontRef>
+          </p:style>
+        </p:cxnSp>
+        <p:cxnSp>
+          <p:nvCxnSpPr>
+            <p:cNvPr id="83" name="直接箭头连接符 82"/>
+            <p:cNvCxnSpPr>
+              <a:endCxn id="11" idx="1"/>
+            </p:cNvCxnSpPr>
+            <p:nvPr/>
+          </p:nvCxnSpPr>
+          <p:spPr>
+            <a:xfrm>
+              <a:off x="1879" y="6643"/>
+              <a:ext cx="1767" cy="452"/>
+            </a:xfrm>
+            <a:prstGeom prst="straightConnector1">
+              <a:avLst/>
+            </a:prstGeom>
+            <a:ln w="28575" cmpd="sng">
+              <a:solidFill>
+                <a:schemeClr val="accent1">
+                  <a:shade val="50000"/>
+                </a:schemeClr>
+              </a:solidFill>
+              <a:prstDash val="solid"/>
+              <a:headEnd type="none" w="med" len="med"/>
+              <a:tailEnd type="arrow" w="med" len="med"/>
+            </a:ln>
+          </p:spPr>
+          <p:style>
+            <a:lnRef idx="1">
+              <a:schemeClr val="accent1"/>
+            </a:lnRef>
+            <a:fillRef idx="0">
+              <a:schemeClr val="accent1"/>
+            </a:fillRef>
+            <a:effectRef idx="0">
+              <a:schemeClr val="accent1"/>
+            </a:effectRef>
+            <a:fontRef idx="minor">
+              <a:schemeClr val="tx1"/>
+            </a:fontRef>
+          </p:style>
+        </p:cxnSp>
+        <p:cxnSp>
+          <p:nvCxnSpPr>
+            <p:cNvPr id="84" name="直接箭头连接符 83"/>
+            <p:cNvCxnSpPr>
+              <a:stCxn id="46" idx="2"/>
+            </p:cNvCxnSpPr>
+            <p:nvPr/>
+          </p:nvCxnSpPr>
+          <p:spPr>
+            <a:xfrm>
+              <a:off x="2889" y="6637"/>
+              <a:ext cx="743" cy="453"/>
+            </a:xfrm>
+            <a:prstGeom prst="straightConnector1">
+              <a:avLst/>
+            </a:prstGeom>
+            <a:ln w="28575" cmpd="sng">
+              <a:solidFill>
+                <a:schemeClr val="accent1">
+                  <a:shade val="50000"/>
+                </a:schemeClr>
+              </a:solidFill>
+              <a:prstDash val="solid"/>
+              <a:headEnd type="none" w="med" len="med"/>
+              <a:tailEnd type="arrow" w="med" len="med"/>
+            </a:ln>
+          </p:spPr>
+          <p:style>
+            <a:lnRef idx="1">
+              <a:schemeClr val="accent1"/>
+            </a:lnRef>
+            <a:fillRef idx="0">
+              <a:schemeClr val="accent1"/>
+            </a:fillRef>
+            <a:effectRef idx="0">
+              <a:schemeClr val="accent1"/>
+            </a:effectRef>
+            <a:fontRef idx="minor">
+              <a:schemeClr val="tx1"/>
+            </a:fontRef>
+          </p:style>
+        </p:cxnSp>
+        <p:cxnSp>
+          <p:nvCxnSpPr>
+            <p:cNvPr id="85" name="直接箭头连接符 84"/>
+            <p:cNvCxnSpPr>
+              <a:stCxn id="47" idx="2"/>
+            </p:cNvCxnSpPr>
+            <p:nvPr/>
+          </p:nvCxnSpPr>
+          <p:spPr>
+            <a:xfrm flipH="1">
+              <a:off x="3619" y="6643"/>
+              <a:ext cx="682" cy="463"/>
+            </a:xfrm>
+            <a:prstGeom prst="straightConnector1">
+              <a:avLst/>
+            </a:prstGeom>
+            <a:ln w="28575" cmpd="sng">
+              <a:solidFill>
+                <a:schemeClr val="accent1">
+                  <a:shade val="50000"/>
+                </a:schemeClr>
+              </a:solidFill>
+              <a:prstDash val="solid"/>
+              <a:headEnd type="none" w="med" len="med"/>
+              <a:tailEnd type="arrow" w="med" len="med"/>
+            </a:ln>
+          </p:spPr>
+          <p:style>
+            <a:lnRef idx="1">
+              <a:schemeClr val="accent1"/>
+            </a:lnRef>
+            <a:fillRef idx="0">
+              <a:schemeClr val="accent1"/>
+            </a:fillRef>
+            <a:effectRef idx="0">
+              <a:schemeClr val="accent1"/>
+            </a:effectRef>
+            <a:fontRef idx="minor">
+              <a:schemeClr val="tx1"/>
+            </a:fontRef>
+          </p:style>
+        </p:cxnSp>
+        <p:cxnSp>
+          <p:nvCxnSpPr>
+            <p:cNvPr id="86" name="直接箭头连接符 85"/>
+            <p:cNvCxnSpPr>
+              <a:stCxn id="48" idx="2"/>
+            </p:cNvCxnSpPr>
+            <p:nvPr/>
+          </p:nvCxnSpPr>
+          <p:spPr>
+            <a:xfrm flipH="1">
+              <a:off x="3606" y="6635"/>
+              <a:ext cx="1732" cy="463"/>
+            </a:xfrm>
+            <a:prstGeom prst="straightConnector1">
+              <a:avLst/>
+            </a:prstGeom>
+            <a:ln w="28575" cmpd="sng">
+              <a:solidFill>
+                <a:schemeClr val="accent1">
+                  <a:shade val="50000"/>
+                </a:schemeClr>
+              </a:solidFill>
+              <a:prstDash val="solid"/>
+              <a:headEnd type="none" w="med" len="med"/>
+              <a:tailEnd type="arrow" w="med" len="med"/>
+            </a:ln>
+          </p:spPr>
+          <p:style>
+            <a:lnRef idx="1">
+              <a:schemeClr val="accent1"/>
+            </a:lnRef>
+            <a:fillRef idx="0">
+              <a:schemeClr val="accent1"/>
+            </a:fillRef>
+            <a:effectRef idx="0">
+              <a:schemeClr val="accent1"/>
+            </a:effectRef>
+            <a:fontRef idx="minor">
+              <a:schemeClr val="tx1"/>
+            </a:fontRef>
+          </p:style>
+        </p:cxnSp>
+        <p:cxnSp>
+          <p:nvCxnSpPr>
+            <p:cNvPr id="87" name="直接箭头连接符 86"/>
+            <p:cNvCxnSpPr/>
+            <p:nvPr/>
+          </p:nvCxnSpPr>
+          <p:spPr>
+            <a:xfrm>
+              <a:off x="3608" y="6646"/>
+              <a:ext cx="2" cy="458"/>
+            </a:xfrm>
+            <a:prstGeom prst="straightConnector1">
+              <a:avLst/>
+            </a:prstGeom>
+            <a:ln w="28575" cmpd="sng">
+              <a:solidFill>
+                <a:schemeClr val="accent1">
+                  <a:shade val="50000"/>
+                </a:schemeClr>
+              </a:solidFill>
+              <a:prstDash val="sysDash"/>
+              <a:headEnd type="none" w="med" len="med"/>
+              <a:tailEnd type="arrow" w="med" len="med"/>
+            </a:ln>
+          </p:spPr>
+          <p:style>
+            <a:lnRef idx="1">
+              <a:schemeClr val="accent1"/>
+            </a:lnRef>
+            <a:fillRef idx="0">
+              <a:schemeClr val="accent1"/>
+            </a:fillRef>
+            <a:effectRef idx="0">
+              <a:schemeClr val="accent1"/>
+            </a:effectRef>
+            <a:fontRef idx="minor">
+              <a:schemeClr val="tx1"/>
+            </a:fontRef>
+          </p:style>
+        </p:cxnSp>
+        <p:sp>
+          <p:nvSpPr>
+            <p:cNvPr id="92" name="流程图: 文档 91"/>
+            <p:cNvSpPr/>
+            <p:nvPr/>
+          </p:nvSpPr>
+          <p:spPr>
+            <a:xfrm>
+              <a:off x="1556" y="6460"/>
+              <a:ext cx="103" cy="128"/>
+            </a:xfrm>
+            <a:prstGeom prst="flowChartDocument">
+              <a:avLst/>
+            </a:prstGeom>
+            <a:solidFill>
+              <a:schemeClr val="accent4">
+                <a:lumMod val="60000"/>
+                <a:lumOff val="40000"/>
+              </a:schemeClr>
+            </a:solidFill>
+            <a:ln w="19050">
+              <a:solidFill>
+                <a:schemeClr val="tx1"/>
+              </a:solidFill>
+            </a:ln>
+          </p:spPr>
+          <p:style>
+            <a:lnRef idx="2">
+              <a:schemeClr val="accent1">
+                <a:shade val="50000"/>
+              </a:schemeClr>
+            </a:lnRef>
+            <a:fillRef idx="1">
+              <a:schemeClr val="accent1"/>
+            </a:fillRef>
+            <a:effectRef idx="0">
+              <a:schemeClr val="accent1"/>
+            </a:effectRef>
+            <a:fontRef idx="minor">
+              <a:schemeClr val="lt1"/>
+            </a:fontRef>
+          </p:style>
+          <p:txBody>
+            <a:bodyPr rtlCol="0" anchor="ctr"/>
+            <a:p>
+              <a:pPr algn="ctr"/>
+              <a:endParaRPr lang="zh-CN" altLang="en-US" dirty="0">
+                <a:solidFill>
+                  <a:schemeClr val="tx1"/>
+                </a:solidFill>
+              </a:endParaRPr>
+            </a:p>
+          </p:txBody>
+        </p:sp>
+        <p:sp>
+          <p:nvSpPr>
+            <p:cNvPr id="97" name="流程图: 文档 96"/>
+            <p:cNvSpPr/>
+            <p:nvPr/>
+          </p:nvSpPr>
+          <p:spPr>
+            <a:xfrm>
+              <a:off x="1659" y="6460"/>
+              <a:ext cx="103" cy="128"/>
+            </a:xfrm>
+            <a:prstGeom prst="flowChartDocument">
+              <a:avLst/>
+            </a:prstGeom>
+            <a:solidFill>
+              <a:schemeClr val="accent4">
+                <a:lumMod val="60000"/>
+                <a:lumOff val="40000"/>
+              </a:schemeClr>
+            </a:solidFill>
+            <a:ln w="19050">
+              <a:solidFill>
+                <a:schemeClr val="tx1"/>
+              </a:solidFill>
+            </a:ln>
+          </p:spPr>
+          <p:style>
+            <a:lnRef idx="2">
+              <a:schemeClr val="accent1">
+                <a:shade val="50000"/>
+              </a:schemeClr>
+            </a:lnRef>
+            <a:fillRef idx="1">
+              <a:schemeClr val="accent1"/>
+            </a:fillRef>
+            <a:effectRef idx="0">
+              <a:schemeClr val="accent1"/>
+            </a:effectRef>
+            <a:fontRef idx="minor">
+              <a:schemeClr val="lt1"/>
+            </a:fontRef>
+          </p:style>
+          <p:txBody>
+            <a:bodyPr rtlCol="0" anchor="ctr"/>
+            <a:p>
+              <a:pPr algn="ctr"/>
+              <a:endParaRPr lang="zh-CN" altLang="en-US" dirty="0">
+                <a:solidFill>
+                  <a:schemeClr val="tx1"/>
+                </a:solidFill>
+              </a:endParaRPr>
+            </a:p>
+          </p:txBody>
+        </p:sp>
+        <p:sp>
+          <p:nvSpPr>
+            <p:cNvPr id="98" name="流程图: 文档 97"/>
+            <p:cNvSpPr/>
+            <p:nvPr/>
+          </p:nvSpPr>
+          <p:spPr>
+            <a:xfrm>
+              <a:off x="1994" y="6468"/>
+              <a:ext cx="103" cy="128"/>
+            </a:xfrm>
+            <a:prstGeom prst="flowChartDocument">
+              <a:avLst/>
+            </a:prstGeom>
+            <a:solidFill>
+              <a:schemeClr val="accent4">
+                <a:lumMod val="60000"/>
+                <a:lumOff val="40000"/>
+              </a:schemeClr>
+            </a:solidFill>
+            <a:ln w="19050">
+              <a:solidFill>
+                <a:schemeClr val="tx1"/>
+              </a:solidFill>
+            </a:ln>
+          </p:spPr>
+          <p:style>
+            <a:lnRef idx="2">
+              <a:schemeClr val="accent1">
+                <a:shade val="50000"/>
+              </a:schemeClr>
+            </a:lnRef>
+            <a:fillRef idx="1">
+              <a:schemeClr val="accent1"/>
+            </a:fillRef>
+            <a:effectRef idx="0">
+              <a:schemeClr val="accent1"/>
+            </a:effectRef>
+            <a:fontRef idx="minor">
+              <a:schemeClr val="lt1"/>
+            </a:fontRef>
+          </p:style>
+          <p:txBody>
+            <a:bodyPr rtlCol="0" anchor="ctr"/>
+            <a:p>
+              <a:pPr algn="ctr"/>
+              <a:endParaRPr lang="zh-CN" altLang="en-US" dirty="0">
+                <a:solidFill>
+                  <a:schemeClr val="tx1"/>
+                </a:solidFill>
+              </a:endParaRPr>
+            </a:p>
+          </p:txBody>
+        </p:sp>
+        <p:sp>
+          <p:nvSpPr>
+            <p:cNvPr id="99" name="流程图: 文档 98"/>
+            <p:cNvSpPr/>
+            <p:nvPr/>
+          </p:nvSpPr>
+          <p:spPr>
+            <a:xfrm>
+              <a:off x="2096" y="6468"/>
+              <a:ext cx="103" cy="128"/>
+            </a:xfrm>
+            <a:prstGeom prst="flowChartDocument">
+              <a:avLst/>
+            </a:prstGeom>
+            <a:solidFill>
+              <a:schemeClr val="accent4">
+                <a:lumMod val="60000"/>
+                <a:lumOff val="40000"/>
+              </a:schemeClr>
+            </a:solidFill>
+            <a:ln w="19050">
+              <a:solidFill>
+                <a:schemeClr val="tx1"/>
+              </a:solidFill>
+            </a:ln>
+          </p:spPr>
+          <p:style>
+            <a:lnRef idx="2">
+              <a:schemeClr val="accent1">
+                <a:shade val="50000"/>
+              </a:schemeClr>
+            </a:lnRef>
+            <a:fillRef idx="1">
+              <a:schemeClr val="accent1"/>
+            </a:fillRef>
+            <a:effectRef idx="0">
+              <a:schemeClr val="accent1"/>
+            </a:effectRef>
+            <a:fontRef idx="minor">
+              <a:schemeClr val="lt1"/>
+            </a:fontRef>
+          </p:style>
+          <p:txBody>
+            <a:bodyPr rtlCol="0" anchor="ctr"/>
+            <a:p>
+              <a:pPr algn="ctr"/>
+              <a:endParaRPr lang="zh-CN" altLang="en-US" dirty="0">
+                <a:solidFill>
+                  <a:schemeClr val="tx1"/>
+                </a:solidFill>
+              </a:endParaRPr>
+            </a:p>
+          </p:txBody>
+        </p:sp>
+        <p:sp>
+          <p:nvSpPr>
+            <p:cNvPr id="100" name="流程图: 文档 99"/>
+            <p:cNvSpPr/>
+            <p:nvPr/>
+          </p:nvSpPr>
+          <p:spPr>
+            <a:xfrm>
+              <a:off x="1994" y="5342"/>
+              <a:ext cx="103" cy="128"/>
+            </a:xfrm>
+            <a:prstGeom prst="flowChartDocument">
+              <a:avLst/>
+            </a:prstGeom>
+            <a:solidFill>
+              <a:srgbClr val="0070C0"/>
+            </a:solidFill>
+            <a:ln w="19050">
+              <a:solidFill>
+                <a:schemeClr val="tx1"/>
+              </a:solidFill>
+            </a:ln>
+          </p:spPr>
+          <p:style>
+            <a:lnRef idx="2">
+              <a:schemeClr val="accent1">
+                <a:shade val="50000"/>
+              </a:schemeClr>
+            </a:lnRef>
+            <a:fillRef idx="1">
+              <a:schemeClr val="accent1"/>
+            </a:fillRef>
+            <a:effectRef idx="0">
+              <a:schemeClr val="accent1"/>
+            </a:effectRef>
+            <a:fontRef idx="minor">
+              <a:schemeClr val="lt1"/>
+            </a:fontRef>
+          </p:style>
+          <p:txBody>
+            <a:bodyPr rtlCol="0" anchor="ctr"/>
+            <a:p>
+              <a:pPr algn="ctr"/>
+              <a:endParaRPr lang="zh-CN" altLang="en-US" dirty="0">
+                <a:solidFill>
+                  <a:schemeClr val="tx1"/>
+                </a:solidFill>
+              </a:endParaRPr>
+            </a:p>
+          </p:txBody>
+        </p:sp>
+        <p:sp>
+          <p:nvSpPr>
+            <p:cNvPr id="101" name="流程图: 文档 100"/>
+            <p:cNvSpPr/>
+            <p:nvPr/>
+          </p:nvSpPr>
+          <p:spPr>
+            <a:xfrm>
+              <a:off x="2096" y="5342"/>
+              <a:ext cx="103" cy="128"/>
+            </a:xfrm>
+            <a:prstGeom prst="flowChartDocument">
+              <a:avLst/>
+            </a:prstGeom>
+            <a:solidFill>
+              <a:srgbClr val="7030A0"/>
+            </a:solidFill>
+            <a:ln w="19050">
+              <a:solidFill>
+                <a:schemeClr val="tx1"/>
+              </a:solidFill>
+            </a:ln>
+          </p:spPr>
+          <p:style>
+            <a:lnRef idx="2">
+              <a:schemeClr val="accent1">
+                <a:shade val="50000"/>
+              </a:schemeClr>
+            </a:lnRef>
+            <a:fillRef idx="1">
+              <a:schemeClr val="accent1"/>
+            </a:fillRef>
+            <a:effectRef idx="0">
+              <a:schemeClr val="accent1"/>
+            </a:effectRef>
+            <a:fontRef idx="minor">
+              <a:schemeClr val="lt1"/>
+            </a:fontRef>
+          </p:style>
+          <p:txBody>
+            <a:bodyPr rtlCol="0" anchor="ctr"/>
+            <a:p>
+              <a:pPr algn="ctr"/>
+              <a:endParaRPr lang="zh-CN" altLang="en-US" dirty="0">
+                <a:solidFill>
+                  <a:schemeClr val="tx1"/>
+                </a:solidFill>
+              </a:endParaRPr>
+            </a:p>
+          </p:txBody>
+        </p:sp>
+        <p:sp>
+          <p:nvSpPr>
+            <p:cNvPr id="102" name="流程图: 文档 101"/>
+            <p:cNvSpPr/>
+            <p:nvPr/>
+          </p:nvSpPr>
+          <p:spPr>
+            <a:xfrm>
+              <a:off x="1556" y="5342"/>
+              <a:ext cx="103" cy="128"/>
+            </a:xfrm>
+            <a:prstGeom prst="flowChartDocument">
+              <a:avLst/>
+            </a:prstGeom>
+            <a:solidFill>
+              <a:schemeClr val="accent4">
+                <a:lumMod val="60000"/>
+                <a:lumOff val="40000"/>
+              </a:schemeClr>
+            </a:solidFill>
+            <a:ln w="19050">
+              <a:solidFill>
+                <a:schemeClr val="tx1"/>
+              </a:solidFill>
+            </a:ln>
+          </p:spPr>
+          <p:style>
+            <a:lnRef idx="2">
+              <a:schemeClr val="accent1">
+                <a:shade val="50000"/>
+              </a:schemeClr>
+            </a:lnRef>
+            <a:fillRef idx="1">
+              <a:schemeClr val="accent1"/>
+            </a:fillRef>
+            <a:effectRef idx="0">
+              <a:schemeClr val="accent1"/>
+            </a:effectRef>
+            <a:fontRef idx="minor">
+              <a:schemeClr val="lt1"/>
+            </a:fontRef>
+          </p:style>
+          <p:txBody>
+            <a:bodyPr rtlCol="0" anchor="ctr"/>
+            <a:p>
+              <a:pPr algn="ctr"/>
+              <a:endParaRPr lang="zh-CN" altLang="en-US" dirty="0">
+                <a:solidFill>
+                  <a:schemeClr val="tx1"/>
+                </a:solidFill>
+              </a:endParaRPr>
+            </a:p>
+          </p:txBody>
+        </p:sp>
+        <p:sp>
+          <p:nvSpPr>
+            <p:cNvPr id="103" name="流程图: 文档 102"/>
+            <p:cNvSpPr/>
+            <p:nvPr/>
+          </p:nvSpPr>
+          <p:spPr>
+            <a:xfrm>
+              <a:off x="1659" y="5342"/>
+              <a:ext cx="103" cy="128"/>
+            </a:xfrm>
+            <a:prstGeom prst="flowChartDocument">
+              <a:avLst/>
+            </a:prstGeom>
+            <a:solidFill>
+              <a:srgbClr val="92D050"/>
+            </a:solidFill>
+            <a:ln w="19050">
+              <a:solidFill>
+                <a:schemeClr val="tx1"/>
+              </a:solidFill>
+            </a:ln>
+          </p:spPr>
+          <p:style>
+            <a:lnRef idx="2">
+              <a:schemeClr val="accent1">
+                <a:shade val="50000"/>
+              </a:schemeClr>
+            </a:lnRef>
+            <a:fillRef idx="1">
+              <a:schemeClr val="accent1"/>
+            </a:fillRef>
+            <a:effectRef idx="0">
+              <a:schemeClr val="accent1"/>
+            </a:effectRef>
+            <a:fontRef idx="minor">
+              <a:schemeClr val="lt1"/>
+            </a:fontRef>
+          </p:style>
+          <p:txBody>
+            <a:bodyPr rtlCol="0" anchor="ctr"/>
+            <a:p>
+              <a:pPr algn="ctr"/>
+              <a:endParaRPr lang="zh-CN" altLang="en-US" dirty="0">
+                <a:solidFill>
+                  <a:schemeClr val="tx1"/>
+                </a:solidFill>
+              </a:endParaRPr>
+            </a:p>
+          </p:txBody>
+        </p:sp>
+        <p:sp>
+          <p:nvSpPr>
+            <p:cNvPr id="104" name="流程图: 文档 103"/>
+            <p:cNvSpPr/>
+            <p:nvPr/>
+          </p:nvSpPr>
+          <p:spPr>
+            <a:xfrm>
+              <a:off x="1819" y="5710"/>
+              <a:ext cx="103" cy="128"/>
+            </a:xfrm>
+            <a:prstGeom prst="flowChartDocument">
+              <a:avLst/>
+            </a:prstGeom>
+            <a:solidFill>
+              <a:schemeClr val="accent4">
+                <a:lumMod val="60000"/>
+                <a:lumOff val="40000"/>
+              </a:schemeClr>
+            </a:solidFill>
+            <a:ln w="19050">
+              <a:solidFill>
+                <a:schemeClr val="tx1"/>
+              </a:solidFill>
+            </a:ln>
+          </p:spPr>
+          <p:style>
+            <a:lnRef idx="2">
+              <a:schemeClr val="accent1">
+                <a:shade val="50000"/>
+              </a:schemeClr>
+            </a:lnRef>
+            <a:fillRef idx="1">
+              <a:schemeClr val="accent1"/>
+            </a:fillRef>
+            <a:effectRef idx="0">
+              <a:schemeClr val="accent1"/>
+            </a:effectRef>
+            <a:fontRef idx="minor">
+              <a:schemeClr val="lt1"/>
+            </a:fontRef>
+          </p:style>
+          <p:txBody>
+            <a:bodyPr rtlCol="0" anchor="ctr"/>
+            <a:p>
+              <a:pPr algn="ctr"/>
+              <a:endParaRPr lang="zh-CN" altLang="en-US" dirty="0">
+                <a:solidFill>
+                  <a:schemeClr val="tx1"/>
+                </a:solidFill>
+              </a:endParaRPr>
+            </a:p>
+          </p:txBody>
+        </p:sp>
+        <p:sp>
+          <p:nvSpPr>
+            <p:cNvPr id="105" name="流程图: 文档 104"/>
+            <p:cNvSpPr/>
+            <p:nvPr/>
+          </p:nvSpPr>
+          <p:spPr>
+            <a:xfrm>
+              <a:off x="2096" y="5710"/>
+              <a:ext cx="103" cy="128"/>
+            </a:xfrm>
+            <a:prstGeom prst="flowChartDocument">
+              <a:avLst/>
+            </a:prstGeom>
+            <a:solidFill>
+              <a:srgbClr val="92D050"/>
+            </a:solidFill>
+            <a:ln w="19050">
+              <a:solidFill>
+                <a:schemeClr val="tx1"/>
+              </a:solidFill>
+            </a:ln>
+          </p:spPr>
+          <p:style>
+            <a:lnRef idx="2">
+              <a:schemeClr val="accent1">
+                <a:shade val="50000"/>
+              </a:schemeClr>
+            </a:lnRef>
+            <a:fillRef idx="1">
+              <a:schemeClr val="accent1"/>
+            </a:fillRef>
+            <a:effectRef idx="0">
+              <a:schemeClr val="accent1"/>
+            </a:effectRef>
+            <a:fontRef idx="minor">
+              <a:schemeClr val="lt1"/>
+            </a:fontRef>
+          </p:style>
+          <p:txBody>
+            <a:bodyPr rtlCol="0" anchor="ctr"/>
+            <a:p>
+              <a:pPr algn="ctr"/>
+              <a:endParaRPr lang="zh-CN" altLang="en-US" dirty="0">
+                <a:solidFill>
+                  <a:schemeClr val="tx1"/>
+                </a:solidFill>
+              </a:endParaRPr>
+            </a:p>
+          </p:txBody>
+        </p:sp>
+        <p:sp>
+          <p:nvSpPr>
+            <p:cNvPr id="106" name="流程图: 文档 105"/>
+            <p:cNvSpPr/>
+            <p:nvPr/>
+          </p:nvSpPr>
+          <p:spPr>
+            <a:xfrm>
+              <a:off x="2358" y="5710"/>
+              <a:ext cx="103" cy="128"/>
+            </a:xfrm>
+            <a:prstGeom prst="flowChartDocument">
+              <a:avLst/>
+            </a:prstGeom>
+            <a:solidFill>
+              <a:srgbClr val="0070C0"/>
+            </a:solidFill>
+            <a:ln w="19050">
+              <a:solidFill>
+                <a:schemeClr val="tx1"/>
+              </a:solidFill>
+            </a:ln>
+          </p:spPr>
+          <p:style>
+            <a:lnRef idx="2">
+              <a:schemeClr val="accent1">
+                <a:shade val="50000"/>
+              </a:schemeClr>
+            </a:lnRef>
+            <a:fillRef idx="1">
+              <a:schemeClr val="accent1"/>
+            </a:fillRef>
+            <a:effectRef idx="0">
+              <a:schemeClr val="accent1"/>
+            </a:effectRef>
+            <a:fontRef idx="minor">
+              <a:schemeClr val="lt1"/>
+            </a:fontRef>
+          </p:style>
+          <p:txBody>
+            <a:bodyPr rtlCol="0" anchor="ctr"/>
+            <a:p>
+              <a:pPr algn="ctr"/>
+              <a:endParaRPr lang="zh-CN" altLang="en-US" dirty="0">
+                <a:solidFill>
+                  <a:schemeClr val="tx1"/>
+                </a:solidFill>
+              </a:endParaRPr>
+            </a:p>
+          </p:txBody>
+        </p:sp>
+        <p:sp>
+          <p:nvSpPr>
+            <p:cNvPr id="107" name="流程图: 文档 106"/>
+            <p:cNvSpPr/>
+            <p:nvPr/>
+          </p:nvSpPr>
+          <p:spPr>
+            <a:xfrm>
+              <a:off x="2711" y="5710"/>
+              <a:ext cx="103" cy="128"/>
+            </a:xfrm>
+            <a:prstGeom prst="flowChartDocument">
+              <a:avLst/>
+            </a:prstGeom>
+            <a:solidFill>
+              <a:srgbClr val="7030A0"/>
+            </a:solidFill>
+            <a:ln w="19050">
+              <a:solidFill>
+                <a:schemeClr val="tx1"/>
+              </a:solidFill>
+            </a:ln>
+          </p:spPr>
+          <p:style>
+            <a:lnRef idx="2">
+              <a:schemeClr val="accent1">
+                <a:shade val="50000"/>
+              </a:schemeClr>
+            </a:lnRef>
+            <a:fillRef idx="1">
+              <a:schemeClr val="accent1"/>
+            </a:fillRef>
+            <a:effectRef idx="0">
+              <a:schemeClr val="accent1"/>
+            </a:effectRef>
+            <a:fontRef idx="minor">
+              <a:schemeClr val="lt1"/>
+            </a:fontRef>
+          </p:style>
+          <p:txBody>
+            <a:bodyPr rtlCol="0" anchor="ctr"/>
+            <a:p>
+              <a:pPr algn="ctr"/>
+              <a:endParaRPr lang="zh-CN" altLang="en-US" dirty="0">
+                <a:solidFill>
+                  <a:schemeClr val="tx1"/>
+                </a:solidFill>
+              </a:endParaRPr>
+            </a:p>
+          </p:txBody>
+        </p:sp>
+        <p:sp>
+          <p:nvSpPr>
+            <p:cNvPr id="13" name="文本框 12"/>
+            <p:cNvSpPr txBox="1"/>
+            <p:nvPr/>
+          </p:nvSpPr>
+          <p:spPr>
+            <a:xfrm>
+              <a:off x="3367" y="6296"/>
+              <a:ext cx="554" cy="300"/>
+            </a:xfrm>
+            <a:prstGeom prst="rect">
+              <a:avLst/>
+            </a:prstGeom>
+            <a:noFill/>
+          </p:spPr>
+          <p:txBody>
+            <a:bodyPr wrap="square" rtlCol="0">
+              <a:spAutoFit/>
+            </a:bodyPr>
+            <a:p>
+              <a:r>
+                <a:rPr lang="en-US" altLang="zh-CN" sz="1000" b="1"/>
+                <a:t>...</a:t>
+              </a:r>
+              <a:endParaRPr lang="en-US" altLang="zh-CN" sz="1000" b="1"/>
+            </a:p>
+          </p:txBody>
+        </p:sp>
+        <p:sp>
+          <p:nvSpPr>
+            <p:cNvPr id="14" name="文本框 13"/>
+            <p:cNvSpPr txBox="1"/>
+            <p:nvPr/>
+          </p:nvSpPr>
+          <p:spPr>
+            <a:xfrm>
+              <a:off x="1659" y="5160"/>
+              <a:ext cx="554" cy="300"/>
+            </a:xfrm>
+            <a:prstGeom prst="rect">
+              <a:avLst/>
+            </a:prstGeom>
+            <a:noFill/>
+          </p:spPr>
+          <p:txBody>
+            <a:bodyPr wrap="square" rtlCol="0">
+              <a:spAutoFit/>
+            </a:bodyPr>
+            <a:p>
+              <a:r>
+                <a:rPr lang="en-US" altLang="zh-CN" sz="1000" b="1"/>
+                <a:t>...</a:t>
+              </a:r>
+              <a:endParaRPr lang="en-US" altLang="zh-CN" sz="1000" b="1"/>
+            </a:p>
+          </p:txBody>
+        </p:sp>
+        <p:sp>
+          <p:nvSpPr>
+            <p:cNvPr id="20" name="文本框 19"/>
+            <p:cNvSpPr txBox="1"/>
+            <p:nvPr/>
+          </p:nvSpPr>
+          <p:spPr>
+            <a:xfrm>
+              <a:off x="1659" y="6296"/>
+              <a:ext cx="554" cy="300"/>
+            </a:xfrm>
+            <a:prstGeom prst="rect">
+              <a:avLst/>
+            </a:prstGeom>
+            <a:noFill/>
+          </p:spPr>
+          <p:txBody>
+            <a:bodyPr wrap="square" rtlCol="0">
+              <a:spAutoFit/>
+            </a:bodyPr>
+            <a:p>
+              <a:r>
+                <a:rPr lang="en-US" altLang="zh-CN" sz="1000" b="1"/>
+                <a:t>...</a:t>
+              </a:r>
+              <a:endParaRPr lang="en-US" altLang="zh-CN" sz="1000" b="1"/>
+            </a:p>
+          </p:txBody>
+        </p:sp>
+        <p:sp>
+          <p:nvSpPr>
+            <p:cNvPr id="22" name="文本框 21"/>
+            <p:cNvSpPr txBox="1"/>
+            <p:nvPr/>
+          </p:nvSpPr>
+          <p:spPr>
+            <a:xfrm>
+              <a:off x="2621" y="7124"/>
+              <a:ext cx="2018" cy="300"/>
+            </a:xfrm>
+            <a:prstGeom prst="rect">
+              <a:avLst/>
+            </a:prstGeom>
+            <a:noFill/>
+          </p:spPr>
+          <p:txBody>
+            <a:bodyPr wrap="square" rtlCol="0">
+              <a:spAutoFit/>
+            </a:bodyPr>
+            <a:p>
+              <a:r>
+                <a:rPr lang="en-US" altLang="zh-CN" sz="1000" b="1"/>
+                <a:t>Long term storage</a:t>
+              </a:r>
+              <a:endParaRPr lang="en-US" altLang="zh-CN" sz="1000" b="1"/>
+            </a:p>
+          </p:txBody>
+        </p:sp>
+      </p:grpSp>
+      <p:sp>
+        <p:nvSpPr>
+          <p:cNvPr id="41" name="文本框 40"/>
+          <p:cNvSpPr txBox="1"/>
+          <p:nvPr/>
+        </p:nvSpPr>
+        <p:spPr>
+          <a:xfrm>
+            <a:off x="1220470" y="5669280"/>
+            <a:ext cx="3205480" cy="337185"/>
+          </a:xfrm>
+          <a:prstGeom prst="rect">
+            <a:avLst/>
+          </a:prstGeom>
+          <a:noFill/>
+        </p:spPr>
+        <p:txBody>
+          <a:bodyPr wrap="square" rtlCol="0">
+            <a:spAutoFit/>
+          </a:bodyPr>
+          <a:p>
+            <a:r>
+              <a:rPr lang="zh-CN" altLang="en-US" sz="1600" b="1">
+                <a:latin typeface="微软雅黑" panose="020B0503020204020204" charset="-122"/>
+                <a:ea typeface="微软雅黑" panose="020B0503020204020204" charset="-122"/>
+              </a:rPr>
+              <a:t> </a:t>
+            </a:r>
+            <a:r>
+              <a:rPr lang="en-US" altLang="zh-CN" sz="1600" b="1">
+                <a:latin typeface="微软雅黑" panose="020B0503020204020204" charset="-122"/>
+                <a:ea typeface="微软雅黑" panose="020B0503020204020204" charset="-122"/>
+              </a:rPr>
+              <a:t>Mapreduce Sort</a:t>
+            </a:r>
+            <a:r>
+              <a:rPr lang="zh-CN" altLang="en-US" sz="1600" b="1">
+                <a:latin typeface="微软雅黑" panose="020B0503020204020204" charset="-122"/>
+                <a:ea typeface="微软雅黑" panose="020B0503020204020204" charset="-122"/>
+              </a:rPr>
+              <a:t> application</a:t>
+            </a:r>
+            <a:endParaRPr lang="zh-CN" altLang="en-US" sz="1600" b="1">
+              <a:latin typeface="微软雅黑" panose="020B0503020204020204" charset="-122"/>
+              <a:ea typeface="微软雅黑" panose="020B0503020204020204" charset="-122"/>
+            </a:endParaRPr>
+          </a:p>
+        </p:txBody>
+      </p:sp>
+      <p:sp>
+        <p:nvSpPr>
+          <p:cNvPr id="58" name="文本框 57"/>
+          <p:cNvSpPr txBox="1"/>
+          <p:nvPr/>
+        </p:nvSpPr>
+        <p:spPr>
+          <a:xfrm>
+            <a:off x="6092190" y="3599180"/>
+            <a:ext cx="762000" cy="337185"/>
+          </a:xfrm>
+          <a:prstGeom prst="rect">
+            <a:avLst/>
+          </a:prstGeom>
+          <a:noFill/>
+        </p:spPr>
+        <p:txBody>
+          <a:bodyPr wrap="square" rtlCol="0">
+            <a:spAutoFit/>
+          </a:bodyPr>
+          <a:p>
+            <a:r>
+              <a:rPr lang="en-US" altLang="zh-CN" sz="1600" b="1"/>
+              <a:t>...    ...</a:t>
+            </a:r>
+            <a:endParaRPr lang="en-US" altLang="zh-CN" sz="1600" b="1"/>
+          </a:p>
+        </p:txBody>
+      </p:sp>
+      <p:sp>
+        <p:nvSpPr>
+          <p:cNvPr id="61" name="文本框 60"/>
+          <p:cNvSpPr txBox="1"/>
+          <p:nvPr/>
+        </p:nvSpPr>
+        <p:spPr>
+          <a:xfrm>
+            <a:off x="5881370" y="3411855"/>
+            <a:ext cx="1161415" cy="275590"/>
+          </a:xfrm>
+          <a:prstGeom prst="rect">
+            <a:avLst/>
+          </a:prstGeom>
+          <a:noFill/>
+        </p:spPr>
+        <p:txBody>
+          <a:bodyPr wrap="square" rtlCol="0">
+            <a:spAutoFit/>
+          </a:bodyPr>
+          <a:p>
+            <a:r>
+              <a:rPr lang="zh-CN" altLang="en-US" sz="1200" b="1"/>
+              <a:t>Extract Frame</a:t>
+            </a:r>
+            <a:endParaRPr lang="zh-CN" altLang="en-US" sz="1200" b="1"/>
+          </a:p>
+        </p:txBody>
+      </p:sp>
+      <p:sp>
+        <p:nvSpPr>
+          <p:cNvPr id="93" name="文本框 92"/>
+          <p:cNvSpPr txBox="1"/>
+          <p:nvPr/>
+        </p:nvSpPr>
+        <p:spPr>
+          <a:xfrm>
+            <a:off x="5852795" y="3968750"/>
+            <a:ext cx="1217930" cy="275590"/>
+          </a:xfrm>
+          <a:prstGeom prst="rect">
+            <a:avLst/>
+          </a:prstGeom>
+          <a:noFill/>
+        </p:spPr>
+        <p:txBody>
+          <a:bodyPr wrap="square" rtlCol="0">
+            <a:spAutoFit/>
+          </a:bodyPr>
+          <a:p>
+            <a:r>
+              <a:rPr lang="zh-CN" altLang="en-US" sz="1200" b="1"/>
+              <a:t>Classify Frame</a:t>
+            </a:r>
+            <a:endParaRPr lang="zh-CN" altLang="en-US" sz="1200" b="1"/>
+          </a:p>
+        </p:txBody>
+      </p:sp>
+      <p:grpSp>
+        <p:nvGrpSpPr>
+          <p:cNvPr id="110" name="组合 109"/>
+          <p:cNvGrpSpPr/>
+          <p:nvPr/>
+        </p:nvGrpSpPr>
+        <p:grpSpPr>
+          <a:xfrm>
+            <a:off x="5383530" y="2693670"/>
+            <a:ext cx="2157095" cy="2325370"/>
+            <a:chOff x="8463" y="4702"/>
+            <a:chExt cx="3232" cy="3310"/>
+          </a:xfrm>
+        </p:grpSpPr>
+        <p:sp>
+          <p:nvSpPr>
+            <p:cNvPr id="27" name="圆角矩形 26"/>
+            <p:cNvSpPr/>
+            <p:nvPr/>
+          </p:nvSpPr>
+          <p:spPr>
+            <a:xfrm>
+              <a:off x="8664" y="5270"/>
+              <a:ext cx="2834" cy="348"/>
+            </a:xfrm>
+            <a:prstGeom prst="roundRect">
+              <a:avLst/>
+            </a:prstGeom>
+            <a:noFill/>
+            <a:ln w="28575" cmpd="sng">
+              <a:solidFill>
+                <a:schemeClr val="accent1">
+                  <a:shade val="50000"/>
+                </a:schemeClr>
+              </a:solidFill>
+              <a:prstDash val="sysDash"/>
+            </a:ln>
+          </p:spPr>
+          <p:style>
+            <a:lnRef idx="2">
+              <a:schemeClr val="accent1">
+                <a:shade val="50000"/>
+              </a:schemeClr>
+            </a:lnRef>
+            <a:fillRef idx="1">
+              <a:schemeClr val="accent1"/>
+            </a:fillRef>
+            <a:effectRef idx="0">
+              <a:schemeClr val="accent1"/>
+            </a:effectRef>
+            <a:fontRef idx="minor">
+              <a:schemeClr val="lt1"/>
+            </a:fontRef>
+          </p:style>
+          <p:txBody>
+            <a:bodyPr rtlCol="0" anchor="ctr"/>
+            <a:p>
+              <a:pPr algn="ctr"/>
+              <a:endParaRPr lang="zh-CN" altLang="en-US" dirty="0">
+                <a:solidFill>
+                  <a:schemeClr val="tx1"/>
+                </a:solidFill>
+              </a:endParaRPr>
+            </a:p>
+          </p:txBody>
+        </p:sp>
+        <p:sp>
+          <p:nvSpPr>
+            <p:cNvPr id="28" name="流程图: 磁盘 27"/>
+            <p:cNvSpPr/>
+            <p:nvPr/>
+          </p:nvSpPr>
+          <p:spPr>
+            <a:xfrm>
+              <a:off x="8948" y="4702"/>
+              <a:ext cx="2265" cy="363"/>
+            </a:xfrm>
+            <a:prstGeom prst="flowChartMagneticDisk">
+              <a:avLst/>
+            </a:prstGeom>
+            <a:solidFill>
+              <a:schemeClr val="accent4">
+                <a:lumMod val="60000"/>
+                <a:lumOff val="40000"/>
+              </a:schemeClr>
+            </a:solidFill>
+            <a:ln w="28575">
+              <a:solidFill>
+                <a:schemeClr val="tx1"/>
+              </a:solidFill>
+            </a:ln>
+          </p:spPr>
+          <p:style>
+            <a:lnRef idx="2">
+              <a:schemeClr val="accent1">
+                <a:shade val="50000"/>
+              </a:schemeClr>
+            </a:lnRef>
+            <a:fillRef idx="1">
+              <a:schemeClr val="accent1"/>
+            </a:fillRef>
+            <a:effectRef idx="0">
+              <a:schemeClr val="accent1"/>
+            </a:effectRef>
+            <a:fontRef idx="minor">
+              <a:schemeClr val="lt1"/>
+            </a:fontRef>
+          </p:style>
+          <p:txBody>
+            <a:bodyPr rtlCol="0" anchor="ctr"/>
+            <a:p>
+              <a:pPr algn="ctr"/>
+              <a:endParaRPr lang="zh-CN" altLang="en-US" dirty="0">
+                <a:solidFill>
+                  <a:schemeClr val="tx1"/>
+                </a:solidFill>
+              </a:endParaRPr>
+            </a:p>
+          </p:txBody>
+        </p:sp>
+        <p:sp>
+          <p:nvSpPr>
+            <p:cNvPr id="30" name="流程图: 磁盘 29"/>
+            <p:cNvSpPr/>
+            <p:nvPr/>
+          </p:nvSpPr>
+          <p:spPr>
+            <a:xfrm>
+              <a:off x="8948" y="7650"/>
+              <a:ext cx="2267" cy="363"/>
+            </a:xfrm>
+            <a:prstGeom prst="flowChartMagneticDisk">
+              <a:avLst/>
+            </a:prstGeom>
+            <a:solidFill>
+              <a:schemeClr val="accent4">
+                <a:lumMod val="60000"/>
+                <a:lumOff val="40000"/>
+              </a:schemeClr>
+            </a:solidFill>
+            <a:ln w="28575">
+              <a:solidFill>
+                <a:schemeClr val="tx1"/>
+              </a:solidFill>
+            </a:ln>
+          </p:spPr>
+          <p:style>
+            <a:lnRef idx="2">
+              <a:schemeClr val="accent1">
+                <a:shade val="50000"/>
+              </a:schemeClr>
+            </a:lnRef>
+            <a:fillRef idx="1">
+              <a:schemeClr val="accent1"/>
+            </a:fillRef>
+            <a:effectRef idx="0">
+              <a:schemeClr val="accent1"/>
+            </a:effectRef>
+            <a:fontRef idx="minor">
+              <a:schemeClr val="lt1"/>
+            </a:fontRef>
+          </p:style>
+          <p:txBody>
+            <a:bodyPr rtlCol="0" anchor="ctr"/>
+            <a:p>
+              <a:pPr algn="ctr"/>
+              <a:endParaRPr lang="zh-CN" altLang="en-US" dirty="0">
+                <a:solidFill>
+                  <a:schemeClr val="tx1"/>
+                </a:solidFill>
+              </a:endParaRPr>
+            </a:p>
+          </p:txBody>
+        </p:sp>
+        <p:sp>
+          <p:nvSpPr>
+            <p:cNvPr id="33" name="圆角矩形 32"/>
+            <p:cNvSpPr/>
+            <p:nvPr/>
+          </p:nvSpPr>
+          <p:spPr>
+            <a:xfrm>
+              <a:off x="8739" y="5323"/>
+              <a:ext cx="2683" cy="242"/>
+            </a:xfrm>
+            <a:prstGeom prst="roundRect">
+              <a:avLst/>
+            </a:prstGeom>
+            <a:solidFill>
+              <a:schemeClr val="accent1">
+                <a:lumMod val="60000"/>
+                <a:lumOff val="40000"/>
+              </a:schemeClr>
+            </a:solidFill>
+            <a:ln w="28575" cmpd="sng">
+              <a:solidFill>
+                <a:schemeClr val="accent1">
+                  <a:shade val="50000"/>
+                </a:schemeClr>
+              </a:solidFill>
+              <a:prstDash val="solid"/>
+            </a:ln>
+          </p:spPr>
+          <p:style>
+            <a:lnRef idx="2">
+              <a:schemeClr val="accent1">
+                <a:shade val="50000"/>
+              </a:schemeClr>
+            </a:lnRef>
+            <a:fillRef idx="1">
+              <a:schemeClr val="accent1"/>
+            </a:fillRef>
+            <a:effectRef idx="0">
+              <a:schemeClr val="accent1"/>
+            </a:effectRef>
+            <a:fontRef idx="minor">
+              <a:schemeClr val="lt1"/>
+            </a:fontRef>
+          </p:style>
+          <p:txBody>
+            <a:bodyPr rtlCol="0" anchor="ctr"/>
+            <a:p>
+              <a:pPr algn="ctr"/>
+              <a:endParaRPr lang="zh-CN" altLang="en-US" dirty="0">
+                <a:solidFill>
+                  <a:schemeClr val="tx1"/>
+                </a:solidFill>
+              </a:endParaRPr>
+            </a:p>
+          </p:txBody>
+        </p:sp>
+        <p:cxnSp>
+          <p:nvCxnSpPr>
+            <p:cNvPr id="35" name="直接箭头连接符 34"/>
+            <p:cNvCxnSpPr>
+              <a:stCxn id="28" idx="3"/>
+            </p:cNvCxnSpPr>
+            <p:nvPr/>
+          </p:nvCxnSpPr>
+          <p:spPr>
+            <a:xfrm flipH="1">
+              <a:off x="10078" y="5065"/>
+              <a:ext cx="3" cy="222"/>
+            </a:xfrm>
+            <a:prstGeom prst="straightConnector1">
+              <a:avLst/>
+            </a:prstGeom>
+            <a:ln w="28575" cmpd="sng">
+              <a:solidFill>
+                <a:schemeClr val="accent1">
+                  <a:shade val="50000"/>
+                </a:schemeClr>
+              </a:solidFill>
+              <a:prstDash val="solid"/>
+              <a:headEnd type="none" w="med" len="med"/>
+              <a:tailEnd type="arrow" w="med" len="med"/>
+            </a:ln>
+          </p:spPr>
+          <p:style>
+            <a:lnRef idx="1">
+              <a:schemeClr val="accent1"/>
+            </a:lnRef>
+            <a:fillRef idx="0">
+              <a:schemeClr val="accent1"/>
+            </a:fillRef>
+            <a:effectRef idx="0">
+              <a:schemeClr val="accent1"/>
+            </a:effectRef>
+            <a:fontRef idx="minor">
+              <a:schemeClr val="tx1"/>
+            </a:fontRef>
+          </p:style>
+        </p:cxnSp>
+        <p:sp>
+          <p:nvSpPr>
+            <p:cNvPr id="36" name="圆角矩形 35"/>
+            <p:cNvSpPr/>
+            <p:nvPr/>
+          </p:nvSpPr>
+          <p:spPr>
+            <a:xfrm>
+              <a:off x="8463" y="6117"/>
+              <a:ext cx="3232" cy="348"/>
+            </a:xfrm>
+            <a:prstGeom prst="roundRect">
+              <a:avLst/>
+            </a:prstGeom>
+            <a:noFill/>
+            <a:ln w="28575" cmpd="sng">
+              <a:solidFill>
+                <a:schemeClr val="accent1">
+                  <a:shade val="50000"/>
+                </a:schemeClr>
+              </a:solidFill>
+              <a:prstDash val="sysDash"/>
+            </a:ln>
+          </p:spPr>
+          <p:style>
+            <a:lnRef idx="2">
+              <a:schemeClr val="accent1">
+                <a:shade val="50000"/>
+              </a:schemeClr>
+            </a:lnRef>
+            <a:fillRef idx="1">
+              <a:schemeClr val="accent1"/>
+            </a:fillRef>
+            <a:effectRef idx="0">
+              <a:schemeClr val="accent1"/>
+            </a:effectRef>
+            <a:fontRef idx="minor">
+              <a:schemeClr val="lt1"/>
+            </a:fontRef>
+          </p:style>
+          <p:txBody>
+            <a:bodyPr rtlCol="0" anchor="ctr"/>
+            <a:p>
+              <a:pPr algn="ctr"/>
+              <a:endParaRPr lang="zh-CN" altLang="en-US" dirty="0">
+                <a:solidFill>
+                  <a:schemeClr val="tx1"/>
+                </a:solidFill>
+              </a:endParaRPr>
+            </a:p>
+          </p:txBody>
+        </p:sp>
+        <p:sp>
+          <p:nvSpPr>
+            <p:cNvPr id="37" name="圆角矩形 36"/>
+            <p:cNvSpPr/>
+            <p:nvPr/>
+          </p:nvSpPr>
+          <p:spPr>
+            <a:xfrm>
+              <a:off x="8558" y="6170"/>
+              <a:ext cx="967" cy="242"/>
+            </a:xfrm>
+            <a:prstGeom prst="roundRect">
+              <a:avLst/>
+            </a:prstGeom>
+            <a:solidFill>
+              <a:schemeClr val="accent1">
+                <a:lumMod val="60000"/>
+                <a:lumOff val="40000"/>
+              </a:schemeClr>
+            </a:solidFill>
+            <a:ln w="28575" cmpd="sng">
+              <a:solidFill>
+                <a:schemeClr val="accent1">
+                  <a:shade val="50000"/>
+                </a:schemeClr>
+              </a:solidFill>
+              <a:prstDash val="solid"/>
+            </a:ln>
+          </p:spPr>
+          <p:style>
+            <a:lnRef idx="2">
+              <a:schemeClr val="accent1">
+                <a:shade val="50000"/>
+              </a:schemeClr>
+            </a:lnRef>
+            <a:fillRef idx="1">
+              <a:schemeClr val="accent1"/>
+            </a:fillRef>
+            <a:effectRef idx="0">
+              <a:schemeClr val="accent1"/>
+            </a:effectRef>
+            <a:fontRef idx="minor">
+              <a:schemeClr val="lt1"/>
+            </a:fontRef>
+          </p:style>
+          <p:txBody>
+            <a:bodyPr rtlCol="0" anchor="ctr"/>
+            <a:p>
+              <a:pPr algn="ctr"/>
+              <a:endParaRPr lang="zh-CN" altLang="en-US" dirty="0">
+                <a:solidFill>
+                  <a:schemeClr val="tx1"/>
+                </a:solidFill>
+              </a:endParaRPr>
+            </a:p>
+          </p:txBody>
+        </p:sp>
+        <p:sp>
+          <p:nvSpPr>
+            <p:cNvPr id="38" name="圆角矩形 37"/>
+            <p:cNvSpPr/>
+            <p:nvPr/>
+          </p:nvSpPr>
+          <p:spPr>
+            <a:xfrm>
+              <a:off x="8463" y="6944"/>
+              <a:ext cx="3232" cy="348"/>
+            </a:xfrm>
+            <a:prstGeom prst="roundRect">
+              <a:avLst/>
+            </a:prstGeom>
+            <a:noFill/>
+            <a:ln w="28575" cmpd="sng">
+              <a:solidFill>
+                <a:schemeClr val="accent1">
+                  <a:shade val="50000"/>
+                </a:schemeClr>
+              </a:solidFill>
+              <a:prstDash val="sysDash"/>
+            </a:ln>
+          </p:spPr>
+          <p:style>
+            <a:lnRef idx="2">
+              <a:schemeClr val="accent1">
+                <a:shade val="50000"/>
+              </a:schemeClr>
+            </a:lnRef>
+            <a:fillRef idx="1">
+              <a:schemeClr val="accent1"/>
+            </a:fillRef>
+            <a:effectRef idx="0">
+              <a:schemeClr val="accent1"/>
+            </a:effectRef>
+            <a:fontRef idx="minor">
+              <a:schemeClr val="lt1"/>
+            </a:fontRef>
+          </p:style>
+          <p:txBody>
+            <a:bodyPr rtlCol="0" anchor="ctr"/>
+            <a:p>
+              <a:pPr algn="ctr"/>
+              <a:endParaRPr lang="zh-CN" altLang="en-US" dirty="0">
+                <a:solidFill>
+                  <a:schemeClr val="tx1"/>
+                </a:solidFill>
+              </a:endParaRPr>
+            </a:p>
+          </p:txBody>
+        </p:sp>
+        <p:sp>
+          <p:nvSpPr>
+            <p:cNvPr id="39" name="圆角矩形 38"/>
+            <p:cNvSpPr/>
+            <p:nvPr/>
+          </p:nvSpPr>
+          <p:spPr>
+            <a:xfrm>
+              <a:off x="8558" y="6997"/>
+              <a:ext cx="1079" cy="242"/>
+            </a:xfrm>
+            <a:prstGeom prst="roundRect">
+              <a:avLst/>
+            </a:prstGeom>
+            <a:solidFill>
+              <a:schemeClr val="accent1">
+                <a:lumMod val="60000"/>
+                <a:lumOff val="40000"/>
+              </a:schemeClr>
+            </a:solidFill>
+            <a:ln w="28575" cmpd="sng">
+              <a:solidFill>
+                <a:schemeClr val="accent1">
+                  <a:shade val="50000"/>
+                </a:schemeClr>
+              </a:solidFill>
+              <a:prstDash val="solid"/>
+            </a:ln>
+          </p:spPr>
+          <p:style>
+            <a:lnRef idx="2">
+              <a:schemeClr val="accent1">
+                <a:shade val="50000"/>
+              </a:schemeClr>
+            </a:lnRef>
+            <a:fillRef idx="1">
+              <a:schemeClr val="accent1"/>
+            </a:fillRef>
+            <a:effectRef idx="0">
+              <a:schemeClr val="accent1"/>
+            </a:effectRef>
+            <a:fontRef idx="minor">
+              <a:schemeClr val="lt1"/>
+            </a:fontRef>
+          </p:style>
+          <p:txBody>
+            <a:bodyPr rtlCol="0" anchor="ctr"/>
+            <a:p>
+              <a:pPr algn="ctr"/>
+              <a:endParaRPr lang="zh-CN" altLang="en-US" dirty="0">
+                <a:solidFill>
+                  <a:schemeClr val="tx1"/>
+                </a:solidFill>
+              </a:endParaRPr>
+            </a:p>
+          </p:txBody>
+        </p:sp>
+        <p:sp>
+          <p:nvSpPr>
+            <p:cNvPr id="40" name="圆角矩形 39"/>
+            <p:cNvSpPr/>
+            <p:nvPr/>
+          </p:nvSpPr>
+          <p:spPr>
+            <a:xfrm>
+              <a:off x="10437" y="6997"/>
+              <a:ext cx="1168" cy="242"/>
+            </a:xfrm>
+            <a:prstGeom prst="roundRect">
+              <a:avLst/>
+            </a:prstGeom>
+            <a:solidFill>
+              <a:schemeClr val="accent1">
+                <a:lumMod val="60000"/>
+                <a:lumOff val="40000"/>
+              </a:schemeClr>
+            </a:solidFill>
+            <a:ln w="28575" cmpd="sng">
+              <a:solidFill>
+                <a:schemeClr val="accent1">
+                  <a:shade val="50000"/>
+                </a:schemeClr>
+              </a:solidFill>
+              <a:prstDash val="solid"/>
+            </a:ln>
+          </p:spPr>
+          <p:style>
+            <a:lnRef idx="2">
+              <a:schemeClr val="accent1">
+                <a:shade val="50000"/>
+              </a:schemeClr>
+            </a:lnRef>
+            <a:fillRef idx="1">
+              <a:schemeClr val="accent1"/>
+            </a:fillRef>
+            <a:effectRef idx="0">
+              <a:schemeClr val="accent1"/>
+            </a:effectRef>
+            <a:fontRef idx="minor">
+              <a:schemeClr val="lt1"/>
+            </a:fontRef>
+          </p:style>
+          <p:txBody>
+            <a:bodyPr rtlCol="0" anchor="ctr"/>
+            <a:p>
+              <a:pPr algn="ctr"/>
+              <a:endParaRPr lang="zh-CN" altLang="en-US" dirty="0">
+                <a:solidFill>
+                  <a:schemeClr val="tx1"/>
+                </a:solidFill>
+              </a:endParaRPr>
+            </a:p>
+          </p:txBody>
+        </p:sp>
+        <p:cxnSp>
+          <p:nvCxnSpPr>
+            <p:cNvPr id="49" name="直接箭头连接符 48"/>
+            <p:cNvCxnSpPr>
+              <a:endCxn id="63" idx="0"/>
+            </p:cNvCxnSpPr>
+            <p:nvPr/>
+          </p:nvCxnSpPr>
+          <p:spPr>
+            <a:xfrm flipH="1">
+              <a:off x="11122" y="5626"/>
+              <a:ext cx="1" cy="545"/>
+            </a:xfrm>
+            <a:prstGeom prst="straightConnector1">
+              <a:avLst/>
+            </a:prstGeom>
+            <a:ln w="28575" cmpd="sng">
+              <a:solidFill>
+                <a:schemeClr val="accent1">
+                  <a:shade val="50000"/>
+                </a:schemeClr>
+              </a:solidFill>
+              <a:prstDash val="solid"/>
+              <a:headEnd type="none" w="med" len="med"/>
+              <a:tailEnd type="arrow" w="med" len="med"/>
+            </a:ln>
+          </p:spPr>
+          <p:style>
+            <a:lnRef idx="1">
+              <a:schemeClr val="accent1"/>
+            </a:lnRef>
+            <a:fillRef idx="0">
+              <a:schemeClr val="accent1"/>
+            </a:fillRef>
+            <a:effectRef idx="0">
+              <a:schemeClr val="accent1"/>
+            </a:effectRef>
+            <a:fontRef idx="minor">
+              <a:schemeClr val="tx1"/>
+            </a:fontRef>
+          </p:style>
+        </p:cxnSp>
+        <p:cxnSp>
+          <p:nvCxnSpPr>
+            <p:cNvPr id="50" name="直接箭头连接符 49"/>
+            <p:cNvCxnSpPr>
+              <a:endCxn id="37" idx="0"/>
+            </p:cNvCxnSpPr>
+            <p:nvPr/>
+          </p:nvCxnSpPr>
+          <p:spPr>
+            <a:xfrm flipH="1">
+              <a:off x="9041" y="5634"/>
+              <a:ext cx="8" cy="536"/>
+            </a:xfrm>
+            <a:prstGeom prst="straightConnector1">
+              <a:avLst/>
+            </a:prstGeom>
+            <a:ln w="28575" cmpd="sng">
+              <a:solidFill>
+                <a:schemeClr val="accent1">
+                  <a:shade val="50000"/>
+                </a:schemeClr>
+              </a:solidFill>
+              <a:prstDash val="solid"/>
+              <a:headEnd type="none" w="med" len="med"/>
+              <a:tailEnd type="arrow" w="med" len="med"/>
+            </a:ln>
+          </p:spPr>
+          <p:style>
+            <a:lnRef idx="1">
+              <a:schemeClr val="accent1"/>
+            </a:lnRef>
+            <a:fillRef idx="0">
+              <a:schemeClr val="accent1"/>
+            </a:fillRef>
+            <a:effectRef idx="0">
+              <a:schemeClr val="accent1"/>
+            </a:effectRef>
+            <a:fontRef idx="minor">
+              <a:schemeClr val="tx1"/>
+            </a:fontRef>
+          </p:style>
+        </p:cxnSp>
+        <p:sp>
+          <p:nvSpPr>
+            <p:cNvPr id="51" name="流程图: 文档 50"/>
+            <p:cNvSpPr/>
+            <p:nvPr/>
+          </p:nvSpPr>
+          <p:spPr>
+            <a:xfrm>
+              <a:off x="8991" y="5762"/>
+              <a:ext cx="100" cy="219"/>
+            </a:xfrm>
+            <a:prstGeom prst="flowChartDocument">
+              <a:avLst/>
+            </a:prstGeom>
+            <a:solidFill>
+              <a:srgbClr val="FF0000"/>
+            </a:solidFill>
+            <a:ln w="28575" cmpd="sng">
+              <a:solidFill>
+                <a:schemeClr val="accent1">
+                  <a:shade val="50000"/>
+                </a:schemeClr>
+              </a:solidFill>
+              <a:prstDash val="solid"/>
+            </a:ln>
+          </p:spPr>
+          <p:style>
+            <a:lnRef idx="2">
+              <a:schemeClr val="accent1">
+                <a:shade val="50000"/>
+              </a:schemeClr>
+            </a:lnRef>
+            <a:fillRef idx="1">
+              <a:schemeClr val="accent1"/>
+            </a:fillRef>
+            <a:effectRef idx="0">
+              <a:schemeClr val="accent1"/>
+            </a:effectRef>
+            <a:fontRef idx="minor">
+              <a:schemeClr val="lt1"/>
+            </a:fontRef>
+          </p:style>
+          <p:txBody>
+            <a:bodyPr rtlCol="0" anchor="ctr"/>
+            <a:p>
+              <a:pPr algn="ctr"/>
+              <a:endParaRPr lang="zh-CN" altLang="en-US" dirty="0">
+                <a:solidFill>
+                  <a:schemeClr val="tx1"/>
+                </a:solidFill>
+              </a:endParaRPr>
+            </a:p>
+          </p:txBody>
+        </p:sp>
+        <p:cxnSp>
+          <p:nvCxnSpPr>
+            <p:cNvPr id="52" name="直接箭头连接符 51"/>
+            <p:cNvCxnSpPr/>
+            <p:nvPr/>
+          </p:nvCxnSpPr>
+          <p:spPr>
+            <a:xfrm flipH="1">
+              <a:off x="9048" y="6471"/>
+              <a:ext cx="8" cy="536"/>
+            </a:xfrm>
+            <a:prstGeom prst="straightConnector1">
+              <a:avLst/>
+            </a:prstGeom>
+            <a:ln w="28575" cmpd="sng">
+              <a:solidFill>
+                <a:schemeClr val="accent1">
+                  <a:shade val="50000"/>
+                </a:schemeClr>
+              </a:solidFill>
+              <a:prstDash val="solid"/>
+              <a:headEnd type="none" w="med" len="med"/>
+              <a:tailEnd type="arrow" w="med" len="med"/>
+            </a:ln>
+          </p:spPr>
+          <p:style>
+            <a:lnRef idx="1">
+              <a:schemeClr val="accent1"/>
+            </a:lnRef>
+            <a:fillRef idx="0">
+              <a:schemeClr val="accent1"/>
+            </a:fillRef>
+            <a:effectRef idx="0">
+              <a:schemeClr val="accent1"/>
+            </a:effectRef>
+            <a:fontRef idx="minor">
+              <a:schemeClr val="tx1"/>
+            </a:fontRef>
+          </p:style>
+        </p:cxnSp>
+        <p:cxnSp>
+          <p:nvCxnSpPr>
+            <p:cNvPr id="54" name="直接箭头连接符 53"/>
+            <p:cNvCxnSpPr/>
+            <p:nvPr/>
+          </p:nvCxnSpPr>
+          <p:spPr>
+            <a:xfrm flipH="1">
+              <a:off x="11118" y="6471"/>
+              <a:ext cx="8" cy="536"/>
+            </a:xfrm>
+            <a:prstGeom prst="straightConnector1">
+              <a:avLst/>
+            </a:prstGeom>
+            <a:ln w="28575" cmpd="sng">
+              <a:solidFill>
+                <a:schemeClr val="accent1">
+                  <a:shade val="50000"/>
+                </a:schemeClr>
+              </a:solidFill>
+              <a:prstDash val="solid"/>
+              <a:headEnd type="none" w="med" len="med"/>
+              <a:tailEnd type="arrow" w="med" len="med"/>
+            </a:ln>
+          </p:spPr>
+          <p:style>
+            <a:lnRef idx="1">
+              <a:schemeClr val="accent1"/>
+            </a:lnRef>
+            <a:fillRef idx="0">
+              <a:schemeClr val="accent1"/>
+            </a:fillRef>
+            <a:effectRef idx="0">
+              <a:schemeClr val="accent1"/>
+            </a:effectRef>
+            <a:fontRef idx="minor">
+              <a:schemeClr val="tx1"/>
+            </a:fontRef>
+          </p:style>
+        </p:cxnSp>
+        <p:cxnSp>
+          <p:nvCxnSpPr>
+            <p:cNvPr id="59" name="直接箭头连接符 58"/>
+            <p:cNvCxnSpPr>
+              <a:stCxn id="39" idx="2"/>
+              <a:endCxn id="30" idx="1"/>
+            </p:cNvCxnSpPr>
+            <p:nvPr/>
+          </p:nvCxnSpPr>
+          <p:spPr>
+            <a:xfrm>
+              <a:off x="9097" y="7239"/>
+              <a:ext cx="985" cy="411"/>
+            </a:xfrm>
+            <a:prstGeom prst="straightConnector1">
+              <a:avLst/>
+            </a:prstGeom>
+            <a:ln w="28575" cmpd="sng">
+              <a:solidFill>
+                <a:schemeClr val="accent1">
+                  <a:shade val="50000"/>
+                </a:schemeClr>
+              </a:solidFill>
+              <a:prstDash val="solid"/>
+              <a:headEnd type="none" w="med" len="med"/>
+              <a:tailEnd type="arrow" w="med" len="med"/>
+            </a:ln>
+          </p:spPr>
+          <p:style>
+            <a:lnRef idx="1">
+              <a:schemeClr val="accent1"/>
+            </a:lnRef>
+            <a:fillRef idx="0">
+              <a:schemeClr val="accent1"/>
+            </a:fillRef>
+            <a:effectRef idx="0">
+              <a:schemeClr val="accent1"/>
+            </a:effectRef>
+            <a:fontRef idx="minor">
+              <a:schemeClr val="tx1"/>
+            </a:fontRef>
+          </p:style>
+        </p:cxnSp>
+        <p:cxnSp>
+          <p:nvCxnSpPr>
+            <p:cNvPr id="60" name="直接箭头连接符 59"/>
+            <p:cNvCxnSpPr>
+              <a:stCxn id="40" idx="2"/>
+              <a:endCxn id="30" idx="1"/>
+            </p:cNvCxnSpPr>
+            <p:nvPr/>
+          </p:nvCxnSpPr>
+          <p:spPr>
+            <a:xfrm flipH="1">
+              <a:off x="10082" y="7239"/>
+              <a:ext cx="940" cy="411"/>
+            </a:xfrm>
+            <a:prstGeom prst="straightConnector1">
+              <a:avLst/>
+            </a:prstGeom>
+            <a:ln w="28575" cmpd="sng">
+              <a:solidFill>
+                <a:schemeClr val="accent1">
+                  <a:shade val="50000"/>
+                </a:schemeClr>
+              </a:solidFill>
+              <a:prstDash val="solid"/>
+              <a:headEnd type="none" w="med" len="med"/>
+              <a:tailEnd type="arrow" w="med" len="med"/>
+            </a:ln>
+          </p:spPr>
+          <p:style>
+            <a:lnRef idx="1">
+              <a:schemeClr val="accent1"/>
+            </a:lnRef>
+            <a:fillRef idx="0">
+              <a:schemeClr val="accent1"/>
+            </a:fillRef>
+            <a:effectRef idx="0">
+              <a:schemeClr val="accent1"/>
+            </a:effectRef>
+            <a:fontRef idx="minor">
+              <a:schemeClr val="tx1"/>
+            </a:fontRef>
+          </p:style>
+        </p:cxnSp>
+        <p:sp>
+          <p:nvSpPr>
+            <p:cNvPr id="63" name="圆角矩形 62"/>
+            <p:cNvSpPr/>
+            <p:nvPr/>
+          </p:nvSpPr>
+          <p:spPr>
+            <a:xfrm>
+              <a:off x="10638" y="6170"/>
+              <a:ext cx="967" cy="242"/>
+            </a:xfrm>
+            <a:prstGeom prst="roundRect">
+              <a:avLst/>
+            </a:prstGeom>
+            <a:solidFill>
+              <a:schemeClr val="accent1">
+                <a:lumMod val="60000"/>
+                <a:lumOff val="40000"/>
+              </a:schemeClr>
+            </a:solidFill>
+            <a:ln w="28575" cmpd="sng">
+              <a:solidFill>
+                <a:schemeClr val="accent1">
+                  <a:shade val="50000"/>
+                </a:schemeClr>
+              </a:solidFill>
+              <a:prstDash val="solid"/>
+            </a:ln>
+          </p:spPr>
+          <p:style>
+            <a:lnRef idx="2">
+              <a:schemeClr val="accent1">
+                <a:shade val="50000"/>
+              </a:schemeClr>
+            </a:lnRef>
+            <a:fillRef idx="1">
+              <a:schemeClr val="accent1"/>
+            </a:fillRef>
+            <a:effectRef idx="0">
+              <a:schemeClr val="accent1"/>
+            </a:effectRef>
+            <a:fontRef idx="minor">
+              <a:schemeClr val="lt1"/>
+            </a:fontRef>
+          </p:style>
+          <p:txBody>
+            <a:bodyPr rtlCol="0" anchor="ctr"/>
+            <a:p>
+              <a:pPr algn="ctr"/>
+              <a:endParaRPr lang="zh-CN" altLang="en-US" dirty="0">
+                <a:solidFill>
+                  <a:schemeClr val="tx1"/>
+                </a:solidFill>
+              </a:endParaRPr>
+            </a:p>
+          </p:txBody>
+        </p:sp>
+        <p:sp>
+          <p:nvSpPr>
+            <p:cNvPr id="95" name="流程图: 文档 94"/>
+            <p:cNvSpPr/>
+            <p:nvPr/>
+          </p:nvSpPr>
+          <p:spPr>
+            <a:xfrm>
+              <a:off x="11068" y="5758"/>
+              <a:ext cx="100" cy="219"/>
+            </a:xfrm>
+            <a:prstGeom prst="flowChartDocument">
+              <a:avLst/>
+            </a:prstGeom>
+            <a:solidFill>
+              <a:srgbClr val="FF0000"/>
+            </a:solidFill>
+            <a:ln w="28575" cmpd="sng">
+              <a:solidFill>
+                <a:schemeClr val="accent1">
+                  <a:shade val="50000"/>
+                </a:schemeClr>
+              </a:solidFill>
+              <a:prstDash val="solid"/>
+            </a:ln>
+          </p:spPr>
+          <p:style>
+            <a:lnRef idx="2">
+              <a:schemeClr val="accent1">
+                <a:shade val="50000"/>
+              </a:schemeClr>
+            </a:lnRef>
+            <a:fillRef idx="1">
+              <a:schemeClr val="accent1"/>
+            </a:fillRef>
+            <a:effectRef idx="0">
+              <a:schemeClr val="accent1"/>
+            </a:effectRef>
+            <a:fontRef idx="minor">
+              <a:schemeClr val="lt1"/>
+            </a:fontRef>
+          </p:style>
+          <p:txBody>
+            <a:bodyPr rtlCol="0" anchor="ctr"/>
+            <a:p>
+              <a:pPr algn="ctr"/>
+              <a:endParaRPr lang="zh-CN" altLang="en-US" dirty="0">
+                <a:solidFill>
+                  <a:schemeClr val="tx1"/>
+                </a:solidFill>
+              </a:endParaRPr>
+            </a:p>
+          </p:txBody>
+        </p:sp>
+        <p:sp>
+          <p:nvSpPr>
+            <p:cNvPr id="96" name="流程图: 文档 95"/>
+            <p:cNvSpPr/>
+            <p:nvPr/>
+          </p:nvSpPr>
+          <p:spPr>
+            <a:xfrm>
+              <a:off x="9001" y="6582"/>
+              <a:ext cx="100" cy="219"/>
+            </a:xfrm>
+            <a:prstGeom prst="flowChartDocument">
+              <a:avLst/>
+            </a:prstGeom>
+            <a:solidFill>
+              <a:srgbClr val="FF0000"/>
+            </a:solidFill>
+            <a:ln w="28575" cmpd="sng">
+              <a:solidFill>
+                <a:schemeClr val="accent1">
+                  <a:shade val="50000"/>
+                </a:schemeClr>
+              </a:solidFill>
+              <a:prstDash val="solid"/>
+            </a:ln>
+          </p:spPr>
+          <p:style>
+            <a:lnRef idx="2">
+              <a:schemeClr val="accent1">
+                <a:shade val="50000"/>
+              </a:schemeClr>
+            </a:lnRef>
+            <a:fillRef idx="1">
+              <a:schemeClr val="accent1"/>
+            </a:fillRef>
+            <a:effectRef idx="0">
+              <a:schemeClr val="accent1"/>
+            </a:effectRef>
+            <a:fontRef idx="minor">
+              <a:schemeClr val="lt1"/>
+            </a:fontRef>
+          </p:style>
+          <p:txBody>
+            <a:bodyPr rtlCol="0" anchor="ctr"/>
+            <a:p>
+              <a:pPr algn="ctr"/>
+              <a:endParaRPr lang="zh-CN" altLang="en-US" dirty="0">
+                <a:solidFill>
+                  <a:schemeClr val="tx1"/>
+                </a:solidFill>
+              </a:endParaRPr>
+            </a:p>
+          </p:txBody>
+        </p:sp>
+        <p:sp>
+          <p:nvSpPr>
+            <p:cNvPr id="108" name="流程图: 文档 107"/>
+            <p:cNvSpPr/>
+            <p:nvPr/>
+          </p:nvSpPr>
+          <p:spPr>
+            <a:xfrm>
+              <a:off x="11072" y="6595"/>
+              <a:ext cx="100" cy="219"/>
+            </a:xfrm>
+            <a:prstGeom prst="flowChartDocument">
+              <a:avLst/>
+            </a:prstGeom>
+            <a:solidFill>
+              <a:srgbClr val="FF0000"/>
+            </a:solidFill>
+            <a:ln w="28575" cmpd="sng">
+              <a:solidFill>
+                <a:schemeClr val="accent1">
+                  <a:shade val="50000"/>
+                </a:schemeClr>
+              </a:solidFill>
+              <a:prstDash val="solid"/>
+            </a:ln>
+          </p:spPr>
+          <p:style>
+            <a:lnRef idx="2">
+              <a:schemeClr val="accent1">
+                <a:shade val="50000"/>
+              </a:schemeClr>
+            </a:lnRef>
+            <a:fillRef idx="1">
+              <a:schemeClr val="accent1"/>
+            </a:fillRef>
+            <a:effectRef idx="0">
+              <a:schemeClr val="accent1"/>
+            </a:effectRef>
+            <a:fontRef idx="minor">
+              <a:schemeClr val="lt1"/>
+            </a:fontRef>
+          </p:style>
+          <p:txBody>
+            <a:bodyPr rtlCol="0" anchor="ctr"/>
+            <a:p>
+              <a:pPr algn="ctr"/>
+              <a:endParaRPr lang="zh-CN" altLang="en-US" dirty="0">
+                <a:solidFill>
+                  <a:schemeClr val="tx1"/>
+                </a:solidFill>
+              </a:endParaRPr>
+            </a:p>
+          </p:txBody>
+        </p:sp>
+      </p:grpSp>
+      <p:sp>
+        <p:nvSpPr>
+          <p:cNvPr id="29" name="文本框 28"/>
+          <p:cNvSpPr txBox="1"/>
+          <p:nvPr/>
+        </p:nvSpPr>
+        <p:spPr>
+          <a:xfrm>
+            <a:off x="5705475" y="2693670"/>
+            <a:ext cx="1513205" cy="275590"/>
+          </a:xfrm>
+          <a:prstGeom prst="rect">
+            <a:avLst/>
+          </a:prstGeom>
+          <a:noFill/>
+        </p:spPr>
+        <p:txBody>
+          <a:bodyPr wrap="square" rtlCol="0">
+            <a:spAutoFit/>
+          </a:bodyPr>
+          <a:p>
+            <a:r>
+              <a:rPr lang="en-US" altLang="zh-CN" sz="1200" b="1"/>
+              <a:t>Long term storage</a:t>
+            </a:r>
+            <a:endParaRPr lang="en-US" altLang="zh-CN" sz="1200" b="1"/>
+          </a:p>
+        </p:txBody>
+      </p:sp>
+      <p:sp>
+        <p:nvSpPr>
+          <p:cNvPr id="173" name="文本框 172"/>
+          <p:cNvSpPr txBox="1"/>
+          <p:nvPr/>
+        </p:nvSpPr>
+        <p:spPr>
+          <a:xfrm>
+            <a:off x="5707380" y="4772660"/>
+            <a:ext cx="1513205" cy="275590"/>
+          </a:xfrm>
+          <a:prstGeom prst="rect">
+            <a:avLst/>
+          </a:prstGeom>
+          <a:noFill/>
+        </p:spPr>
+        <p:txBody>
+          <a:bodyPr wrap="square" rtlCol="0">
+            <a:spAutoFit/>
+          </a:bodyPr>
+          <a:p>
+            <a:r>
+              <a:rPr lang="en-US" altLang="zh-CN" sz="1200" b="1"/>
+              <a:t>Long term storage</a:t>
+            </a:r>
+            <a:endParaRPr lang="en-US" altLang="zh-CN" sz="1200" b="1"/>
+          </a:p>
+        </p:txBody>
+      </p:sp>
+      <p:sp>
+        <p:nvSpPr>
+          <p:cNvPr id="174" name="文本框 173"/>
+          <p:cNvSpPr txBox="1"/>
+          <p:nvPr/>
+        </p:nvSpPr>
+        <p:spPr>
+          <a:xfrm>
+            <a:off x="6153150" y="4175760"/>
+            <a:ext cx="617855" cy="337185"/>
+          </a:xfrm>
+          <a:prstGeom prst="rect">
+            <a:avLst/>
+          </a:prstGeom>
+          <a:noFill/>
+        </p:spPr>
+        <p:txBody>
+          <a:bodyPr wrap="square" rtlCol="0">
+            <a:spAutoFit/>
+          </a:bodyPr>
+          <a:p>
+            <a:r>
+              <a:rPr lang="en-US" altLang="zh-CN" sz="1600" b="1"/>
+              <a:t>... ...</a:t>
+            </a:r>
+            <a:endParaRPr lang="en-US" altLang="zh-CN" sz="1600" b="1"/>
+          </a:p>
+        </p:txBody>
+      </p:sp>
+      <p:sp>
+        <p:nvSpPr>
+          <p:cNvPr id="34" name="文本框 33"/>
+          <p:cNvSpPr txBox="1"/>
+          <p:nvPr/>
+        </p:nvSpPr>
+        <p:spPr>
+          <a:xfrm>
+            <a:off x="5942330" y="3030220"/>
+            <a:ext cx="1100455" cy="368300"/>
+          </a:xfrm>
+          <a:prstGeom prst="rect">
+            <a:avLst/>
+          </a:prstGeom>
+          <a:noFill/>
+        </p:spPr>
+        <p:txBody>
+          <a:bodyPr wrap="square" rtlCol="0">
+            <a:spAutoFit/>
+          </a:bodyPr>
+          <a:p>
+            <a:r>
+              <a:rPr lang="en-US" altLang="zh-CN" sz="1200" b="1">
+                <a:sym typeface="+mn-ea"/>
+              </a:rPr>
+              <a:t>Split_</a:t>
+            </a:r>
+            <a:r>
+              <a:rPr lang="en-US" altLang="zh-CN" sz="1200" b="1"/>
+              <a:t>Video</a:t>
+            </a:r>
+            <a:r>
+              <a:rPr lang="en-US" altLang="zh-CN" b="1"/>
+              <a:t> </a:t>
+            </a:r>
+            <a:endParaRPr lang="en-US" altLang="zh-CN" b="1"/>
+          </a:p>
+        </p:txBody>
+      </p:sp>
+      <p:sp>
+        <p:nvSpPr>
+          <p:cNvPr id="175" name="文本框 174"/>
+          <p:cNvSpPr txBox="1"/>
+          <p:nvPr/>
+        </p:nvSpPr>
+        <p:spPr>
+          <a:xfrm>
+            <a:off x="5111750" y="5669280"/>
+            <a:ext cx="3069590" cy="337185"/>
+          </a:xfrm>
+          <a:prstGeom prst="rect">
+            <a:avLst/>
+          </a:prstGeom>
+          <a:noFill/>
+        </p:spPr>
+        <p:txBody>
+          <a:bodyPr wrap="square" rtlCol="0">
+            <a:spAutoFit/>
+          </a:bodyPr>
+          <a:p>
+            <a:r>
+              <a:rPr lang="zh-CN" altLang="en-US" sz="1600" b="1">
+                <a:latin typeface="微软雅黑" panose="020B0503020204020204" charset="-122"/>
+                <a:ea typeface="微软雅黑" panose="020B0503020204020204" charset="-122"/>
+              </a:rPr>
+              <a:t>Video Analytics application</a:t>
+            </a:r>
+            <a:endParaRPr lang="zh-CN" altLang="en-US" sz="1600" b="1">
+              <a:latin typeface="微软雅黑" panose="020B0503020204020204" charset="-122"/>
+              <a:ea typeface="微软雅黑" panose="020B0503020204020204" charset="-122"/>
+            </a:endParaRPr>
+          </a:p>
+        </p:txBody>
+      </p:sp>
+      <p:sp>
+        <p:nvSpPr>
+          <p:cNvPr id="176" name="圆角矩形 175"/>
+          <p:cNvSpPr/>
+          <p:nvPr/>
+        </p:nvSpPr>
+        <p:spPr>
+          <a:xfrm>
+            <a:off x="8947150" y="3072130"/>
+            <a:ext cx="1787525" cy="231775"/>
+          </a:xfrm>
+          <a:prstGeom prst="roundRect">
+            <a:avLst/>
+          </a:prstGeom>
+          <a:noFill/>
+          <a:ln w="28575" cmpd="sng">
+            <a:solidFill>
+              <a:schemeClr val="accent1">
+                <a:shade val="50000"/>
+              </a:schemeClr>
+            </a:solidFill>
+            <a:prstDash val="sysDash"/>
+          </a:ln>
+        </p:spPr>
+        <p:style>
+          <a:lnRef idx="2">
+            <a:schemeClr val="accent1">
+              <a:shade val="50000"/>
+            </a:schemeClr>
+          </a:lnRef>
+          <a:fillRef idx="1">
+            <a:schemeClr val="accent1"/>
+          </a:fillRef>
+          <a:effectRef idx="0">
+            <a:schemeClr val="accent1"/>
+          </a:effectRef>
+          <a:fontRef idx="minor">
+            <a:schemeClr val="lt1"/>
+          </a:fontRef>
+        </p:style>
+        <p:txBody>
+          <a:bodyPr rtlCol="0" anchor="ctr"/>
+          <a:p>
+            <a:pPr algn="ctr"/>
+            <a:endParaRPr lang="zh-CN" altLang="en-US" dirty="0">
+              <a:solidFill>
+                <a:schemeClr val="tx1"/>
+              </a:solidFill>
+            </a:endParaRPr>
+          </a:p>
+        </p:txBody>
+      </p:sp>
+      <p:sp>
+        <p:nvSpPr>
+          <p:cNvPr id="177" name="流程图: 磁盘 176"/>
+          <p:cNvSpPr/>
+          <p:nvPr/>
+        </p:nvSpPr>
+        <p:spPr>
+          <a:xfrm>
+            <a:off x="9126220" y="2693670"/>
+            <a:ext cx="1428750" cy="241300"/>
+          </a:xfrm>
+          <a:prstGeom prst="flowChartMagneticDisk">
+            <a:avLst/>
+          </a:prstGeom>
+          <a:solidFill>
+            <a:schemeClr val="accent4">
+              <a:lumMod val="60000"/>
+              <a:lumOff val="40000"/>
+            </a:schemeClr>
+          </a:solidFill>
+          <a:ln w="28575">
+            <a:solidFill>
+              <a:schemeClr val="tx1"/>
+            </a:solidFill>
+          </a:ln>
+        </p:spPr>
+        <p:style>
+          <a:lnRef idx="2">
+            <a:schemeClr val="accent1">
+              <a:shade val="50000"/>
+            </a:schemeClr>
+          </a:lnRef>
+          <a:fillRef idx="1">
+            <a:schemeClr val="accent1"/>
+          </a:fillRef>
+          <a:effectRef idx="0">
+            <a:schemeClr val="accent1"/>
+          </a:effectRef>
+          <a:fontRef idx="minor">
+            <a:schemeClr val="lt1"/>
+          </a:fontRef>
+        </p:style>
+        <p:txBody>
+          <a:bodyPr rtlCol="0" anchor="ctr"/>
+          <a:p>
+            <a:pPr algn="ctr"/>
+            <a:endParaRPr lang="zh-CN" altLang="en-US" dirty="0">
+              <a:solidFill>
+                <a:schemeClr val="tx1"/>
+              </a:solidFill>
+            </a:endParaRPr>
+          </a:p>
+        </p:txBody>
+      </p:sp>
+      <p:sp>
+        <p:nvSpPr>
+          <p:cNvPr id="179" name="流程图: 磁盘 178"/>
+          <p:cNvSpPr/>
+          <p:nvPr/>
+        </p:nvSpPr>
+        <p:spPr>
+          <a:xfrm>
+            <a:off x="9124315" y="4681220"/>
+            <a:ext cx="1430020" cy="241300"/>
+          </a:xfrm>
+          <a:prstGeom prst="flowChartMagneticDisk">
+            <a:avLst/>
+          </a:prstGeom>
+          <a:solidFill>
+            <a:schemeClr val="accent4">
+              <a:lumMod val="60000"/>
+              <a:lumOff val="40000"/>
+            </a:schemeClr>
+          </a:solidFill>
+          <a:ln w="28575">
+            <a:solidFill>
+              <a:schemeClr val="tx1"/>
+            </a:solidFill>
+          </a:ln>
+        </p:spPr>
+        <p:style>
+          <a:lnRef idx="2">
+            <a:schemeClr val="accent1">
+              <a:shade val="50000"/>
+            </a:schemeClr>
+          </a:lnRef>
+          <a:fillRef idx="1">
+            <a:schemeClr val="accent1"/>
+          </a:fillRef>
+          <a:effectRef idx="0">
+            <a:schemeClr val="accent1"/>
+          </a:effectRef>
+          <a:fontRef idx="minor">
+            <a:schemeClr val="lt1"/>
+          </a:fontRef>
+        </p:style>
+        <p:txBody>
+          <a:bodyPr rtlCol="0" anchor="ctr"/>
+          <a:p>
+            <a:pPr algn="ctr"/>
+            <a:endParaRPr lang="zh-CN" altLang="en-US" dirty="0">
+              <a:solidFill>
+                <a:schemeClr val="tx1"/>
+              </a:solidFill>
+            </a:endParaRPr>
+          </a:p>
+        </p:txBody>
+      </p:sp>
+      <p:sp>
+        <p:nvSpPr>
+          <p:cNvPr id="181" name="圆角矩形 180"/>
+          <p:cNvSpPr/>
+          <p:nvPr/>
+        </p:nvSpPr>
+        <p:spPr>
+          <a:xfrm>
+            <a:off x="8994140" y="3107055"/>
+            <a:ext cx="1692275" cy="161290"/>
+          </a:xfrm>
+          <a:prstGeom prst="roundRect">
+            <a:avLst/>
+          </a:prstGeom>
+          <a:solidFill>
+            <a:schemeClr val="accent1">
+              <a:lumMod val="60000"/>
+              <a:lumOff val="40000"/>
+            </a:schemeClr>
+          </a:solidFill>
+          <a:ln w="28575" cmpd="sng">
+            <a:solidFill>
+              <a:schemeClr val="accent1">
+                <a:shade val="50000"/>
+              </a:schemeClr>
+            </a:solidFill>
+            <a:prstDash val="solid"/>
+          </a:ln>
+        </p:spPr>
+        <p:style>
+          <a:lnRef idx="2">
+            <a:schemeClr val="accent1">
+              <a:shade val="50000"/>
+            </a:schemeClr>
+          </a:lnRef>
+          <a:fillRef idx="1">
+            <a:schemeClr val="accent1"/>
+          </a:fillRef>
+          <a:effectRef idx="0">
+            <a:schemeClr val="accent1"/>
+          </a:effectRef>
+          <a:fontRef idx="minor">
+            <a:schemeClr val="lt1"/>
+          </a:fontRef>
+        </p:style>
+        <p:txBody>
+          <a:bodyPr rtlCol="0" anchor="ctr"/>
+          <a:p>
+            <a:pPr algn="ctr"/>
+            <a:endParaRPr lang="zh-CN" altLang="en-US" dirty="0">
+              <a:solidFill>
+                <a:schemeClr val="tx1"/>
+              </a:solidFill>
+            </a:endParaRPr>
+          </a:p>
+        </p:txBody>
+      </p:sp>
+      <p:sp>
+        <p:nvSpPr>
+          <p:cNvPr id="182" name="文本框 181"/>
+          <p:cNvSpPr txBox="1"/>
+          <p:nvPr/>
+        </p:nvSpPr>
+        <p:spPr>
+          <a:xfrm>
+            <a:off x="9593580" y="2997835"/>
+            <a:ext cx="622935" cy="368300"/>
+          </a:xfrm>
+          <a:prstGeom prst="rect">
+            <a:avLst/>
+          </a:prstGeom>
+          <a:noFill/>
+        </p:spPr>
+        <p:txBody>
+          <a:bodyPr wrap="square" rtlCol="0">
+            <a:spAutoFit/>
+          </a:bodyPr>
+          <a:p>
+            <a:r>
+              <a:rPr lang="en-US" altLang="zh-CN" sz="1200" b="1">
+                <a:sym typeface="+mn-ea"/>
+              </a:rPr>
+              <a:t>PCA</a:t>
+            </a:r>
+            <a:r>
+              <a:rPr lang="en-US" altLang="zh-CN" b="1"/>
+              <a:t> </a:t>
+            </a:r>
+            <a:endParaRPr lang="en-US" altLang="zh-CN" b="1"/>
+          </a:p>
+        </p:txBody>
+      </p:sp>
+      <p:cxnSp>
+        <p:nvCxnSpPr>
+          <p:cNvPr id="183" name="直接箭头连接符 182"/>
+          <p:cNvCxnSpPr>
+            <a:stCxn id="177" idx="3"/>
+          </p:cNvCxnSpPr>
+          <p:nvPr/>
+        </p:nvCxnSpPr>
+        <p:spPr>
+          <a:xfrm flipH="1">
+            <a:off x="9838690" y="2934970"/>
+            <a:ext cx="1905" cy="147955"/>
+          </a:xfrm>
+          <a:prstGeom prst="straightConnector1">
+            <a:avLst/>
+          </a:prstGeom>
+          <a:ln w="28575" cmpd="sng">
+            <a:solidFill>
+              <a:schemeClr val="accent1">
+                <a:shade val="50000"/>
+              </a:schemeClr>
+            </a:solidFill>
+            <a:prstDash val="solid"/>
+            <a:headEnd type="none" w="med" len="med"/>
+            <a:tailEnd type="arrow" w="med" len="med"/>
+          </a:ln>
+        </p:spPr>
+        <p:style>
+          <a:lnRef idx="1">
+            <a:schemeClr val="accent1"/>
+          </a:lnRef>
+          <a:fillRef idx="0">
+            <a:schemeClr val="accent1"/>
+          </a:fillRef>
+          <a:effectRef idx="0">
+            <a:schemeClr val="accent1"/>
+          </a:effectRef>
+          <a:fontRef idx="minor">
+            <a:schemeClr val="tx1"/>
+          </a:fontRef>
+        </p:style>
+      </p:cxnSp>
+      <p:sp>
+        <p:nvSpPr>
+          <p:cNvPr id="184" name="圆角矩形 183"/>
+          <p:cNvSpPr/>
+          <p:nvPr/>
+        </p:nvSpPr>
+        <p:spPr>
+          <a:xfrm>
+            <a:off x="8830945" y="3635375"/>
+            <a:ext cx="2038985" cy="231775"/>
+          </a:xfrm>
+          <a:prstGeom prst="roundRect">
+            <a:avLst/>
+          </a:prstGeom>
+          <a:noFill/>
+          <a:ln w="28575" cmpd="sng">
+            <a:solidFill>
+              <a:schemeClr val="accent1">
+                <a:shade val="50000"/>
+              </a:schemeClr>
+            </a:solidFill>
+            <a:prstDash val="sysDash"/>
+          </a:ln>
+        </p:spPr>
+        <p:style>
+          <a:lnRef idx="2">
+            <a:schemeClr val="accent1">
+              <a:shade val="50000"/>
+            </a:schemeClr>
+          </a:lnRef>
+          <a:fillRef idx="1">
+            <a:schemeClr val="accent1"/>
+          </a:fillRef>
+          <a:effectRef idx="0">
+            <a:schemeClr val="accent1"/>
+          </a:effectRef>
+          <a:fontRef idx="minor">
+            <a:schemeClr val="lt1"/>
+          </a:fontRef>
+        </p:style>
+        <p:txBody>
+          <a:bodyPr rtlCol="0" anchor="ctr"/>
+          <a:p>
+            <a:pPr algn="ctr"/>
+            <a:endParaRPr lang="zh-CN" altLang="en-US" dirty="0">
+              <a:solidFill>
+                <a:schemeClr val="tx1"/>
+              </a:solidFill>
+            </a:endParaRPr>
+          </a:p>
+        </p:txBody>
+      </p:sp>
+      <p:sp>
+        <p:nvSpPr>
+          <p:cNvPr id="185" name="圆角矩形 184"/>
+          <p:cNvSpPr/>
+          <p:nvPr/>
+        </p:nvSpPr>
+        <p:spPr>
+          <a:xfrm>
+            <a:off x="8890635" y="3670935"/>
+            <a:ext cx="610235" cy="161290"/>
+          </a:xfrm>
+          <a:prstGeom prst="roundRect">
+            <a:avLst/>
+          </a:prstGeom>
+          <a:solidFill>
+            <a:schemeClr val="accent1">
+              <a:lumMod val="60000"/>
+              <a:lumOff val="40000"/>
+            </a:schemeClr>
+          </a:solidFill>
+          <a:ln w="28575" cmpd="sng">
+            <a:solidFill>
+              <a:schemeClr val="accent1">
+                <a:shade val="50000"/>
+              </a:schemeClr>
+            </a:solidFill>
+            <a:prstDash val="solid"/>
+          </a:ln>
+        </p:spPr>
+        <p:style>
+          <a:lnRef idx="2">
+            <a:schemeClr val="accent1">
+              <a:shade val="50000"/>
+            </a:schemeClr>
+          </a:lnRef>
+          <a:fillRef idx="1">
+            <a:schemeClr val="accent1"/>
+          </a:fillRef>
+          <a:effectRef idx="0">
+            <a:schemeClr val="accent1"/>
+          </a:effectRef>
+          <a:fontRef idx="minor">
+            <a:schemeClr val="lt1"/>
+          </a:fontRef>
+        </p:style>
+        <p:txBody>
+          <a:bodyPr rtlCol="0" anchor="ctr"/>
+          <a:p>
+            <a:pPr algn="ctr"/>
+            <a:endParaRPr lang="zh-CN" altLang="en-US" dirty="0">
+              <a:solidFill>
+                <a:schemeClr val="tx1"/>
+              </a:solidFill>
+            </a:endParaRPr>
+          </a:p>
+        </p:txBody>
+      </p:sp>
+      <p:cxnSp>
+        <p:nvCxnSpPr>
+          <p:cNvPr id="186" name="直接箭头连接符 185"/>
+          <p:cNvCxnSpPr>
+            <a:endCxn id="197" idx="0"/>
+          </p:cNvCxnSpPr>
+          <p:nvPr/>
+        </p:nvCxnSpPr>
+        <p:spPr>
+          <a:xfrm>
+            <a:off x="9833610" y="3260725"/>
+            <a:ext cx="675005" cy="410210"/>
+          </a:xfrm>
+          <a:prstGeom prst="straightConnector1">
+            <a:avLst/>
+          </a:prstGeom>
+          <a:ln w="28575" cmpd="sng">
+            <a:solidFill>
+              <a:schemeClr val="accent1">
+                <a:shade val="50000"/>
+              </a:schemeClr>
+            </a:solidFill>
+            <a:prstDash val="solid"/>
+            <a:headEnd type="none" w="med" len="med"/>
+            <a:tailEnd type="arrow" w="med" len="med"/>
+          </a:ln>
+        </p:spPr>
+        <p:style>
+          <a:lnRef idx="1">
+            <a:schemeClr val="accent1"/>
+          </a:lnRef>
+          <a:fillRef idx="0">
+            <a:schemeClr val="accent1"/>
+          </a:fillRef>
+          <a:effectRef idx="0">
+            <a:schemeClr val="accent1"/>
+          </a:effectRef>
+          <a:fontRef idx="minor">
+            <a:schemeClr val="tx1"/>
+          </a:fontRef>
+        </p:style>
+      </p:cxnSp>
+      <p:cxnSp>
+        <p:nvCxnSpPr>
+          <p:cNvPr id="187" name="直接箭头连接符 186"/>
+          <p:cNvCxnSpPr>
+            <a:endCxn id="185" idx="0"/>
+          </p:cNvCxnSpPr>
+          <p:nvPr/>
+        </p:nvCxnSpPr>
+        <p:spPr>
+          <a:xfrm flipH="1">
+            <a:off x="9196070" y="3250565"/>
+            <a:ext cx="647065" cy="420370"/>
+          </a:xfrm>
+          <a:prstGeom prst="straightConnector1">
+            <a:avLst/>
+          </a:prstGeom>
+          <a:ln w="28575" cmpd="sng">
+            <a:solidFill>
+              <a:schemeClr val="accent1">
+                <a:shade val="50000"/>
+              </a:schemeClr>
+            </a:solidFill>
+            <a:prstDash val="solid"/>
+            <a:headEnd type="none" w="med" len="med"/>
+            <a:tailEnd type="arrow" w="med" len="med"/>
+          </a:ln>
+        </p:spPr>
+        <p:style>
+          <a:lnRef idx="1">
+            <a:schemeClr val="accent1"/>
+          </a:lnRef>
+          <a:fillRef idx="0">
+            <a:schemeClr val="accent1"/>
+          </a:fillRef>
+          <a:effectRef idx="0">
+            <a:schemeClr val="accent1"/>
+          </a:effectRef>
+          <a:fontRef idx="minor">
+            <a:schemeClr val="tx1"/>
+          </a:fontRef>
+        </p:style>
+      </p:cxnSp>
+      <p:sp>
+        <p:nvSpPr>
+          <p:cNvPr id="188" name="流程图: 文档 187"/>
+          <p:cNvSpPr/>
+          <p:nvPr/>
+        </p:nvSpPr>
+        <p:spPr>
+          <a:xfrm>
+            <a:off x="9464675" y="3440430"/>
+            <a:ext cx="117475" cy="115570"/>
+          </a:xfrm>
+          <a:prstGeom prst="flowChartDocument">
+            <a:avLst/>
+          </a:prstGeom>
+          <a:solidFill>
+            <a:srgbClr val="FF0000"/>
+          </a:solidFill>
+          <a:ln w="28575" cmpd="sng">
+            <a:solidFill>
+              <a:schemeClr val="accent1">
+                <a:shade val="50000"/>
+              </a:schemeClr>
+            </a:solidFill>
+            <a:prstDash val="solid"/>
+          </a:ln>
+        </p:spPr>
+        <p:style>
+          <a:lnRef idx="2">
+            <a:schemeClr val="accent1">
+              <a:shade val="50000"/>
+            </a:schemeClr>
+          </a:lnRef>
+          <a:fillRef idx="1">
+            <a:schemeClr val="accent1"/>
+          </a:fillRef>
+          <a:effectRef idx="0">
+            <a:schemeClr val="accent1"/>
+          </a:effectRef>
+          <a:fontRef idx="minor">
+            <a:schemeClr val="lt1"/>
+          </a:fontRef>
+        </p:style>
+        <p:txBody>
+          <a:bodyPr rtlCol="0" anchor="ctr"/>
+          <a:p>
+            <a:pPr algn="ctr"/>
+            <a:endParaRPr lang="zh-CN" altLang="en-US" dirty="0">
+              <a:solidFill>
+                <a:schemeClr val="tx1"/>
+              </a:solidFill>
+            </a:endParaRPr>
+          </a:p>
+        </p:txBody>
+      </p:sp>
+      <p:sp>
+        <p:nvSpPr>
+          <p:cNvPr id="189" name="流程图: 文档 188"/>
+          <p:cNvSpPr/>
+          <p:nvPr/>
+        </p:nvSpPr>
+        <p:spPr>
+          <a:xfrm>
+            <a:off x="10115550" y="3440430"/>
+            <a:ext cx="117475" cy="115570"/>
+          </a:xfrm>
+          <a:prstGeom prst="flowChartDocument">
+            <a:avLst/>
+          </a:prstGeom>
+          <a:solidFill>
+            <a:srgbClr val="FF0000"/>
+          </a:solidFill>
+          <a:ln w="28575" cmpd="sng">
+            <a:solidFill>
+              <a:schemeClr val="accent1">
+                <a:shade val="50000"/>
+              </a:schemeClr>
+            </a:solidFill>
+            <a:prstDash val="solid"/>
+          </a:ln>
+        </p:spPr>
+        <p:style>
+          <a:lnRef idx="2">
+            <a:schemeClr val="accent1">
+              <a:shade val="50000"/>
+            </a:schemeClr>
+          </a:lnRef>
+          <a:fillRef idx="1">
+            <a:schemeClr val="accent1"/>
+          </a:fillRef>
+          <a:effectRef idx="0">
+            <a:schemeClr val="accent1"/>
+          </a:effectRef>
+          <a:fontRef idx="minor">
+            <a:schemeClr val="lt1"/>
+          </a:fontRef>
+        </p:style>
+        <p:txBody>
+          <a:bodyPr rtlCol="0" anchor="ctr"/>
+          <a:p>
+            <a:pPr algn="ctr"/>
+            <a:endParaRPr lang="zh-CN" altLang="en-US" dirty="0">
+              <a:solidFill>
+                <a:schemeClr val="tx1"/>
+              </a:solidFill>
+            </a:endParaRPr>
+          </a:p>
+        </p:txBody>
+      </p:sp>
+      <p:cxnSp>
+        <p:nvCxnSpPr>
+          <p:cNvPr id="190" name="直接箭头连接符 189"/>
+          <p:cNvCxnSpPr>
+            <a:stCxn id="185" idx="2"/>
+            <a:endCxn id="200" idx="0"/>
+          </p:cNvCxnSpPr>
+          <p:nvPr/>
+        </p:nvCxnSpPr>
+        <p:spPr>
+          <a:xfrm>
+            <a:off x="9196070" y="3832225"/>
+            <a:ext cx="643890" cy="363220"/>
+          </a:xfrm>
+          <a:prstGeom prst="straightConnector1">
+            <a:avLst/>
+          </a:prstGeom>
+          <a:ln w="28575" cmpd="sng">
+            <a:solidFill>
+              <a:schemeClr val="accent1">
+                <a:shade val="50000"/>
+              </a:schemeClr>
+            </a:solidFill>
+            <a:prstDash val="solid"/>
+            <a:headEnd type="none" w="med" len="med"/>
+            <a:tailEnd type="arrow" w="med" len="med"/>
+          </a:ln>
+        </p:spPr>
+        <p:style>
+          <a:lnRef idx="1">
+            <a:schemeClr val="accent1"/>
+          </a:lnRef>
+          <a:fillRef idx="0">
+            <a:schemeClr val="accent1"/>
+          </a:fillRef>
+          <a:effectRef idx="0">
+            <a:schemeClr val="accent1"/>
+          </a:effectRef>
+          <a:fontRef idx="minor">
+            <a:schemeClr val="tx1"/>
+          </a:fontRef>
+        </p:style>
+      </p:cxnSp>
+      <p:sp>
+        <p:nvSpPr>
+          <p:cNvPr id="191" name="流程图: 文档 190"/>
+          <p:cNvSpPr/>
+          <p:nvPr/>
+        </p:nvSpPr>
+        <p:spPr>
+          <a:xfrm>
+            <a:off x="9471660" y="3963670"/>
+            <a:ext cx="117475" cy="115570"/>
+          </a:xfrm>
+          <a:prstGeom prst="flowChartDocument">
+            <a:avLst/>
+          </a:prstGeom>
+          <a:solidFill>
+            <a:srgbClr val="FF0000"/>
+          </a:solidFill>
+          <a:ln w="28575" cmpd="sng">
+            <a:solidFill>
+              <a:schemeClr val="accent1">
+                <a:shade val="50000"/>
+              </a:schemeClr>
+            </a:solidFill>
+            <a:prstDash val="solid"/>
+          </a:ln>
+        </p:spPr>
+        <p:style>
+          <a:lnRef idx="2">
+            <a:schemeClr val="accent1">
+              <a:shade val="50000"/>
+            </a:schemeClr>
+          </a:lnRef>
+          <a:fillRef idx="1">
+            <a:schemeClr val="accent1"/>
+          </a:fillRef>
+          <a:effectRef idx="0">
+            <a:schemeClr val="accent1"/>
+          </a:effectRef>
+          <a:fontRef idx="minor">
+            <a:schemeClr val="lt1"/>
+          </a:fontRef>
+        </p:style>
+        <p:txBody>
+          <a:bodyPr rtlCol="0" anchor="ctr"/>
+          <a:p>
+            <a:pPr algn="ctr"/>
+            <a:endParaRPr lang="zh-CN" altLang="en-US" dirty="0">
+              <a:solidFill>
+                <a:schemeClr val="tx1"/>
+              </a:solidFill>
+            </a:endParaRPr>
+          </a:p>
+        </p:txBody>
+      </p:sp>
+      <p:cxnSp>
+        <p:nvCxnSpPr>
+          <p:cNvPr id="192" name="直接箭头连接符 191"/>
+          <p:cNvCxnSpPr>
+            <a:stCxn id="197" idx="2"/>
+          </p:cNvCxnSpPr>
+          <p:nvPr/>
+        </p:nvCxnSpPr>
+        <p:spPr>
+          <a:xfrm flipH="1">
+            <a:off x="9839960" y="3832225"/>
+            <a:ext cx="668655" cy="349250"/>
+          </a:xfrm>
+          <a:prstGeom prst="straightConnector1">
+            <a:avLst/>
+          </a:prstGeom>
+          <a:ln w="28575" cmpd="sng">
+            <a:solidFill>
+              <a:schemeClr val="accent1">
+                <a:shade val="50000"/>
+              </a:schemeClr>
+            </a:solidFill>
+            <a:prstDash val="solid"/>
+            <a:headEnd type="none" w="med" len="med"/>
+            <a:tailEnd type="arrow" w="med" len="med"/>
+          </a:ln>
+        </p:spPr>
+        <p:style>
+          <a:lnRef idx="1">
+            <a:schemeClr val="accent1"/>
+          </a:lnRef>
+          <a:fillRef idx="0">
+            <a:schemeClr val="accent1"/>
+          </a:fillRef>
+          <a:effectRef idx="0">
+            <a:schemeClr val="accent1"/>
+          </a:effectRef>
+          <a:fontRef idx="minor">
+            <a:schemeClr val="tx1"/>
+          </a:fontRef>
+        </p:style>
+      </p:cxnSp>
+      <p:sp>
+        <p:nvSpPr>
+          <p:cNvPr id="193" name="流程图: 文档 192"/>
+          <p:cNvSpPr/>
+          <p:nvPr/>
+        </p:nvSpPr>
+        <p:spPr>
+          <a:xfrm>
+            <a:off x="10118725" y="3980815"/>
+            <a:ext cx="117475" cy="115570"/>
+          </a:xfrm>
+          <a:prstGeom prst="flowChartDocument">
+            <a:avLst/>
+          </a:prstGeom>
+          <a:solidFill>
+            <a:srgbClr val="FF0000"/>
+          </a:solidFill>
+          <a:ln w="28575" cmpd="sng">
+            <a:solidFill>
+              <a:schemeClr val="accent1">
+                <a:shade val="50000"/>
+              </a:schemeClr>
+            </a:solidFill>
+            <a:prstDash val="solid"/>
+          </a:ln>
+        </p:spPr>
+        <p:style>
+          <a:lnRef idx="2">
+            <a:schemeClr val="accent1">
+              <a:shade val="50000"/>
+            </a:schemeClr>
+          </a:lnRef>
+          <a:fillRef idx="1">
+            <a:schemeClr val="accent1"/>
+          </a:fillRef>
+          <a:effectRef idx="0">
+            <a:schemeClr val="accent1"/>
+          </a:effectRef>
+          <a:fontRef idx="minor">
+            <a:schemeClr val="lt1"/>
+          </a:fontRef>
+        </p:style>
+        <p:txBody>
+          <a:bodyPr rtlCol="0" anchor="ctr"/>
+          <a:p>
+            <a:pPr algn="ctr"/>
+            <a:endParaRPr lang="zh-CN" altLang="en-US" dirty="0">
+              <a:solidFill>
+                <a:schemeClr val="tx1"/>
+              </a:solidFill>
+            </a:endParaRPr>
+          </a:p>
+        </p:txBody>
+      </p:sp>
+      <p:sp>
+        <p:nvSpPr>
+          <p:cNvPr id="194" name="文本框 193"/>
+          <p:cNvSpPr txBox="1"/>
+          <p:nvPr/>
+        </p:nvSpPr>
+        <p:spPr>
+          <a:xfrm>
+            <a:off x="9589135" y="3568065"/>
+            <a:ext cx="595630" cy="337185"/>
+          </a:xfrm>
+          <a:prstGeom prst="rect">
+            <a:avLst/>
+          </a:prstGeom>
+          <a:noFill/>
+        </p:spPr>
+        <p:txBody>
+          <a:bodyPr wrap="square" rtlCol="0">
+            <a:spAutoFit/>
+          </a:bodyPr>
+          <a:p>
+            <a:r>
+              <a:rPr lang="en-US" altLang="zh-CN" sz="1600" b="1"/>
+              <a:t>...  ...</a:t>
+            </a:r>
+            <a:endParaRPr lang="en-US" altLang="zh-CN" sz="1600" b="1"/>
+          </a:p>
+        </p:txBody>
+      </p:sp>
+      <p:cxnSp>
+        <p:nvCxnSpPr>
+          <p:cNvPr id="195" name="直接箭头连接符 194"/>
+          <p:cNvCxnSpPr>
+            <a:stCxn id="201" idx="2"/>
+            <a:endCxn id="179" idx="1"/>
+          </p:cNvCxnSpPr>
+          <p:nvPr/>
+        </p:nvCxnSpPr>
+        <p:spPr>
+          <a:xfrm flipH="1">
+            <a:off x="9839325" y="4392295"/>
+            <a:ext cx="635" cy="288925"/>
+          </a:xfrm>
+          <a:prstGeom prst="straightConnector1">
+            <a:avLst/>
+          </a:prstGeom>
+          <a:ln w="28575" cmpd="sng">
+            <a:solidFill>
+              <a:schemeClr val="accent1">
+                <a:shade val="50000"/>
+              </a:schemeClr>
+            </a:solidFill>
+            <a:prstDash val="solid"/>
+            <a:headEnd type="none" w="med" len="med"/>
+            <a:tailEnd type="arrow" w="med" len="med"/>
+          </a:ln>
+        </p:spPr>
+        <p:style>
+          <a:lnRef idx="1">
+            <a:schemeClr val="accent1"/>
+          </a:lnRef>
+          <a:fillRef idx="0">
+            <a:schemeClr val="accent1"/>
+          </a:fillRef>
+          <a:effectRef idx="0">
+            <a:schemeClr val="accent1"/>
+          </a:effectRef>
+          <a:fontRef idx="minor">
+            <a:schemeClr val="tx1"/>
+          </a:fontRef>
+        </p:style>
+      </p:cxnSp>
+      <p:sp>
+        <p:nvSpPr>
+          <p:cNvPr id="197" name="圆角矩形 196"/>
+          <p:cNvSpPr/>
+          <p:nvPr/>
+        </p:nvSpPr>
+        <p:spPr>
+          <a:xfrm>
+            <a:off x="10203180" y="3670935"/>
+            <a:ext cx="610235" cy="161290"/>
+          </a:xfrm>
+          <a:prstGeom prst="roundRect">
+            <a:avLst/>
+          </a:prstGeom>
+          <a:solidFill>
+            <a:schemeClr val="accent1">
+              <a:lumMod val="60000"/>
+              <a:lumOff val="40000"/>
+            </a:schemeClr>
+          </a:solidFill>
+          <a:ln w="28575" cmpd="sng">
+            <a:solidFill>
+              <a:schemeClr val="accent1">
+                <a:shade val="50000"/>
+              </a:schemeClr>
+            </a:solidFill>
+            <a:prstDash val="solid"/>
+          </a:ln>
+        </p:spPr>
+        <p:style>
+          <a:lnRef idx="2">
+            <a:schemeClr val="accent1">
+              <a:shade val="50000"/>
+            </a:schemeClr>
+          </a:lnRef>
+          <a:fillRef idx="1">
+            <a:schemeClr val="accent1"/>
+          </a:fillRef>
+          <a:effectRef idx="0">
+            <a:schemeClr val="accent1"/>
+          </a:effectRef>
+          <a:fontRef idx="minor">
+            <a:schemeClr val="lt1"/>
+          </a:fontRef>
+        </p:style>
+        <p:txBody>
+          <a:bodyPr rtlCol="0" anchor="ctr"/>
+          <a:p>
+            <a:pPr algn="ctr"/>
+            <a:endParaRPr lang="zh-CN" altLang="en-US" dirty="0">
+              <a:solidFill>
+                <a:schemeClr val="tx1"/>
+              </a:solidFill>
+            </a:endParaRPr>
+          </a:p>
+        </p:txBody>
+      </p:sp>
+      <p:sp>
+        <p:nvSpPr>
+          <p:cNvPr id="199" name="文本框 198"/>
+          <p:cNvSpPr txBox="1"/>
+          <p:nvPr/>
+        </p:nvSpPr>
+        <p:spPr>
+          <a:xfrm>
+            <a:off x="8431530" y="3249930"/>
+            <a:ext cx="1023620" cy="275590"/>
+          </a:xfrm>
+          <a:prstGeom prst="rect">
+            <a:avLst/>
+          </a:prstGeom>
+          <a:noFill/>
+        </p:spPr>
+        <p:txBody>
+          <a:bodyPr wrap="square" rtlCol="0">
+            <a:spAutoFit/>
+          </a:bodyPr>
+          <a:p>
+            <a:r>
+              <a:rPr lang="zh-CN" altLang="en-US" sz="1200" b="1"/>
+              <a:t>Train</a:t>
+            </a:r>
+            <a:r>
+              <a:rPr lang="en-US" altLang="zh-CN" sz="1200" b="1"/>
+              <a:t> </a:t>
+            </a:r>
+            <a:r>
+              <a:rPr lang="zh-CN" altLang="en-US" sz="1200" b="1"/>
+              <a:t>Mode</a:t>
+            </a:r>
+            <a:r>
+              <a:rPr lang="en-US" altLang="zh-CN" sz="1200" b="1"/>
+              <a:t>l</a:t>
+            </a:r>
+            <a:endParaRPr lang="en-US" altLang="zh-CN" sz="1200" b="1"/>
+          </a:p>
+        </p:txBody>
+      </p:sp>
+      <p:sp>
+        <p:nvSpPr>
+          <p:cNvPr id="200" name="圆角矩形 199"/>
+          <p:cNvSpPr/>
+          <p:nvPr/>
+        </p:nvSpPr>
+        <p:spPr>
+          <a:xfrm>
+            <a:off x="8945880" y="4195445"/>
+            <a:ext cx="1787525" cy="231775"/>
+          </a:xfrm>
+          <a:prstGeom prst="roundRect">
+            <a:avLst/>
+          </a:prstGeom>
+          <a:noFill/>
+          <a:ln w="28575" cmpd="sng">
+            <a:solidFill>
+              <a:schemeClr val="accent1">
+                <a:shade val="50000"/>
+              </a:schemeClr>
+            </a:solidFill>
+            <a:prstDash val="sysDash"/>
+          </a:ln>
+        </p:spPr>
+        <p:style>
+          <a:lnRef idx="2">
+            <a:schemeClr val="accent1">
+              <a:shade val="50000"/>
+            </a:schemeClr>
+          </a:lnRef>
+          <a:fillRef idx="1">
+            <a:schemeClr val="accent1"/>
+          </a:fillRef>
+          <a:effectRef idx="0">
+            <a:schemeClr val="accent1"/>
+          </a:effectRef>
+          <a:fontRef idx="minor">
+            <a:schemeClr val="lt1"/>
+          </a:fontRef>
+        </p:style>
+        <p:txBody>
+          <a:bodyPr rtlCol="0" anchor="ctr"/>
+          <a:p>
+            <a:pPr algn="ctr"/>
+            <a:endParaRPr lang="zh-CN" altLang="en-US" dirty="0">
+              <a:solidFill>
+                <a:schemeClr val="tx1"/>
+              </a:solidFill>
+            </a:endParaRPr>
+          </a:p>
+        </p:txBody>
+      </p:sp>
+      <p:sp>
+        <p:nvSpPr>
+          <p:cNvPr id="201" name="圆角矩形 200"/>
+          <p:cNvSpPr/>
+          <p:nvPr/>
+        </p:nvSpPr>
+        <p:spPr>
+          <a:xfrm>
+            <a:off x="8993505" y="4231005"/>
+            <a:ext cx="1692275" cy="161290"/>
+          </a:xfrm>
+          <a:prstGeom prst="roundRect">
+            <a:avLst/>
+          </a:prstGeom>
+          <a:solidFill>
+            <a:schemeClr val="accent1">
+              <a:lumMod val="60000"/>
+              <a:lumOff val="40000"/>
+            </a:schemeClr>
+          </a:solidFill>
+          <a:ln w="28575" cmpd="sng">
+            <a:solidFill>
+              <a:schemeClr val="accent1">
+                <a:shade val="50000"/>
+              </a:schemeClr>
+            </a:solidFill>
+            <a:prstDash val="solid"/>
+          </a:ln>
+        </p:spPr>
+        <p:style>
+          <a:lnRef idx="2">
+            <a:schemeClr val="accent1">
+              <a:shade val="50000"/>
+            </a:schemeClr>
+          </a:lnRef>
+          <a:fillRef idx="1">
+            <a:schemeClr val="accent1"/>
+          </a:fillRef>
+          <a:effectRef idx="0">
+            <a:schemeClr val="accent1"/>
+          </a:effectRef>
+          <a:fontRef idx="minor">
+            <a:schemeClr val="lt1"/>
+          </a:fontRef>
+        </p:style>
+        <p:txBody>
+          <a:bodyPr rtlCol="0" anchor="ctr"/>
+          <a:p>
+            <a:pPr algn="ctr"/>
+            <a:endParaRPr lang="zh-CN" altLang="en-US" dirty="0">
+              <a:solidFill>
+                <a:schemeClr val="tx1"/>
+              </a:solidFill>
+            </a:endParaRPr>
+          </a:p>
+        </p:txBody>
+      </p:sp>
+      <p:cxnSp>
+        <p:nvCxnSpPr>
+          <p:cNvPr id="203" name="直接箭头连接符 202"/>
+          <p:cNvCxnSpPr/>
+          <p:nvPr/>
+        </p:nvCxnSpPr>
+        <p:spPr>
+          <a:xfrm>
+            <a:off x="9847580" y="3324860"/>
+            <a:ext cx="3810" cy="313055"/>
+          </a:xfrm>
+          <a:prstGeom prst="straightConnector1">
+            <a:avLst/>
+          </a:prstGeom>
+          <a:ln w="28575" cmpd="sng">
+            <a:solidFill>
+              <a:schemeClr val="accent1">
+                <a:shade val="50000"/>
+              </a:schemeClr>
+            </a:solidFill>
+            <a:prstDash val="sysDash"/>
+            <a:headEnd type="none" w="med" len="med"/>
+            <a:tailEnd type="arrow" w="med" len="med"/>
+          </a:ln>
+        </p:spPr>
+        <p:style>
+          <a:lnRef idx="1">
+            <a:schemeClr val="accent1"/>
+          </a:lnRef>
+          <a:fillRef idx="0">
+            <a:schemeClr val="accent1"/>
+          </a:fillRef>
+          <a:effectRef idx="0">
+            <a:schemeClr val="accent1"/>
+          </a:effectRef>
+          <a:fontRef idx="minor">
+            <a:schemeClr val="tx1"/>
+          </a:fontRef>
+        </p:style>
+      </p:cxnSp>
+      <p:cxnSp>
+        <p:nvCxnSpPr>
+          <p:cNvPr id="204" name="直接箭头连接符 203"/>
+          <p:cNvCxnSpPr/>
+          <p:nvPr/>
+        </p:nvCxnSpPr>
+        <p:spPr>
+          <a:xfrm>
+            <a:off x="9842500" y="3844925"/>
+            <a:ext cx="5080" cy="351790"/>
+          </a:xfrm>
+          <a:prstGeom prst="straightConnector1">
+            <a:avLst/>
+          </a:prstGeom>
+          <a:ln w="28575" cmpd="sng">
+            <a:solidFill>
+              <a:schemeClr val="accent1">
+                <a:shade val="50000"/>
+              </a:schemeClr>
+            </a:solidFill>
+            <a:prstDash val="sysDash"/>
+            <a:headEnd type="none" w="med" len="med"/>
+            <a:tailEnd type="arrow" w="med" len="med"/>
+          </a:ln>
+        </p:spPr>
+        <p:style>
+          <a:lnRef idx="1">
+            <a:schemeClr val="accent1"/>
+          </a:lnRef>
+          <a:fillRef idx="0">
+            <a:schemeClr val="accent1"/>
+          </a:fillRef>
+          <a:effectRef idx="0">
+            <a:schemeClr val="accent1"/>
+          </a:effectRef>
+          <a:fontRef idx="minor">
+            <a:schemeClr val="tx1"/>
+          </a:fontRef>
+        </p:style>
+      </p:cxnSp>
+      <p:sp>
+        <p:nvSpPr>
+          <p:cNvPr id="206" name="流程图: 文档 205"/>
+          <p:cNvSpPr/>
+          <p:nvPr/>
+        </p:nvSpPr>
+        <p:spPr>
+          <a:xfrm>
+            <a:off x="9789795" y="3406140"/>
+            <a:ext cx="117475" cy="115570"/>
+          </a:xfrm>
+          <a:prstGeom prst="flowChartDocument">
+            <a:avLst/>
+          </a:prstGeom>
+          <a:solidFill>
+            <a:srgbClr val="FF0000"/>
+          </a:solidFill>
+          <a:ln w="28575" cmpd="sng">
+            <a:solidFill>
+              <a:schemeClr val="accent1">
+                <a:shade val="50000"/>
+              </a:schemeClr>
+            </a:solidFill>
+            <a:prstDash val="solid"/>
+          </a:ln>
+        </p:spPr>
+        <p:style>
+          <a:lnRef idx="2">
+            <a:schemeClr val="accent1">
+              <a:shade val="50000"/>
+            </a:schemeClr>
+          </a:lnRef>
+          <a:fillRef idx="1">
+            <a:schemeClr val="accent1"/>
+          </a:fillRef>
+          <a:effectRef idx="0">
+            <a:schemeClr val="accent1"/>
+          </a:effectRef>
+          <a:fontRef idx="minor">
+            <a:schemeClr val="lt1"/>
+          </a:fontRef>
+        </p:style>
+        <p:txBody>
+          <a:bodyPr rtlCol="0" anchor="ctr"/>
+          <a:p>
+            <a:pPr algn="ctr"/>
+            <a:endParaRPr lang="zh-CN" altLang="en-US" dirty="0">
+              <a:solidFill>
+                <a:schemeClr val="tx1"/>
+              </a:solidFill>
+            </a:endParaRPr>
+          </a:p>
+        </p:txBody>
+      </p:sp>
+      <p:sp>
+        <p:nvSpPr>
+          <p:cNvPr id="207" name="流程图: 文档 206"/>
+          <p:cNvSpPr/>
+          <p:nvPr/>
+        </p:nvSpPr>
+        <p:spPr>
+          <a:xfrm>
+            <a:off x="9817735" y="3440430"/>
+            <a:ext cx="117475" cy="115570"/>
+          </a:xfrm>
+          <a:prstGeom prst="flowChartDocument">
+            <a:avLst/>
+          </a:prstGeom>
+          <a:solidFill>
+            <a:srgbClr val="FF0000"/>
+          </a:solidFill>
+          <a:ln w="28575" cmpd="sng">
+            <a:solidFill>
+              <a:schemeClr val="accent1">
+                <a:shade val="50000"/>
+              </a:schemeClr>
+            </a:solidFill>
+            <a:prstDash val="solid"/>
+          </a:ln>
+        </p:spPr>
+        <p:style>
+          <a:lnRef idx="2">
+            <a:schemeClr val="accent1">
+              <a:shade val="50000"/>
+            </a:schemeClr>
+          </a:lnRef>
+          <a:fillRef idx="1">
+            <a:schemeClr val="accent1"/>
+          </a:fillRef>
+          <a:effectRef idx="0">
+            <a:schemeClr val="accent1"/>
+          </a:effectRef>
+          <a:fontRef idx="minor">
+            <a:schemeClr val="lt1"/>
+          </a:fontRef>
+        </p:style>
+        <p:txBody>
+          <a:bodyPr rtlCol="0" anchor="ctr"/>
+          <a:p>
+            <a:pPr algn="ctr"/>
+            <a:endParaRPr lang="zh-CN" altLang="en-US" dirty="0">
+              <a:solidFill>
+                <a:schemeClr val="tx1"/>
+              </a:solidFill>
+            </a:endParaRPr>
+          </a:p>
+        </p:txBody>
+      </p:sp>
+      <p:sp>
+        <p:nvSpPr>
+          <p:cNvPr id="208" name="流程图: 文档 207"/>
+          <p:cNvSpPr/>
+          <p:nvPr/>
+        </p:nvSpPr>
+        <p:spPr>
+          <a:xfrm>
+            <a:off x="9847580" y="3460115"/>
+            <a:ext cx="117475" cy="115570"/>
+          </a:xfrm>
+          <a:prstGeom prst="flowChartDocument">
+            <a:avLst/>
+          </a:prstGeom>
+          <a:solidFill>
+            <a:srgbClr val="FF0000"/>
+          </a:solidFill>
+          <a:ln w="28575" cmpd="sng">
+            <a:solidFill>
+              <a:schemeClr val="accent1">
+                <a:shade val="50000"/>
+              </a:schemeClr>
+            </a:solidFill>
+            <a:prstDash val="solid"/>
+          </a:ln>
+        </p:spPr>
+        <p:style>
+          <a:lnRef idx="2">
+            <a:schemeClr val="accent1">
+              <a:shade val="50000"/>
+            </a:schemeClr>
+          </a:lnRef>
+          <a:fillRef idx="1">
+            <a:schemeClr val="accent1"/>
+          </a:fillRef>
+          <a:effectRef idx="0">
+            <a:schemeClr val="accent1"/>
+          </a:effectRef>
+          <a:fontRef idx="minor">
+            <a:schemeClr val="lt1"/>
+          </a:fontRef>
+        </p:style>
+        <p:txBody>
+          <a:bodyPr rtlCol="0" anchor="ctr"/>
+          <a:p>
+            <a:pPr algn="ctr"/>
+            <a:endParaRPr lang="zh-CN" altLang="en-US" dirty="0">
+              <a:solidFill>
+                <a:schemeClr val="tx1"/>
+              </a:solidFill>
+            </a:endParaRPr>
+          </a:p>
+        </p:txBody>
+      </p:sp>
+      <p:sp>
+        <p:nvSpPr>
+          <p:cNvPr id="209" name="流程图: 文档 208"/>
+          <p:cNvSpPr/>
+          <p:nvPr/>
+        </p:nvSpPr>
+        <p:spPr>
+          <a:xfrm>
+            <a:off x="9789160" y="3964305"/>
+            <a:ext cx="117475" cy="115570"/>
+          </a:xfrm>
+          <a:prstGeom prst="flowChartDocument">
+            <a:avLst/>
+          </a:prstGeom>
+          <a:solidFill>
+            <a:srgbClr val="FF0000"/>
+          </a:solidFill>
+          <a:ln w="28575" cmpd="sng">
+            <a:solidFill>
+              <a:schemeClr val="accent1">
+                <a:shade val="50000"/>
+              </a:schemeClr>
+            </a:solidFill>
+            <a:prstDash val="solid"/>
+          </a:ln>
+        </p:spPr>
+        <p:style>
+          <a:lnRef idx="2">
+            <a:schemeClr val="accent1">
+              <a:shade val="50000"/>
+            </a:schemeClr>
+          </a:lnRef>
+          <a:fillRef idx="1">
+            <a:schemeClr val="accent1"/>
+          </a:fillRef>
+          <a:effectRef idx="0">
+            <a:schemeClr val="accent1"/>
+          </a:effectRef>
+          <a:fontRef idx="minor">
+            <a:schemeClr val="lt1"/>
+          </a:fontRef>
+        </p:style>
+        <p:txBody>
+          <a:bodyPr rtlCol="0" anchor="ctr"/>
+          <a:p>
+            <a:pPr algn="ctr"/>
+            <a:endParaRPr lang="zh-CN" altLang="en-US" dirty="0">
+              <a:solidFill>
+                <a:schemeClr val="tx1"/>
+              </a:solidFill>
+            </a:endParaRPr>
+          </a:p>
+        </p:txBody>
+      </p:sp>
+      <p:sp>
+        <p:nvSpPr>
+          <p:cNvPr id="210" name="流程图: 文档 209"/>
+          <p:cNvSpPr/>
+          <p:nvPr/>
+        </p:nvSpPr>
+        <p:spPr>
+          <a:xfrm>
+            <a:off x="9816465" y="3998595"/>
+            <a:ext cx="117475" cy="115570"/>
+          </a:xfrm>
+          <a:prstGeom prst="flowChartDocument">
+            <a:avLst/>
+          </a:prstGeom>
+          <a:solidFill>
+            <a:srgbClr val="FF0000"/>
+          </a:solidFill>
+          <a:ln w="28575" cmpd="sng">
+            <a:solidFill>
+              <a:schemeClr val="accent1">
+                <a:shade val="50000"/>
+              </a:schemeClr>
+            </a:solidFill>
+            <a:prstDash val="solid"/>
+          </a:ln>
+        </p:spPr>
+        <p:style>
+          <a:lnRef idx="2">
+            <a:schemeClr val="accent1">
+              <a:shade val="50000"/>
+            </a:schemeClr>
+          </a:lnRef>
+          <a:fillRef idx="1">
+            <a:schemeClr val="accent1"/>
+          </a:fillRef>
+          <a:effectRef idx="0">
+            <a:schemeClr val="accent1"/>
+          </a:effectRef>
+          <a:fontRef idx="minor">
+            <a:schemeClr val="lt1"/>
+          </a:fontRef>
+        </p:style>
+        <p:txBody>
+          <a:bodyPr rtlCol="0" anchor="ctr"/>
+          <a:p>
+            <a:pPr algn="ctr"/>
+            <a:endParaRPr lang="zh-CN" altLang="en-US" dirty="0">
+              <a:solidFill>
+                <a:schemeClr val="tx1"/>
+              </a:solidFill>
+            </a:endParaRPr>
+          </a:p>
+        </p:txBody>
+      </p:sp>
+      <p:sp>
+        <p:nvSpPr>
+          <p:cNvPr id="211" name="流程图: 文档 210"/>
+          <p:cNvSpPr/>
+          <p:nvPr/>
+        </p:nvSpPr>
+        <p:spPr>
+          <a:xfrm>
+            <a:off x="9846310" y="4018280"/>
+            <a:ext cx="117475" cy="115570"/>
+          </a:xfrm>
+          <a:prstGeom prst="flowChartDocument">
+            <a:avLst/>
+          </a:prstGeom>
+          <a:solidFill>
+            <a:srgbClr val="FF0000"/>
+          </a:solidFill>
+          <a:ln w="28575" cmpd="sng">
+            <a:solidFill>
+              <a:schemeClr val="accent1">
+                <a:shade val="50000"/>
+              </a:schemeClr>
+            </a:solidFill>
+            <a:prstDash val="solid"/>
+          </a:ln>
+        </p:spPr>
+        <p:style>
+          <a:lnRef idx="2">
+            <a:schemeClr val="accent1">
+              <a:shade val="50000"/>
+            </a:schemeClr>
+          </a:lnRef>
+          <a:fillRef idx="1">
+            <a:schemeClr val="accent1"/>
+          </a:fillRef>
+          <a:effectRef idx="0">
+            <a:schemeClr val="accent1"/>
+          </a:effectRef>
+          <a:fontRef idx="minor">
+            <a:schemeClr val="lt1"/>
+          </a:fontRef>
+        </p:style>
+        <p:txBody>
+          <a:bodyPr rtlCol="0" anchor="ctr"/>
+          <a:p>
+            <a:pPr algn="ctr"/>
+            <a:endParaRPr lang="zh-CN" altLang="en-US" dirty="0">
+              <a:solidFill>
+                <a:schemeClr val="tx1"/>
+              </a:solidFill>
+            </a:endParaRPr>
+          </a:p>
+        </p:txBody>
+      </p:sp>
+      <p:sp>
+        <p:nvSpPr>
+          <p:cNvPr id="213" name="文本框 212"/>
+          <p:cNvSpPr txBox="1"/>
+          <p:nvPr/>
+        </p:nvSpPr>
+        <p:spPr>
+          <a:xfrm>
+            <a:off x="9066530" y="4126865"/>
+            <a:ext cx="1442085" cy="368300"/>
+          </a:xfrm>
+          <a:prstGeom prst="rect">
+            <a:avLst/>
+          </a:prstGeom>
+          <a:noFill/>
+        </p:spPr>
+        <p:txBody>
+          <a:bodyPr wrap="square" rtlCol="0">
+            <a:spAutoFit/>
+          </a:bodyPr>
+          <a:p>
+            <a:r>
+              <a:rPr lang="en-US" altLang="zh-CN" sz="1200" b="1">
+                <a:sym typeface="+mn-ea"/>
+              </a:rPr>
+              <a:t>Combine and Test</a:t>
+            </a:r>
+            <a:r>
+              <a:rPr lang="en-US" altLang="zh-CN" b="1"/>
+              <a:t> </a:t>
+            </a:r>
+            <a:endParaRPr lang="en-US" altLang="zh-CN" b="1"/>
+          </a:p>
+        </p:txBody>
+      </p:sp>
+      <p:sp>
+        <p:nvSpPr>
+          <p:cNvPr id="214" name="文本框 213"/>
+          <p:cNvSpPr txBox="1"/>
+          <p:nvPr/>
+        </p:nvSpPr>
+        <p:spPr>
+          <a:xfrm>
+            <a:off x="9117965" y="2719705"/>
+            <a:ext cx="1513205" cy="275590"/>
+          </a:xfrm>
+          <a:prstGeom prst="rect">
+            <a:avLst/>
+          </a:prstGeom>
+          <a:noFill/>
+        </p:spPr>
+        <p:txBody>
+          <a:bodyPr wrap="square" rtlCol="0">
+            <a:spAutoFit/>
+          </a:bodyPr>
+          <a:p>
+            <a:r>
+              <a:rPr lang="en-US" altLang="zh-CN" sz="1200" b="1"/>
+              <a:t>Long term storage</a:t>
+            </a:r>
+            <a:endParaRPr lang="en-US" altLang="zh-CN" sz="1200" b="1"/>
+          </a:p>
+        </p:txBody>
+      </p:sp>
+      <p:sp>
+        <p:nvSpPr>
+          <p:cNvPr id="215" name="文本框 214"/>
+          <p:cNvSpPr txBox="1"/>
+          <p:nvPr/>
+        </p:nvSpPr>
+        <p:spPr>
+          <a:xfrm>
+            <a:off x="9093835" y="4700270"/>
+            <a:ext cx="1513205" cy="275590"/>
+          </a:xfrm>
+          <a:prstGeom prst="rect">
+            <a:avLst/>
+          </a:prstGeom>
+          <a:noFill/>
+        </p:spPr>
+        <p:txBody>
+          <a:bodyPr wrap="square" rtlCol="0">
+            <a:spAutoFit/>
+          </a:bodyPr>
+          <a:p>
+            <a:r>
+              <a:rPr lang="en-US" altLang="zh-CN" sz="1200" b="1"/>
+              <a:t>Long term storage</a:t>
+            </a:r>
+            <a:endParaRPr lang="en-US" altLang="zh-CN" sz="1200" b="1"/>
+          </a:p>
+        </p:txBody>
+      </p:sp>
+      <p:sp>
+        <p:nvSpPr>
+          <p:cNvPr id="216" name="文本框 215"/>
+          <p:cNvSpPr txBox="1"/>
+          <p:nvPr/>
+        </p:nvSpPr>
+        <p:spPr>
+          <a:xfrm>
+            <a:off x="8676005" y="5669280"/>
+            <a:ext cx="2460625" cy="337185"/>
+          </a:xfrm>
+          <a:prstGeom prst="rect">
+            <a:avLst/>
+          </a:prstGeom>
+          <a:noFill/>
+        </p:spPr>
+        <p:txBody>
+          <a:bodyPr wrap="square" rtlCol="0">
+            <a:spAutoFit/>
+          </a:bodyPr>
+          <a:p>
+            <a:r>
+              <a:rPr lang="en-US" altLang="zh-CN" sz="1600" b="1">
+                <a:uFillTx/>
+                <a:latin typeface="微软雅黑" panose="020B0503020204020204" charset="-122"/>
+                <a:ea typeface="微软雅黑" panose="020B0503020204020204" charset="-122"/>
+                <a:sym typeface="+mn-ea"/>
+              </a:rPr>
+              <a:t>LightGBM</a:t>
+            </a:r>
+            <a:r>
+              <a:rPr lang="zh-CN" altLang="en-US" sz="1600" b="1">
+                <a:latin typeface="微软雅黑" panose="020B0503020204020204" charset="-122"/>
+                <a:ea typeface="微软雅黑" panose="020B0503020204020204" charset="-122"/>
+              </a:rPr>
+              <a:t> application</a:t>
+            </a:r>
+            <a:endParaRPr lang="zh-CN" altLang="en-US" sz="1600" b="1">
+              <a:latin typeface="微软雅黑" panose="020B0503020204020204" charset="-122"/>
+              <a:ea typeface="微软雅黑" panose="020B0503020204020204" charset="-122"/>
+            </a:endParaRPr>
+          </a:p>
+        </p:txBody>
+      </p:sp>
     </p:spTree>
   </p:cSld>
   <p:clrMapOvr>

--- a/meeting/作图.pptx
+++ b/meeting/作图.pptx
@@ -27,6 +27,8 @@
     <p:sldId id="596" r:id="rId20"/>
     <p:sldId id="595" r:id="rId21"/>
     <p:sldId id="598" r:id="rId22"/>
+    <p:sldId id="599" r:id="rId23"/>
+    <p:sldId id="600" r:id="rId24"/>
   </p:sldIdLst>
   <p:sldSz cx="12192000" cy="6858000"/>
   <p:notesSz cx="6858000" cy="9144000"/>
@@ -1315,6 +1317,50 @@
 </p:notes>
 </file>
 
+<file path=ppt/notesSlides/notesSlide19.xml><?xml version="1.0" encoding="utf-8"?>
+<p:notes xmlns:a="http://schemas.openxmlformats.org/drawingml/2006/main" xmlns:r="http://schemas.openxmlformats.org/officeDocument/2006/relationships" xmlns:p="http://schemas.openxmlformats.org/presentationml/2006/main">
+  <p:cSld>
+    <p:spTree>
+      <p:nvGrpSpPr>
+        <p:cNvPr id="1" name=""/>
+        <p:cNvGrpSpPr/>
+        <p:nvPr/>
+      </p:nvGrpSpPr>
+      <p:grpSpPr/>
+      <p:sp>
+        <p:nvSpPr>
+          <p:cNvPr id="2" name="幻灯片图像占位符 1"/>
+          <p:cNvSpPr/>
+          <p:nvPr>
+            <p:ph type="sldImg" idx="2"/>
+          </p:nvPr>
+        </p:nvSpPr>
+        <p:spPr/>
+      </p:sp>
+      <p:sp>
+        <p:nvSpPr>
+          <p:cNvPr id="3" name="文本占位符 2"/>
+          <p:cNvSpPr/>
+          <p:nvPr>
+            <p:ph type="body" idx="3"/>
+          </p:nvPr>
+        </p:nvSpPr>
+        <p:spPr/>
+        <p:txBody>
+          <a:bodyPr/>
+          <a:p>
+            <a:endParaRPr lang="zh-CN" altLang="en-US"/>
+          </a:p>
+        </p:txBody>
+      </p:sp>
+    </p:spTree>
+  </p:cSld>
+  <p:clrMapOvr>
+    <a:masterClrMapping/>
+  </p:clrMapOvr>
+</p:notes>
+</file>
+
 <file path=ppt/notesSlides/notesSlide2.xml><?xml version="1.0" encoding="utf-8"?>
 <p:notes xmlns:a="http://schemas.openxmlformats.org/drawingml/2006/main" xmlns:r="http://schemas.openxmlformats.org/officeDocument/2006/relationships" xmlns:p="http://schemas.openxmlformats.org/presentationml/2006/main">
   <p:cSld>
@@ -1347,6 +1393,187 @@
         <p:txBody>
           <a:bodyPr/>
           <a:p>
+            <a:endParaRPr lang="zh-CN" altLang="en-US"/>
+          </a:p>
+        </p:txBody>
+      </p:sp>
+    </p:spTree>
+  </p:cSld>
+  <p:clrMapOvr>
+    <a:masterClrMapping/>
+  </p:clrMapOvr>
+</p:notes>
+</file>
+
+<file path=ppt/notesSlides/notesSlide20.xml><?xml version="1.0" encoding="utf-8"?>
+<p:notes xmlns:a="http://schemas.openxmlformats.org/drawingml/2006/main" xmlns:r="http://schemas.openxmlformats.org/officeDocument/2006/relationships" xmlns:p="http://schemas.openxmlformats.org/presentationml/2006/main">
+  <p:cSld>
+    <p:spTree>
+      <p:nvGrpSpPr>
+        <p:cNvPr id="1" name=""/>
+        <p:cNvGrpSpPr/>
+        <p:nvPr/>
+      </p:nvGrpSpPr>
+      <p:grpSpPr/>
+      <p:sp>
+        <p:nvSpPr>
+          <p:cNvPr id="2" name="幻灯片图像占位符 1"/>
+          <p:cNvSpPr/>
+          <p:nvPr>
+            <p:ph type="sldImg" idx="2"/>
+          </p:nvPr>
+        </p:nvSpPr>
+        <p:spPr/>
+      </p:sp>
+      <p:sp>
+        <p:nvSpPr>
+          <p:cNvPr id="3" name="文本占位符 2"/>
+          <p:cNvSpPr/>
+          <p:nvPr>
+            <p:ph type="body" idx="3"/>
+          </p:nvPr>
+        </p:nvSpPr>
+        <p:spPr/>
+        <p:txBody>
+          <a:bodyPr/>
+          <a:p>
+            <a:r>
+              <a:rPr lang="en-US" altLang="zh-CN"/>
+              <a:t>* </a:t>
+            </a:r>
+            <a:r>
+              <a:rPr lang="zh-CN" altLang="en-US"/>
+              <a:t>首先</a:t>
+            </a:r>
+            <a:r>
+              <a:rPr lang="en-US" altLang="zh-CN"/>
+              <a:t>pywren</a:t>
+            </a:r>
+            <a:r>
+              <a:rPr lang="zh-CN" altLang="en-US"/>
+              <a:t>分为客户端和云端两部分：客户端运行在本地，云端需要云服务商的</a:t>
+            </a:r>
+            <a:r>
+              <a:rPr lang="en-US" altLang="zh-CN"/>
+              <a:t>serverless</a:t>
+            </a:r>
+            <a:r>
+              <a:rPr lang="zh-CN" altLang="en-US"/>
+              <a:t>服务</a:t>
+            </a:r>
+            <a:r>
+              <a:rPr lang="zh-CN" altLang="en-US"/>
+              <a:t>支持</a:t>
+            </a:r>
+            <a:endParaRPr lang="zh-CN" altLang="en-US"/>
+          </a:p>
+          <a:p>
+            <a:r>
+              <a:rPr lang="en-US" altLang="zh-CN"/>
+              <a:t>* </a:t>
+            </a:r>
+            <a:r>
+              <a:rPr lang="zh-CN" altLang="en-US"/>
+              <a:t>然后以</a:t>
+            </a:r>
+            <a:r>
+              <a:rPr lang="en-US" altLang="zh-CN"/>
+              <a:t>map</a:t>
+            </a:r>
+            <a:r>
+              <a:rPr lang="zh-CN" altLang="en-US"/>
+              <a:t>为例展示</a:t>
+            </a:r>
+            <a:r>
+              <a:rPr lang="en-US" altLang="zh-CN"/>
+              <a:t>pywren</a:t>
+            </a:r>
+            <a:r>
+              <a:rPr lang="zh-CN" altLang="en-US"/>
+              <a:t>的</a:t>
+            </a:r>
+            <a:r>
+              <a:rPr lang="en-US" altLang="zh-CN"/>
+              <a:t>workflow</a:t>
+            </a:r>
+            <a:endParaRPr lang="en-US" altLang="zh-CN"/>
+          </a:p>
+          <a:p>
+            <a:r>
+              <a:rPr lang="en-US" altLang="zh-CN"/>
+              <a:t>** </a:t>
+            </a:r>
+            <a:r>
+              <a:rPr lang="zh-CN" altLang="en-US"/>
+              <a:t>我们先看一下代码，用户只需要提供输入数据和函数，再调用</a:t>
+            </a:r>
+            <a:r>
+              <a:rPr lang="en-US" altLang="zh-CN"/>
+              <a:t>pywren</a:t>
+            </a:r>
+            <a:r>
+              <a:rPr lang="zh-CN" altLang="en-US"/>
+              <a:t>提供的</a:t>
+            </a:r>
+            <a:r>
+              <a:rPr lang="en-US" altLang="zh-CN"/>
+              <a:t>map api</a:t>
+            </a:r>
+            <a:r>
+              <a:rPr lang="zh-CN" altLang="en-US"/>
+              <a:t>，就可以自动将输入数据划分并且并发执行函数，这也是这篇</a:t>
+            </a:r>
+            <a:r>
+              <a:rPr lang="en-US" altLang="zh-CN"/>
+              <a:t>paper</a:t>
+            </a:r>
+            <a:r>
+              <a:rPr lang="zh-CN" altLang="en-US"/>
+              <a:t>的动机，简化用户在</a:t>
+            </a:r>
+            <a:r>
+              <a:rPr lang="en-US" altLang="zh-CN"/>
+              <a:t>serverless</a:t>
+            </a:r>
+            <a:r>
+              <a:rPr lang="zh-CN" altLang="en-US"/>
+              <a:t>平台上部署分布式计算应用的</a:t>
+            </a:r>
+            <a:r>
+              <a:rPr lang="zh-CN" altLang="en-US"/>
+              <a:t>开销</a:t>
+            </a:r>
+            <a:endParaRPr lang="zh-CN" altLang="en-US"/>
+          </a:p>
+          <a:p>
+            <a:r>
+              <a:rPr lang="en-US" altLang="zh-CN"/>
+              <a:t>** </a:t>
+            </a:r>
+            <a:r>
+              <a:rPr lang="zh-CN" altLang="en-US"/>
+              <a:t>那接着看</a:t>
+            </a:r>
+            <a:r>
+              <a:rPr lang="en-US" altLang="zh-CN"/>
+              <a:t>pywren</a:t>
+            </a:r>
+            <a:r>
+              <a:rPr lang="zh-CN" altLang="en-US"/>
+              <a:t>的</a:t>
+            </a:r>
+            <a:r>
+              <a:rPr lang="en-US" altLang="zh-CN"/>
+              <a:t>workflow</a:t>
+            </a:r>
+            <a:r>
+              <a:rPr lang="zh-CN" altLang="en-US"/>
+              <a:t>：首先客户端获取用户的代码，然后将代码和数据序列化保存到后端的</a:t>
+            </a:r>
+            <a:r>
+              <a:rPr lang="zh-CN" altLang="en-US"/>
+              <a:t>对象存储中</a:t>
+            </a:r>
             <a:endParaRPr lang="zh-CN" altLang="en-US"/>
           </a:p>
         </p:txBody>
@@ -40275,6 +40502,2250 @@
 </p:sld>
 </file>
 
+<file path=ppt/slides/slide20.xml><?xml version="1.0" encoding="utf-8"?>
+<p:sld xmlns:a="http://schemas.openxmlformats.org/drawingml/2006/main" xmlns:r="http://schemas.openxmlformats.org/officeDocument/2006/relationships" xmlns:p="http://schemas.openxmlformats.org/presentationml/2006/main">
+  <p:cSld>
+    <p:spTree>
+      <p:nvGrpSpPr>
+        <p:cNvPr id="1" name=""/>
+        <p:cNvGrpSpPr/>
+        <p:nvPr/>
+      </p:nvGrpSpPr>
+      <p:grpSpPr/>
+      <p:sp>
+        <p:nvSpPr>
+          <p:cNvPr id="2" name="标题 1"/>
+          <p:cNvSpPr>
+            <a:spLocks noGrp="1"/>
+          </p:cNvSpPr>
+          <p:nvPr>
+            <p:ph type="title"/>
+          </p:nvPr>
+        </p:nvSpPr>
+        <p:spPr/>
+        <p:txBody>
+          <a:bodyPr>
+            <a:normAutofit/>
+          </a:bodyPr>
+          <a:p>
+            <a:r>
+              <a:rPr lang="en-US" altLang="zh-CN">
+                <a:sym typeface="+mn-ea"/>
+              </a:rPr>
+              <a:t>Pywren</a:t>
+            </a:r>
+            <a:r>
+              <a:rPr lang="en-US" altLang="zh-CN">
+                <a:sym typeface="+mn-ea"/>
+              </a:rPr>
+              <a:t> </a:t>
+            </a:r>
+            <a:r>
+              <a:rPr lang="en-US" altLang="zh-CN" i="1">
+                <a:sym typeface="+mn-ea"/>
+              </a:rPr>
+              <a:t>vs</a:t>
+            </a:r>
+            <a:r>
+              <a:rPr lang="en-US" altLang="zh-CN">
+                <a:sym typeface="+mn-ea"/>
+              </a:rPr>
+              <a:t> </a:t>
+            </a:r>
+            <a:r>
+              <a:rPr lang="en-US" altLang="zh-CN">
+                <a:sym typeface="+mn-ea"/>
+              </a:rPr>
+              <a:t>Lithops</a:t>
+            </a:r>
+            <a:endParaRPr lang="en-US" altLang="zh-CN"/>
+          </a:p>
+        </p:txBody>
+      </p:sp>
+      <p:sp>
+        <p:nvSpPr>
+          <p:cNvPr id="3" name="内容占位符 2"/>
+          <p:cNvSpPr>
+            <a:spLocks noGrp="1"/>
+          </p:cNvSpPr>
+          <p:nvPr>
+            <p:ph idx="1"/>
+          </p:nvPr>
+        </p:nvSpPr>
+        <p:spPr/>
+        <p:txBody>
+          <a:bodyPr/>
+          <a:p>
+            <a:pPr marL="0" indent="0">
+              <a:buNone/>
+            </a:pPr>
+            <a:endParaRPr lang="en-US" altLang="zh-CN"/>
+          </a:p>
+          <a:p>
+            <a:pPr marL="457200" lvl="1" indent="0">
+              <a:buNone/>
+            </a:pPr>
+            <a:endParaRPr lang="en-US" altLang="zh-CN"/>
+          </a:p>
+        </p:txBody>
+      </p:sp>
+      <p:graphicFrame>
+        <p:nvGraphicFramePr>
+          <p:cNvPr id="27" name="表格 2"/>
+          <p:cNvGraphicFramePr>
+            <a:graphicFrameLocks noGrp="1"/>
+          </p:cNvGraphicFramePr>
+          <p:nvPr>
+            <p:custDataLst>
+              <p:tags r:id="rId1"/>
+            </p:custDataLst>
+          </p:nvPr>
+        </p:nvGraphicFramePr>
+        <p:xfrm>
+          <a:off x="2712720" y="1380490"/>
+          <a:ext cx="6767195" cy="4427855"/>
+        </p:xfrm>
+        <a:graphic>
+          <a:graphicData uri="http://schemas.openxmlformats.org/drawingml/2006/table">
+            <a:tbl>
+              <a:tblPr firstRow="1" bandRow="1">
+                <a:tableStyleId>{5C22544A-7EE6-4342-B048-85BDC9FD1C3A}</a:tableStyleId>
+              </a:tblPr>
+              <a:tblGrid>
+                <a:gridCol w="2147570"/>
+                <a:gridCol w="2228850"/>
+                <a:gridCol w="2390775"/>
+              </a:tblGrid>
+              <a:tr h="583565">
+                <a:tc>
+                  <a:txBody>
+                    <a:bodyPr/>
+                    <a:p>
+                      <a:pPr algn="ctr"/>
+                      <a:r>
+                        <a:rPr lang="en-US" altLang="zh-CN" dirty="0"/>
+                        <a:t> </a:t>
+                      </a:r>
+                      <a:endParaRPr lang="en-US" altLang="zh-CN" dirty="0"/>
+                    </a:p>
+                  </a:txBody>
+                  <a:tcPr/>
+                </a:tc>
+                <a:tc>
+                  <a:txBody>
+                    <a:bodyPr/>
+                    <a:p>
+                      <a:pPr algn="ctr"/>
+                      <a:r>
+                        <a:rPr lang="en-US" altLang="zh-CN" dirty="0"/>
+                        <a:t>P</a:t>
+                      </a:r>
+                      <a:r>
+                        <a:rPr lang="en-US" altLang="zh-CN" dirty="0"/>
+                        <a:t>ywren </a:t>
+                      </a:r>
+                      <a:endParaRPr lang="en-US" altLang="zh-CN" dirty="0"/>
+                    </a:p>
+                  </a:txBody>
+                  <a:tcPr/>
+                </a:tc>
+                <a:tc>
+                  <a:txBody>
+                    <a:bodyPr/>
+                    <a:p>
+                      <a:pPr algn="ctr">
+                        <a:buNone/>
+                      </a:pPr>
+                      <a:r>
+                        <a:rPr lang="zh-CN" altLang="en-US" dirty="0"/>
+                        <a:t> </a:t>
+                      </a:r>
+                      <a:r>
+                        <a:rPr lang="en-US" altLang="zh-CN" dirty="0"/>
+                        <a:t>Lithops</a:t>
+                      </a:r>
+                      <a:r>
+                        <a:rPr lang="zh-CN" altLang="en-US" dirty="0"/>
+                        <a:t> </a:t>
+                      </a:r>
+                      <a:endParaRPr lang="zh-CN" altLang="en-US" dirty="0"/>
+                    </a:p>
+                  </a:txBody>
+                  <a:tcPr/>
+                </a:tc>
+              </a:tr>
+              <a:tr h="589280">
+                <a:tc>
+                  <a:txBody>
+                    <a:bodyPr/>
+                    <a:p>
+                      <a:pPr algn="ctr"/>
+                      <a:r>
+                        <a:rPr lang="en-US" altLang="zh-CN" dirty="0"/>
+                        <a:t>MapR</a:t>
+                      </a:r>
+                      <a:r>
+                        <a:rPr lang="en-US" altLang="zh-CN" dirty="0"/>
+                        <a:t>educe</a:t>
+                      </a:r>
+                      <a:endParaRPr lang="en-US" altLang="zh-CN" dirty="0"/>
+                    </a:p>
+                  </a:txBody>
+                  <a:tcPr/>
+                </a:tc>
+                <a:tc>
+                  <a:txBody>
+                    <a:bodyPr/>
+                    <a:p>
+                      <a:pPr algn="ctr"/>
+                      <a:r>
+                        <a:rPr lang="en-US" altLang="zh-CN" dirty="0"/>
+                        <a:t>   M</a:t>
+                      </a:r>
+                      <a:r>
+                        <a:rPr lang="en-US" altLang="zh-CN" dirty="0"/>
+                        <a:t>ap️</a:t>
+                      </a:r>
+                      <a:endParaRPr lang="en-US" altLang="zh-CN" dirty="0"/>
+                    </a:p>
+                  </a:txBody>
+                  <a:tcPr/>
+                </a:tc>
+                <a:tc>
+                  <a:txBody>
+                    <a:bodyPr/>
+                    <a:p>
+                      <a:pPr algn="ctr">
+                        <a:buNone/>
+                      </a:pPr>
+                      <a:r>
+                        <a:rPr lang="en-US" altLang="zh-CN" dirty="0"/>
+                        <a:t>Map&amp;MapR</a:t>
+                      </a:r>
+                      <a:r>
+                        <a:rPr lang="en-US" altLang="zh-CN" dirty="0"/>
+                        <a:t>educe</a:t>
+                      </a:r>
+                      <a:endParaRPr lang="en-US" altLang="zh-CN" dirty="0"/>
+                    </a:p>
+                  </a:txBody>
+                  <a:tcPr/>
+                </a:tc>
+              </a:tr>
+              <a:tr h="1085215">
+                <a:tc>
+                  <a:txBody>
+                    <a:bodyPr/>
+                    <a:p>
+                      <a:pPr algn="ctr">
+                        <a:buNone/>
+                      </a:pPr>
+                      <a:r>
+                        <a:rPr lang="en-US" altLang="zh-CN" dirty="0"/>
+                        <a:t>Composability</a:t>
+                      </a:r>
+                      <a:endParaRPr lang="en-US" altLang="zh-CN" dirty="0"/>
+                    </a:p>
+                  </a:txBody>
+                  <a:tcPr/>
+                </a:tc>
+                <a:tc>
+                  <a:txBody>
+                    <a:bodyPr/>
+                    <a:p>
+                      <a:pPr algn="ctr">
+                        <a:buNone/>
+                      </a:pPr>
+                      <a:r>
+                        <a:rPr lang="en-US" altLang="zh-CN" sz="2000" dirty="0">
+                          <a:sym typeface="+mn-ea"/>
+                        </a:rPr>
+                        <a:t>None</a:t>
+                      </a:r>
+                      <a:endParaRPr lang="en-US" altLang="zh-CN" sz="2000" dirty="0">
+                        <a:sym typeface="+mn-ea"/>
+                      </a:endParaRPr>
+                    </a:p>
+                  </a:txBody>
+                  <a:tcPr/>
+                </a:tc>
+                <a:tc>
+                  <a:txBody>
+                    <a:bodyPr/>
+                    <a:p>
+                      <a:pPr algn="ctr">
+                        <a:buNone/>
+                      </a:pPr>
+                      <a:r>
+                        <a:rPr lang="en-US" altLang="zh-CN" sz="1800" dirty="0">
+                          <a:sym typeface="+mn-ea"/>
+                        </a:rPr>
+                        <a:t>Dynamic compositions of</a:t>
+                      </a:r>
+                      <a:endParaRPr lang="en-US" altLang="zh-CN" sz="1800" dirty="0">
+                        <a:sym typeface="+mn-ea"/>
+                      </a:endParaRPr>
+                    </a:p>
+                    <a:p>
+                      <a:pPr algn="ctr">
+                        <a:buNone/>
+                      </a:pPr>
+                      <a:r>
+                        <a:rPr lang="en-US" altLang="zh-CN" sz="1800" dirty="0">
+                          <a:sym typeface="+mn-ea"/>
+                        </a:rPr>
+                        <a:t>functions</a:t>
+                      </a:r>
+                      <a:endParaRPr lang="en-US" altLang="zh-CN" sz="1800" dirty="0">
+                        <a:sym typeface="+mn-ea"/>
+                      </a:endParaRPr>
+                    </a:p>
+                  </a:txBody>
+                  <a:tcPr/>
+                </a:tc>
+              </a:tr>
+              <a:tr h="758825">
+                <a:tc>
+                  <a:txBody>
+                    <a:bodyPr/>
+                    <a:p>
+                      <a:pPr algn="ctr">
+                        <a:buNone/>
+                      </a:pPr>
+                      <a:r>
+                        <a:rPr lang="en-US" altLang="zh-CN" dirty="0"/>
+                        <a:t>Runtime</a:t>
+                      </a:r>
+                      <a:endParaRPr lang="en-US" altLang="zh-CN" dirty="0"/>
+                    </a:p>
+                  </a:txBody>
+                  <a:tcPr/>
+                </a:tc>
+                <a:tc>
+                  <a:txBody>
+                    <a:bodyPr/>
+                    <a:p>
+                      <a:pPr algn="ctr">
+                        <a:buNone/>
+                      </a:pPr>
+                      <a:r>
+                        <a:rPr lang="en-US" altLang="zh-CN" sz="1800" dirty="0">
+                          <a:sym typeface="+mn-ea"/>
+                        </a:rPr>
+                        <a:t>Fixed</a:t>
+                      </a:r>
+                      <a:endParaRPr lang="en-US" altLang="zh-CN" sz="1800" dirty="0">
+                        <a:sym typeface="+mn-ea"/>
+                      </a:endParaRPr>
+                    </a:p>
+                  </a:txBody>
+                  <a:tcPr/>
+                </a:tc>
+                <a:tc>
+                  <a:txBody>
+                    <a:bodyPr/>
+                    <a:p>
+                      <a:pPr algn="ctr">
+                        <a:buNone/>
+                      </a:pPr>
+                      <a:r>
+                        <a:rPr lang="en-US" altLang="zh-CN" sz="1800" dirty="0">
+                          <a:sym typeface="+mn-ea"/>
+                        </a:rPr>
+                        <a:t>Based on Docker</a:t>
+                      </a:r>
+                      <a:r>
+                        <a:rPr lang="zh-CN" altLang="en-US" sz="1800" dirty="0">
+                          <a:sym typeface="+mn-ea"/>
+                        </a:rPr>
+                        <a:t>（</a:t>
+                      </a:r>
+                      <a:r>
+                        <a:rPr lang="en-US" altLang="zh-CN" sz="1800" dirty="0">
+                          <a:sym typeface="+mn-ea"/>
+                        </a:rPr>
+                        <a:t>custom runtime</a:t>
+                      </a:r>
+                      <a:r>
+                        <a:rPr lang="zh-CN" altLang="en-US" sz="1800" dirty="0">
+                          <a:sym typeface="+mn-ea"/>
+                        </a:rPr>
+                        <a:t>）</a:t>
+                      </a:r>
+                      <a:endParaRPr lang="zh-CN" altLang="en-US" sz="1800" dirty="0">
+                        <a:sym typeface="+mn-ea"/>
+                      </a:endParaRPr>
+                    </a:p>
+                  </a:txBody>
+                  <a:tcPr/>
+                </a:tc>
+              </a:tr>
+              <a:tr h="1410970">
+                <a:tc>
+                  <a:txBody>
+                    <a:bodyPr/>
+                    <a:p>
+                      <a:pPr algn="ctr">
+                        <a:buNone/>
+                      </a:pPr>
+                      <a:r>
+                        <a:rPr lang="en-US" altLang="zh-CN" dirty="0"/>
+                        <a:t>Open-source</a:t>
+                      </a:r>
+                      <a:endParaRPr lang="en-US" altLang="zh-CN" dirty="0"/>
+                    </a:p>
+                    <a:p>
+                      <a:pPr algn="ctr">
+                        <a:buNone/>
+                      </a:pPr>
+                      <a:r>
+                        <a:rPr lang="en-US" altLang="zh-CN" dirty="0"/>
+                        <a:t>portability &amp;</a:t>
+                      </a:r>
+                      <a:endParaRPr lang="en-US" altLang="zh-CN" dirty="0"/>
+                    </a:p>
+                    <a:p>
+                      <a:pPr algn="ctr">
+                        <a:buNone/>
+                      </a:pPr>
+                      <a:r>
+                        <a:rPr lang="en-US" altLang="zh-CN" dirty="0"/>
+                        <a:t>extensibility</a:t>
+                      </a:r>
+                      <a:endParaRPr lang="en-US" altLang="zh-CN" dirty="0"/>
+                    </a:p>
+                  </a:txBody>
+                  <a:tcPr/>
+                </a:tc>
+                <a:tc>
+                  <a:txBody>
+                    <a:bodyPr/>
+                    <a:p>
+                      <a:pPr algn="ctr">
+                        <a:buNone/>
+                      </a:pPr>
+                      <a:r>
+                        <a:rPr lang="en-US" altLang="zh-CN" sz="1800" dirty="0">
+                          <a:sym typeface="+mn-ea"/>
+                        </a:rPr>
+                        <a:t>AWS</a:t>
+                      </a:r>
+                      <a:endParaRPr lang="en-US" altLang="zh-CN" sz="1800" dirty="0">
+                        <a:sym typeface="+mn-ea"/>
+                      </a:endParaRPr>
+                    </a:p>
+                  </a:txBody>
+                  <a:tcPr/>
+                </a:tc>
+                <a:tc>
+                  <a:txBody>
+                    <a:bodyPr/>
+                    <a:p>
+                      <a:pPr algn="ctr">
+                        <a:buNone/>
+                      </a:pPr>
+                      <a:r>
+                        <a:rPr lang="en-US" altLang="zh-CN" sz="1800" dirty="0">
+                          <a:sym typeface="+mn-ea"/>
+                        </a:rPr>
+                        <a:t>AWS</a:t>
+                      </a:r>
+                      <a:endParaRPr lang="en-US" altLang="zh-CN" sz="1800" dirty="0">
+                        <a:sym typeface="+mn-ea"/>
+                      </a:endParaRPr>
+                    </a:p>
+                    <a:p>
+                      <a:pPr algn="ctr">
+                        <a:buNone/>
+                      </a:pPr>
+                      <a:r>
+                        <a:rPr lang="en-US" altLang="zh-CN" sz="1800" dirty="0">
+                          <a:sym typeface="+mn-ea"/>
+                        </a:rPr>
+                        <a:t>IBM C</a:t>
+                      </a:r>
+                      <a:r>
+                        <a:rPr lang="en-US" altLang="zh-CN" sz="1800" dirty="0">
+                          <a:sym typeface="+mn-ea"/>
+                        </a:rPr>
+                        <a:t>loud</a:t>
+                      </a:r>
+                      <a:endParaRPr lang="en-US" altLang="zh-CN" sz="1800" dirty="0">
+                        <a:sym typeface="+mn-ea"/>
+                      </a:endParaRPr>
+                    </a:p>
+                    <a:p>
+                      <a:pPr algn="ctr">
+                        <a:buNone/>
+                      </a:pPr>
+                      <a:r>
+                        <a:rPr lang="en-US" altLang="zh-CN" sz="1800" dirty="0">
+                          <a:sym typeface="+mn-ea"/>
+                        </a:rPr>
+                        <a:t>Google C</a:t>
+                      </a:r>
+                      <a:r>
+                        <a:rPr lang="en-US" altLang="zh-CN" sz="1800" dirty="0">
+                          <a:sym typeface="+mn-ea"/>
+                        </a:rPr>
+                        <a:t>loud</a:t>
+                      </a:r>
+                      <a:endParaRPr lang="en-US" altLang="zh-CN" sz="1800" dirty="0">
+                        <a:sym typeface="+mn-ea"/>
+                      </a:endParaRPr>
+                    </a:p>
+                    <a:p>
+                      <a:pPr algn="ctr">
+                        <a:buNone/>
+                      </a:pPr>
+                      <a:r>
+                        <a:rPr lang="en-US" altLang="zh-CN" sz="1800" dirty="0">
+                          <a:sym typeface="+mn-ea"/>
+                        </a:rPr>
+                        <a:t>A</a:t>
+                      </a:r>
+                      <a:r>
+                        <a:rPr lang="en-US" altLang="zh-CN" sz="1800" dirty="0">
+                          <a:sym typeface="+mn-ea"/>
+                        </a:rPr>
+                        <a:t>liyun</a:t>
+                      </a:r>
+                      <a:endParaRPr lang="en-US" altLang="zh-CN" sz="1800" dirty="0">
+                        <a:sym typeface="+mn-ea"/>
+                      </a:endParaRPr>
+                    </a:p>
+                  </a:txBody>
+                  <a:tcPr/>
+                </a:tc>
+              </a:tr>
+            </a:tbl>
+          </a:graphicData>
+        </a:graphic>
+      </p:graphicFrame>
+    </p:spTree>
+  </p:cSld>
+  <p:clrMapOvr>
+    <a:masterClrMapping/>
+  </p:clrMapOvr>
+  <p:timing>
+    <p:tnLst>
+      <p:par>
+        <p:cTn id="1" dur="indefinite" restart="never" nodeType="tmRoot"/>
+      </p:par>
+    </p:tnLst>
+  </p:timing>
+</p:sld>
+</file>
+
+<file path=ppt/slides/slide21.xml><?xml version="1.0" encoding="utf-8"?>
+<p:sld xmlns:a="http://schemas.openxmlformats.org/drawingml/2006/main" xmlns:r="http://schemas.openxmlformats.org/officeDocument/2006/relationships" xmlns:p="http://schemas.openxmlformats.org/presentationml/2006/main">
+  <p:cSld>
+    <p:spTree>
+      <p:nvGrpSpPr>
+        <p:cNvPr id="1" name=""/>
+        <p:cNvGrpSpPr/>
+        <p:nvPr/>
+      </p:nvGrpSpPr>
+      <p:grpSpPr/>
+      <p:sp>
+        <p:nvSpPr>
+          <p:cNvPr id="2" name="标题 1"/>
+          <p:cNvSpPr>
+            <a:spLocks noGrp="1"/>
+          </p:cNvSpPr>
+          <p:nvPr>
+            <p:ph type="title"/>
+          </p:nvPr>
+        </p:nvSpPr>
+        <p:spPr/>
+        <p:txBody>
+          <a:bodyPr/>
+          <a:p>
+            <a:r>
+              <a:rPr lang="en-US" altLang="zh-CN"/>
+              <a:t>Pywren</a:t>
+            </a:r>
+            <a:endParaRPr lang="en-US" altLang="zh-CN"/>
+          </a:p>
+        </p:txBody>
+      </p:sp>
+      <p:sp>
+        <p:nvSpPr>
+          <p:cNvPr id="3" name="内容占位符 2"/>
+          <p:cNvSpPr>
+            <a:spLocks noGrp="1"/>
+          </p:cNvSpPr>
+          <p:nvPr>
+            <p:ph idx="1"/>
+          </p:nvPr>
+        </p:nvSpPr>
+        <p:spPr/>
+        <p:txBody>
+          <a:bodyPr/>
+          <a:p>
+            <a:pPr marL="0" indent="0"/>
+            <a:r>
+              <a:rPr lang="en-US" altLang="zh-CN"/>
+              <a:t> </a:t>
+            </a:r>
+            <a:r>
+              <a:rPr lang="en-US" altLang="zh-CN">
+                <a:uFillTx/>
+                <a:latin typeface="等线" panose="02010600030101010101" charset="-122"/>
+                <a:sym typeface="+mn-ea"/>
+              </a:rPr>
+              <a:t>Map-reduce style serverless framework </a:t>
+            </a:r>
+            <a:endParaRPr lang="en-US" altLang="zh-CN">
+              <a:uFillTx/>
+              <a:latin typeface="等线" panose="02010600030101010101" charset="-122"/>
+              <a:sym typeface="+mn-ea"/>
+            </a:endParaRPr>
+          </a:p>
+          <a:p>
+            <a:pPr marL="0" indent="0">
+              <a:buNone/>
+            </a:pPr>
+            <a:r>
+              <a:rPr lang="en-US" altLang="zh-CN"/>
+              <a:t> </a:t>
+            </a:r>
+            <a:endParaRPr lang="en-US" altLang="zh-CN"/>
+          </a:p>
+        </p:txBody>
+      </p:sp>
+      <p:sp>
+        <p:nvSpPr>
+          <p:cNvPr id="6" name="文本框 5"/>
+          <p:cNvSpPr txBox="1"/>
+          <p:nvPr/>
+        </p:nvSpPr>
+        <p:spPr>
+          <a:xfrm>
+            <a:off x="0" y="6489700"/>
+            <a:ext cx="10696575" cy="368300"/>
+          </a:xfrm>
+          <a:prstGeom prst="rect">
+            <a:avLst/>
+          </a:prstGeom>
+          <a:noFill/>
+        </p:spPr>
+        <p:txBody>
+          <a:bodyPr wrap="square" rtlCol="0">
+            <a:spAutoFit/>
+          </a:bodyPr>
+          <a:p>
+            <a:r>
+              <a:rPr lang="zh-CN" altLang="en-US">
+                <a:solidFill>
+                  <a:schemeClr val="bg2">
+                    <a:lumMod val="50000"/>
+                  </a:schemeClr>
+                </a:solidFill>
+              </a:rPr>
+              <a:t>[1] </a:t>
+            </a:r>
+            <a:r>
+              <a:rPr lang="en-US" altLang="zh-CN">
+                <a:solidFill>
+                  <a:schemeClr val="bg2">
+                    <a:lumMod val="50000"/>
+                  </a:schemeClr>
+                </a:solidFill>
+              </a:rPr>
+              <a:t>Pywren: Occupy the Cloud: Distributed Computing for the 99%  SoCC’17</a:t>
+            </a:r>
+            <a:endParaRPr lang="en-US" altLang="zh-CN">
+              <a:solidFill>
+                <a:schemeClr val="bg2">
+                  <a:lumMod val="50000"/>
+                </a:schemeClr>
+              </a:solidFill>
+            </a:endParaRPr>
+          </a:p>
+        </p:txBody>
+      </p:sp>
+      <p:cxnSp>
+        <p:nvCxnSpPr>
+          <p:cNvPr id="24" name="直接连接符 23"/>
+          <p:cNvCxnSpPr/>
+          <p:nvPr/>
+        </p:nvCxnSpPr>
+        <p:spPr>
+          <a:xfrm>
+            <a:off x="6090920" y="2030095"/>
+            <a:ext cx="9525" cy="3975100"/>
+          </a:xfrm>
+          <a:prstGeom prst="line">
+            <a:avLst/>
+          </a:prstGeom>
+          <a:ln w="12700">
+            <a:solidFill>
+              <a:schemeClr val="tx1"/>
+            </a:solidFill>
+            <a:prstDash val="sysDash"/>
+            <a:headEnd type="none" w="med" len="med"/>
+            <a:tailEnd type="none" w="med" len="med"/>
+          </a:ln>
+        </p:spPr>
+        <p:style>
+          <a:lnRef idx="1">
+            <a:schemeClr val="accent1"/>
+          </a:lnRef>
+          <a:fillRef idx="0">
+            <a:schemeClr val="accent1"/>
+          </a:fillRef>
+          <a:effectRef idx="0">
+            <a:schemeClr val="accent1"/>
+          </a:effectRef>
+          <a:fontRef idx="minor">
+            <a:schemeClr val="tx1"/>
+          </a:fontRef>
+        </p:style>
+      </p:cxnSp>
+      <p:sp>
+        <p:nvSpPr>
+          <p:cNvPr id="25" name="文本框 24"/>
+          <p:cNvSpPr txBox="1"/>
+          <p:nvPr/>
+        </p:nvSpPr>
+        <p:spPr>
+          <a:xfrm>
+            <a:off x="2700655" y="5887085"/>
+            <a:ext cx="998220" cy="460375"/>
+          </a:xfrm>
+          <a:prstGeom prst="rect">
+            <a:avLst/>
+          </a:prstGeom>
+          <a:noFill/>
+        </p:spPr>
+        <p:txBody>
+          <a:bodyPr wrap="square" rtlCol="0">
+            <a:spAutoFit/>
+          </a:bodyPr>
+          <a:p>
+            <a:r>
+              <a:rPr lang="en-US" altLang="zh-CN" sz="2400" b="1"/>
+              <a:t>Client</a:t>
+            </a:r>
+            <a:endParaRPr lang="en-US" altLang="zh-CN" sz="2400" b="1"/>
+          </a:p>
+        </p:txBody>
+      </p:sp>
+      <p:sp>
+        <p:nvSpPr>
+          <p:cNvPr id="26" name="文本框 25"/>
+          <p:cNvSpPr txBox="1"/>
+          <p:nvPr/>
+        </p:nvSpPr>
+        <p:spPr>
+          <a:xfrm>
+            <a:off x="8492490" y="5887085"/>
+            <a:ext cx="1160780" cy="460375"/>
+          </a:xfrm>
+          <a:prstGeom prst="rect">
+            <a:avLst/>
+          </a:prstGeom>
+          <a:noFill/>
+        </p:spPr>
+        <p:txBody>
+          <a:bodyPr wrap="square" rtlCol="0">
+            <a:spAutoFit/>
+          </a:bodyPr>
+          <a:p>
+            <a:r>
+              <a:rPr lang="en-US" altLang="zh-CN" sz="2400" b="1"/>
+              <a:t>A</a:t>
+            </a:r>
+            <a:r>
+              <a:rPr lang="en-US" altLang="zh-CN" sz="2400" b="1"/>
+              <a:t>liyun</a:t>
+            </a:r>
+            <a:endParaRPr lang="en-US" altLang="zh-CN" sz="2400" b="1"/>
+          </a:p>
+        </p:txBody>
+      </p:sp>
+      <p:pic>
+        <p:nvPicPr>
+          <p:cNvPr id="29" name="图片 28"/>
+          <p:cNvPicPr>
+            <a:picLocks noChangeAspect="1"/>
+          </p:cNvPicPr>
+          <p:nvPr/>
+        </p:nvPicPr>
+        <p:blipFill>
+          <a:blip r:embed="rId1"/>
+          <a:stretch>
+            <a:fillRect/>
+          </a:stretch>
+        </p:blipFill>
+        <p:spPr>
+          <a:xfrm>
+            <a:off x="2146935" y="2214880"/>
+            <a:ext cx="2105660" cy="1258570"/>
+          </a:xfrm>
+          <a:prstGeom prst="rect">
+            <a:avLst/>
+          </a:prstGeom>
+        </p:spPr>
+      </p:pic>
+      <p:sp>
+        <p:nvSpPr>
+          <p:cNvPr id="30" name="矩形 29"/>
+          <p:cNvSpPr/>
+          <p:nvPr/>
+        </p:nvSpPr>
+        <p:spPr>
+          <a:xfrm>
+            <a:off x="2719070" y="4195445"/>
+            <a:ext cx="960755" cy="367665"/>
+          </a:xfrm>
+          <a:prstGeom prst="rect">
+            <a:avLst/>
+          </a:prstGeom>
+          <a:noFill/>
+          <a:ln w="28575">
+            <a:solidFill>
+              <a:schemeClr val="tx1"/>
+            </a:solidFill>
+          </a:ln>
+        </p:spPr>
+        <p:style>
+          <a:lnRef idx="2">
+            <a:schemeClr val="accent1">
+              <a:shade val="50000"/>
+            </a:schemeClr>
+          </a:lnRef>
+          <a:fillRef idx="1">
+            <a:schemeClr val="accent1"/>
+          </a:fillRef>
+          <a:effectRef idx="0">
+            <a:schemeClr val="accent1"/>
+          </a:effectRef>
+          <a:fontRef idx="minor">
+            <a:schemeClr val="lt1"/>
+          </a:fontRef>
+        </p:style>
+        <p:txBody>
+          <a:bodyPr rtlCol="0" anchor="ctr"/>
+          <a:p>
+            <a:pPr algn="ctr"/>
+            <a:endParaRPr lang="zh-CN" altLang="en-US" dirty="0">
+              <a:solidFill>
+                <a:schemeClr val="tx1"/>
+              </a:solidFill>
+            </a:endParaRPr>
+          </a:p>
+        </p:txBody>
+      </p:sp>
+      <p:sp>
+        <p:nvSpPr>
+          <p:cNvPr id="31" name="文本框 30"/>
+          <p:cNvSpPr txBox="1"/>
+          <p:nvPr/>
+        </p:nvSpPr>
+        <p:spPr>
+          <a:xfrm>
+            <a:off x="2729230" y="4195445"/>
+            <a:ext cx="932180" cy="368300"/>
+          </a:xfrm>
+          <a:prstGeom prst="rect">
+            <a:avLst/>
+          </a:prstGeom>
+          <a:noFill/>
+        </p:spPr>
+        <p:txBody>
+          <a:bodyPr wrap="square" rtlCol="0">
+            <a:spAutoFit/>
+          </a:bodyPr>
+          <a:p>
+            <a:r>
+              <a:rPr lang="en-US" altLang="zh-CN"/>
+              <a:t>Pywren</a:t>
+            </a:r>
+            <a:endParaRPr lang="en-US" altLang="zh-CN"/>
+          </a:p>
+        </p:txBody>
+      </p:sp>
+      <p:cxnSp>
+        <p:nvCxnSpPr>
+          <p:cNvPr id="32" name="直接箭头连接符 31"/>
+          <p:cNvCxnSpPr>
+            <a:stCxn id="29" idx="2"/>
+            <a:endCxn id="30" idx="0"/>
+          </p:cNvCxnSpPr>
+          <p:nvPr/>
+        </p:nvCxnSpPr>
+        <p:spPr>
+          <a:xfrm>
+            <a:off x="3199765" y="3473450"/>
+            <a:ext cx="0" cy="721995"/>
+          </a:xfrm>
+          <a:prstGeom prst="straightConnector1">
+            <a:avLst/>
+          </a:prstGeom>
+          <a:ln w="19050">
+            <a:solidFill>
+              <a:schemeClr val="tx1"/>
+            </a:solidFill>
+            <a:headEnd type="none" w="med" len="med"/>
+            <a:tailEnd type="triangle" w="med" len="med"/>
+          </a:ln>
+        </p:spPr>
+        <p:style>
+          <a:lnRef idx="1">
+            <a:schemeClr val="accent1"/>
+          </a:lnRef>
+          <a:fillRef idx="0">
+            <a:schemeClr val="accent1"/>
+          </a:fillRef>
+          <a:effectRef idx="0">
+            <a:schemeClr val="accent1"/>
+          </a:effectRef>
+          <a:fontRef idx="minor">
+            <a:schemeClr val="tx1"/>
+          </a:fontRef>
+        </p:style>
+      </p:cxnSp>
+      <p:cxnSp>
+        <p:nvCxnSpPr>
+          <p:cNvPr id="33" name="直接箭头连接符 32"/>
+          <p:cNvCxnSpPr>
+            <a:stCxn id="31" idx="3"/>
+            <a:endCxn id="35" idx="1"/>
+          </p:cNvCxnSpPr>
+          <p:nvPr/>
+        </p:nvCxnSpPr>
+        <p:spPr>
+          <a:xfrm flipV="1">
+            <a:off x="3661410" y="4017645"/>
+            <a:ext cx="675005" cy="361950"/>
+          </a:xfrm>
+          <a:prstGeom prst="straightConnector1">
+            <a:avLst/>
+          </a:prstGeom>
+          <a:ln w="19050">
+            <a:solidFill>
+              <a:schemeClr val="tx1"/>
+            </a:solidFill>
+            <a:headEnd type="none" w="med" len="med"/>
+            <a:tailEnd type="triangle" w="med" len="med"/>
+          </a:ln>
+        </p:spPr>
+        <p:style>
+          <a:lnRef idx="1">
+            <a:schemeClr val="accent1"/>
+          </a:lnRef>
+          <a:fillRef idx="0">
+            <a:schemeClr val="accent1"/>
+          </a:fillRef>
+          <a:effectRef idx="0">
+            <a:schemeClr val="accent1"/>
+          </a:effectRef>
+          <a:fontRef idx="minor">
+            <a:schemeClr val="tx1"/>
+          </a:fontRef>
+        </p:style>
+      </p:cxnSp>
+      <p:cxnSp>
+        <p:nvCxnSpPr>
+          <p:cNvPr id="34" name="直接箭头连接符 33"/>
+          <p:cNvCxnSpPr>
+            <a:endCxn id="36" idx="1"/>
+          </p:cNvCxnSpPr>
+          <p:nvPr/>
+        </p:nvCxnSpPr>
+        <p:spPr>
+          <a:xfrm>
+            <a:off x="3698875" y="4388485"/>
+            <a:ext cx="634365" cy="322580"/>
+          </a:xfrm>
+          <a:prstGeom prst="straightConnector1">
+            <a:avLst/>
+          </a:prstGeom>
+          <a:ln w="19050">
+            <a:solidFill>
+              <a:schemeClr val="tx1"/>
+            </a:solidFill>
+            <a:headEnd type="none" w="med" len="med"/>
+            <a:tailEnd type="triangle" w="med" len="med"/>
+          </a:ln>
+        </p:spPr>
+        <p:style>
+          <a:lnRef idx="1">
+            <a:schemeClr val="accent1"/>
+          </a:lnRef>
+          <a:fillRef idx="0">
+            <a:schemeClr val="accent1"/>
+          </a:fillRef>
+          <a:effectRef idx="0">
+            <a:schemeClr val="accent1"/>
+          </a:effectRef>
+          <a:fontRef idx="minor">
+            <a:schemeClr val="tx1"/>
+          </a:fontRef>
+        </p:style>
+      </p:cxnSp>
+      <p:sp>
+        <p:nvSpPr>
+          <p:cNvPr id="35" name="文本框 34"/>
+          <p:cNvSpPr txBox="1"/>
+          <p:nvPr/>
+        </p:nvSpPr>
+        <p:spPr>
+          <a:xfrm>
+            <a:off x="4336415" y="3833495"/>
+            <a:ext cx="1244600" cy="368300"/>
+          </a:xfrm>
+          <a:prstGeom prst="rect">
+            <a:avLst/>
+          </a:prstGeom>
+          <a:noFill/>
+        </p:spPr>
+        <p:txBody>
+          <a:bodyPr wrap="square" rtlCol="0">
+            <a:spAutoFit/>
+          </a:bodyPr>
+          <a:p>
+            <a:r>
+              <a:rPr lang="en-US" altLang="zh-CN"/>
+              <a:t>Invocation</a:t>
+            </a:r>
+            <a:endParaRPr lang="en-US" altLang="zh-CN"/>
+          </a:p>
+        </p:txBody>
+      </p:sp>
+      <p:sp>
+        <p:nvSpPr>
+          <p:cNvPr id="36" name="文本框 35"/>
+          <p:cNvSpPr txBox="1"/>
+          <p:nvPr/>
+        </p:nvSpPr>
+        <p:spPr>
+          <a:xfrm>
+            <a:off x="4333240" y="4388485"/>
+            <a:ext cx="1627505" cy="645160"/>
+          </a:xfrm>
+          <a:prstGeom prst="rect">
+            <a:avLst/>
+          </a:prstGeom>
+          <a:noFill/>
+        </p:spPr>
+        <p:txBody>
+          <a:bodyPr wrap="square" rtlCol="0">
+            <a:spAutoFit/>
+          </a:bodyPr>
+          <a:p>
+            <a:r>
+              <a:rPr lang="en-US" altLang="zh-CN"/>
+              <a:t>Serialize put in Baas</a:t>
+            </a:r>
+            <a:endParaRPr lang="en-US" altLang="zh-CN"/>
+          </a:p>
+        </p:txBody>
+      </p:sp>
+      <p:cxnSp>
+        <p:nvCxnSpPr>
+          <p:cNvPr id="39" name="直接连接符 38"/>
+          <p:cNvCxnSpPr>
+            <a:stCxn id="35" idx="3"/>
+          </p:cNvCxnSpPr>
+          <p:nvPr/>
+        </p:nvCxnSpPr>
+        <p:spPr>
+          <a:xfrm>
+            <a:off x="5581015" y="4017645"/>
+            <a:ext cx="1453515" cy="5080"/>
+          </a:xfrm>
+          <a:prstGeom prst="line">
+            <a:avLst/>
+          </a:prstGeom>
+          <a:ln w="19050">
+            <a:solidFill>
+              <a:schemeClr val="tx1"/>
+            </a:solidFill>
+            <a:headEnd type="none" w="med" len="med"/>
+            <a:tailEnd type="none" w="med" len="med"/>
+          </a:ln>
+        </p:spPr>
+        <p:style>
+          <a:lnRef idx="1">
+            <a:schemeClr val="accent1"/>
+          </a:lnRef>
+          <a:fillRef idx="0">
+            <a:schemeClr val="accent1"/>
+          </a:fillRef>
+          <a:effectRef idx="0">
+            <a:schemeClr val="accent1"/>
+          </a:effectRef>
+          <a:fontRef idx="minor">
+            <a:schemeClr val="tx1"/>
+          </a:fontRef>
+        </p:style>
+      </p:cxnSp>
+      <p:cxnSp>
+        <p:nvCxnSpPr>
+          <p:cNvPr id="40" name="直接箭头连接符 39"/>
+          <p:cNvCxnSpPr>
+            <a:endCxn id="42" idx="2"/>
+          </p:cNvCxnSpPr>
+          <p:nvPr/>
+        </p:nvCxnSpPr>
+        <p:spPr>
+          <a:xfrm flipV="1">
+            <a:off x="7025005" y="3108960"/>
+            <a:ext cx="8890" cy="923290"/>
+          </a:xfrm>
+          <a:prstGeom prst="straightConnector1">
+            <a:avLst/>
+          </a:prstGeom>
+          <a:ln w="19050">
+            <a:solidFill>
+              <a:schemeClr val="tx1"/>
+            </a:solidFill>
+            <a:headEnd type="none" w="med" len="med"/>
+            <a:tailEnd type="arrow" w="med" len="med"/>
+          </a:ln>
+        </p:spPr>
+        <p:style>
+          <a:lnRef idx="1">
+            <a:schemeClr val="accent1"/>
+          </a:lnRef>
+          <a:fillRef idx="0">
+            <a:schemeClr val="accent1"/>
+          </a:fillRef>
+          <a:effectRef idx="0">
+            <a:schemeClr val="accent1"/>
+          </a:effectRef>
+          <a:fontRef idx="minor">
+            <a:schemeClr val="tx1"/>
+          </a:fontRef>
+        </p:style>
+      </p:cxnSp>
+      <p:sp>
+        <p:nvSpPr>
+          <p:cNvPr id="41" name="矩形 40"/>
+          <p:cNvSpPr/>
+          <p:nvPr/>
+        </p:nvSpPr>
+        <p:spPr>
+          <a:xfrm>
+            <a:off x="6496685" y="2718435"/>
+            <a:ext cx="1074420" cy="367665"/>
+          </a:xfrm>
+          <a:prstGeom prst="rect">
+            <a:avLst/>
+          </a:prstGeom>
+          <a:noFill/>
+          <a:ln w="28575">
+            <a:solidFill>
+              <a:schemeClr val="tx1"/>
+            </a:solidFill>
+          </a:ln>
+        </p:spPr>
+        <p:style>
+          <a:lnRef idx="2">
+            <a:schemeClr val="accent1">
+              <a:shade val="50000"/>
+            </a:schemeClr>
+          </a:lnRef>
+          <a:fillRef idx="1">
+            <a:schemeClr val="accent1"/>
+          </a:fillRef>
+          <a:effectRef idx="0">
+            <a:schemeClr val="accent1"/>
+          </a:effectRef>
+          <a:fontRef idx="minor">
+            <a:schemeClr val="lt1"/>
+          </a:fontRef>
+        </p:style>
+        <p:txBody>
+          <a:bodyPr rtlCol="0" anchor="ctr"/>
+          <a:p>
+            <a:pPr algn="ctr"/>
+            <a:endParaRPr lang="zh-CN" altLang="en-US" dirty="0">
+              <a:solidFill>
+                <a:schemeClr val="tx1"/>
+              </a:solidFill>
+            </a:endParaRPr>
+          </a:p>
+        </p:txBody>
+      </p:sp>
+      <p:sp>
+        <p:nvSpPr>
+          <p:cNvPr id="42" name="文本框 41"/>
+          <p:cNvSpPr txBox="1"/>
+          <p:nvPr/>
+        </p:nvSpPr>
+        <p:spPr>
+          <a:xfrm>
+            <a:off x="6471285" y="2740660"/>
+            <a:ext cx="1124585" cy="368300"/>
+          </a:xfrm>
+          <a:prstGeom prst="rect">
+            <a:avLst/>
+          </a:prstGeom>
+          <a:noFill/>
+        </p:spPr>
+        <p:txBody>
+          <a:bodyPr wrap="square" rtlCol="0">
+            <a:spAutoFit/>
+          </a:bodyPr>
+          <a:p>
+            <a:r>
+              <a:rPr lang="en-US" altLang="zh-CN"/>
+              <a:t>Ali</a:t>
+            </a:r>
+            <a:r>
+              <a:rPr lang="en-US" altLang="zh-CN"/>
+              <a:t>yun FC</a:t>
+            </a:r>
+            <a:endParaRPr lang="en-US" altLang="zh-CN"/>
+          </a:p>
+        </p:txBody>
+      </p:sp>
+      <p:cxnSp>
+        <p:nvCxnSpPr>
+          <p:cNvPr id="43" name="直接箭头连接符 42"/>
+          <p:cNvCxnSpPr>
+            <a:stCxn id="36" idx="3"/>
+          </p:cNvCxnSpPr>
+          <p:nvPr/>
+        </p:nvCxnSpPr>
+        <p:spPr>
+          <a:xfrm>
+            <a:off x="5960745" y="4711065"/>
+            <a:ext cx="2654935" cy="0"/>
+          </a:xfrm>
+          <a:prstGeom prst="straightConnector1">
+            <a:avLst/>
+          </a:prstGeom>
+          <a:ln w="19050">
+            <a:solidFill>
+              <a:schemeClr val="tx1"/>
+            </a:solidFill>
+            <a:headEnd type="none" w="med" len="med"/>
+            <a:tailEnd type="triangle" w="med" len="med"/>
+          </a:ln>
+        </p:spPr>
+        <p:style>
+          <a:lnRef idx="1">
+            <a:schemeClr val="accent1"/>
+          </a:lnRef>
+          <a:fillRef idx="0">
+            <a:schemeClr val="accent1"/>
+          </a:fillRef>
+          <a:effectRef idx="0">
+            <a:schemeClr val="accent1"/>
+          </a:effectRef>
+          <a:fontRef idx="minor">
+            <a:schemeClr val="tx1"/>
+          </a:fontRef>
+        </p:style>
+      </p:cxnSp>
+      <p:cxnSp>
+        <p:nvCxnSpPr>
+          <p:cNvPr id="44" name="直接箭头连接符 43"/>
+          <p:cNvCxnSpPr>
+            <a:stCxn id="41" idx="3"/>
+          </p:cNvCxnSpPr>
+          <p:nvPr/>
+        </p:nvCxnSpPr>
+        <p:spPr>
+          <a:xfrm>
+            <a:off x="7571105" y="2902585"/>
+            <a:ext cx="1073150" cy="2540"/>
+          </a:xfrm>
+          <a:prstGeom prst="straightConnector1">
+            <a:avLst/>
+          </a:prstGeom>
+          <a:ln w="19050">
+            <a:solidFill>
+              <a:schemeClr val="tx1"/>
+            </a:solidFill>
+            <a:headEnd type="none" w="med" len="med"/>
+            <a:tailEnd type="triangle" w="med" len="med"/>
+          </a:ln>
+        </p:spPr>
+        <p:style>
+          <a:lnRef idx="1">
+            <a:schemeClr val="accent1"/>
+          </a:lnRef>
+          <a:fillRef idx="0">
+            <a:schemeClr val="accent1"/>
+          </a:fillRef>
+          <a:effectRef idx="0">
+            <a:schemeClr val="accent1"/>
+          </a:effectRef>
+          <a:fontRef idx="minor">
+            <a:schemeClr val="tx1"/>
+          </a:fontRef>
+        </p:style>
+      </p:cxnSp>
+      <p:cxnSp>
+        <p:nvCxnSpPr>
+          <p:cNvPr id="45" name="肘形连接符 44"/>
+          <p:cNvCxnSpPr>
+            <a:stCxn id="41" idx="3"/>
+          </p:cNvCxnSpPr>
+          <p:nvPr/>
+        </p:nvCxnSpPr>
+        <p:spPr>
+          <a:xfrm flipV="1">
+            <a:off x="7571105" y="2419985"/>
+            <a:ext cx="1054100" cy="482600"/>
+          </a:xfrm>
+          <a:prstGeom prst="bentConnector3">
+            <a:avLst>
+              <a:gd name="adj1" fmla="val 50000"/>
+            </a:avLst>
+          </a:prstGeom>
+          <a:ln w="19050">
+            <a:solidFill>
+              <a:schemeClr val="tx1"/>
+            </a:solidFill>
+            <a:headEnd type="none" w="med" len="med"/>
+            <a:tailEnd type="triangle" w="med" len="med"/>
+          </a:ln>
+        </p:spPr>
+        <p:style>
+          <a:lnRef idx="1">
+            <a:schemeClr val="accent1"/>
+          </a:lnRef>
+          <a:fillRef idx="0">
+            <a:schemeClr val="accent1"/>
+          </a:fillRef>
+          <a:effectRef idx="0">
+            <a:schemeClr val="accent1"/>
+          </a:effectRef>
+          <a:fontRef idx="minor">
+            <a:schemeClr val="tx1"/>
+          </a:fontRef>
+        </p:style>
+      </p:cxnSp>
+      <p:cxnSp>
+        <p:nvCxnSpPr>
+          <p:cNvPr id="46" name="肘形连接符 45"/>
+          <p:cNvCxnSpPr>
+            <a:stCxn id="41" idx="3"/>
+          </p:cNvCxnSpPr>
+          <p:nvPr/>
+        </p:nvCxnSpPr>
+        <p:spPr>
+          <a:xfrm>
+            <a:off x="7571105" y="2902585"/>
+            <a:ext cx="1054100" cy="449580"/>
+          </a:xfrm>
+          <a:prstGeom prst="bentConnector3">
+            <a:avLst>
+              <a:gd name="adj1" fmla="val 50000"/>
+            </a:avLst>
+          </a:prstGeom>
+          <a:ln w="19050">
+            <a:solidFill>
+              <a:schemeClr val="tx1"/>
+            </a:solidFill>
+            <a:headEnd type="none" w="med" len="med"/>
+            <a:tailEnd type="triangle" w="med" len="med"/>
+          </a:ln>
+        </p:spPr>
+        <p:style>
+          <a:lnRef idx="1">
+            <a:schemeClr val="accent1"/>
+          </a:lnRef>
+          <a:fillRef idx="0">
+            <a:schemeClr val="accent1"/>
+          </a:fillRef>
+          <a:effectRef idx="0">
+            <a:schemeClr val="accent1"/>
+          </a:effectRef>
+          <a:fontRef idx="minor">
+            <a:schemeClr val="tx1"/>
+          </a:fontRef>
+        </p:style>
+      </p:cxnSp>
+      <p:sp>
+        <p:nvSpPr>
+          <p:cNvPr id="48" name="文本框 47"/>
+          <p:cNvSpPr txBox="1"/>
+          <p:nvPr/>
+        </p:nvSpPr>
+        <p:spPr>
+          <a:xfrm>
+            <a:off x="8750300" y="2214880"/>
+            <a:ext cx="1586865" cy="368300"/>
+          </a:xfrm>
+          <a:prstGeom prst="rect">
+            <a:avLst/>
+          </a:prstGeom>
+          <a:solidFill>
+            <a:schemeClr val="accent4">
+              <a:lumMod val="60000"/>
+              <a:lumOff val="40000"/>
+            </a:schemeClr>
+          </a:solidFill>
+        </p:spPr>
+        <p:txBody>
+          <a:bodyPr wrap="square" rtlCol="0">
+            <a:spAutoFit/>
+          </a:bodyPr>
+          <a:p>
+            <a:r>
+              <a:rPr lang="en-US" altLang="zh-CN"/>
+              <a:t>my_function(3)</a:t>
+            </a:r>
+            <a:endParaRPr lang="en-US" altLang="zh-CN"/>
+          </a:p>
+        </p:txBody>
+      </p:sp>
+      <p:sp>
+        <p:nvSpPr>
+          <p:cNvPr id="49" name="文本框 48"/>
+          <p:cNvSpPr txBox="1"/>
+          <p:nvPr/>
+        </p:nvSpPr>
+        <p:spPr>
+          <a:xfrm>
+            <a:off x="8750300" y="2686685"/>
+            <a:ext cx="1578610" cy="368300"/>
+          </a:xfrm>
+          <a:prstGeom prst="rect">
+            <a:avLst/>
+          </a:prstGeom>
+          <a:solidFill>
+            <a:schemeClr val="accent4">
+              <a:lumMod val="60000"/>
+              <a:lumOff val="40000"/>
+            </a:schemeClr>
+          </a:solidFill>
+        </p:spPr>
+        <p:txBody>
+          <a:bodyPr wrap="square" rtlCol="0">
+            <a:spAutoFit/>
+          </a:bodyPr>
+          <a:p>
+            <a:r>
+              <a:rPr lang="en-US" altLang="zh-CN"/>
+              <a:t>my_function(6)</a:t>
+            </a:r>
+            <a:endParaRPr lang="en-US" altLang="zh-CN"/>
+          </a:p>
+        </p:txBody>
+      </p:sp>
+      <p:sp>
+        <p:nvSpPr>
+          <p:cNvPr id="50" name="文本框 49"/>
+          <p:cNvSpPr txBox="1"/>
+          <p:nvPr/>
+        </p:nvSpPr>
+        <p:spPr>
+          <a:xfrm>
+            <a:off x="8750300" y="3157855"/>
+            <a:ext cx="1578610" cy="368300"/>
+          </a:xfrm>
+          <a:prstGeom prst="rect">
+            <a:avLst/>
+          </a:prstGeom>
+          <a:solidFill>
+            <a:schemeClr val="accent4">
+              <a:lumMod val="60000"/>
+              <a:lumOff val="40000"/>
+            </a:schemeClr>
+          </a:solidFill>
+        </p:spPr>
+        <p:txBody>
+          <a:bodyPr wrap="square" rtlCol="0">
+            <a:spAutoFit/>
+          </a:bodyPr>
+          <a:p>
+            <a:r>
+              <a:rPr lang="en-US" altLang="zh-CN"/>
+              <a:t>my_function(9)</a:t>
+            </a:r>
+            <a:endParaRPr lang="en-US" altLang="zh-CN"/>
+          </a:p>
+        </p:txBody>
+      </p:sp>
+      <p:sp>
+        <p:nvSpPr>
+          <p:cNvPr id="51" name="矩形 50"/>
+          <p:cNvSpPr/>
+          <p:nvPr/>
+        </p:nvSpPr>
+        <p:spPr>
+          <a:xfrm>
+            <a:off x="8639175" y="4540885"/>
+            <a:ext cx="1969135" cy="924560"/>
+          </a:xfrm>
+          <a:prstGeom prst="rect">
+            <a:avLst/>
+          </a:prstGeom>
+          <a:noFill/>
+          <a:ln w="28575">
+            <a:solidFill>
+              <a:schemeClr val="tx1"/>
+            </a:solidFill>
+          </a:ln>
+        </p:spPr>
+        <p:style>
+          <a:lnRef idx="2">
+            <a:schemeClr val="accent1">
+              <a:shade val="50000"/>
+            </a:schemeClr>
+          </a:lnRef>
+          <a:fillRef idx="1">
+            <a:schemeClr val="accent1"/>
+          </a:fillRef>
+          <a:effectRef idx="0">
+            <a:schemeClr val="accent1"/>
+          </a:effectRef>
+          <a:fontRef idx="minor">
+            <a:schemeClr val="lt1"/>
+          </a:fontRef>
+        </p:style>
+        <p:txBody>
+          <a:bodyPr rtlCol="0" anchor="ctr"/>
+          <a:p>
+            <a:pPr algn="ctr"/>
+            <a:endParaRPr lang="zh-CN" altLang="en-US" dirty="0">
+              <a:solidFill>
+                <a:schemeClr val="tx1"/>
+              </a:solidFill>
+            </a:endParaRPr>
+          </a:p>
+        </p:txBody>
+      </p:sp>
+      <p:sp>
+        <p:nvSpPr>
+          <p:cNvPr id="52" name="文本框 51"/>
+          <p:cNvSpPr txBox="1"/>
+          <p:nvPr/>
+        </p:nvSpPr>
+        <p:spPr>
+          <a:xfrm>
+            <a:off x="8996045" y="4824095"/>
+            <a:ext cx="1308100" cy="368300"/>
+          </a:xfrm>
+          <a:prstGeom prst="rect">
+            <a:avLst/>
+          </a:prstGeom>
+          <a:noFill/>
+        </p:spPr>
+        <p:txBody>
+          <a:bodyPr wrap="square" rtlCol="0">
+            <a:spAutoFit/>
+          </a:bodyPr>
+          <a:p>
+            <a:r>
+              <a:rPr lang="en-US" altLang="zh-CN"/>
+              <a:t>A</a:t>
+            </a:r>
+            <a:r>
+              <a:rPr lang="en-US" altLang="zh-CN"/>
+              <a:t>liyun OSS</a:t>
+            </a:r>
+            <a:endParaRPr lang="en-US" altLang="zh-CN"/>
+          </a:p>
+        </p:txBody>
+      </p:sp>
+      <p:cxnSp>
+        <p:nvCxnSpPr>
+          <p:cNvPr id="53" name="直接箭头连接符 52"/>
+          <p:cNvCxnSpPr/>
+          <p:nvPr/>
+        </p:nvCxnSpPr>
+        <p:spPr>
+          <a:xfrm flipV="1">
+            <a:off x="9129395" y="3551555"/>
+            <a:ext cx="0" cy="998855"/>
+          </a:xfrm>
+          <a:prstGeom prst="straightConnector1">
+            <a:avLst/>
+          </a:prstGeom>
+          <a:ln w="19050">
+            <a:solidFill>
+              <a:schemeClr val="tx1"/>
+            </a:solidFill>
+            <a:headEnd type="none" w="med" len="med"/>
+            <a:tailEnd type="triangle" w="med" len="med"/>
+          </a:ln>
+        </p:spPr>
+        <p:style>
+          <a:lnRef idx="1">
+            <a:schemeClr val="accent1"/>
+          </a:lnRef>
+          <a:fillRef idx="0">
+            <a:schemeClr val="accent1"/>
+          </a:fillRef>
+          <a:effectRef idx="0">
+            <a:schemeClr val="accent1"/>
+          </a:effectRef>
+          <a:fontRef idx="minor">
+            <a:schemeClr val="tx1"/>
+          </a:fontRef>
+        </p:style>
+      </p:cxnSp>
+      <p:cxnSp>
+        <p:nvCxnSpPr>
+          <p:cNvPr id="54" name="直接箭头连接符 53"/>
+          <p:cNvCxnSpPr/>
+          <p:nvPr/>
+        </p:nvCxnSpPr>
+        <p:spPr>
+          <a:xfrm>
+            <a:off x="10060940" y="3561080"/>
+            <a:ext cx="0" cy="979805"/>
+          </a:xfrm>
+          <a:prstGeom prst="straightConnector1">
+            <a:avLst/>
+          </a:prstGeom>
+          <a:ln w="19050">
+            <a:solidFill>
+              <a:schemeClr val="tx1"/>
+            </a:solidFill>
+            <a:headEnd type="none" w="med" len="med"/>
+            <a:tailEnd type="triangle" w="med" len="med"/>
+          </a:ln>
+        </p:spPr>
+        <p:style>
+          <a:lnRef idx="1">
+            <a:schemeClr val="accent1"/>
+          </a:lnRef>
+          <a:fillRef idx="0">
+            <a:schemeClr val="accent1"/>
+          </a:fillRef>
+          <a:effectRef idx="0">
+            <a:schemeClr val="accent1"/>
+          </a:effectRef>
+          <a:fontRef idx="minor">
+            <a:schemeClr val="tx1"/>
+          </a:fontRef>
+        </p:style>
+      </p:cxnSp>
+      <p:sp>
+        <p:nvSpPr>
+          <p:cNvPr id="55" name="文本框 54"/>
+          <p:cNvSpPr txBox="1"/>
+          <p:nvPr/>
+        </p:nvSpPr>
+        <p:spPr>
+          <a:xfrm>
+            <a:off x="6357620" y="4390390"/>
+            <a:ext cx="2195195" cy="337185"/>
+          </a:xfrm>
+          <a:prstGeom prst="rect">
+            <a:avLst/>
+          </a:prstGeom>
+          <a:noFill/>
+        </p:spPr>
+        <p:txBody>
+          <a:bodyPr wrap="square" rtlCol="0">
+            <a:spAutoFit/>
+          </a:bodyPr>
+          <a:p>
+            <a:r>
+              <a:rPr lang="en-US" altLang="zh-CN" sz="1600"/>
+              <a:t>Function code &amp; data</a:t>
+            </a:r>
+            <a:endParaRPr lang="en-US" altLang="zh-CN"/>
+          </a:p>
+        </p:txBody>
+      </p:sp>
+      <p:sp>
+        <p:nvSpPr>
+          <p:cNvPr id="56" name="文本框 55"/>
+          <p:cNvSpPr txBox="1"/>
+          <p:nvPr/>
+        </p:nvSpPr>
+        <p:spPr>
+          <a:xfrm>
+            <a:off x="7753985" y="3733800"/>
+            <a:ext cx="1441450" cy="583565"/>
+          </a:xfrm>
+          <a:prstGeom prst="rect">
+            <a:avLst/>
+          </a:prstGeom>
+          <a:noFill/>
+        </p:spPr>
+        <p:txBody>
+          <a:bodyPr wrap="square" rtlCol="0">
+            <a:spAutoFit/>
+          </a:bodyPr>
+          <a:p>
+            <a:pPr algn="ctr"/>
+            <a:r>
+              <a:rPr lang="en-US" altLang="zh-CN" sz="1600"/>
+              <a:t>Function code </a:t>
+            </a:r>
+            <a:endParaRPr lang="en-US" altLang="zh-CN" sz="1600"/>
+          </a:p>
+          <a:p>
+            <a:pPr algn="ctr"/>
+            <a:r>
+              <a:rPr lang="en-US" altLang="zh-CN" sz="1600"/>
+              <a:t>&amp; data</a:t>
+            </a:r>
+            <a:endParaRPr lang="en-US" altLang="zh-CN"/>
+          </a:p>
+        </p:txBody>
+      </p:sp>
+      <p:sp>
+        <p:nvSpPr>
+          <p:cNvPr id="57" name="文本框 56"/>
+          <p:cNvSpPr txBox="1"/>
+          <p:nvPr/>
+        </p:nvSpPr>
+        <p:spPr>
+          <a:xfrm>
+            <a:off x="9322435" y="3733800"/>
+            <a:ext cx="823595" cy="337185"/>
+          </a:xfrm>
+          <a:prstGeom prst="rect">
+            <a:avLst/>
+          </a:prstGeom>
+          <a:noFill/>
+        </p:spPr>
+        <p:txBody>
+          <a:bodyPr wrap="square" rtlCol="0">
+            <a:spAutoFit/>
+          </a:bodyPr>
+          <a:p>
+            <a:pPr algn="ctr"/>
+            <a:r>
+              <a:rPr lang="en-US" altLang="zh-CN" sz="1600"/>
+              <a:t>result</a:t>
+            </a:r>
+            <a:endParaRPr lang="en-US" altLang="zh-CN"/>
+          </a:p>
+        </p:txBody>
+      </p:sp>
+      <p:cxnSp>
+        <p:nvCxnSpPr>
+          <p:cNvPr id="58" name="直接箭头连接符 57"/>
+          <p:cNvCxnSpPr/>
+          <p:nvPr/>
+        </p:nvCxnSpPr>
+        <p:spPr>
+          <a:xfrm flipH="1">
+            <a:off x="3194685" y="5294630"/>
+            <a:ext cx="5449570" cy="6350"/>
+          </a:xfrm>
+          <a:prstGeom prst="straightConnector1">
+            <a:avLst/>
+          </a:prstGeom>
+          <a:ln w="19050">
+            <a:solidFill>
+              <a:schemeClr val="tx1"/>
+            </a:solidFill>
+            <a:headEnd type="none" w="med" len="med"/>
+            <a:tailEnd type="none" w="med" len="med"/>
+          </a:ln>
+        </p:spPr>
+        <p:style>
+          <a:lnRef idx="1">
+            <a:schemeClr val="accent1"/>
+          </a:lnRef>
+          <a:fillRef idx="0">
+            <a:schemeClr val="accent1"/>
+          </a:fillRef>
+          <a:effectRef idx="0">
+            <a:schemeClr val="accent1"/>
+          </a:effectRef>
+          <a:fontRef idx="minor">
+            <a:schemeClr val="tx1"/>
+          </a:fontRef>
+        </p:style>
+      </p:cxnSp>
+      <p:sp>
+        <p:nvSpPr>
+          <p:cNvPr id="59" name="文本框 58"/>
+          <p:cNvSpPr txBox="1"/>
+          <p:nvPr/>
+        </p:nvSpPr>
+        <p:spPr>
+          <a:xfrm>
+            <a:off x="6496050" y="4948555"/>
+            <a:ext cx="823595" cy="337185"/>
+          </a:xfrm>
+          <a:prstGeom prst="rect">
+            <a:avLst/>
+          </a:prstGeom>
+          <a:noFill/>
+        </p:spPr>
+        <p:txBody>
+          <a:bodyPr wrap="square" rtlCol="0">
+            <a:spAutoFit/>
+          </a:bodyPr>
+          <a:p>
+            <a:pPr algn="ctr"/>
+            <a:r>
+              <a:rPr lang="en-US" altLang="zh-CN" sz="1600"/>
+              <a:t>result</a:t>
+            </a:r>
+            <a:endParaRPr lang="en-US" altLang="zh-CN"/>
+          </a:p>
+        </p:txBody>
+      </p:sp>
+      <p:cxnSp>
+        <p:nvCxnSpPr>
+          <p:cNvPr id="60" name="直接箭头连接符 59"/>
+          <p:cNvCxnSpPr>
+            <a:endCxn id="31" idx="2"/>
+          </p:cNvCxnSpPr>
+          <p:nvPr/>
+        </p:nvCxnSpPr>
+        <p:spPr>
+          <a:xfrm flipV="1">
+            <a:off x="3194685" y="4563745"/>
+            <a:ext cx="635" cy="728345"/>
+          </a:xfrm>
+          <a:prstGeom prst="straightConnector1">
+            <a:avLst/>
+          </a:prstGeom>
+          <a:ln w="19050">
+            <a:solidFill>
+              <a:schemeClr val="tx1"/>
+            </a:solidFill>
+            <a:headEnd type="none" w="med" len="med"/>
+            <a:tailEnd type="triangle" w="med" len="med"/>
+          </a:ln>
+        </p:spPr>
+        <p:style>
+          <a:lnRef idx="1">
+            <a:schemeClr val="accent1"/>
+          </a:lnRef>
+          <a:fillRef idx="0">
+            <a:schemeClr val="accent1"/>
+          </a:fillRef>
+          <a:effectRef idx="0">
+            <a:schemeClr val="accent1"/>
+          </a:effectRef>
+          <a:fontRef idx="minor">
+            <a:schemeClr val="tx1"/>
+          </a:fontRef>
+        </p:style>
+      </p:cxnSp>
+      <p:sp>
+        <p:nvSpPr>
+          <p:cNvPr id="4" name="太阳形 3"/>
+          <p:cNvSpPr/>
+          <p:nvPr/>
+        </p:nvSpPr>
+        <p:spPr>
+          <a:xfrm>
+            <a:off x="3763010" y="2332355"/>
+            <a:ext cx="363855" cy="386080"/>
+          </a:xfrm>
+          <a:prstGeom prst="sun">
+            <a:avLst/>
+          </a:prstGeom>
+          <a:solidFill>
+            <a:schemeClr val="accent4">
+              <a:lumMod val="60000"/>
+              <a:lumOff val="40000"/>
+            </a:schemeClr>
+          </a:solidFill>
+          <a:ln w="28575">
+            <a:noFill/>
+          </a:ln>
+        </p:spPr>
+        <p:style>
+          <a:lnRef idx="2">
+            <a:schemeClr val="accent1">
+              <a:shade val="50000"/>
+            </a:schemeClr>
+          </a:lnRef>
+          <a:fillRef idx="1">
+            <a:schemeClr val="accent1"/>
+          </a:fillRef>
+          <a:effectRef idx="0">
+            <a:schemeClr val="accent1"/>
+          </a:effectRef>
+          <a:fontRef idx="minor">
+            <a:schemeClr val="lt1"/>
+          </a:fontRef>
+        </p:style>
+        <p:txBody>
+          <a:bodyPr rtlCol="0" anchor="ctr"/>
+          <a:p>
+            <a:pPr algn="ctr"/>
+            <a:r>
+              <a:rPr lang="en-US" altLang="zh-CN" dirty="0">
+                <a:solidFill>
+                  <a:schemeClr val="tx1"/>
+                </a:solidFill>
+              </a:rPr>
+              <a:t>        </a:t>
+            </a:r>
+            <a:endParaRPr lang="en-US" altLang="zh-CN" dirty="0">
+              <a:solidFill>
+                <a:schemeClr val="tx1"/>
+              </a:solidFill>
+            </a:endParaRPr>
+          </a:p>
+        </p:txBody>
+      </p:sp>
+    </p:spTree>
+  </p:cSld>
+  <p:clrMapOvr>
+    <a:masterClrMapping/>
+  </p:clrMapOvr>
+  <p:timing>
+    <p:tnLst>
+      <p:par>
+        <p:cTn id="1" dur="indefinite" restart="never" nodeType="tmRoot">
+          <p:childTnLst>
+            <p:seq concurrent="1" nextAc="seek">
+              <p:cTn id="2" dur="indefinite" nodeType="mainSeq">
+                <p:childTnLst>
+                  <p:par>
+                    <p:cTn id="3" fill="hold">
+                      <p:stCondLst>
+                        <p:cond delay="indefinite"/>
+                      </p:stCondLst>
+                      <p:childTnLst>
+                        <p:par>
+                          <p:cTn id="4" fill="hold">
+                            <p:stCondLst>
+                              <p:cond delay="0"/>
+                            </p:stCondLst>
+                            <p:childTnLst>
+                              <p:par>
+                                <p:cTn id="5" presetID="0" presetClass="path" presetSubtype="0" accel="50000" decel="50000" fill="hold" grpId="0" nodeType="clickEffect">
+                                  <p:stCondLst>
+                                    <p:cond delay="0"/>
+                                  </p:stCondLst>
+                                  <p:childTnLst>
+                                    <p:animMotion origin="layout" path="M 0 0.00592593 L -0.0456771 0.261204 " pathEditMode="relative" rAng="0" ptsTypes="">
+                                      <p:cBhvr>
+                                        <p:cTn id="6" dur="500" fill="hold"/>
+                                        <p:tgtEl>
+                                          <p:spTgt spid="4"/>
+                                        </p:tgtEl>
+                                        <p:attrNameLst>
+                                          <p:attrName>ppt_x</p:attrName>
+                                          <p:attrName>ppt_y</p:attrName>
+                                        </p:attrNameLst>
+                                      </p:cBhvr>
+                                      <p:rCtr x="-20" y="114"/>
+                                    </p:animMotion>
+                                  </p:childTnLst>
+                                </p:cTn>
+                              </p:par>
+                            </p:childTnLst>
+                          </p:cTn>
+                        </p:par>
+                      </p:childTnLst>
+                    </p:cTn>
+                  </p:par>
+                  <p:par>
+                    <p:cTn id="7" fill="hold">
+                      <p:stCondLst>
+                        <p:cond delay="indefinite"/>
+                      </p:stCondLst>
+                      <p:childTnLst>
+                        <p:par>
+                          <p:cTn id="8" fill="hold">
+                            <p:stCondLst>
+                              <p:cond delay="0"/>
+                            </p:stCondLst>
+                            <p:childTnLst>
+                              <p:par>
+                                <p:cTn id="9" presetID="0" presetClass="path" presetSubtype="0" accel="50000" decel="50000" fill="hold" grpId="1" nodeType="clickEffect">
+                                  <p:stCondLst>
+                                    <p:cond delay="0"/>
+                                  </p:stCondLst>
+                                  <p:childTnLst>
+                                    <p:animMotion origin="layout" path="M -0.0498438 0.267037 L 0.035 0.290741 " pathEditMode="relative" ptsTypes="">
+                                      <p:cBhvr>
+                                        <p:cTn id="10" dur="500" fill="hold"/>
+                                        <p:tgtEl>
+                                          <p:spTgt spid="4"/>
+                                        </p:tgtEl>
+                                        <p:attrNameLst>
+                                          <p:attrName>ppt_x</p:attrName>
+                                          <p:attrName>ppt_y</p:attrName>
+                                        </p:attrNameLst>
+                                      </p:cBhvr>
+                                    </p:animMotion>
+                                  </p:childTnLst>
+                                </p:cTn>
+                              </p:par>
+                            </p:childTnLst>
+                          </p:cTn>
+                        </p:par>
+                      </p:childTnLst>
+                    </p:cTn>
+                  </p:par>
+                  <p:par>
+                    <p:cTn id="11" fill="hold">
+                      <p:stCondLst>
+                        <p:cond delay="indefinite"/>
+                      </p:stCondLst>
+                      <p:childTnLst>
+                        <p:par>
+                          <p:cTn id="12" fill="hold">
+                            <p:stCondLst>
+                              <p:cond delay="0"/>
+                            </p:stCondLst>
+                            <p:childTnLst>
+                              <p:par>
+                                <p:cTn id="13" presetID="0" presetClass="path" presetSubtype="0" accel="50000" decel="50000" fill="hold" grpId="2" nodeType="clickEffect">
+                                  <p:stCondLst>
+                                    <p:cond delay="0"/>
+                                  </p:stCondLst>
+                                  <p:childTnLst>
+                                    <p:animMotion origin="layout" path="M 0.0333333 0.290741 L 0.403594 0.305556 " pathEditMode="relative" ptsTypes="">
+                                      <p:cBhvr>
+                                        <p:cTn id="14" dur="500" fill="hold"/>
+                                        <p:tgtEl>
+                                          <p:spTgt spid="4"/>
+                                        </p:tgtEl>
+                                        <p:attrNameLst>
+                                          <p:attrName>ppt_x</p:attrName>
+                                          <p:attrName>ppt_y</p:attrName>
+                                        </p:attrNameLst>
+                                      </p:cBhvr>
+                                    </p:animMotion>
+                                  </p:childTnLst>
+                                </p:cTn>
+                              </p:par>
+                            </p:childTnLst>
+                          </p:cTn>
+                        </p:par>
+                      </p:childTnLst>
+                    </p:cTn>
+                  </p:par>
+                  <p:par>
+                    <p:cTn id="15" fill="hold">
+                      <p:stCondLst>
+                        <p:cond delay="indefinite"/>
+                      </p:stCondLst>
+                      <p:childTnLst>
+                        <p:par>
+                          <p:cTn id="16" fill="hold">
+                            <p:stCondLst>
+                              <p:cond delay="0"/>
+                            </p:stCondLst>
+                            <p:childTnLst>
+                              <p:par>
+                                <p:cTn id="17" presetID="0" presetClass="path" presetSubtype="0" accel="50000" decel="50000" fill="hold" grpId="3" nodeType="clickEffect">
+                                  <p:stCondLst>
+                                    <p:cond delay="0"/>
+                                  </p:stCondLst>
+                                  <p:childTnLst>
+                                    <p:animMotion origin="layout" path="M 0.386927 0.298148 L 0.0907812 0.234537 " pathEditMode="relative" ptsTypes="">
+                                      <p:cBhvr>
+                                        <p:cTn id="18" dur="500" fill="hold"/>
+                                        <p:tgtEl>
+                                          <p:spTgt spid="4"/>
+                                        </p:tgtEl>
+                                        <p:attrNameLst>
+                                          <p:attrName>ppt_x</p:attrName>
+                                          <p:attrName>ppt_y</p:attrName>
+                                        </p:attrNameLst>
+                                      </p:cBhvr>
+                                    </p:animMotion>
+                                  </p:childTnLst>
+                                </p:cTn>
+                              </p:par>
+                            </p:childTnLst>
+                          </p:cTn>
+                        </p:par>
+                      </p:childTnLst>
+                    </p:cTn>
+                  </p:par>
+                  <p:par>
+                    <p:cTn id="19" fill="hold">
+                      <p:stCondLst>
+                        <p:cond delay="indefinite"/>
+                      </p:stCondLst>
+                      <p:childTnLst>
+                        <p:par>
+                          <p:cTn id="20" fill="hold">
+                            <p:stCondLst>
+                              <p:cond delay="0"/>
+                            </p:stCondLst>
+                            <p:childTnLst>
+                              <p:par>
+                                <p:cTn id="21" presetID="0" presetClass="path" presetSubtype="0" accel="50000" decel="50000" fill="hold" grpId="4" nodeType="clickEffect">
+                                  <p:stCondLst>
+                                    <p:cond delay="0"/>
+                                  </p:stCondLst>
+                                  <p:childTnLst>
+                                    <p:animMotion origin="layout" path="M 0.0941146 0.216759 L 0.233854 0.101389 " pathEditMode="relative" ptsTypes="">
+                                      <p:cBhvr>
+                                        <p:cTn id="22" dur="500" fill="hold"/>
+                                        <p:tgtEl>
+                                          <p:spTgt spid="4"/>
+                                        </p:tgtEl>
+                                        <p:attrNameLst>
+                                          <p:attrName>ppt_x</p:attrName>
+                                          <p:attrName>ppt_y</p:attrName>
+                                        </p:attrNameLst>
+                                      </p:cBhvr>
+                                    </p:animMotion>
+                                  </p:childTnLst>
+                                </p:cTn>
+                              </p:par>
+                            </p:childTnLst>
+                          </p:cTn>
+                        </p:par>
+                      </p:childTnLst>
+                    </p:cTn>
+                  </p:par>
+                  <p:par>
+                    <p:cTn id="23" fill="hold">
+                      <p:stCondLst>
+                        <p:cond delay="indefinite"/>
+                      </p:stCondLst>
+                      <p:childTnLst>
+                        <p:par>
+                          <p:cTn id="24" fill="hold">
+                            <p:stCondLst>
+                              <p:cond delay="0"/>
+                            </p:stCondLst>
+                            <p:childTnLst>
+                              <p:par>
+                                <p:cTn id="25" presetID="0" presetClass="path" presetSubtype="0" accel="50000" decel="50000" fill="hold" grpId="5" nodeType="clickEffect">
+                                  <p:stCondLst>
+                                    <p:cond delay="0"/>
+                                  </p:stCondLst>
+                                  <p:childTnLst>
+                                    <p:animMotion origin="layout" path="M 0.233854 0.0984259 L 0.381927 0.0807407 " pathEditMode="relative" ptsTypes="">
+                                      <p:cBhvr>
+                                        <p:cTn id="26" dur="500" fill="hold"/>
+                                        <p:tgtEl>
+                                          <p:spTgt spid="4"/>
+                                        </p:tgtEl>
+                                        <p:attrNameLst>
+                                          <p:attrName>ppt_x</p:attrName>
+                                          <p:attrName>ppt_y</p:attrName>
+                                        </p:attrNameLst>
+                                      </p:cBhvr>
+                                    </p:animMotion>
+                                  </p:childTnLst>
+                                </p:cTn>
+                              </p:par>
+                            </p:childTnLst>
+                          </p:cTn>
+                        </p:par>
+                      </p:childTnLst>
+                    </p:cTn>
+                  </p:par>
+                  <p:par>
+                    <p:cTn id="27" fill="hold">
+                      <p:stCondLst>
+                        <p:cond delay="indefinite"/>
+                      </p:stCondLst>
+                      <p:childTnLst>
+                        <p:par>
+                          <p:cTn id="28" fill="hold">
+                            <p:stCondLst>
+                              <p:cond delay="0"/>
+                            </p:stCondLst>
+                            <p:childTnLst>
+                              <p:par>
+                                <p:cTn id="29" presetID="0" presetClass="path" presetSubtype="0" accel="50000" decel="50000" fill="hold" grpId="6" nodeType="clickEffect">
+                                  <p:stCondLst>
+                                    <p:cond delay="0"/>
+                                  </p:stCondLst>
+                                  <p:childTnLst>
+                                    <p:animMotion origin="layout" path="M 0.38276 0.0837037 L 0.478438 0.258241 " pathEditMode="relative" ptsTypes="">
+                                      <p:cBhvr>
+                                        <p:cTn id="30" dur="500" fill="hold"/>
+                                        <p:tgtEl>
+                                          <p:spTgt spid="4"/>
+                                        </p:tgtEl>
+                                        <p:attrNameLst>
+                                          <p:attrName>ppt_x</p:attrName>
+                                          <p:attrName>ppt_y</p:attrName>
+                                        </p:attrNameLst>
+                                      </p:cBhvr>
+                                    </p:animMotion>
+                                  </p:childTnLst>
+                                </p:cTn>
+                              </p:par>
+                            </p:childTnLst>
+                          </p:cTn>
+                        </p:par>
+                      </p:childTnLst>
+                    </p:cTn>
+                  </p:par>
+                  <p:par>
+                    <p:cTn id="31" fill="hold">
+                      <p:stCondLst>
+                        <p:cond delay="indefinite"/>
+                      </p:stCondLst>
+                      <p:childTnLst>
+                        <p:par>
+                          <p:cTn id="32" fill="hold">
+                            <p:stCondLst>
+                              <p:cond delay="0"/>
+                            </p:stCondLst>
+                            <p:childTnLst>
+                              <p:par>
+                                <p:cTn id="33" presetID="0" presetClass="path" presetSubtype="0" accel="50000" decel="50000" fill="hold" grpId="7" nodeType="clickEffect">
+                                  <p:stCondLst>
+                                    <p:cond delay="0"/>
+                                  </p:stCondLst>
+                                  <p:childTnLst>
+                                    <p:animMotion origin="layout" path="M 0.475937 0.272963 L -0.0381771 0.382407 " pathEditMode="relative" ptsTypes="">
+                                      <p:cBhvr>
+                                        <p:cTn id="34" dur="500" fill="hold"/>
+                                        <p:tgtEl>
+                                          <p:spTgt spid="4"/>
+                                        </p:tgtEl>
+                                        <p:attrNameLst>
+                                          <p:attrName>ppt_x</p:attrName>
+                                          <p:attrName>ppt_y</p:attrName>
+                                        </p:attrNameLst>
+                                      </p:cBhvr>
+                                    </p:animMotion>
+                                  </p:childTnLst>
+                                </p:cTn>
+                              </p:par>
+                            </p:childTnLst>
+                          </p:cTn>
+                        </p:par>
+                      </p:childTnLst>
+                    </p:cTn>
+                  </p:par>
+                </p:childTnLst>
+              </p:cTn>
+              <p:prevCondLst>
+                <p:cond evt="onPrev" delay="0">
+                  <p:tgtEl>
+                    <p:sldTgt/>
+                  </p:tgtEl>
+                </p:cond>
+              </p:prevCondLst>
+              <p:nextCondLst>
+                <p:cond evt="onNext" delay="0">
+                  <p:tgtEl>
+                    <p:sldTgt/>
+                  </p:tgtEl>
+                </p:cond>
+              </p:nextCondLst>
+            </p:seq>
+          </p:childTnLst>
+        </p:cTn>
+      </p:par>
+    </p:tnLst>
+    <p:bldLst>
+      <p:bldP spid="4" grpId="0" bldLvl="0" animBg="1"/>
+      <p:bldP spid="4" grpId="1" bldLvl="0" animBg="1"/>
+      <p:bldP spid="4" grpId="2" bldLvl="0" animBg="1"/>
+      <p:bldP spid="4" grpId="3" bldLvl="0" animBg="1"/>
+      <p:bldP spid="4" grpId="4" bldLvl="0" animBg="1"/>
+      <p:bldP spid="4" grpId="5" bldLvl="0" animBg="1"/>
+      <p:bldP spid="4" grpId="6" bldLvl="0" animBg="1"/>
+      <p:bldP spid="4" grpId="7" bldLvl="0" animBg="1"/>
+    </p:bldLst>
+  </p:timing>
+</p:sld>
+</file>
+
 <file path=ppt/slides/slide3.xml><?xml version="1.0" encoding="utf-8"?>
 <p:sld xmlns:a="http://schemas.openxmlformats.org/drawingml/2006/main" xmlns:r="http://schemas.openxmlformats.org/officeDocument/2006/relationships" xmlns:p="http://schemas.openxmlformats.org/presentationml/2006/main">
   <p:cSld>
@@ -48279,6 +50750,14 @@
 <file path=ppt/tags/tag1.xml><?xml version="1.0" encoding="utf-8"?>
 <p:tagLst xmlns:p="http://schemas.openxmlformats.org/presentationml/2006/main">
   <p:tag name="KSO_WM_UNIT_PLACING_PICTURE_USER_VIEWPORT" val="{&quot;height&quot;:5292,&quot;width&quot;:6900}"/>
+</p:tagLst>
+</file>
+
+<file path=ppt/tags/tag2.xml><?xml version="1.0" encoding="utf-8"?>
+<p:tagLst xmlns:p="http://schemas.openxmlformats.org/presentationml/2006/main">
+  <p:tag name="KSO_WM_UNIT_TABLE_BEAUTIFY" val="smartTable{684462c9-b9e8-466e-b42e-9dfab25d1906}"/>
+  <p:tag name="TABLE_ENDDRAG_ORIGIN_RECT" val="532*348"/>
+  <p:tag name="TABLE_ENDDRAG_RECT" val="229*115*532*348"/>
 </p:tagLst>
 </file>
 

--- a/meeting/作图.pptx
+++ b/meeting/作图.pptx
@@ -29,6 +29,7 @@
     <p:sldId id="598" r:id="rId22"/>
     <p:sldId id="599" r:id="rId23"/>
     <p:sldId id="600" r:id="rId24"/>
+    <p:sldId id="601" r:id="rId25"/>
   </p:sldIdLst>
   <p:sldSz cx="12192000" cy="6858000"/>
   <p:notesSz cx="6858000" cy="9144000"/>
@@ -1406,6 +1407,187 @@
 </file>
 
 <file path=ppt/notesSlides/notesSlide20.xml><?xml version="1.0" encoding="utf-8"?>
+<p:notes xmlns:a="http://schemas.openxmlformats.org/drawingml/2006/main" xmlns:r="http://schemas.openxmlformats.org/officeDocument/2006/relationships" xmlns:p="http://schemas.openxmlformats.org/presentationml/2006/main">
+  <p:cSld>
+    <p:spTree>
+      <p:nvGrpSpPr>
+        <p:cNvPr id="1" name=""/>
+        <p:cNvGrpSpPr/>
+        <p:nvPr/>
+      </p:nvGrpSpPr>
+      <p:grpSpPr/>
+      <p:sp>
+        <p:nvSpPr>
+          <p:cNvPr id="2" name="幻灯片图像占位符 1"/>
+          <p:cNvSpPr/>
+          <p:nvPr>
+            <p:ph type="sldImg" idx="2"/>
+          </p:nvPr>
+        </p:nvSpPr>
+        <p:spPr/>
+      </p:sp>
+      <p:sp>
+        <p:nvSpPr>
+          <p:cNvPr id="3" name="文本占位符 2"/>
+          <p:cNvSpPr/>
+          <p:nvPr>
+            <p:ph type="body" idx="3"/>
+          </p:nvPr>
+        </p:nvSpPr>
+        <p:spPr/>
+        <p:txBody>
+          <a:bodyPr/>
+          <a:p>
+            <a:r>
+              <a:rPr lang="en-US" altLang="zh-CN"/>
+              <a:t>* </a:t>
+            </a:r>
+            <a:r>
+              <a:rPr lang="zh-CN" altLang="en-US"/>
+              <a:t>首先</a:t>
+            </a:r>
+            <a:r>
+              <a:rPr lang="en-US" altLang="zh-CN"/>
+              <a:t>pywren</a:t>
+            </a:r>
+            <a:r>
+              <a:rPr lang="zh-CN" altLang="en-US"/>
+              <a:t>分为客户端和云端两部分：客户端运行在本地，云端需要云服务商的</a:t>
+            </a:r>
+            <a:r>
+              <a:rPr lang="en-US" altLang="zh-CN"/>
+              <a:t>serverless</a:t>
+            </a:r>
+            <a:r>
+              <a:rPr lang="zh-CN" altLang="en-US"/>
+              <a:t>服务</a:t>
+            </a:r>
+            <a:r>
+              <a:rPr lang="zh-CN" altLang="en-US"/>
+              <a:t>支持</a:t>
+            </a:r>
+            <a:endParaRPr lang="zh-CN" altLang="en-US"/>
+          </a:p>
+          <a:p>
+            <a:r>
+              <a:rPr lang="en-US" altLang="zh-CN"/>
+              <a:t>* </a:t>
+            </a:r>
+            <a:r>
+              <a:rPr lang="zh-CN" altLang="en-US"/>
+              <a:t>然后以</a:t>
+            </a:r>
+            <a:r>
+              <a:rPr lang="en-US" altLang="zh-CN"/>
+              <a:t>map</a:t>
+            </a:r>
+            <a:r>
+              <a:rPr lang="zh-CN" altLang="en-US"/>
+              <a:t>为例展示</a:t>
+            </a:r>
+            <a:r>
+              <a:rPr lang="en-US" altLang="zh-CN"/>
+              <a:t>pywren</a:t>
+            </a:r>
+            <a:r>
+              <a:rPr lang="zh-CN" altLang="en-US"/>
+              <a:t>的</a:t>
+            </a:r>
+            <a:r>
+              <a:rPr lang="en-US" altLang="zh-CN"/>
+              <a:t>workflow</a:t>
+            </a:r>
+            <a:endParaRPr lang="en-US" altLang="zh-CN"/>
+          </a:p>
+          <a:p>
+            <a:r>
+              <a:rPr lang="en-US" altLang="zh-CN"/>
+              <a:t>** </a:t>
+            </a:r>
+            <a:r>
+              <a:rPr lang="zh-CN" altLang="en-US"/>
+              <a:t>我们先看一下代码，用户只需要提供输入数据和函数，再调用</a:t>
+            </a:r>
+            <a:r>
+              <a:rPr lang="en-US" altLang="zh-CN"/>
+              <a:t>pywren</a:t>
+            </a:r>
+            <a:r>
+              <a:rPr lang="zh-CN" altLang="en-US"/>
+              <a:t>提供的</a:t>
+            </a:r>
+            <a:r>
+              <a:rPr lang="en-US" altLang="zh-CN"/>
+              <a:t>map api</a:t>
+            </a:r>
+            <a:r>
+              <a:rPr lang="zh-CN" altLang="en-US"/>
+              <a:t>，就可以自动将输入数据划分并且并发执行函数，这也是这篇</a:t>
+            </a:r>
+            <a:r>
+              <a:rPr lang="en-US" altLang="zh-CN"/>
+              <a:t>paper</a:t>
+            </a:r>
+            <a:r>
+              <a:rPr lang="zh-CN" altLang="en-US"/>
+              <a:t>的动机，简化用户在</a:t>
+            </a:r>
+            <a:r>
+              <a:rPr lang="en-US" altLang="zh-CN"/>
+              <a:t>serverless</a:t>
+            </a:r>
+            <a:r>
+              <a:rPr lang="zh-CN" altLang="en-US"/>
+              <a:t>平台上部署分布式计算应用的</a:t>
+            </a:r>
+            <a:r>
+              <a:rPr lang="zh-CN" altLang="en-US"/>
+              <a:t>开销</a:t>
+            </a:r>
+            <a:endParaRPr lang="zh-CN" altLang="en-US"/>
+          </a:p>
+          <a:p>
+            <a:r>
+              <a:rPr lang="en-US" altLang="zh-CN"/>
+              <a:t>** </a:t>
+            </a:r>
+            <a:r>
+              <a:rPr lang="zh-CN" altLang="en-US"/>
+              <a:t>那接着看</a:t>
+            </a:r>
+            <a:r>
+              <a:rPr lang="en-US" altLang="zh-CN"/>
+              <a:t>pywren</a:t>
+            </a:r>
+            <a:r>
+              <a:rPr lang="zh-CN" altLang="en-US"/>
+              <a:t>的</a:t>
+            </a:r>
+            <a:r>
+              <a:rPr lang="en-US" altLang="zh-CN"/>
+              <a:t>workflow</a:t>
+            </a:r>
+            <a:r>
+              <a:rPr lang="zh-CN" altLang="en-US"/>
+              <a:t>：首先客户端获取用户的代码，然后将代码和数据序列化保存到后端的</a:t>
+            </a:r>
+            <a:r>
+              <a:rPr lang="zh-CN" altLang="en-US"/>
+              <a:t>对象存储中</a:t>
+            </a:r>
+            <a:endParaRPr lang="zh-CN" altLang="en-US"/>
+          </a:p>
+        </p:txBody>
+      </p:sp>
+    </p:spTree>
+  </p:cSld>
+  <p:clrMapOvr>
+    <a:masterClrMapping/>
+  </p:clrMapOvr>
+</p:notes>
+</file>
+
+<file path=ppt/notesSlides/notesSlide21.xml><?xml version="1.0" encoding="utf-8"?>
 <p:notes xmlns:a="http://schemas.openxmlformats.org/drawingml/2006/main" xmlns:r="http://schemas.openxmlformats.org/officeDocument/2006/relationships" xmlns:p="http://schemas.openxmlformats.org/presentationml/2006/main">
   <p:cSld>
     <p:spTree>
@@ -42746,6 +42928,4976 @@
 </p:sld>
 </file>
 
+<file path=ppt/slides/slide22.xml><?xml version="1.0" encoding="utf-8"?>
+<p:sld xmlns:a="http://schemas.openxmlformats.org/drawingml/2006/main" xmlns:r="http://schemas.openxmlformats.org/officeDocument/2006/relationships" xmlns:p="http://schemas.openxmlformats.org/presentationml/2006/main">
+  <p:cSld>
+    <p:spTree>
+      <p:nvGrpSpPr>
+        <p:cNvPr id="1" name=""/>
+        <p:cNvGrpSpPr/>
+        <p:nvPr/>
+      </p:nvGrpSpPr>
+      <p:grpSpPr/>
+      <p:sp>
+        <p:nvSpPr>
+          <p:cNvPr id="2" name="标题 1"/>
+          <p:cNvSpPr>
+            <a:spLocks noGrp="1"/>
+          </p:cNvSpPr>
+          <p:nvPr>
+            <p:ph type="title"/>
+          </p:nvPr>
+        </p:nvSpPr>
+        <p:spPr/>
+        <p:txBody>
+          <a:bodyPr/>
+          <a:p>
+            <a:r>
+              <a:rPr lang="en-US" altLang="zh-CN"/>
+              <a:t>Decentralized schedule + Multistage </a:t>
+            </a:r>
+            <a:r>
+              <a:rPr lang="en-US" altLang="zh-CN"/>
+              <a:t>shuffle</a:t>
+            </a:r>
+            <a:endParaRPr lang="en-US" altLang="zh-CN"/>
+          </a:p>
+        </p:txBody>
+      </p:sp>
+      <p:cxnSp>
+        <p:nvCxnSpPr>
+          <p:cNvPr id="87" name="直接箭头连接符 86"/>
+          <p:cNvCxnSpPr>
+            <a:stCxn id="100" idx="6"/>
+            <a:endCxn id="124" idx="2"/>
+          </p:cNvCxnSpPr>
+          <p:nvPr/>
+        </p:nvCxnSpPr>
+        <p:spPr>
+          <a:xfrm>
+            <a:off x="10280015" y="3589655"/>
+            <a:ext cx="0" cy="659765"/>
+          </a:xfrm>
+          <a:prstGeom prst="straightConnector1">
+            <a:avLst/>
+          </a:prstGeom>
+          <a:ln>
+            <a:tailEnd type="arrow" w="med" len="med"/>
+          </a:ln>
+        </p:spPr>
+        <p:style>
+          <a:lnRef idx="1">
+            <a:schemeClr val="dk1"/>
+          </a:lnRef>
+          <a:fillRef idx="0">
+            <a:schemeClr val="dk1"/>
+          </a:fillRef>
+          <a:effectRef idx="0">
+            <a:schemeClr val="dk1"/>
+          </a:effectRef>
+          <a:fontRef idx="minor">
+            <a:schemeClr val="tx1"/>
+          </a:fontRef>
+        </p:style>
+      </p:cxnSp>
+      <p:cxnSp>
+        <p:nvCxnSpPr>
+          <p:cNvPr id="89" name="直接箭头连接符 88"/>
+          <p:cNvCxnSpPr>
+            <a:stCxn id="113" idx="6"/>
+            <a:endCxn id="125" idx="2"/>
+          </p:cNvCxnSpPr>
+          <p:nvPr/>
+        </p:nvCxnSpPr>
+        <p:spPr>
+          <a:xfrm>
+            <a:off x="9986010" y="3589655"/>
+            <a:ext cx="2540" cy="659765"/>
+          </a:xfrm>
+          <a:prstGeom prst="straightConnector1">
+            <a:avLst/>
+          </a:prstGeom>
+          <a:ln>
+            <a:tailEnd type="arrow" w="med" len="med"/>
+          </a:ln>
+        </p:spPr>
+        <p:style>
+          <a:lnRef idx="1">
+            <a:schemeClr val="dk1"/>
+          </a:lnRef>
+          <a:fillRef idx="0">
+            <a:schemeClr val="dk1"/>
+          </a:fillRef>
+          <a:effectRef idx="0">
+            <a:schemeClr val="dk1"/>
+          </a:effectRef>
+          <a:fontRef idx="minor">
+            <a:schemeClr val="tx1"/>
+          </a:fontRef>
+        </p:style>
+      </p:cxnSp>
+      <p:cxnSp>
+        <p:nvCxnSpPr>
+          <p:cNvPr id="90" name="直接箭头连接符 89"/>
+          <p:cNvCxnSpPr>
+            <a:stCxn id="99" idx="6"/>
+            <a:endCxn id="124" idx="2"/>
+          </p:cNvCxnSpPr>
+          <p:nvPr/>
+        </p:nvCxnSpPr>
+        <p:spPr>
+          <a:xfrm flipH="1">
+            <a:off x="10280015" y="3590290"/>
+            <a:ext cx="294640" cy="659765"/>
+          </a:xfrm>
+          <a:prstGeom prst="straightConnector1">
+            <a:avLst/>
+          </a:prstGeom>
+          <a:ln>
+            <a:tailEnd type="arrow" w="med" len="med"/>
+          </a:ln>
+        </p:spPr>
+        <p:style>
+          <a:lnRef idx="1">
+            <a:schemeClr val="dk1"/>
+          </a:lnRef>
+          <a:fillRef idx="0">
+            <a:schemeClr val="dk1"/>
+          </a:fillRef>
+          <a:effectRef idx="0">
+            <a:schemeClr val="dk1"/>
+          </a:effectRef>
+          <a:fontRef idx="minor">
+            <a:schemeClr val="tx1"/>
+          </a:fontRef>
+        </p:style>
+      </p:cxnSp>
+      <p:cxnSp>
+        <p:nvCxnSpPr>
+          <p:cNvPr id="91" name="直接箭头连接符 90"/>
+          <p:cNvCxnSpPr>
+            <a:stCxn id="99" idx="6"/>
+            <a:endCxn id="125" idx="2"/>
+          </p:cNvCxnSpPr>
+          <p:nvPr/>
+        </p:nvCxnSpPr>
+        <p:spPr>
+          <a:xfrm flipH="1">
+            <a:off x="9989185" y="3590290"/>
+            <a:ext cx="585470" cy="659765"/>
+          </a:xfrm>
+          <a:prstGeom prst="straightConnector1">
+            <a:avLst/>
+          </a:prstGeom>
+          <a:ln>
+            <a:tailEnd type="arrow" w="med" len="med"/>
+          </a:ln>
+        </p:spPr>
+        <p:style>
+          <a:lnRef idx="1">
+            <a:schemeClr val="dk1"/>
+          </a:lnRef>
+          <a:fillRef idx="0">
+            <a:schemeClr val="dk1"/>
+          </a:fillRef>
+          <a:effectRef idx="0">
+            <a:schemeClr val="dk1"/>
+          </a:effectRef>
+          <a:fontRef idx="minor">
+            <a:schemeClr val="tx1"/>
+          </a:fontRef>
+        </p:style>
+      </p:cxnSp>
+      <p:cxnSp>
+        <p:nvCxnSpPr>
+          <p:cNvPr id="93" name="直接箭头连接符 92"/>
+          <p:cNvCxnSpPr>
+            <a:stCxn id="100" idx="6"/>
+            <a:endCxn id="125" idx="2"/>
+          </p:cNvCxnSpPr>
+          <p:nvPr/>
+        </p:nvCxnSpPr>
+        <p:spPr>
+          <a:xfrm flipH="1">
+            <a:off x="9988550" y="3589655"/>
+            <a:ext cx="291465" cy="659765"/>
+          </a:xfrm>
+          <a:prstGeom prst="straightConnector1">
+            <a:avLst/>
+          </a:prstGeom>
+          <a:ln>
+            <a:tailEnd type="arrow" w="med" len="med"/>
+          </a:ln>
+        </p:spPr>
+        <p:style>
+          <a:lnRef idx="1">
+            <a:schemeClr val="dk1"/>
+          </a:lnRef>
+          <a:fillRef idx="0">
+            <a:schemeClr val="dk1"/>
+          </a:fillRef>
+          <a:effectRef idx="0">
+            <a:schemeClr val="dk1"/>
+          </a:effectRef>
+          <a:fontRef idx="minor">
+            <a:schemeClr val="tx1"/>
+          </a:fontRef>
+        </p:style>
+      </p:cxnSp>
+      <p:cxnSp>
+        <p:nvCxnSpPr>
+          <p:cNvPr id="95" name="直接箭头连接符 94"/>
+          <p:cNvCxnSpPr>
+            <a:stCxn id="113" idx="6"/>
+            <a:endCxn id="124" idx="2"/>
+          </p:cNvCxnSpPr>
+          <p:nvPr/>
+        </p:nvCxnSpPr>
+        <p:spPr>
+          <a:xfrm>
+            <a:off x="9986010" y="3589655"/>
+            <a:ext cx="294005" cy="659765"/>
+          </a:xfrm>
+          <a:prstGeom prst="straightConnector1">
+            <a:avLst/>
+          </a:prstGeom>
+          <a:ln>
+            <a:tailEnd type="arrow" w="med" len="med"/>
+          </a:ln>
+        </p:spPr>
+        <p:style>
+          <a:lnRef idx="1">
+            <a:schemeClr val="dk1"/>
+          </a:lnRef>
+          <a:fillRef idx="0">
+            <a:schemeClr val="dk1"/>
+          </a:fillRef>
+          <a:effectRef idx="0">
+            <a:schemeClr val="dk1"/>
+          </a:effectRef>
+          <a:fontRef idx="minor">
+            <a:schemeClr val="tx1"/>
+          </a:fontRef>
+        </p:style>
+      </p:cxnSp>
+      <p:cxnSp>
+        <p:nvCxnSpPr>
+          <p:cNvPr id="97" name="直接箭头连接符 96"/>
+          <p:cNvCxnSpPr>
+            <a:stCxn id="114" idx="6"/>
+            <a:endCxn id="124" idx="2"/>
+          </p:cNvCxnSpPr>
+          <p:nvPr/>
+        </p:nvCxnSpPr>
+        <p:spPr>
+          <a:xfrm>
+            <a:off x="9697085" y="3589655"/>
+            <a:ext cx="582930" cy="659765"/>
+          </a:xfrm>
+          <a:prstGeom prst="straightConnector1">
+            <a:avLst/>
+          </a:prstGeom>
+          <a:ln>
+            <a:tailEnd type="arrow" w="med" len="med"/>
+          </a:ln>
+        </p:spPr>
+        <p:style>
+          <a:lnRef idx="1">
+            <a:schemeClr val="dk1"/>
+          </a:lnRef>
+          <a:fillRef idx="0">
+            <a:schemeClr val="dk1"/>
+          </a:fillRef>
+          <a:effectRef idx="0">
+            <a:schemeClr val="dk1"/>
+          </a:effectRef>
+          <a:fontRef idx="minor">
+            <a:schemeClr val="tx1"/>
+          </a:fontRef>
+        </p:style>
+      </p:cxnSp>
+      <p:cxnSp>
+        <p:nvCxnSpPr>
+          <p:cNvPr id="98" name="直接箭头连接符 97"/>
+          <p:cNvCxnSpPr>
+            <a:stCxn id="114" idx="6"/>
+            <a:endCxn id="125" idx="2"/>
+          </p:cNvCxnSpPr>
+          <p:nvPr/>
+        </p:nvCxnSpPr>
+        <p:spPr>
+          <a:xfrm>
+            <a:off x="9697085" y="3589655"/>
+            <a:ext cx="291465" cy="659765"/>
+          </a:xfrm>
+          <a:prstGeom prst="straightConnector1">
+            <a:avLst/>
+          </a:prstGeom>
+          <a:ln>
+            <a:tailEnd type="arrow" w="med" len="med"/>
+          </a:ln>
+        </p:spPr>
+        <p:style>
+          <a:lnRef idx="1">
+            <a:schemeClr val="dk1"/>
+          </a:lnRef>
+          <a:fillRef idx="0">
+            <a:schemeClr val="dk1"/>
+          </a:fillRef>
+          <a:effectRef idx="0">
+            <a:schemeClr val="dk1"/>
+          </a:effectRef>
+          <a:fontRef idx="minor">
+            <a:schemeClr val="tx1"/>
+          </a:fontRef>
+        </p:style>
+      </p:cxnSp>
+      <p:sp>
+        <p:nvSpPr>
+          <p:cNvPr id="99" name="椭圆 98"/>
+          <p:cNvSpPr/>
+          <p:nvPr/>
+        </p:nvSpPr>
+        <p:spPr>
+          <a:xfrm rot="5400000">
+            <a:off x="10469880" y="3383280"/>
+            <a:ext cx="210185" cy="203200"/>
+          </a:xfrm>
+          <a:prstGeom prst="ellipse">
+            <a:avLst/>
+          </a:prstGeom>
+          <a:solidFill>
+            <a:schemeClr val="accent4"/>
+          </a:solidFill>
+        </p:spPr>
+        <p:style>
+          <a:lnRef idx="2">
+            <a:schemeClr val="accent1">
+              <a:shade val="50000"/>
+            </a:schemeClr>
+          </a:lnRef>
+          <a:fillRef idx="1">
+            <a:schemeClr val="accent1"/>
+          </a:fillRef>
+          <a:effectRef idx="0">
+            <a:schemeClr val="accent1"/>
+          </a:effectRef>
+          <a:fontRef idx="minor">
+            <a:schemeClr val="lt1"/>
+          </a:fontRef>
+        </p:style>
+        <p:txBody>
+          <a:bodyPr rtlCol="0" anchor="ctr"/>
+          <a:p>
+            <a:pPr algn="ctr"/>
+            <a:endParaRPr lang="zh-CN" altLang="en-US"/>
+          </a:p>
+        </p:txBody>
+      </p:sp>
+      <p:sp>
+        <p:nvSpPr>
+          <p:cNvPr id="100" name="椭圆 99"/>
+          <p:cNvSpPr/>
+          <p:nvPr/>
+        </p:nvSpPr>
+        <p:spPr>
+          <a:xfrm rot="5400000">
+            <a:off x="10175240" y="3383280"/>
+            <a:ext cx="210185" cy="203200"/>
+          </a:xfrm>
+          <a:prstGeom prst="ellipse">
+            <a:avLst/>
+          </a:prstGeom>
+          <a:solidFill>
+            <a:schemeClr val="accent4"/>
+          </a:solidFill>
+        </p:spPr>
+        <p:style>
+          <a:lnRef idx="2">
+            <a:schemeClr val="accent1">
+              <a:shade val="50000"/>
+            </a:schemeClr>
+          </a:lnRef>
+          <a:fillRef idx="1">
+            <a:schemeClr val="accent1"/>
+          </a:fillRef>
+          <a:effectRef idx="0">
+            <a:schemeClr val="accent1"/>
+          </a:effectRef>
+          <a:fontRef idx="minor">
+            <a:schemeClr val="lt1"/>
+          </a:fontRef>
+        </p:style>
+        <p:txBody>
+          <a:bodyPr rtlCol="0" anchor="ctr"/>
+          <a:p>
+            <a:pPr algn="ctr"/>
+            <a:endParaRPr lang="zh-CN" altLang="en-US"/>
+          </a:p>
+        </p:txBody>
+      </p:sp>
+      <p:sp>
+        <p:nvSpPr>
+          <p:cNvPr id="113" name="椭圆 112"/>
+          <p:cNvSpPr/>
+          <p:nvPr/>
+        </p:nvSpPr>
+        <p:spPr>
+          <a:xfrm rot="5400000">
+            <a:off x="9881235" y="3383280"/>
+            <a:ext cx="210185" cy="203200"/>
+          </a:xfrm>
+          <a:prstGeom prst="ellipse">
+            <a:avLst/>
+          </a:prstGeom>
+          <a:solidFill>
+            <a:schemeClr val="accent4"/>
+          </a:solidFill>
+        </p:spPr>
+        <p:style>
+          <a:lnRef idx="2">
+            <a:schemeClr val="accent1">
+              <a:shade val="50000"/>
+            </a:schemeClr>
+          </a:lnRef>
+          <a:fillRef idx="1">
+            <a:schemeClr val="accent1"/>
+          </a:fillRef>
+          <a:effectRef idx="0">
+            <a:schemeClr val="accent1"/>
+          </a:effectRef>
+          <a:fontRef idx="minor">
+            <a:schemeClr val="lt1"/>
+          </a:fontRef>
+        </p:style>
+        <p:txBody>
+          <a:bodyPr rtlCol="0" anchor="ctr"/>
+          <a:p>
+            <a:pPr algn="ctr"/>
+            <a:endParaRPr lang="zh-CN" altLang="en-US"/>
+          </a:p>
+        </p:txBody>
+      </p:sp>
+      <p:sp>
+        <p:nvSpPr>
+          <p:cNvPr id="114" name="椭圆 113"/>
+          <p:cNvSpPr/>
+          <p:nvPr/>
+        </p:nvSpPr>
+        <p:spPr>
+          <a:xfrm rot="5400000">
+            <a:off x="9592945" y="3382645"/>
+            <a:ext cx="210185" cy="203200"/>
+          </a:xfrm>
+          <a:prstGeom prst="ellipse">
+            <a:avLst/>
+          </a:prstGeom>
+          <a:solidFill>
+            <a:schemeClr val="accent4"/>
+          </a:solidFill>
+        </p:spPr>
+        <p:style>
+          <a:lnRef idx="2">
+            <a:schemeClr val="accent1">
+              <a:shade val="50000"/>
+            </a:schemeClr>
+          </a:lnRef>
+          <a:fillRef idx="1">
+            <a:schemeClr val="accent1"/>
+          </a:fillRef>
+          <a:effectRef idx="0">
+            <a:schemeClr val="accent1"/>
+          </a:effectRef>
+          <a:fontRef idx="minor">
+            <a:schemeClr val="lt1"/>
+          </a:fontRef>
+        </p:style>
+        <p:txBody>
+          <a:bodyPr rtlCol="0" anchor="ctr"/>
+          <a:p>
+            <a:pPr algn="ctr"/>
+            <a:endParaRPr lang="zh-CN" altLang="en-US"/>
+          </a:p>
+        </p:txBody>
+      </p:sp>
+      <p:sp>
+        <p:nvSpPr>
+          <p:cNvPr id="124" name="椭圆 123"/>
+          <p:cNvSpPr/>
+          <p:nvPr/>
+        </p:nvSpPr>
+        <p:spPr>
+          <a:xfrm rot="5400000">
+            <a:off x="10175240" y="4253230"/>
+            <a:ext cx="210185" cy="203200"/>
+          </a:xfrm>
+          <a:prstGeom prst="ellipse">
+            <a:avLst/>
+          </a:prstGeom>
+          <a:solidFill>
+            <a:schemeClr val="accent4"/>
+          </a:solidFill>
+        </p:spPr>
+        <p:style>
+          <a:lnRef idx="2">
+            <a:schemeClr val="accent1">
+              <a:shade val="50000"/>
+            </a:schemeClr>
+          </a:lnRef>
+          <a:fillRef idx="1">
+            <a:schemeClr val="accent1"/>
+          </a:fillRef>
+          <a:effectRef idx="0">
+            <a:schemeClr val="accent1"/>
+          </a:effectRef>
+          <a:fontRef idx="minor">
+            <a:schemeClr val="lt1"/>
+          </a:fontRef>
+        </p:style>
+        <p:txBody>
+          <a:bodyPr rtlCol="0" anchor="ctr"/>
+          <a:p>
+            <a:pPr algn="ctr"/>
+            <a:endParaRPr lang="zh-CN" altLang="en-US"/>
+          </a:p>
+        </p:txBody>
+      </p:sp>
+      <p:sp>
+        <p:nvSpPr>
+          <p:cNvPr id="125" name="椭圆 124"/>
+          <p:cNvSpPr/>
+          <p:nvPr/>
+        </p:nvSpPr>
+        <p:spPr>
+          <a:xfrm rot="5400000">
+            <a:off x="9883775" y="4253230"/>
+            <a:ext cx="210185" cy="203200"/>
+          </a:xfrm>
+          <a:prstGeom prst="ellipse">
+            <a:avLst/>
+          </a:prstGeom>
+          <a:solidFill>
+            <a:schemeClr val="accent4"/>
+          </a:solidFill>
+        </p:spPr>
+        <p:style>
+          <a:lnRef idx="2">
+            <a:schemeClr val="accent1">
+              <a:shade val="50000"/>
+            </a:schemeClr>
+          </a:lnRef>
+          <a:fillRef idx="1">
+            <a:schemeClr val="accent1"/>
+          </a:fillRef>
+          <a:effectRef idx="0">
+            <a:schemeClr val="accent1"/>
+          </a:effectRef>
+          <a:fontRef idx="minor">
+            <a:schemeClr val="lt1"/>
+          </a:fontRef>
+        </p:style>
+        <p:txBody>
+          <a:bodyPr rtlCol="0" anchor="ctr"/>
+          <a:p>
+            <a:pPr algn="ctr"/>
+            <a:endParaRPr lang="zh-CN" altLang="en-US"/>
+          </a:p>
+        </p:txBody>
+      </p:sp>
+      <p:cxnSp>
+        <p:nvCxnSpPr>
+          <p:cNvPr id="106" name="直接箭头连接符 105"/>
+          <p:cNvCxnSpPr>
+            <a:stCxn id="117" idx="6"/>
+            <a:endCxn id="120" idx="2"/>
+          </p:cNvCxnSpPr>
+          <p:nvPr/>
+        </p:nvCxnSpPr>
+        <p:spPr>
+          <a:xfrm>
+            <a:off x="8748395" y="3589655"/>
+            <a:ext cx="0" cy="659765"/>
+          </a:xfrm>
+          <a:prstGeom prst="straightConnector1">
+            <a:avLst/>
+          </a:prstGeom>
+          <a:ln>
+            <a:tailEnd type="arrow" w="med" len="med"/>
+          </a:ln>
+        </p:spPr>
+        <p:style>
+          <a:lnRef idx="1">
+            <a:schemeClr val="dk1"/>
+          </a:lnRef>
+          <a:fillRef idx="0">
+            <a:schemeClr val="dk1"/>
+          </a:fillRef>
+          <a:effectRef idx="0">
+            <a:schemeClr val="dk1"/>
+          </a:effectRef>
+          <a:fontRef idx="minor">
+            <a:schemeClr val="tx1"/>
+          </a:fontRef>
+        </p:style>
+      </p:cxnSp>
+      <p:cxnSp>
+        <p:nvCxnSpPr>
+          <p:cNvPr id="107" name="直接箭头连接符 106"/>
+          <p:cNvCxnSpPr>
+            <a:stCxn id="118" idx="6"/>
+            <a:endCxn id="121" idx="2"/>
+          </p:cNvCxnSpPr>
+          <p:nvPr/>
+        </p:nvCxnSpPr>
+        <p:spPr>
+          <a:xfrm>
+            <a:off x="8454390" y="3589655"/>
+            <a:ext cx="2540" cy="659765"/>
+          </a:xfrm>
+          <a:prstGeom prst="straightConnector1">
+            <a:avLst/>
+          </a:prstGeom>
+          <a:ln>
+            <a:tailEnd type="arrow" w="med" len="med"/>
+          </a:ln>
+        </p:spPr>
+        <p:style>
+          <a:lnRef idx="1">
+            <a:schemeClr val="dk1"/>
+          </a:lnRef>
+          <a:fillRef idx="0">
+            <a:schemeClr val="dk1"/>
+          </a:fillRef>
+          <a:effectRef idx="0">
+            <a:schemeClr val="dk1"/>
+          </a:effectRef>
+          <a:fontRef idx="minor">
+            <a:schemeClr val="tx1"/>
+          </a:fontRef>
+        </p:style>
+      </p:cxnSp>
+      <p:cxnSp>
+        <p:nvCxnSpPr>
+          <p:cNvPr id="108" name="直接箭头连接符 107"/>
+          <p:cNvCxnSpPr>
+            <a:stCxn id="116" idx="6"/>
+            <a:endCxn id="120" idx="2"/>
+          </p:cNvCxnSpPr>
+          <p:nvPr/>
+        </p:nvCxnSpPr>
+        <p:spPr>
+          <a:xfrm flipH="1">
+            <a:off x="8748395" y="3589655"/>
+            <a:ext cx="294640" cy="659765"/>
+          </a:xfrm>
+          <a:prstGeom prst="straightConnector1">
+            <a:avLst/>
+          </a:prstGeom>
+          <a:ln>
+            <a:tailEnd type="arrow" w="med" len="med"/>
+          </a:ln>
+        </p:spPr>
+        <p:style>
+          <a:lnRef idx="1">
+            <a:schemeClr val="dk1"/>
+          </a:lnRef>
+          <a:fillRef idx="0">
+            <a:schemeClr val="dk1"/>
+          </a:fillRef>
+          <a:effectRef idx="0">
+            <a:schemeClr val="dk1"/>
+          </a:effectRef>
+          <a:fontRef idx="minor">
+            <a:schemeClr val="tx1"/>
+          </a:fontRef>
+        </p:style>
+      </p:cxnSp>
+      <p:cxnSp>
+        <p:nvCxnSpPr>
+          <p:cNvPr id="109" name="直接箭头连接符 108"/>
+          <p:cNvCxnSpPr>
+            <a:stCxn id="116" idx="6"/>
+            <a:endCxn id="121" idx="2"/>
+          </p:cNvCxnSpPr>
+          <p:nvPr/>
+        </p:nvCxnSpPr>
+        <p:spPr>
+          <a:xfrm flipH="1">
+            <a:off x="8457565" y="3589655"/>
+            <a:ext cx="585470" cy="659765"/>
+          </a:xfrm>
+          <a:prstGeom prst="straightConnector1">
+            <a:avLst/>
+          </a:prstGeom>
+          <a:ln>
+            <a:tailEnd type="arrow" w="med" len="med"/>
+          </a:ln>
+        </p:spPr>
+        <p:style>
+          <a:lnRef idx="1">
+            <a:schemeClr val="dk1"/>
+          </a:lnRef>
+          <a:fillRef idx="0">
+            <a:schemeClr val="dk1"/>
+          </a:fillRef>
+          <a:effectRef idx="0">
+            <a:schemeClr val="dk1"/>
+          </a:effectRef>
+          <a:fontRef idx="minor">
+            <a:schemeClr val="tx1"/>
+          </a:fontRef>
+        </p:style>
+      </p:cxnSp>
+      <p:cxnSp>
+        <p:nvCxnSpPr>
+          <p:cNvPr id="110" name="直接箭头连接符 109"/>
+          <p:cNvCxnSpPr>
+            <a:stCxn id="117" idx="6"/>
+            <a:endCxn id="121" idx="2"/>
+          </p:cNvCxnSpPr>
+          <p:nvPr/>
+        </p:nvCxnSpPr>
+        <p:spPr>
+          <a:xfrm flipH="1">
+            <a:off x="8457565" y="3589655"/>
+            <a:ext cx="291465" cy="659765"/>
+          </a:xfrm>
+          <a:prstGeom prst="straightConnector1">
+            <a:avLst/>
+          </a:prstGeom>
+          <a:ln>
+            <a:tailEnd type="arrow" w="med" len="med"/>
+          </a:ln>
+        </p:spPr>
+        <p:style>
+          <a:lnRef idx="1">
+            <a:schemeClr val="dk1"/>
+          </a:lnRef>
+          <a:fillRef idx="0">
+            <a:schemeClr val="dk1"/>
+          </a:fillRef>
+          <a:effectRef idx="0">
+            <a:schemeClr val="dk1"/>
+          </a:effectRef>
+          <a:fontRef idx="minor">
+            <a:schemeClr val="tx1"/>
+          </a:fontRef>
+        </p:style>
+      </p:cxnSp>
+      <p:cxnSp>
+        <p:nvCxnSpPr>
+          <p:cNvPr id="111" name="直接箭头连接符 110"/>
+          <p:cNvCxnSpPr>
+            <a:stCxn id="118" idx="6"/>
+            <a:endCxn id="120" idx="2"/>
+          </p:cNvCxnSpPr>
+          <p:nvPr/>
+        </p:nvCxnSpPr>
+        <p:spPr>
+          <a:xfrm>
+            <a:off x="8454390" y="3589655"/>
+            <a:ext cx="294005" cy="659765"/>
+          </a:xfrm>
+          <a:prstGeom prst="straightConnector1">
+            <a:avLst/>
+          </a:prstGeom>
+          <a:ln>
+            <a:tailEnd type="arrow" w="med" len="med"/>
+          </a:ln>
+        </p:spPr>
+        <p:style>
+          <a:lnRef idx="1">
+            <a:schemeClr val="dk1"/>
+          </a:lnRef>
+          <a:fillRef idx="0">
+            <a:schemeClr val="dk1"/>
+          </a:fillRef>
+          <a:effectRef idx="0">
+            <a:schemeClr val="dk1"/>
+          </a:effectRef>
+          <a:fontRef idx="minor">
+            <a:schemeClr val="tx1"/>
+          </a:fontRef>
+        </p:style>
+      </p:cxnSp>
+      <p:cxnSp>
+        <p:nvCxnSpPr>
+          <p:cNvPr id="112" name="直接箭头连接符 111"/>
+          <p:cNvCxnSpPr>
+            <a:stCxn id="119" idx="6"/>
+            <a:endCxn id="120" idx="2"/>
+          </p:cNvCxnSpPr>
+          <p:nvPr/>
+        </p:nvCxnSpPr>
+        <p:spPr>
+          <a:xfrm>
+            <a:off x="8166100" y="3589020"/>
+            <a:ext cx="582930" cy="659765"/>
+          </a:xfrm>
+          <a:prstGeom prst="straightConnector1">
+            <a:avLst/>
+          </a:prstGeom>
+          <a:ln>
+            <a:tailEnd type="arrow" w="med" len="med"/>
+          </a:ln>
+        </p:spPr>
+        <p:style>
+          <a:lnRef idx="1">
+            <a:schemeClr val="dk1"/>
+          </a:lnRef>
+          <a:fillRef idx="0">
+            <a:schemeClr val="dk1"/>
+          </a:fillRef>
+          <a:effectRef idx="0">
+            <a:schemeClr val="dk1"/>
+          </a:effectRef>
+          <a:fontRef idx="minor">
+            <a:schemeClr val="tx1"/>
+          </a:fontRef>
+        </p:style>
+      </p:cxnSp>
+      <p:cxnSp>
+        <p:nvCxnSpPr>
+          <p:cNvPr id="115" name="直接箭头连接符 114"/>
+          <p:cNvCxnSpPr>
+            <a:stCxn id="119" idx="6"/>
+            <a:endCxn id="121" idx="2"/>
+          </p:cNvCxnSpPr>
+          <p:nvPr/>
+        </p:nvCxnSpPr>
+        <p:spPr>
+          <a:xfrm>
+            <a:off x="8166100" y="3589020"/>
+            <a:ext cx="291465" cy="659765"/>
+          </a:xfrm>
+          <a:prstGeom prst="straightConnector1">
+            <a:avLst/>
+          </a:prstGeom>
+          <a:ln>
+            <a:tailEnd type="arrow" w="med" len="med"/>
+          </a:ln>
+        </p:spPr>
+        <p:style>
+          <a:lnRef idx="1">
+            <a:schemeClr val="dk1"/>
+          </a:lnRef>
+          <a:fillRef idx="0">
+            <a:schemeClr val="dk1"/>
+          </a:fillRef>
+          <a:effectRef idx="0">
+            <a:schemeClr val="dk1"/>
+          </a:effectRef>
+          <a:fontRef idx="minor">
+            <a:schemeClr val="tx1"/>
+          </a:fontRef>
+        </p:style>
+      </p:cxnSp>
+      <p:sp>
+        <p:nvSpPr>
+          <p:cNvPr id="116" name="椭圆 115"/>
+          <p:cNvSpPr/>
+          <p:nvPr/>
+        </p:nvSpPr>
+        <p:spPr>
+          <a:xfrm rot="5400000">
+            <a:off x="8938260" y="3382645"/>
+            <a:ext cx="210185" cy="203200"/>
+          </a:xfrm>
+          <a:prstGeom prst="ellipse">
+            <a:avLst/>
+          </a:prstGeom>
+          <a:solidFill>
+            <a:schemeClr val="accent4"/>
+          </a:solidFill>
+        </p:spPr>
+        <p:style>
+          <a:lnRef idx="2">
+            <a:schemeClr val="accent1">
+              <a:shade val="50000"/>
+            </a:schemeClr>
+          </a:lnRef>
+          <a:fillRef idx="1">
+            <a:schemeClr val="accent1"/>
+          </a:fillRef>
+          <a:effectRef idx="0">
+            <a:schemeClr val="accent1"/>
+          </a:effectRef>
+          <a:fontRef idx="minor">
+            <a:schemeClr val="lt1"/>
+          </a:fontRef>
+        </p:style>
+        <p:txBody>
+          <a:bodyPr rtlCol="0" anchor="ctr"/>
+          <a:p>
+            <a:pPr algn="ctr"/>
+            <a:endParaRPr lang="zh-CN" altLang="en-US"/>
+          </a:p>
+        </p:txBody>
+      </p:sp>
+      <p:sp>
+        <p:nvSpPr>
+          <p:cNvPr id="117" name="椭圆 116"/>
+          <p:cNvSpPr/>
+          <p:nvPr/>
+        </p:nvSpPr>
+        <p:spPr>
+          <a:xfrm rot="5400000">
+            <a:off x="8643620" y="3382645"/>
+            <a:ext cx="210185" cy="203200"/>
+          </a:xfrm>
+          <a:prstGeom prst="ellipse">
+            <a:avLst/>
+          </a:prstGeom>
+          <a:solidFill>
+            <a:schemeClr val="accent4"/>
+          </a:solidFill>
+        </p:spPr>
+        <p:style>
+          <a:lnRef idx="2">
+            <a:schemeClr val="accent1">
+              <a:shade val="50000"/>
+            </a:schemeClr>
+          </a:lnRef>
+          <a:fillRef idx="1">
+            <a:schemeClr val="accent1"/>
+          </a:fillRef>
+          <a:effectRef idx="0">
+            <a:schemeClr val="accent1"/>
+          </a:effectRef>
+          <a:fontRef idx="minor">
+            <a:schemeClr val="lt1"/>
+          </a:fontRef>
+        </p:style>
+        <p:txBody>
+          <a:bodyPr rtlCol="0" anchor="ctr"/>
+          <a:p>
+            <a:pPr algn="ctr"/>
+            <a:endParaRPr lang="zh-CN" altLang="en-US"/>
+          </a:p>
+        </p:txBody>
+      </p:sp>
+      <p:sp>
+        <p:nvSpPr>
+          <p:cNvPr id="118" name="椭圆 117"/>
+          <p:cNvSpPr/>
+          <p:nvPr/>
+        </p:nvSpPr>
+        <p:spPr>
+          <a:xfrm rot="5400000">
+            <a:off x="8349615" y="3382645"/>
+            <a:ext cx="210185" cy="203200"/>
+          </a:xfrm>
+          <a:prstGeom prst="ellipse">
+            <a:avLst/>
+          </a:prstGeom>
+          <a:solidFill>
+            <a:schemeClr val="accent4"/>
+          </a:solidFill>
+        </p:spPr>
+        <p:style>
+          <a:lnRef idx="2">
+            <a:schemeClr val="accent1">
+              <a:shade val="50000"/>
+            </a:schemeClr>
+          </a:lnRef>
+          <a:fillRef idx="1">
+            <a:schemeClr val="accent1"/>
+          </a:fillRef>
+          <a:effectRef idx="0">
+            <a:schemeClr val="accent1"/>
+          </a:effectRef>
+          <a:fontRef idx="minor">
+            <a:schemeClr val="lt1"/>
+          </a:fontRef>
+        </p:style>
+        <p:txBody>
+          <a:bodyPr rtlCol="0" anchor="ctr"/>
+          <a:p>
+            <a:pPr algn="ctr"/>
+            <a:endParaRPr lang="zh-CN" altLang="en-US"/>
+          </a:p>
+        </p:txBody>
+      </p:sp>
+      <p:sp>
+        <p:nvSpPr>
+          <p:cNvPr id="119" name="椭圆 118"/>
+          <p:cNvSpPr/>
+          <p:nvPr/>
+        </p:nvSpPr>
+        <p:spPr>
+          <a:xfrm rot="5400000">
+            <a:off x="8061325" y="3382010"/>
+            <a:ext cx="210185" cy="203200"/>
+          </a:xfrm>
+          <a:prstGeom prst="ellipse">
+            <a:avLst/>
+          </a:prstGeom>
+          <a:solidFill>
+            <a:schemeClr val="accent4"/>
+          </a:solidFill>
+        </p:spPr>
+        <p:style>
+          <a:lnRef idx="2">
+            <a:schemeClr val="accent1">
+              <a:shade val="50000"/>
+            </a:schemeClr>
+          </a:lnRef>
+          <a:fillRef idx="1">
+            <a:schemeClr val="accent1"/>
+          </a:fillRef>
+          <a:effectRef idx="0">
+            <a:schemeClr val="accent1"/>
+          </a:effectRef>
+          <a:fontRef idx="minor">
+            <a:schemeClr val="lt1"/>
+          </a:fontRef>
+        </p:style>
+        <p:txBody>
+          <a:bodyPr rtlCol="0" anchor="ctr"/>
+          <a:p>
+            <a:pPr algn="ctr"/>
+            <a:endParaRPr lang="zh-CN" altLang="en-US"/>
+          </a:p>
+        </p:txBody>
+      </p:sp>
+      <p:sp>
+        <p:nvSpPr>
+          <p:cNvPr id="120" name="椭圆 119"/>
+          <p:cNvSpPr/>
+          <p:nvPr/>
+        </p:nvSpPr>
+        <p:spPr>
+          <a:xfrm rot="5400000">
+            <a:off x="8643620" y="4252595"/>
+            <a:ext cx="210185" cy="203200"/>
+          </a:xfrm>
+          <a:prstGeom prst="ellipse">
+            <a:avLst/>
+          </a:prstGeom>
+          <a:solidFill>
+            <a:schemeClr val="accent4"/>
+          </a:solidFill>
+        </p:spPr>
+        <p:style>
+          <a:lnRef idx="2">
+            <a:schemeClr val="accent1">
+              <a:shade val="50000"/>
+            </a:schemeClr>
+          </a:lnRef>
+          <a:fillRef idx="1">
+            <a:schemeClr val="accent1"/>
+          </a:fillRef>
+          <a:effectRef idx="0">
+            <a:schemeClr val="accent1"/>
+          </a:effectRef>
+          <a:fontRef idx="minor">
+            <a:schemeClr val="lt1"/>
+          </a:fontRef>
+        </p:style>
+        <p:txBody>
+          <a:bodyPr rtlCol="0" anchor="ctr"/>
+          <a:p>
+            <a:pPr algn="ctr"/>
+            <a:endParaRPr lang="zh-CN" altLang="en-US"/>
+          </a:p>
+        </p:txBody>
+      </p:sp>
+      <p:sp>
+        <p:nvSpPr>
+          <p:cNvPr id="121" name="椭圆 120"/>
+          <p:cNvSpPr/>
+          <p:nvPr/>
+        </p:nvSpPr>
+        <p:spPr>
+          <a:xfrm rot="5400000">
+            <a:off x="8352155" y="4252595"/>
+            <a:ext cx="210185" cy="203200"/>
+          </a:xfrm>
+          <a:prstGeom prst="ellipse">
+            <a:avLst/>
+          </a:prstGeom>
+          <a:solidFill>
+            <a:schemeClr val="accent4"/>
+          </a:solidFill>
+        </p:spPr>
+        <p:style>
+          <a:lnRef idx="2">
+            <a:schemeClr val="accent1">
+              <a:shade val="50000"/>
+            </a:schemeClr>
+          </a:lnRef>
+          <a:fillRef idx="1">
+            <a:schemeClr val="accent1"/>
+          </a:fillRef>
+          <a:effectRef idx="0">
+            <a:schemeClr val="accent1"/>
+          </a:effectRef>
+          <a:fontRef idx="minor">
+            <a:schemeClr val="lt1"/>
+          </a:fontRef>
+        </p:style>
+        <p:txBody>
+          <a:bodyPr rtlCol="0" anchor="ctr"/>
+          <a:p>
+            <a:pPr algn="ctr"/>
+            <a:endParaRPr lang="zh-CN" altLang="en-US"/>
+          </a:p>
+        </p:txBody>
+      </p:sp>
+      <p:cxnSp>
+        <p:nvCxnSpPr>
+          <p:cNvPr id="123" name="直接箭头连接符 122"/>
+          <p:cNvCxnSpPr>
+            <a:stCxn id="134" idx="6"/>
+            <a:endCxn id="137" idx="2"/>
+          </p:cNvCxnSpPr>
+          <p:nvPr/>
+        </p:nvCxnSpPr>
+        <p:spPr>
+          <a:xfrm>
+            <a:off x="7211695" y="3589655"/>
+            <a:ext cx="0" cy="659765"/>
+          </a:xfrm>
+          <a:prstGeom prst="straightConnector1">
+            <a:avLst/>
+          </a:prstGeom>
+          <a:ln>
+            <a:tailEnd type="arrow" w="med" len="med"/>
+          </a:ln>
+        </p:spPr>
+        <p:style>
+          <a:lnRef idx="1">
+            <a:schemeClr val="dk1"/>
+          </a:lnRef>
+          <a:fillRef idx="0">
+            <a:schemeClr val="dk1"/>
+          </a:fillRef>
+          <a:effectRef idx="0">
+            <a:schemeClr val="dk1"/>
+          </a:effectRef>
+          <a:fontRef idx="minor">
+            <a:schemeClr val="tx1"/>
+          </a:fontRef>
+        </p:style>
+      </p:cxnSp>
+      <p:cxnSp>
+        <p:nvCxnSpPr>
+          <p:cNvPr id="126" name="直接箭头连接符 125"/>
+          <p:cNvCxnSpPr>
+            <a:stCxn id="135" idx="6"/>
+            <a:endCxn id="138" idx="2"/>
+          </p:cNvCxnSpPr>
+          <p:nvPr/>
+        </p:nvCxnSpPr>
+        <p:spPr>
+          <a:xfrm>
+            <a:off x="6917690" y="3589655"/>
+            <a:ext cx="2540" cy="659765"/>
+          </a:xfrm>
+          <a:prstGeom prst="straightConnector1">
+            <a:avLst/>
+          </a:prstGeom>
+          <a:ln>
+            <a:tailEnd type="arrow" w="med" len="med"/>
+          </a:ln>
+        </p:spPr>
+        <p:style>
+          <a:lnRef idx="1">
+            <a:schemeClr val="dk1"/>
+          </a:lnRef>
+          <a:fillRef idx="0">
+            <a:schemeClr val="dk1"/>
+          </a:fillRef>
+          <a:effectRef idx="0">
+            <a:schemeClr val="dk1"/>
+          </a:effectRef>
+          <a:fontRef idx="minor">
+            <a:schemeClr val="tx1"/>
+          </a:fontRef>
+        </p:style>
+      </p:cxnSp>
+      <p:cxnSp>
+        <p:nvCxnSpPr>
+          <p:cNvPr id="127" name="直接箭头连接符 126"/>
+          <p:cNvCxnSpPr>
+            <a:stCxn id="133" idx="6"/>
+            <a:endCxn id="137" idx="2"/>
+          </p:cNvCxnSpPr>
+          <p:nvPr/>
+        </p:nvCxnSpPr>
+        <p:spPr>
+          <a:xfrm flipH="1">
+            <a:off x="7211695" y="3589655"/>
+            <a:ext cx="294640" cy="659765"/>
+          </a:xfrm>
+          <a:prstGeom prst="straightConnector1">
+            <a:avLst/>
+          </a:prstGeom>
+          <a:ln>
+            <a:tailEnd type="arrow" w="med" len="med"/>
+          </a:ln>
+        </p:spPr>
+        <p:style>
+          <a:lnRef idx="1">
+            <a:schemeClr val="dk1"/>
+          </a:lnRef>
+          <a:fillRef idx="0">
+            <a:schemeClr val="dk1"/>
+          </a:fillRef>
+          <a:effectRef idx="0">
+            <a:schemeClr val="dk1"/>
+          </a:effectRef>
+          <a:fontRef idx="minor">
+            <a:schemeClr val="tx1"/>
+          </a:fontRef>
+        </p:style>
+      </p:cxnSp>
+      <p:cxnSp>
+        <p:nvCxnSpPr>
+          <p:cNvPr id="128" name="直接箭头连接符 127"/>
+          <p:cNvCxnSpPr>
+            <a:stCxn id="133" idx="6"/>
+            <a:endCxn id="138" idx="2"/>
+          </p:cNvCxnSpPr>
+          <p:nvPr/>
+        </p:nvCxnSpPr>
+        <p:spPr>
+          <a:xfrm flipH="1">
+            <a:off x="6920865" y="3589655"/>
+            <a:ext cx="585470" cy="659765"/>
+          </a:xfrm>
+          <a:prstGeom prst="straightConnector1">
+            <a:avLst/>
+          </a:prstGeom>
+          <a:ln>
+            <a:tailEnd type="arrow" w="med" len="med"/>
+          </a:ln>
+        </p:spPr>
+        <p:style>
+          <a:lnRef idx="1">
+            <a:schemeClr val="dk1"/>
+          </a:lnRef>
+          <a:fillRef idx="0">
+            <a:schemeClr val="dk1"/>
+          </a:fillRef>
+          <a:effectRef idx="0">
+            <a:schemeClr val="dk1"/>
+          </a:effectRef>
+          <a:fontRef idx="minor">
+            <a:schemeClr val="tx1"/>
+          </a:fontRef>
+        </p:style>
+      </p:cxnSp>
+      <p:cxnSp>
+        <p:nvCxnSpPr>
+          <p:cNvPr id="129" name="直接箭头连接符 128"/>
+          <p:cNvCxnSpPr>
+            <a:stCxn id="134" idx="6"/>
+            <a:endCxn id="138" idx="2"/>
+          </p:cNvCxnSpPr>
+          <p:nvPr/>
+        </p:nvCxnSpPr>
+        <p:spPr>
+          <a:xfrm flipH="1">
+            <a:off x="6920865" y="3589655"/>
+            <a:ext cx="291465" cy="659765"/>
+          </a:xfrm>
+          <a:prstGeom prst="straightConnector1">
+            <a:avLst/>
+          </a:prstGeom>
+          <a:ln>
+            <a:tailEnd type="arrow" w="med" len="med"/>
+          </a:ln>
+        </p:spPr>
+        <p:style>
+          <a:lnRef idx="1">
+            <a:schemeClr val="dk1"/>
+          </a:lnRef>
+          <a:fillRef idx="0">
+            <a:schemeClr val="dk1"/>
+          </a:fillRef>
+          <a:effectRef idx="0">
+            <a:schemeClr val="dk1"/>
+          </a:effectRef>
+          <a:fontRef idx="minor">
+            <a:schemeClr val="tx1"/>
+          </a:fontRef>
+        </p:style>
+      </p:cxnSp>
+      <p:cxnSp>
+        <p:nvCxnSpPr>
+          <p:cNvPr id="130" name="直接箭头连接符 129"/>
+          <p:cNvCxnSpPr>
+            <a:stCxn id="135" idx="6"/>
+            <a:endCxn id="137" idx="2"/>
+          </p:cNvCxnSpPr>
+          <p:nvPr/>
+        </p:nvCxnSpPr>
+        <p:spPr>
+          <a:xfrm>
+            <a:off x="6917690" y="3589655"/>
+            <a:ext cx="294005" cy="659765"/>
+          </a:xfrm>
+          <a:prstGeom prst="straightConnector1">
+            <a:avLst/>
+          </a:prstGeom>
+          <a:ln>
+            <a:tailEnd type="arrow" w="med" len="med"/>
+          </a:ln>
+        </p:spPr>
+        <p:style>
+          <a:lnRef idx="1">
+            <a:schemeClr val="dk1"/>
+          </a:lnRef>
+          <a:fillRef idx="0">
+            <a:schemeClr val="dk1"/>
+          </a:fillRef>
+          <a:effectRef idx="0">
+            <a:schemeClr val="dk1"/>
+          </a:effectRef>
+          <a:fontRef idx="minor">
+            <a:schemeClr val="tx1"/>
+          </a:fontRef>
+        </p:style>
+      </p:cxnSp>
+      <p:cxnSp>
+        <p:nvCxnSpPr>
+          <p:cNvPr id="131" name="直接箭头连接符 130"/>
+          <p:cNvCxnSpPr>
+            <a:stCxn id="136" idx="6"/>
+            <a:endCxn id="137" idx="2"/>
+          </p:cNvCxnSpPr>
+          <p:nvPr/>
+        </p:nvCxnSpPr>
+        <p:spPr>
+          <a:xfrm>
+            <a:off x="6629400" y="3589020"/>
+            <a:ext cx="582930" cy="659765"/>
+          </a:xfrm>
+          <a:prstGeom prst="straightConnector1">
+            <a:avLst/>
+          </a:prstGeom>
+          <a:ln>
+            <a:tailEnd type="arrow" w="med" len="med"/>
+          </a:ln>
+        </p:spPr>
+        <p:style>
+          <a:lnRef idx="1">
+            <a:schemeClr val="dk1"/>
+          </a:lnRef>
+          <a:fillRef idx="0">
+            <a:schemeClr val="dk1"/>
+          </a:fillRef>
+          <a:effectRef idx="0">
+            <a:schemeClr val="dk1"/>
+          </a:effectRef>
+          <a:fontRef idx="minor">
+            <a:schemeClr val="tx1"/>
+          </a:fontRef>
+        </p:style>
+      </p:cxnSp>
+      <p:cxnSp>
+        <p:nvCxnSpPr>
+          <p:cNvPr id="132" name="直接箭头连接符 131"/>
+          <p:cNvCxnSpPr>
+            <a:stCxn id="136" idx="6"/>
+            <a:endCxn id="138" idx="2"/>
+          </p:cNvCxnSpPr>
+          <p:nvPr/>
+        </p:nvCxnSpPr>
+        <p:spPr>
+          <a:xfrm>
+            <a:off x="6629400" y="3589020"/>
+            <a:ext cx="291465" cy="659765"/>
+          </a:xfrm>
+          <a:prstGeom prst="straightConnector1">
+            <a:avLst/>
+          </a:prstGeom>
+          <a:ln>
+            <a:tailEnd type="arrow" w="med" len="med"/>
+          </a:ln>
+        </p:spPr>
+        <p:style>
+          <a:lnRef idx="1">
+            <a:schemeClr val="dk1"/>
+          </a:lnRef>
+          <a:fillRef idx="0">
+            <a:schemeClr val="dk1"/>
+          </a:fillRef>
+          <a:effectRef idx="0">
+            <a:schemeClr val="dk1"/>
+          </a:effectRef>
+          <a:fontRef idx="minor">
+            <a:schemeClr val="tx1"/>
+          </a:fontRef>
+        </p:style>
+      </p:cxnSp>
+      <p:sp>
+        <p:nvSpPr>
+          <p:cNvPr id="133" name="椭圆 132"/>
+          <p:cNvSpPr/>
+          <p:nvPr/>
+        </p:nvSpPr>
+        <p:spPr>
+          <a:xfrm rot="5400000">
+            <a:off x="7401560" y="3382645"/>
+            <a:ext cx="210185" cy="203200"/>
+          </a:xfrm>
+          <a:prstGeom prst="ellipse">
+            <a:avLst/>
+          </a:prstGeom>
+          <a:solidFill>
+            <a:schemeClr val="accent4"/>
+          </a:solidFill>
+        </p:spPr>
+        <p:style>
+          <a:lnRef idx="2">
+            <a:schemeClr val="accent1">
+              <a:shade val="50000"/>
+            </a:schemeClr>
+          </a:lnRef>
+          <a:fillRef idx="1">
+            <a:schemeClr val="accent1"/>
+          </a:fillRef>
+          <a:effectRef idx="0">
+            <a:schemeClr val="accent1"/>
+          </a:effectRef>
+          <a:fontRef idx="minor">
+            <a:schemeClr val="lt1"/>
+          </a:fontRef>
+        </p:style>
+        <p:txBody>
+          <a:bodyPr rtlCol="0" anchor="ctr"/>
+          <a:p>
+            <a:pPr algn="ctr"/>
+            <a:endParaRPr lang="zh-CN" altLang="en-US"/>
+          </a:p>
+        </p:txBody>
+      </p:sp>
+      <p:sp>
+        <p:nvSpPr>
+          <p:cNvPr id="134" name="椭圆 133"/>
+          <p:cNvSpPr/>
+          <p:nvPr/>
+        </p:nvSpPr>
+        <p:spPr>
+          <a:xfrm rot="5400000">
+            <a:off x="7106920" y="3382645"/>
+            <a:ext cx="210185" cy="203200"/>
+          </a:xfrm>
+          <a:prstGeom prst="ellipse">
+            <a:avLst/>
+          </a:prstGeom>
+          <a:solidFill>
+            <a:schemeClr val="accent4"/>
+          </a:solidFill>
+        </p:spPr>
+        <p:style>
+          <a:lnRef idx="2">
+            <a:schemeClr val="accent1">
+              <a:shade val="50000"/>
+            </a:schemeClr>
+          </a:lnRef>
+          <a:fillRef idx="1">
+            <a:schemeClr val="accent1"/>
+          </a:fillRef>
+          <a:effectRef idx="0">
+            <a:schemeClr val="accent1"/>
+          </a:effectRef>
+          <a:fontRef idx="minor">
+            <a:schemeClr val="lt1"/>
+          </a:fontRef>
+        </p:style>
+        <p:txBody>
+          <a:bodyPr rtlCol="0" anchor="ctr"/>
+          <a:p>
+            <a:pPr algn="ctr"/>
+            <a:endParaRPr lang="zh-CN" altLang="en-US"/>
+          </a:p>
+        </p:txBody>
+      </p:sp>
+      <p:sp>
+        <p:nvSpPr>
+          <p:cNvPr id="135" name="椭圆 134"/>
+          <p:cNvSpPr/>
+          <p:nvPr/>
+        </p:nvSpPr>
+        <p:spPr>
+          <a:xfrm rot="5400000">
+            <a:off x="6812915" y="3382645"/>
+            <a:ext cx="210185" cy="203200"/>
+          </a:xfrm>
+          <a:prstGeom prst="ellipse">
+            <a:avLst/>
+          </a:prstGeom>
+          <a:solidFill>
+            <a:schemeClr val="accent4"/>
+          </a:solidFill>
+        </p:spPr>
+        <p:style>
+          <a:lnRef idx="2">
+            <a:schemeClr val="accent1">
+              <a:shade val="50000"/>
+            </a:schemeClr>
+          </a:lnRef>
+          <a:fillRef idx="1">
+            <a:schemeClr val="accent1"/>
+          </a:fillRef>
+          <a:effectRef idx="0">
+            <a:schemeClr val="accent1"/>
+          </a:effectRef>
+          <a:fontRef idx="minor">
+            <a:schemeClr val="lt1"/>
+          </a:fontRef>
+        </p:style>
+        <p:txBody>
+          <a:bodyPr rtlCol="0" anchor="ctr"/>
+          <a:p>
+            <a:pPr algn="ctr"/>
+            <a:endParaRPr lang="zh-CN" altLang="en-US"/>
+          </a:p>
+        </p:txBody>
+      </p:sp>
+      <p:sp>
+        <p:nvSpPr>
+          <p:cNvPr id="136" name="椭圆 135"/>
+          <p:cNvSpPr/>
+          <p:nvPr/>
+        </p:nvSpPr>
+        <p:spPr>
+          <a:xfrm rot="5400000">
+            <a:off x="6524625" y="3382010"/>
+            <a:ext cx="210185" cy="203200"/>
+          </a:xfrm>
+          <a:prstGeom prst="ellipse">
+            <a:avLst/>
+          </a:prstGeom>
+          <a:solidFill>
+            <a:schemeClr val="accent4"/>
+          </a:solidFill>
+        </p:spPr>
+        <p:style>
+          <a:lnRef idx="2">
+            <a:schemeClr val="accent1">
+              <a:shade val="50000"/>
+            </a:schemeClr>
+          </a:lnRef>
+          <a:fillRef idx="1">
+            <a:schemeClr val="accent1"/>
+          </a:fillRef>
+          <a:effectRef idx="0">
+            <a:schemeClr val="accent1"/>
+          </a:effectRef>
+          <a:fontRef idx="minor">
+            <a:schemeClr val="lt1"/>
+          </a:fontRef>
+        </p:style>
+        <p:txBody>
+          <a:bodyPr rtlCol="0" anchor="ctr"/>
+          <a:p>
+            <a:pPr algn="ctr"/>
+            <a:endParaRPr lang="zh-CN" altLang="en-US"/>
+          </a:p>
+        </p:txBody>
+      </p:sp>
+      <p:sp>
+        <p:nvSpPr>
+          <p:cNvPr id="137" name="椭圆 136"/>
+          <p:cNvSpPr/>
+          <p:nvPr/>
+        </p:nvSpPr>
+        <p:spPr>
+          <a:xfrm rot="5400000">
+            <a:off x="7106920" y="4252595"/>
+            <a:ext cx="210185" cy="203200"/>
+          </a:xfrm>
+          <a:prstGeom prst="ellipse">
+            <a:avLst/>
+          </a:prstGeom>
+          <a:solidFill>
+            <a:schemeClr val="accent4"/>
+          </a:solidFill>
+        </p:spPr>
+        <p:style>
+          <a:lnRef idx="2">
+            <a:schemeClr val="accent1">
+              <a:shade val="50000"/>
+            </a:schemeClr>
+          </a:lnRef>
+          <a:fillRef idx="1">
+            <a:schemeClr val="accent1"/>
+          </a:fillRef>
+          <a:effectRef idx="0">
+            <a:schemeClr val="accent1"/>
+          </a:effectRef>
+          <a:fontRef idx="minor">
+            <a:schemeClr val="lt1"/>
+          </a:fontRef>
+        </p:style>
+        <p:txBody>
+          <a:bodyPr rtlCol="0" anchor="ctr"/>
+          <a:p>
+            <a:pPr algn="ctr"/>
+            <a:endParaRPr lang="zh-CN" altLang="en-US"/>
+          </a:p>
+        </p:txBody>
+      </p:sp>
+      <p:sp>
+        <p:nvSpPr>
+          <p:cNvPr id="138" name="椭圆 137"/>
+          <p:cNvSpPr/>
+          <p:nvPr/>
+        </p:nvSpPr>
+        <p:spPr>
+          <a:xfrm rot="5400000">
+            <a:off x="6815455" y="4252595"/>
+            <a:ext cx="210185" cy="203200"/>
+          </a:xfrm>
+          <a:prstGeom prst="ellipse">
+            <a:avLst/>
+          </a:prstGeom>
+          <a:solidFill>
+            <a:schemeClr val="accent4"/>
+          </a:solidFill>
+        </p:spPr>
+        <p:style>
+          <a:lnRef idx="2">
+            <a:schemeClr val="accent1">
+              <a:shade val="50000"/>
+            </a:schemeClr>
+          </a:lnRef>
+          <a:fillRef idx="1">
+            <a:schemeClr val="accent1"/>
+          </a:fillRef>
+          <a:effectRef idx="0">
+            <a:schemeClr val="accent1"/>
+          </a:effectRef>
+          <a:fontRef idx="minor">
+            <a:schemeClr val="lt1"/>
+          </a:fontRef>
+        </p:style>
+        <p:txBody>
+          <a:bodyPr rtlCol="0" anchor="ctr"/>
+          <a:p>
+            <a:pPr algn="ctr"/>
+            <a:endParaRPr lang="zh-CN" altLang="en-US"/>
+          </a:p>
+        </p:txBody>
+      </p:sp>
+      <p:sp>
+        <p:nvSpPr>
+          <p:cNvPr id="139" name="文本框 138"/>
+          <p:cNvSpPr txBox="1"/>
+          <p:nvPr/>
+        </p:nvSpPr>
+        <p:spPr>
+          <a:xfrm>
+            <a:off x="7617460" y="3198495"/>
+            <a:ext cx="447040" cy="460375"/>
+          </a:xfrm>
+          <a:prstGeom prst="rect">
+            <a:avLst/>
+          </a:prstGeom>
+          <a:noFill/>
+        </p:spPr>
+        <p:txBody>
+          <a:bodyPr wrap="square" rtlCol="0">
+            <a:spAutoFit/>
+          </a:bodyPr>
+          <a:p>
+            <a:r>
+              <a:rPr lang="en-US" altLang="zh-CN" sz="2400" b="1"/>
+              <a:t>...</a:t>
+            </a:r>
+            <a:endParaRPr lang="en-US" altLang="zh-CN" sz="2400" b="1"/>
+          </a:p>
+        </p:txBody>
+      </p:sp>
+      <p:sp>
+        <p:nvSpPr>
+          <p:cNvPr id="140" name="文本框 139"/>
+          <p:cNvSpPr txBox="1"/>
+          <p:nvPr/>
+        </p:nvSpPr>
+        <p:spPr>
+          <a:xfrm>
+            <a:off x="9149080" y="3198495"/>
+            <a:ext cx="447040" cy="460375"/>
+          </a:xfrm>
+          <a:prstGeom prst="rect">
+            <a:avLst/>
+          </a:prstGeom>
+          <a:noFill/>
+        </p:spPr>
+        <p:txBody>
+          <a:bodyPr wrap="square" rtlCol="0">
+            <a:spAutoFit/>
+          </a:bodyPr>
+          <a:p>
+            <a:r>
+              <a:rPr lang="en-US" altLang="zh-CN" sz="2400" b="1"/>
+              <a:t>...</a:t>
+            </a:r>
+            <a:endParaRPr lang="en-US" altLang="zh-CN" sz="2400" b="1"/>
+          </a:p>
+        </p:txBody>
+      </p:sp>
+      <p:sp>
+        <p:nvSpPr>
+          <p:cNvPr id="141" name="文本框 140"/>
+          <p:cNvSpPr txBox="1"/>
+          <p:nvPr/>
+        </p:nvSpPr>
+        <p:spPr>
+          <a:xfrm>
+            <a:off x="7409815" y="3999865"/>
+            <a:ext cx="862330" cy="460375"/>
+          </a:xfrm>
+          <a:prstGeom prst="rect">
+            <a:avLst/>
+          </a:prstGeom>
+          <a:noFill/>
+        </p:spPr>
+        <p:txBody>
+          <a:bodyPr wrap="square" rtlCol="0">
+            <a:spAutoFit/>
+          </a:bodyPr>
+          <a:p>
+            <a:r>
+              <a:rPr lang="en-US" altLang="zh-CN" sz="2400" b="1"/>
+              <a:t>...  ...</a:t>
+            </a:r>
+            <a:endParaRPr lang="en-US" altLang="zh-CN" sz="2400" b="1"/>
+          </a:p>
+        </p:txBody>
+      </p:sp>
+      <p:sp>
+        <p:nvSpPr>
+          <p:cNvPr id="142" name="文本框 141"/>
+          <p:cNvSpPr txBox="1"/>
+          <p:nvPr/>
+        </p:nvSpPr>
+        <p:spPr>
+          <a:xfrm>
+            <a:off x="8941435" y="3999865"/>
+            <a:ext cx="862330" cy="460375"/>
+          </a:xfrm>
+          <a:prstGeom prst="rect">
+            <a:avLst/>
+          </a:prstGeom>
+          <a:noFill/>
+        </p:spPr>
+        <p:txBody>
+          <a:bodyPr wrap="square" rtlCol="0">
+            <a:spAutoFit/>
+          </a:bodyPr>
+          <a:p>
+            <a:r>
+              <a:rPr lang="en-US" altLang="zh-CN" sz="2400" b="1"/>
+              <a:t>...  ...</a:t>
+            </a:r>
+            <a:endParaRPr lang="en-US" altLang="zh-CN" sz="2400" b="1"/>
+          </a:p>
+        </p:txBody>
+      </p:sp>
+      <p:sp>
+        <p:nvSpPr>
+          <p:cNvPr id="143" name="椭圆 142"/>
+          <p:cNvSpPr/>
+          <p:nvPr/>
+        </p:nvSpPr>
+        <p:spPr>
+          <a:xfrm rot="5400000">
+            <a:off x="6815708" y="5241203"/>
+            <a:ext cx="210229" cy="203340"/>
+          </a:xfrm>
+          <a:prstGeom prst="ellipse">
+            <a:avLst/>
+          </a:prstGeom>
+          <a:solidFill>
+            <a:schemeClr val="accent4"/>
+          </a:solidFill>
+        </p:spPr>
+        <p:style>
+          <a:lnRef idx="2">
+            <a:schemeClr val="accent1">
+              <a:shade val="50000"/>
+            </a:schemeClr>
+          </a:lnRef>
+          <a:fillRef idx="1">
+            <a:schemeClr val="accent1"/>
+          </a:fillRef>
+          <a:effectRef idx="0">
+            <a:schemeClr val="accent1"/>
+          </a:effectRef>
+          <a:fontRef idx="minor">
+            <a:schemeClr val="lt1"/>
+          </a:fontRef>
+        </p:style>
+        <p:txBody>
+          <a:bodyPr rtlCol="0" anchor="ctr"/>
+          <a:p>
+            <a:pPr algn="ctr"/>
+            <a:endParaRPr lang="zh-CN" altLang="en-US"/>
+          </a:p>
+        </p:txBody>
+      </p:sp>
+      <p:sp>
+        <p:nvSpPr>
+          <p:cNvPr id="144" name="椭圆 143"/>
+          <p:cNvSpPr/>
+          <p:nvPr/>
+        </p:nvSpPr>
+        <p:spPr>
+          <a:xfrm rot="5400000">
+            <a:off x="7069073" y="5241838"/>
+            <a:ext cx="210229" cy="203340"/>
+          </a:xfrm>
+          <a:prstGeom prst="ellipse">
+            <a:avLst/>
+          </a:prstGeom>
+          <a:solidFill>
+            <a:schemeClr val="accent4"/>
+          </a:solidFill>
+        </p:spPr>
+        <p:style>
+          <a:lnRef idx="2">
+            <a:schemeClr val="accent1">
+              <a:shade val="50000"/>
+            </a:schemeClr>
+          </a:lnRef>
+          <a:fillRef idx="1">
+            <a:schemeClr val="accent1"/>
+          </a:fillRef>
+          <a:effectRef idx="0">
+            <a:schemeClr val="accent1"/>
+          </a:effectRef>
+          <a:fontRef idx="minor">
+            <a:schemeClr val="lt1"/>
+          </a:fontRef>
+        </p:style>
+        <p:txBody>
+          <a:bodyPr rtlCol="0" anchor="ctr"/>
+          <a:p>
+            <a:pPr algn="ctr"/>
+            <a:endParaRPr lang="zh-CN" altLang="en-US"/>
+          </a:p>
+        </p:txBody>
+      </p:sp>
+      <p:sp>
+        <p:nvSpPr>
+          <p:cNvPr id="145" name="椭圆 144"/>
+          <p:cNvSpPr/>
+          <p:nvPr/>
+        </p:nvSpPr>
+        <p:spPr>
+          <a:xfrm rot="5400000">
+            <a:off x="8352408" y="5242473"/>
+            <a:ext cx="210229" cy="203340"/>
+          </a:xfrm>
+          <a:prstGeom prst="ellipse">
+            <a:avLst/>
+          </a:prstGeom>
+          <a:solidFill>
+            <a:schemeClr val="accent4"/>
+          </a:solidFill>
+        </p:spPr>
+        <p:style>
+          <a:lnRef idx="2">
+            <a:schemeClr val="accent1">
+              <a:shade val="50000"/>
+            </a:schemeClr>
+          </a:lnRef>
+          <a:fillRef idx="1">
+            <a:schemeClr val="accent1"/>
+          </a:fillRef>
+          <a:effectRef idx="0">
+            <a:schemeClr val="accent1"/>
+          </a:effectRef>
+          <a:fontRef idx="minor">
+            <a:schemeClr val="lt1"/>
+          </a:fontRef>
+        </p:style>
+        <p:txBody>
+          <a:bodyPr rtlCol="0" anchor="ctr"/>
+          <a:p>
+            <a:pPr algn="ctr"/>
+            <a:endParaRPr lang="zh-CN" altLang="en-US"/>
+          </a:p>
+        </p:txBody>
+      </p:sp>
+      <p:sp>
+        <p:nvSpPr>
+          <p:cNvPr id="146" name="椭圆 145"/>
+          <p:cNvSpPr/>
+          <p:nvPr/>
+        </p:nvSpPr>
+        <p:spPr>
+          <a:xfrm rot="5400000">
+            <a:off x="8643238" y="5243108"/>
+            <a:ext cx="210229" cy="203340"/>
+          </a:xfrm>
+          <a:prstGeom prst="ellipse">
+            <a:avLst/>
+          </a:prstGeom>
+          <a:solidFill>
+            <a:schemeClr val="accent4"/>
+          </a:solidFill>
+        </p:spPr>
+        <p:style>
+          <a:lnRef idx="2">
+            <a:schemeClr val="accent1">
+              <a:shade val="50000"/>
+            </a:schemeClr>
+          </a:lnRef>
+          <a:fillRef idx="1">
+            <a:schemeClr val="accent1"/>
+          </a:fillRef>
+          <a:effectRef idx="0">
+            <a:schemeClr val="accent1"/>
+          </a:effectRef>
+          <a:fontRef idx="minor">
+            <a:schemeClr val="lt1"/>
+          </a:fontRef>
+        </p:style>
+        <p:txBody>
+          <a:bodyPr rtlCol="0" anchor="ctr"/>
+          <a:p>
+            <a:pPr algn="ctr"/>
+            <a:endParaRPr lang="zh-CN" altLang="en-US"/>
+          </a:p>
+        </p:txBody>
+      </p:sp>
+      <p:sp>
+        <p:nvSpPr>
+          <p:cNvPr id="147" name="椭圆 146"/>
+          <p:cNvSpPr/>
+          <p:nvPr/>
+        </p:nvSpPr>
+        <p:spPr>
+          <a:xfrm rot="5400000">
+            <a:off x="9883393" y="5243743"/>
+            <a:ext cx="210229" cy="203340"/>
+          </a:xfrm>
+          <a:prstGeom prst="ellipse">
+            <a:avLst/>
+          </a:prstGeom>
+          <a:solidFill>
+            <a:schemeClr val="accent4"/>
+          </a:solidFill>
+        </p:spPr>
+        <p:style>
+          <a:lnRef idx="2">
+            <a:schemeClr val="accent1">
+              <a:shade val="50000"/>
+            </a:schemeClr>
+          </a:lnRef>
+          <a:fillRef idx="1">
+            <a:schemeClr val="accent1"/>
+          </a:fillRef>
+          <a:effectRef idx="0">
+            <a:schemeClr val="accent1"/>
+          </a:effectRef>
+          <a:fontRef idx="minor">
+            <a:schemeClr val="lt1"/>
+          </a:fontRef>
+        </p:style>
+        <p:txBody>
+          <a:bodyPr rtlCol="0" anchor="ctr"/>
+          <a:p>
+            <a:pPr algn="ctr"/>
+            <a:endParaRPr lang="zh-CN" altLang="en-US"/>
+          </a:p>
+        </p:txBody>
+      </p:sp>
+      <p:sp>
+        <p:nvSpPr>
+          <p:cNvPr id="148" name="椭圆 147"/>
+          <p:cNvSpPr/>
+          <p:nvPr/>
+        </p:nvSpPr>
+        <p:spPr>
+          <a:xfrm rot="5400000">
+            <a:off x="10167238" y="5241838"/>
+            <a:ext cx="210229" cy="203340"/>
+          </a:xfrm>
+          <a:prstGeom prst="ellipse">
+            <a:avLst/>
+          </a:prstGeom>
+          <a:solidFill>
+            <a:schemeClr val="accent4"/>
+          </a:solidFill>
+        </p:spPr>
+        <p:style>
+          <a:lnRef idx="2">
+            <a:schemeClr val="accent1">
+              <a:shade val="50000"/>
+            </a:schemeClr>
+          </a:lnRef>
+          <a:fillRef idx="1">
+            <a:schemeClr val="accent1"/>
+          </a:fillRef>
+          <a:effectRef idx="0">
+            <a:schemeClr val="accent1"/>
+          </a:effectRef>
+          <a:fontRef idx="minor">
+            <a:schemeClr val="lt1"/>
+          </a:fontRef>
+        </p:style>
+        <p:txBody>
+          <a:bodyPr rtlCol="0" anchor="ctr"/>
+          <a:p>
+            <a:pPr algn="ctr"/>
+            <a:endParaRPr lang="zh-CN" altLang="en-US"/>
+          </a:p>
+        </p:txBody>
+      </p:sp>
+      <p:cxnSp>
+        <p:nvCxnSpPr>
+          <p:cNvPr id="149" name="直接箭头连接符 148"/>
+          <p:cNvCxnSpPr>
+            <a:stCxn id="138" idx="6"/>
+            <a:endCxn id="143" idx="2"/>
+          </p:cNvCxnSpPr>
+          <p:nvPr/>
+        </p:nvCxnSpPr>
+        <p:spPr>
+          <a:xfrm>
+            <a:off x="6920865" y="4458970"/>
+            <a:ext cx="0" cy="778510"/>
+          </a:xfrm>
+          <a:prstGeom prst="straightConnector1">
+            <a:avLst/>
+          </a:prstGeom>
+          <a:ln>
+            <a:tailEnd type="arrow" w="med" len="med"/>
+          </a:ln>
+        </p:spPr>
+        <p:style>
+          <a:lnRef idx="1">
+            <a:schemeClr val="dk1"/>
+          </a:lnRef>
+          <a:fillRef idx="0">
+            <a:schemeClr val="dk1"/>
+          </a:fillRef>
+          <a:effectRef idx="0">
+            <a:schemeClr val="dk1"/>
+          </a:effectRef>
+          <a:fontRef idx="minor">
+            <a:schemeClr val="tx1"/>
+          </a:fontRef>
+        </p:style>
+      </p:cxnSp>
+      <p:cxnSp>
+        <p:nvCxnSpPr>
+          <p:cNvPr id="150" name="直接箭头连接符 149"/>
+          <p:cNvCxnSpPr>
+            <a:stCxn id="121" idx="5"/>
+            <a:endCxn id="143" idx="2"/>
+          </p:cNvCxnSpPr>
+          <p:nvPr/>
+        </p:nvCxnSpPr>
+        <p:spPr>
+          <a:xfrm flipH="1">
+            <a:off x="6920865" y="4428490"/>
+            <a:ext cx="1464945" cy="808990"/>
+          </a:xfrm>
+          <a:prstGeom prst="straightConnector1">
+            <a:avLst/>
+          </a:prstGeom>
+          <a:ln>
+            <a:tailEnd type="arrow" w="med" len="med"/>
+          </a:ln>
+        </p:spPr>
+        <p:style>
+          <a:lnRef idx="1">
+            <a:schemeClr val="dk1"/>
+          </a:lnRef>
+          <a:fillRef idx="0">
+            <a:schemeClr val="dk1"/>
+          </a:fillRef>
+          <a:effectRef idx="0">
+            <a:schemeClr val="dk1"/>
+          </a:effectRef>
+          <a:fontRef idx="minor">
+            <a:schemeClr val="tx1"/>
+          </a:fontRef>
+        </p:style>
+      </p:cxnSp>
+      <p:cxnSp>
+        <p:nvCxnSpPr>
+          <p:cNvPr id="151" name="直接箭头连接符 150"/>
+          <p:cNvCxnSpPr>
+            <a:stCxn id="125" idx="5"/>
+            <a:endCxn id="143" idx="2"/>
+          </p:cNvCxnSpPr>
+          <p:nvPr/>
+        </p:nvCxnSpPr>
+        <p:spPr>
+          <a:xfrm flipH="1">
+            <a:off x="6920865" y="4429125"/>
+            <a:ext cx="2996565" cy="808355"/>
+          </a:xfrm>
+          <a:prstGeom prst="straightConnector1">
+            <a:avLst/>
+          </a:prstGeom>
+          <a:ln>
+            <a:tailEnd type="arrow" w="med" len="med"/>
+          </a:ln>
+        </p:spPr>
+        <p:style>
+          <a:lnRef idx="1">
+            <a:schemeClr val="dk1"/>
+          </a:lnRef>
+          <a:fillRef idx="0">
+            <a:schemeClr val="dk1"/>
+          </a:fillRef>
+          <a:effectRef idx="0">
+            <a:schemeClr val="dk1"/>
+          </a:effectRef>
+          <a:fontRef idx="minor">
+            <a:schemeClr val="tx1"/>
+          </a:fontRef>
+        </p:style>
+      </p:cxnSp>
+      <p:cxnSp>
+        <p:nvCxnSpPr>
+          <p:cNvPr id="152" name="直接箭头连接符 151"/>
+          <p:cNvCxnSpPr>
+            <a:stCxn id="138" idx="6"/>
+            <a:endCxn id="144" idx="2"/>
+          </p:cNvCxnSpPr>
+          <p:nvPr/>
+        </p:nvCxnSpPr>
+        <p:spPr>
+          <a:xfrm>
+            <a:off x="6920865" y="4458970"/>
+            <a:ext cx="253365" cy="779145"/>
+          </a:xfrm>
+          <a:prstGeom prst="straightConnector1">
+            <a:avLst/>
+          </a:prstGeom>
+          <a:ln>
+            <a:tailEnd type="arrow" w="med" len="med"/>
+          </a:ln>
+        </p:spPr>
+        <p:style>
+          <a:lnRef idx="1">
+            <a:schemeClr val="dk1"/>
+          </a:lnRef>
+          <a:fillRef idx="0">
+            <a:schemeClr val="dk1"/>
+          </a:fillRef>
+          <a:effectRef idx="0">
+            <a:schemeClr val="dk1"/>
+          </a:effectRef>
+          <a:fontRef idx="minor">
+            <a:schemeClr val="tx1"/>
+          </a:fontRef>
+        </p:style>
+      </p:cxnSp>
+      <p:cxnSp>
+        <p:nvCxnSpPr>
+          <p:cNvPr id="153" name="直接箭头连接符 152"/>
+          <p:cNvCxnSpPr>
+            <a:endCxn id="144" idx="2"/>
+          </p:cNvCxnSpPr>
+          <p:nvPr/>
+        </p:nvCxnSpPr>
+        <p:spPr>
+          <a:xfrm flipH="1">
+            <a:off x="7174230" y="4428490"/>
+            <a:ext cx="1211580" cy="809625"/>
+          </a:xfrm>
+          <a:prstGeom prst="straightConnector1">
+            <a:avLst/>
+          </a:prstGeom>
+          <a:ln>
+            <a:tailEnd type="arrow" w="med" len="med"/>
+          </a:ln>
+        </p:spPr>
+        <p:style>
+          <a:lnRef idx="1">
+            <a:schemeClr val="dk1"/>
+          </a:lnRef>
+          <a:fillRef idx="0">
+            <a:schemeClr val="dk1"/>
+          </a:fillRef>
+          <a:effectRef idx="0">
+            <a:schemeClr val="dk1"/>
+          </a:effectRef>
+          <a:fontRef idx="minor">
+            <a:schemeClr val="tx1"/>
+          </a:fontRef>
+        </p:style>
+      </p:cxnSp>
+      <p:cxnSp>
+        <p:nvCxnSpPr>
+          <p:cNvPr id="154" name="直接箭头连接符 153"/>
+          <p:cNvCxnSpPr>
+            <a:stCxn id="125" idx="5"/>
+            <a:endCxn id="144" idx="2"/>
+          </p:cNvCxnSpPr>
+          <p:nvPr/>
+        </p:nvCxnSpPr>
+        <p:spPr>
+          <a:xfrm flipH="1">
+            <a:off x="7174230" y="4429125"/>
+            <a:ext cx="2743200" cy="808990"/>
+          </a:xfrm>
+          <a:prstGeom prst="straightConnector1">
+            <a:avLst/>
+          </a:prstGeom>
+          <a:ln>
+            <a:tailEnd type="arrow" w="med" len="med"/>
+          </a:ln>
+        </p:spPr>
+        <p:style>
+          <a:lnRef idx="1">
+            <a:schemeClr val="dk1"/>
+          </a:lnRef>
+          <a:fillRef idx="0">
+            <a:schemeClr val="dk1"/>
+          </a:fillRef>
+          <a:effectRef idx="0">
+            <a:schemeClr val="dk1"/>
+          </a:effectRef>
+          <a:fontRef idx="minor">
+            <a:schemeClr val="tx1"/>
+          </a:fontRef>
+        </p:style>
+      </p:cxnSp>
+      <p:cxnSp>
+        <p:nvCxnSpPr>
+          <p:cNvPr id="155" name="直接箭头连接符 154"/>
+          <p:cNvCxnSpPr>
+            <a:stCxn id="121" idx="6"/>
+            <a:endCxn id="145" idx="2"/>
+          </p:cNvCxnSpPr>
+          <p:nvPr/>
+        </p:nvCxnSpPr>
+        <p:spPr>
+          <a:xfrm>
+            <a:off x="8457565" y="4458970"/>
+            <a:ext cx="0" cy="779780"/>
+          </a:xfrm>
+          <a:prstGeom prst="straightConnector1">
+            <a:avLst/>
+          </a:prstGeom>
+          <a:ln>
+            <a:tailEnd type="arrow" w="med" len="med"/>
+          </a:ln>
+        </p:spPr>
+        <p:style>
+          <a:lnRef idx="1">
+            <a:schemeClr val="dk1"/>
+          </a:lnRef>
+          <a:fillRef idx="0">
+            <a:schemeClr val="dk1"/>
+          </a:fillRef>
+          <a:effectRef idx="0">
+            <a:schemeClr val="dk1"/>
+          </a:effectRef>
+          <a:fontRef idx="minor">
+            <a:schemeClr val="tx1"/>
+          </a:fontRef>
+        </p:style>
+      </p:cxnSp>
+      <p:cxnSp>
+        <p:nvCxnSpPr>
+          <p:cNvPr id="156" name="直接箭头连接符 155"/>
+          <p:cNvCxnSpPr>
+            <a:stCxn id="138" idx="6"/>
+            <a:endCxn id="145" idx="2"/>
+          </p:cNvCxnSpPr>
+          <p:nvPr/>
+        </p:nvCxnSpPr>
+        <p:spPr>
+          <a:xfrm>
+            <a:off x="6920865" y="4458970"/>
+            <a:ext cx="1536700" cy="779780"/>
+          </a:xfrm>
+          <a:prstGeom prst="straightConnector1">
+            <a:avLst/>
+          </a:prstGeom>
+          <a:ln>
+            <a:tailEnd type="arrow" w="med" len="med"/>
+          </a:ln>
+        </p:spPr>
+        <p:style>
+          <a:lnRef idx="1">
+            <a:schemeClr val="dk1"/>
+          </a:lnRef>
+          <a:fillRef idx="0">
+            <a:schemeClr val="dk1"/>
+          </a:fillRef>
+          <a:effectRef idx="0">
+            <a:schemeClr val="dk1"/>
+          </a:effectRef>
+          <a:fontRef idx="minor">
+            <a:schemeClr val="tx1"/>
+          </a:fontRef>
+        </p:style>
+      </p:cxnSp>
+      <p:cxnSp>
+        <p:nvCxnSpPr>
+          <p:cNvPr id="157" name="直接箭头连接符 156"/>
+          <p:cNvCxnSpPr>
+            <a:stCxn id="125" idx="5"/>
+            <a:endCxn id="145" idx="2"/>
+          </p:cNvCxnSpPr>
+          <p:nvPr/>
+        </p:nvCxnSpPr>
+        <p:spPr>
+          <a:xfrm flipH="1">
+            <a:off x="8457565" y="4429125"/>
+            <a:ext cx="1459865" cy="809625"/>
+          </a:xfrm>
+          <a:prstGeom prst="straightConnector1">
+            <a:avLst/>
+          </a:prstGeom>
+          <a:ln>
+            <a:tailEnd type="arrow" w="med" len="med"/>
+          </a:ln>
+        </p:spPr>
+        <p:style>
+          <a:lnRef idx="1">
+            <a:schemeClr val="dk1"/>
+          </a:lnRef>
+          <a:fillRef idx="0">
+            <a:schemeClr val="dk1"/>
+          </a:fillRef>
+          <a:effectRef idx="0">
+            <a:schemeClr val="dk1"/>
+          </a:effectRef>
+          <a:fontRef idx="minor">
+            <a:schemeClr val="tx1"/>
+          </a:fontRef>
+        </p:style>
+      </p:cxnSp>
+      <p:cxnSp>
+        <p:nvCxnSpPr>
+          <p:cNvPr id="158" name="直接箭头连接符 157"/>
+          <p:cNvCxnSpPr>
+            <a:stCxn id="137" idx="7"/>
+            <a:endCxn id="146" idx="2"/>
+          </p:cNvCxnSpPr>
+          <p:nvPr/>
+        </p:nvCxnSpPr>
+        <p:spPr>
+          <a:xfrm>
+            <a:off x="7284085" y="4428490"/>
+            <a:ext cx="1464310" cy="810895"/>
+          </a:xfrm>
+          <a:prstGeom prst="straightConnector1">
+            <a:avLst/>
+          </a:prstGeom>
+          <a:ln>
+            <a:tailEnd type="arrow" w="med" len="med"/>
+          </a:ln>
+        </p:spPr>
+        <p:style>
+          <a:lnRef idx="1">
+            <a:schemeClr val="dk1"/>
+          </a:lnRef>
+          <a:fillRef idx="0">
+            <a:schemeClr val="dk1"/>
+          </a:fillRef>
+          <a:effectRef idx="0">
+            <a:schemeClr val="dk1"/>
+          </a:effectRef>
+          <a:fontRef idx="minor">
+            <a:schemeClr val="tx1"/>
+          </a:fontRef>
+        </p:style>
+      </p:cxnSp>
+      <p:cxnSp>
+        <p:nvCxnSpPr>
+          <p:cNvPr id="159" name="直接箭头连接符 158"/>
+          <p:cNvCxnSpPr>
+            <a:stCxn id="137" idx="7"/>
+            <a:endCxn id="147" idx="3"/>
+          </p:cNvCxnSpPr>
+          <p:nvPr/>
+        </p:nvCxnSpPr>
+        <p:spPr>
+          <a:xfrm>
+            <a:off x="7284085" y="4428490"/>
+            <a:ext cx="2632710" cy="842010"/>
+          </a:xfrm>
+          <a:prstGeom prst="straightConnector1">
+            <a:avLst/>
+          </a:prstGeom>
+          <a:ln>
+            <a:tailEnd type="arrow" w="med" len="med"/>
+          </a:ln>
+        </p:spPr>
+        <p:style>
+          <a:lnRef idx="1">
+            <a:schemeClr val="dk1"/>
+          </a:lnRef>
+          <a:fillRef idx="0">
+            <a:schemeClr val="dk1"/>
+          </a:fillRef>
+          <a:effectRef idx="0">
+            <a:schemeClr val="dk1"/>
+          </a:effectRef>
+          <a:fontRef idx="minor">
+            <a:schemeClr val="tx1"/>
+          </a:fontRef>
+        </p:style>
+      </p:cxnSp>
+      <p:cxnSp>
+        <p:nvCxnSpPr>
+          <p:cNvPr id="160" name="直接箭头连接符 159"/>
+          <p:cNvCxnSpPr>
+            <a:stCxn id="137" idx="7"/>
+            <a:endCxn id="148" idx="3"/>
+          </p:cNvCxnSpPr>
+          <p:nvPr/>
+        </p:nvCxnSpPr>
+        <p:spPr>
+          <a:xfrm>
+            <a:off x="7284085" y="4428490"/>
+            <a:ext cx="2916555" cy="840105"/>
+          </a:xfrm>
+          <a:prstGeom prst="straightConnector1">
+            <a:avLst/>
+          </a:prstGeom>
+          <a:ln>
+            <a:tailEnd type="arrow" w="med" len="med"/>
+          </a:ln>
+        </p:spPr>
+        <p:style>
+          <a:lnRef idx="1">
+            <a:schemeClr val="dk1"/>
+          </a:lnRef>
+          <a:fillRef idx="0">
+            <a:schemeClr val="dk1"/>
+          </a:fillRef>
+          <a:effectRef idx="0">
+            <a:schemeClr val="dk1"/>
+          </a:effectRef>
+          <a:fontRef idx="minor">
+            <a:schemeClr val="tx1"/>
+          </a:fontRef>
+        </p:style>
+      </p:cxnSp>
+      <p:cxnSp>
+        <p:nvCxnSpPr>
+          <p:cNvPr id="161" name="直接箭头连接符 160"/>
+          <p:cNvCxnSpPr>
+            <a:stCxn id="120" idx="6"/>
+            <a:endCxn id="146" idx="2"/>
+          </p:cNvCxnSpPr>
+          <p:nvPr/>
+        </p:nvCxnSpPr>
+        <p:spPr>
+          <a:xfrm flipH="1">
+            <a:off x="8748395" y="4458970"/>
+            <a:ext cx="635" cy="780415"/>
+          </a:xfrm>
+          <a:prstGeom prst="straightConnector1">
+            <a:avLst/>
+          </a:prstGeom>
+          <a:ln>
+            <a:tailEnd type="arrow" w="med" len="med"/>
+          </a:ln>
+        </p:spPr>
+        <p:style>
+          <a:lnRef idx="1">
+            <a:schemeClr val="dk1"/>
+          </a:lnRef>
+          <a:fillRef idx="0">
+            <a:schemeClr val="dk1"/>
+          </a:fillRef>
+          <a:effectRef idx="0">
+            <a:schemeClr val="dk1"/>
+          </a:effectRef>
+          <a:fontRef idx="minor">
+            <a:schemeClr val="tx1"/>
+          </a:fontRef>
+        </p:style>
+      </p:cxnSp>
+      <p:cxnSp>
+        <p:nvCxnSpPr>
+          <p:cNvPr id="162" name="直接箭头连接符 161"/>
+          <p:cNvCxnSpPr>
+            <a:stCxn id="120" idx="6"/>
+            <a:endCxn id="147" idx="3"/>
+          </p:cNvCxnSpPr>
+          <p:nvPr/>
+        </p:nvCxnSpPr>
+        <p:spPr>
+          <a:xfrm>
+            <a:off x="8749030" y="4458970"/>
+            <a:ext cx="1167765" cy="811530"/>
+          </a:xfrm>
+          <a:prstGeom prst="straightConnector1">
+            <a:avLst/>
+          </a:prstGeom>
+          <a:ln>
+            <a:tailEnd type="arrow" w="med" len="med"/>
+          </a:ln>
+        </p:spPr>
+        <p:style>
+          <a:lnRef idx="1">
+            <a:schemeClr val="dk1"/>
+          </a:lnRef>
+          <a:fillRef idx="0">
+            <a:schemeClr val="dk1"/>
+          </a:fillRef>
+          <a:effectRef idx="0">
+            <a:schemeClr val="dk1"/>
+          </a:effectRef>
+          <a:fontRef idx="minor">
+            <a:schemeClr val="tx1"/>
+          </a:fontRef>
+        </p:style>
+      </p:cxnSp>
+      <p:cxnSp>
+        <p:nvCxnSpPr>
+          <p:cNvPr id="163" name="直接箭头连接符 162"/>
+          <p:cNvCxnSpPr>
+            <a:stCxn id="120" idx="6"/>
+            <a:endCxn id="148" idx="3"/>
+          </p:cNvCxnSpPr>
+          <p:nvPr/>
+        </p:nvCxnSpPr>
+        <p:spPr>
+          <a:xfrm>
+            <a:off x="8749030" y="4458970"/>
+            <a:ext cx="1451610" cy="809625"/>
+          </a:xfrm>
+          <a:prstGeom prst="straightConnector1">
+            <a:avLst/>
+          </a:prstGeom>
+          <a:ln>
+            <a:tailEnd type="arrow" w="med" len="med"/>
+          </a:ln>
+        </p:spPr>
+        <p:style>
+          <a:lnRef idx="1">
+            <a:schemeClr val="dk1"/>
+          </a:lnRef>
+          <a:fillRef idx="0">
+            <a:schemeClr val="dk1"/>
+          </a:fillRef>
+          <a:effectRef idx="0">
+            <a:schemeClr val="dk1"/>
+          </a:effectRef>
+          <a:fontRef idx="minor">
+            <a:schemeClr val="tx1"/>
+          </a:fontRef>
+        </p:style>
+      </p:cxnSp>
+      <p:cxnSp>
+        <p:nvCxnSpPr>
+          <p:cNvPr id="164" name="直接箭头连接符 163"/>
+          <p:cNvCxnSpPr>
+            <a:stCxn id="124" idx="6"/>
+            <a:endCxn id="148" idx="2"/>
+          </p:cNvCxnSpPr>
+          <p:nvPr/>
+        </p:nvCxnSpPr>
+        <p:spPr>
+          <a:xfrm flipH="1">
+            <a:off x="10272395" y="4459605"/>
+            <a:ext cx="8255" cy="778510"/>
+          </a:xfrm>
+          <a:prstGeom prst="straightConnector1">
+            <a:avLst/>
+          </a:prstGeom>
+          <a:ln>
+            <a:tailEnd type="arrow" w="med" len="med"/>
+          </a:ln>
+        </p:spPr>
+        <p:style>
+          <a:lnRef idx="1">
+            <a:schemeClr val="dk1"/>
+          </a:lnRef>
+          <a:fillRef idx="0">
+            <a:schemeClr val="dk1"/>
+          </a:fillRef>
+          <a:effectRef idx="0">
+            <a:schemeClr val="dk1"/>
+          </a:effectRef>
+          <a:fontRef idx="minor">
+            <a:schemeClr val="tx1"/>
+          </a:fontRef>
+        </p:style>
+      </p:cxnSp>
+      <p:cxnSp>
+        <p:nvCxnSpPr>
+          <p:cNvPr id="165" name="直接箭头连接符 164"/>
+          <p:cNvCxnSpPr>
+            <a:stCxn id="124" idx="6"/>
+            <a:endCxn id="146" idx="2"/>
+          </p:cNvCxnSpPr>
+          <p:nvPr/>
+        </p:nvCxnSpPr>
+        <p:spPr>
+          <a:xfrm flipH="1">
+            <a:off x="8748395" y="4459605"/>
+            <a:ext cx="1532255" cy="779780"/>
+          </a:xfrm>
+          <a:prstGeom prst="straightConnector1">
+            <a:avLst/>
+          </a:prstGeom>
+          <a:ln>
+            <a:tailEnd type="arrow" w="med" len="med"/>
+          </a:ln>
+        </p:spPr>
+        <p:style>
+          <a:lnRef idx="1">
+            <a:schemeClr val="dk1"/>
+          </a:lnRef>
+          <a:fillRef idx="0">
+            <a:schemeClr val="dk1"/>
+          </a:fillRef>
+          <a:effectRef idx="0">
+            <a:schemeClr val="dk1"/>
+          </a:effectRef>
+          <a:fontRef idx="minor">
+            <a:schemeClr val="tx1"/>
+          </a:fontRef>
+        </p:style>
+      </p:cxnSp>
+      <p:cxnSp>
+        <p:nvCxnSpPr>
+          <p:cNvPr id="166" name="直接箭头连接符 165"/>
+          <p:cNvCxnSpPr>
+            <a:stCxn id="124" idx="6"/>
+            <a:endCxn id="147" idx="2"/>
+          </p:cNvCxnSpPr>
+          <p:nvPr/>
+        </p:nvCxnSpPr>
+        <p:spPr>
+          <a:xfrm flipH="1">
+            <a:off x="9988550" y="4459605"/>
+            <a:ext cx="292100" cy="780415"/>
+          </a:xfrm>
+          <a:prstGeom prst="straightConnector1">
+            <a:avLst/>
+          </a:prstGeom>
+          <a:ln>
+            <a:tailEnd type="arrow" w="med" len="med"/>
+          </a:ln>
+        </p:spPr>
+        <p:style>
+          <a:lnRef idx="1">
+            <a:schemeClr val="dk1"/>
+          </a:lnRef>
+          <a:fillRef idx="0">
+            <a:schemeClr val="dk1"/>
+          </a:fillRef>
+          <a:effectRef idx="0">
+            <a:schemeClr val="dk1"/>
+          </a:effectRef>
+          <a:fontRef idx="minor">
+            <a:schemeClr val="tx1"/>
+          </a:fontRef>
+        </p:style>
+      </p:cxnSp>
+      <p:sp>
+        <p:nvSpPr>
+          <p:cNvPr id="167" name="文本框 166"/>
+          <p:cNvSpPr txBox="1"/>
+          <p:nvPr/>
+        </p:nvSpPr>
+        <p:spPr>
+          <a:xfrm>
+            <a:off x="7409815" y="4990465"/>
+            <a:ext cx="862330" cy="460375"/>
+          </a:xfrm>
+          <a:prstGeom prst="rect">
+            <a:avLst/>
+          </a:prstGeom>
+          <a:noFill/>
+        </p:spPr>
+        <p:txBody>
+          <a:bodyPr wrap="square" rtlCol="0">
+            <a:spAutoFit/>
+          </a:bodyPr>
+          <a:p>
+            <a:r>
+              <a:rPr lang="en-US" altLang="zh-CN" sz="2400" b="1"/>
+              <a:t>...  ...</a:t>
+            </a:r>
+            <a:endParaRPr lang="en-US" altLang="zh-CN" sz="2400" b="1"/>
+          </a:p>
+        </p:txBody>
+      </p:sp>
+      <p:sp>
+        <p:nvSpPr>
+          <p:cNvPr id="168" name="文本框 167"/>
+          <p:cNvSpPr txBox="1"/>
+          <p:nvPr/>
+        </p:nvSpPr>
+        <p:spPr>
+          <a:xfrm>
+            <a:off x="8941435" y="4990465"/>
+            <a:ext cx="862330" cy="460375"/>
+          </a:xfrm>
+          <a:prstGeom prst="rect">
+            <a:avLst/>
+          </a:prstGeom>
+          <a:noFill/>
+        </p:spPr>
+        <p:txBody>
+          <a:bodyPr wrap="square" rtlCol="0">
+            <a:spAutoFit/>
+          </a:bodyPr>
+          <a:p>
+            <a:r>
+              <a:rPr lang="en-US" altLang="zh-CN" sz="2400" b="1"/>
+              <a:t>...  ...</a:t>
+            </a:r>
+            <a:endParaRPr lang="en-US" altLang="zh-CN" sz="2400" b="1"/>
+          </a:p>
+        </p:txBody>
+      </p:sp>
+      <p:sp>
+        <p:nvSpPr>
+          <p:cNvPr id="169" name="圆角矩形 168"/>
+          <p:cNvSpPr/>
+          <p:nvPr/>
+        </p:nvSpPr>
+        <p:spPr>
+          <a:xfrm>
+            <a:off x="6461760" y="3198495"/>
+            <a:ext cx="1247775" cy="1337945"/>
+          </a:xfrm>
+          <a:prstGeom prst="roundRect">
+            <a:avLst/>
+          </a:prstGeom>
+          <a:noFill/>
+          <a:ln w="28575" cmpd="sng">
+            <a:solidFill>
+              <a:schemeClr val="bg2">
+                <a:lumMod val="75000"/>
+              </a:schemeClr>
+            </a:solidFill>
+            <a:prstDash val="sysDash"/>
+          </a:ln>
+        </p:spPr>
+        <p:style>
+          <a:lnRef idx="2">
+            <a:schemeClr val="accent1">
+              <a:shade val="50000"/>
+            </a:schemeClr>
+          </a:lnRef>
+          <a:fillRef idx="1">
+            <a:schemeClr val="accent1"/>
+          </a:fillRef>
+          <a:effectRef idx="0">
+            <a:schemeClr val="accent1"/>
+          </a:effectRef>
+          <a:fontRef idx="minor">
+            <a:schemeClr val="lt1"/>
+          </a:fontRef>
+        </p:style>
+        <p:txBody>
+          <a:bodyPr rtlCol="0" anchor="ctr"/>
+          <a:p>
+            <a:pPr algn="ctr"/>
+            <a:endParaRPr lang="zh-CN" altLang="en-US" dirty="0">
+              <a:solidFill>
+                <a:schemeClr val="tx1"/>
+              </a:solidFill>
+            </a:endParaRPr>
+          </a:p>
+        </p:txBody>
+      </p:sp>
+      <p:sp>
+        <p:nvSpPr>
+          <p:cNvPr id="170" name="圆角矩形 169"/>
+          <p:cNvSpPr/>
+          <p:nvPr/>
+        </p:nvSpPr>
+        <p:spPr>
+          <a:xfrm>
+            <a:off x="7979410" y="3198495"/>
+            <a:ext cx="1247775" cy="1337945"/>
+          </a:xfrm>
+          <a:prstGeom prst="roundRect">
+            <a:avLst/>
+          </a:prstGeom>
+          <a:noFill/>
+          <a:ln w="28575" cmpd="sng">
+            <a:solidFill>
+              <a:schemeClr val="bg2">
+                <a:lumMod val="75000"/>
+              </a:schemeClr>
+            </a:solidFill>
+            <a:prstDash val="sysDash"/>
+          </a:ln>
+        </p:spPr>
+        <p:style>
+          <a:lnRef idx="2">
+            <a:schemeClr val="accent1">
+              <a:shade val="50000"/>
+            </a:schemeClr>
+          </a:lnRef>
+          <a:fillRef idx="1">
+            <a:schemeClr val="accent1"/>
+          </a:fillRef>
+          <a:effectRef idx="0">
+            <a:schemeClr val="accent1"/>
+          </a:effectRef>
+          <a:fontRef idx="minor">
+            <a:schemeClr val="lt1"/>
+          </a:fontRef>
+        </p:style>
+        <p:txBody>
+          <a:bodyPr rtlCol="0" anchor="ctr"/>
+          <a:p>
+            <a:pPr algn="ctr"/>
+            <a:endParaRPr lang="zh-CN" altLang="en-US" dirty="0">
+              <a:solidFill>
+                <a:schemeClr val="tx1"/>
+              </a:solidFill>
+            </a:endParaRPr>
+          </a:p>
+        </p:txBody>
+      </p:sp>
+      <p:sp>
+        <p:nvSpPr>
+          <p:cNvPr id="171" name="圆角矩形 170"/>
+          <p:cNvSpPr/>
+          <p:nvPr/>
+        </p:nvSpPr>
+        <p:spPr>
+          <a:xfrm>
+            <a:off x="9509125" y="3198495"/>
+            <a:ext cx="1247775" cy="1337945"/>
+          </a:xfrm>
+          <a:prstGeom prst="roundRect">
+            <a:avLst/>
+          </a:prstGeom>
+          <a:noFill/>
+          <a:ln w="28575" cmpd="sng">
+            <a:solidFill>
+              <a:schemeClr val="bg2">
+                <a:lumMod val="75000"/>
+              </a:schemeClr>
+            </a:solidFill>
+            <a:prstDash val="sysDash"/>
+          </a:ln>
+        </p:spPr>
+        <p:style>
+          <a:lnRef idx="2">
+            <a:schemeClr val="accent1">
+              <a:shade val="50000"/>
+            </a:schemeClr>
+          </a:lnRef>
+          <a:fillRef idx="1">
+            <a:schemeClr val="accent1"/>
+          </a:fillRef>
+          <a:effectRef idx="0">
+            <a:schemeClr val="accent1"/>
+          </a:effectRef>
+          <a:fontRef idx="minor">
+            <a:schemeClr val="lt1"/>
+          </a:fontRef>
+        </p:style>
+        <p:txBody>
+          <a:bodyPr rtlCol="0" anchor="ctr"/>
+          <a:p>
+            <a:pPr algn="ctr"/>
+            <a:endParaRPr lang="zh-CN" altLang="en-US" dirty="0">
+              <a:solidFill>
+                <a:schemeClr val="tx1"/>
+              </a:solidFill>
+            </a:endParaRPr>
+          </a:p>
+        </p:txBody>
+      </p:sp>
+      <p:sp>
+        <p:nvSpPr>
+          <p:cNvPr id="172" name="椭圆 171"/>
+          <p:cNvSpPr/>
+          <p:nvPr/>
+        </p:nvSpPr>
+        <p:spPr>
+          <a:xfrm rot="5400000">
+            <a:off x="5382895" y="3328035"/>
+            <a:ext cx="210185" cy="203200"/>
+          </a:xfrm>
+          <a:prstGeom prst="ellipse">
+            <a:avLst/>
+          </a:prstGeom>
+          <a:solidFill>
+            <a:schemeClr val="accent4"/>
+          </a:solidFill>
+        </p:spPr>
+        <p:style>
+          <a:lnRef idx="2">
+            <a:schemeClr val="accent1">
+              <a:shade val="50000"/>
+            </a:schemeClr>
+          </a:lnRef>
+          <a:fillRef idx="1">
+            <a:schemeClr val="accent1"/>
+          </a:fillRef>
+          <a:effectRef idx="0">
+            <a:schemeClr val="accent1"/>
+          </a:effectRef>
+          <a:fontRef idx="minor">
+            <a:schemeClr val="lt1"/>
+          </a:fontRef>
+        </p:style>
+        <p:txBody>
+          <a:bodyPr rtlCol="0" anchor="ctr"/>
+          <a:p>
+            <a:pPr algn="ctr"/>
+            <a:endParaRPr lang="zh-CN" altLang="en-US"/>
+          </a:p>
+        </p:txBody>
+      </p:sp>
+      <p:sp>
+        <p:nvSpPr>
+          <p:cNvPr id="173" name="椭圆 172"/>
+          <p:cNvSpPr/>
+          <p:nvPr/>
+        </p:nvSpPr>
+        <p:spPr>
+          <a:xfrm rot="5400000">
+            <a:off x="5088255" y="3328035"/>
+            <a:ext cx="210185" cy="203200"/>
+          </a:xfrm>
+          <a:prstGeom prst="ellipse">
+            <a:avLst/>
+          </a:prstGeom>
+          <a:solidFill>
+            <a:schemeClr val="accent4"/>
+          </a:solidFill>
+        </p:spPr>
+        <p:style>
+          <a:lnRef idx="2">
+            <a:schemeClr val="accent1">
+              <a:shade val="50000"/>
+            </a:schemeClr>
+          </a:lnRef>
+          <a:fillRef idx="1">
+            <a:schemeClr val="accent1"/>
+          </a:fillRef>
+          <a:effectRef idx="0">
+            <a:schemeClr val="accent1"/>
+          </a:effectRef>
+          <a:fontRef idx="minor">
+            <a:schemeClr val="lt1"/>
+          </a:fontRef>
+        </p:style>
+        <p:txBody>
+          <a:bodyPr rtlCol="0" anchor="ctr"/>
+          <a:p>
+            <a:pPr algn="ctr"/>
+            <a:endParaRPr lang="zh-CN" altLang="en-US"/>
+          </a:p>
+        </p:txBody>
+      </p:sp>
+      <p:sp>
+        <p:nvSpPr>
+          <p:cNvPr id="174" name="椭圆 173"/>
+          <p:cNvSpPr/>
+          <p:nvPr/>
+        </p:nvSpPr>
+        <p:spPr>
+          <a:xfrm rot="5400000">
+            <a:off x="4794250" y="3328035"/>
+            <a:ext cx="210185" cy="203200"/>
+          </a:xfrm>
+          <a:prstGeom prst="ellipse">
+            <a:avLst/>
+          </a:prstGeom>
+          <a:solidFill>
+            <a:schemeClr val="accent4"/>
+          </a:solidFill>
+        </p:spPr>
+        <p:style>
+          <a:lnRef idx="2">
+            <a:schemeClr val="accent1">
+              <a:shade val="50000"/>
+            </a:schemeClr>
+          </a:lnRef>
+          <a:fillRef idx="1">
+            <a:schemeClr val="accent1"/>
+          </a:fillRef>
+          <a:effectRef idx="0">
+            <a:schemeClr val="accent1"/>
+          </a:effectRef>
+          <a:fontRef idx="minor">
+            <a:schemeClr val="lt1"/>
+          </a:fontRef>
+        </p:style>
+        <p:txBody>
+          <a:bodyPr rtlCol="0" anchor="ctr"/>
+          <a:p>
+            <a:pPr algn="ctr"/>
+            <a:endParaRPr lang="zh-CN" altLang="en-US"/>
+          </a:p>
+        </p:txBody>
+      </p:sp>
+      <p:sp>
+        <p:nvSpPr>
+          <p:cNvPr id="175" name="椭圆 174"/>
+          <p:cNvSpPr/>
+          <p:nvPr/>
+        </p:nvSpPr>
+        <p:spPr>
+          <a:xfrm rot="5400000">
+            <a:off x="4505960" y="3327400"/>
+            <a:ext cx="210185" cy="203200"/>
+          </a:xfrm>
+          <a:prstGeom prst="ellipse">
+            <a:avLst/>
+          </a:prstGeom>
+          <a:solidFill>
+            <a:schemeClr val="accent4"/>
+          </a:solidFill>
+        </p:spPr>
+        <p:style>
+          <a:lnRef idx="2">
+            <a:schemeClr val="accent1">
+              <a:shade val="50000"/>
+            </a:schemeClr>
+          </a:lnRef>
+          <a:fillRef idx="1">
+            <a:schemeClr val="accent1"/>
+          </a:fillRef>
+          <a:effectRef idx="0">
+            <a:schemeClr val="accent1"/>
+          </a:effectRef>
+          <a:fontRef idx="minor">
+            <a:schemeClr val="lt1"/>
+          </a:fontRef>
+        </p:style>
+        <p:txBody>
+          <a:bodyPr rtlCol="0" anchor="ctr"/>
+          <a:p>
+            <a:pPr algn="ctr"/>
+            <a:endParaRPr lang="zh-CN" altLang="en-US"/>
+          </a:p>
+        </p:txBody>
+      </p:sp>
+      <p:sp>
+        <p:nvSpPr>
+          <p:cNvPr id="176" name="椭圆 175"/>
+          <p:cNvSpPr/>
+          <p:nvPr/>
+        </p:nvSpPr>
+        <p:spPr>
+          <a:xfrm rot="5400000">
+            <a:off x="3851275" y="3327400"/>
+            <a:ext cx="210185" cy="203200"/>
+          </a:xfrm>
+          <a:prstGeom prst="ellipse">
+            <a:avLst/>
+          </a:prstGeom>
+          <a:solidFill>
+            <a:schemeClr val="accent4"/>
+          </a:solidFill>
+        </p:spPr>
+        <p:style>
+          <a:lnRef idx="2">
+            <a:schemeClr val="accent1">
+              <a:shade val="50000"/>
+            </a:schemeClr>
+          </a:lnRef>
+          <a:fillRef idx="1">
+            <a:schemeClr val="accent1"/>
+          </a:fillRef>
+          <a:effectRef idx="0">
+            <a:schemeClr val="accent1"/>
+          </a:effectRef>
+          <a:fontRef idx="minor">
+            <a:schemeClr val="lt1"/>
+          </a:fontRef>
+        </p:style>
+        <p:txBody>
+          <a:bodyPr rtlCol="0" anchor="ctr"/>
+          <a:p>
+            <a:pPr algn="ctr"/>
+            <a:endParaRPr lang="zh-CN" altLang="en-US"/>
+          </a:p>
+        </p:txBody>
+      </p:sp>
+      <p:sp>
+        <p:nvSpPr>
+          <p:cNvPr id="177" name="椭圆 176"/>
+          <p:cNvSpPr/>
+          <p:nvPr/>
+        </p:nvSpPr>
+        <p:spPr>
+          <a:xfrm rot="5400000">
+            <a:off x="3556635" y="3327400"/>
+            <a:ext cx="210185" cy="203200"/>
+          </a:xfrm>
+          <a:prstGeom prst="ellipse">
+            <a:avLst/>
+          </a:prstGeom>
+          <a:solidFill>
+            <a:schemeClr val="accent4"/>
+          </a:solidFill>
+        </p:spPr>
+        <p:style>
+          <a:lnRef idx="2">
+            <a:schemeClr val="accent1">
+              <a:shade val="50000"/>
+            </a:schemeClr>
+          </a:lnRef>
+          <a:fillRef idx="1">
+            <a:schemeClr val="accent1"/>
+          </a:fillRef>
+          <a:effectRef idx="0">
+            <a:schemeClr val="accent1"/>
+          </a:effectRef>
+          <a:fontRef idx="minor">
+            <a:schemeClr val="lt1"/>
+          </a:fontRef>
+        </p:style>
+        <p:txBody>
+          <a:bodyPr rtlCol="0" anchor="ctr"/>
+          <a:p>
+            <a:pPr algn="ctr"/>
+            <a:endParaRPr lang="zh-CN" altLang="en-US"/>
+          </a:p>
+        </p:txBody>
+      </p:sp>
+      <p:sp>
+        <p:nvSpPr>
+          <p:cNvPr id="178" name="椭圆 177"/>
+          <p:cNvSpPr/>
+          <p:nvPr/>
+        </p:nvSpPr>
+        <p:spPr>
+          <a:xfrm rot="5400000">
+            <a:off x="3262630" y="3327400"/>
+            <a:ext cx="210185" cy="203200"/>
+          </a:xfrm>
+          <a:prstGeom prst="ellipse">
+            <a:avLst/>
+          </a:prstGeom>
+          <a:solidFill>
+            <a:schemeClr val="accent4"/>
+          </a:solidFill>
+        </p:spPr>
+        <p:style>
+          <a:lnRef idx="2">
+            <a:schemeClr val="accent1">
+              <a:shade val="50000"/>
+            </a:schemeClr>
+          </a:lnRef>
+          <a:fillRef idx="1">
+            <a:schemeClr val="accent1"/>
+          </a:fillRef>
+          <a:effectRef idx="0">
+            <a:schemeClr val="accent1"/>
+          </a:effectRef>
+          <a:fontRef idx="minor">
+            <a:schemeClr val="lt1"/>
+          </a:fontRef>
+        </p:style>
+        <p:txBody>
+          <a:bodyPr rtlCol="0" anchor="ctr"/>
+          <a:p>
+            <a:pPr algn="ctr"/>
+            <a:endParaRPr lang="zh-CN" altLang="en-US"/>
+          </a:p>
+        </p:txBody>
+      </p:sp>
+      <p:sp>
+        <p:nvSpPr>
+          <p:cNvPr id="179" name="椭圆 178"/>
+          <p:cNvSpPr/>
+          <p:nvPr/>
+        </p:nvSpPr>
+        <p:spPr>
+          <a:xfrm rot="5400000">
+            <a:off x="2974340" y="3326765"/>
+            <a:ext cx="210185" cy="203200"/>
+          </a:xfrm>
+          <a:prstGeom prst="ellipse">
+            <a:avLst/>
+          </a:prstGeom>
+          <a:solidFill>
+            <a:schemeClr val="accent4"/>
+          </a:solidFill>
+        </p:spPr>
+        <p:style>
+          <a:lnRef idx="2">
+            <a:schemeClr val="accent1">
+              <a:shade val="50000"/>
+            </a:schemeClr>
+          </a:lnRef>
+          <a:fillRef idx="1">
+            <a:schemeClr val="accent1"/>
+          </a:fillRef>
+          <a:effectRef idx="0">
+            <a:schemeClr val="accent1"/>
+          </a:effectRef>
+          <a:fontRef idx="minor">
+            <a:schemeClr val="lt1"/>
+          </a:fontRef>
+        </p:style>
+        <p:txBody>
+          <a:bodyPr rtlCol="0" anchor="ctr"/>
+          <a:p>
+            <a:pPr algn="ctr"/>
+            <a:endParaRPr lang="zh-CN" altLang="en-US"/>
+          </a:p>
+        </p:txBody>
+      </p:sp>
+      <p:sp>
+        <p:nvSpPr>
+          <p:cNvPr id="180" name="椭圆 179"/>
+          <p:cNvSpPr/>
+          <p:nvPr/>
+        </p:nvSpPr>
+        <p:spPr>
+          <a:xfrm rot="5400000">
+            <a:off x="2314575" y="3327400"/>
+            <a:ext cx="210185" cy="203200"/>
+          </a:xfrm>
+          <a:prstGeom prst="ellipse">
+            <a:avLst/>
+          </a:prstGeom>
+          <a:solidFill>
+            <a:schemeClr val="accent4"/>
+          </a:solidFill>
+        </p:spPr>
+        <p:style>
+          <a:lnRef idx="2">
+            <a:schemeClr val="accent1">
+              <a:shade val="50000"/>
+            </a:schemeClr>
+          </a:lnRef>
+          <a:fillRef idx="1">
+            <a:schemeClr val="accent1"/>
+          </a:fillRef>
+          <a:effectRef idx="0">
+            <a:schemeClr val="accent1"/>
+          </a:effectRef>
+          <a:fontRef idx="minor">
+            <a:schemeClr val="lt1"/>
+          </a:fontRef>
+        </p:style>
+        <p:txBody>
+          <a:bodyPr rtlCol="0" anchor="ctr"/>
+          <a:p>
+            <a:pPr algn="ctr"/>
+            <a:endParaRPr lang="zh-CN" altLang="en-US"/>
+          </a:p>
+        </p:txBody>
+      </p:sp>
+      <p:sp>
+        <p:nvSpPr>
+          <p:cNvPr id="181" name="椭圆 180"/>
+          <p:cNvSpPr/>
+          <p:nvPr/>
+        </p:nvSpPr>
+        <p:spPr>
+          <a:xfrm rot="5400000">
+            <a:off x="2019935" y="3327400"/>
+            <a:ext cx="210185" cy="203200"/>
+          </a:xfrm>
+          <a:prstGeom prst="ellipse">
+            <a:avLst/>
+          </a:prstGeom>
+          <a:solidFill>
+            <a:schemeClr val="accent4"/>
+          </a:solidFill>
+        </p:spPr>
+        <p:style>
+          <a:lnRef idx="2">
+            <a:schemeClr val="accent1">
+              <a:shade val="50000"/>
+            </a:schemeClr>
+          </a:lnRef>
+          <a:fillRef idx="1">
+            <a:schemeClr val="accent1"/>
+          </a:fillRef>
+          <a:effectRef idx="0">
+            <a:schemeClr val="accent1"/>
+          </a:effectRef>
+          <a:fontRef idx="minor">
+            <a:schemeClr val="lt1"/>
+          </a:fontRef>
+        </p:style>
+        <p:txBody>
+          <a:bodyPr rtlCol="0" anchor="ctr"/>
+          <a:p>
+            <a:pPr algn="ctr"/>
+            <a:endParaRPr lang="zh-CN" altLang="en-US"/>
+          </a:p>
+        </p:txBody>
+      </p:sp>
+      <p:sp>
+        <p:nvSpPr>
+          <p:cNvPr id="182" name="椭圆 181"/>
+          <p:cNvSpPr/>
+          <p:nvPr/>
+        </p:nvSpPr>
+        <p:spPr>
+          <a:xfrm rot="5400000">
+            <a:off x="1725930" y="3327400"/>
+            <a:ext cx="210185" cy="203200"/>
+          </a:xfrm>
+          <a:prstGeom prst="ellipse">
+            <a:avLst/>
+          </a:prstGeom>
+          <a:solidFill>
+            <a:schemeClr val="accent4"/>
+          </a:solidFill>
+        </p:spPr>
+        <p:style>
+          <a:lnRef idx="2">
+            <a:schemeClr val="accent1">
+              <a:shade val="50000"/>
+            </a:schemeClr>
+          </a:lnRef>
+          <a:fillRef idx="1">
+            <a:schemeClr val="accent1"/>
+          </a:fillRef>
+          <a:effectRef idx="0">
+            <a:schemeClr val="accent1"/>
+          </a:effectRef>
+          <a:fontRef idx="minor">
+            <a:schemeClr val="lt1"/>
+          </a:fontRef>
+        </p:style>
+        <p:txBody>
+          <a:bodyPr rtlCol="0" anchor="ctr"/>
+          <a:p>
+            <a:pPr algn="ctr"/>
+            <a:endParaRPr lang="zh-CN" altLang="en-US"/>
+          </a:p>
+        </p:txBody>
+      </p:sp>
+      <p:sp>
+        <p:nvSpPr>
+          <p:cNvPr id="183" name="椭圆 182"/>
+          <p:cNvSpPr/>
+          <p:nvPr/>
+        </p:nvSpPr>
+        <p:spPr>
+          <a:xfrm rot="5400000">
+            <a:off x="1437640" y="3326765"/>
+            <a:ext cx="210185" cy="203200"/>
+          </a:xfrm>
+          <a:prstGeom prst="ellipse">
+            <a:avLst/>
+          </a:prstGeom>
+          <a:solidFill>
+            <a:schemeClr val="accent4"/>
+          </a:solidFill>
+        </p:spPr>
+        <p:style>
+          <a:lnRef idx="2">
+            <a:schemeClr val="accent1">
+              <a:shade val="50000"/>
+            </a:schemeClr>
+          </a:lnRef>
+          <a:fillRef idx="1">
+            <a:schemeClr val="accent1"/>
+          </a:fillRef>
+          <a:effectRef idx="0">
+            <a:schemeClr val="accent1"/>
+          </a:effectRef>
+          <a:fontRef idx="minor">
+            <a:schemeClr val="lt1"/>
+          </a:fontRef>
+        </p:style>
+        <p:txBody>
+          <a:bodyPr rtlCol="0" anchor="ctr"/>
+          <a:p>
+            <a:pPr algn="ctr"/>
+            <a:endParaRPr lang="zh-CN" altLang="en-US"/>
+          </a:p>
+        </p:txBody>
+      </p:sp>
+      <p:sp>
+        <p:nvSpPr>
+          <p:cNvPr id="184" name="文本框 183"/>
+          <p:cNvSpPr txBox="1"/>
+          <p:nvPr/>
+        </p:nvSpPr>
+        <p:spPr>
+          <a:xfrm>
+            <a:off x="2531110" y="3129915"/>
+            <a:ext cx="447040" cy="460375"/>
+          </a:xfrm>
+          <a:prstGeom prst="rect">
+            <a:avLst/>
+          </a:prstGeom>
+          <a:noFill/>
+        </p:spPr>
+        <p:txBody>
+          <a:bodyPr wrap="square" rtlCol="0">
+            <a:spAutoFit/>
+          </a:bodyPr>
+          <a:p>
+            <a:r>
+              <a:rPr lang="en-US" altLang="zh-CN" sz="2400" b="1"/>
+              <a:t>...</a:t>
+            </a:r>
+            <a:endParaRPr lang="en-US" altLang="zh-CN" sz="2400" b="1"/>
+          </a:p>
+        </p:txBody>
+      </p:sp>
+      <p:sp>
+        <p:nvSpPr>
+          <p:cNvPr id="185" name="文本框 184"/>
+          <p:cNvSpPr txBox="1"/>
+          <p:nvPr/>
+        </p:nvSpPr>
+        <p:spPr>
+          <a:xfrm>
+            <a:off x="4058285" y="3129915"/>
+            <a:ext cx="447040" cy="460375"/>
+          </a:xfrm>
+          <a:prstGeom prst="rect">
+            <a:avLst/>
+          </a:prstGeom>
+          <a:noFill/>
+        </p:spPr>
+        <p:txBody>
+          <a:bodyPr wrap="square" rtlCol="0">
+            <a:spAutoFit/>
+          </a:bodyPr>
+          <a:p>
+            <a:r>
+              <a:rPr lang="en-US" altLang="zh-CN" sz="2400" b="1"/>
+              <a:t>...</a:t>
+            </a:r>
+            <a:endParaRPr lang="en-US" altLang="zh-CN" sz="2400" b="1"/>
+          </a:p>
+        </p:txBody>
+      </p:sp>
+      <p:sp>
+        <p:nvSpPr>
+          <p:cNvPr id="186" name="椭圆 185"/>
+          <p:cNvSpPr/>
+          <p:nvPr/>
+        </p:nvSpPr>
+        <p:spPr>
+          <a:xfrm rot="5400000">
+            <a:off x="1726183" y="5029748"/>
+            <a:ext cx="210229" cy="203340"/>
+          </a:xfrm>
+          <a:prstGeom prst="ellipse">
+            <a:avLst/>
+          </a:prstGeom>
+          <a:solidFill>
+            <a:schemeClr val="accent4"/>
+          </a:solidFill>
+        </p:spPr>
+        <p:style>
+          <a:lnRef idx="2">
+            <a:schemeClr val="accent1">
+              <a:shade val="50000"/>
+            </a:schemeClr>
+          </a:lnRef>
+          <a:fillRef idx="1">
+            <a:schemeClr val="accent1"/>
+          </a:fillRef>
+          <a:effectRef idx="0">
+            <a:schemeClr val="accent1"/>
+          </a:effectRef>
+          <a:fontRef idx="minor">
+            <a:schemeClr val="lt1"/>
+          </a:fontRef>
+        </p:style>
+        <p:txBody>
+          <a:bodyPr rtlCol="0" anchor="ctr"/>
+          <a:p>
+            <a:pPr algn="ctr"/>
+            <a:endParaRPr lang="zh-CN" altLang="en-US"/>
+          </a:p>
+        </p:txBody>
+      </p:sp>
+      <p:cxnSp>
+        <p:nvCxnSpPr>
+          <p:cNvPr id="194" name="直接箭头连接符 193"/>
+          <p:cNvCxnSpPr>
+            <a:stCxn id="183" idx="6"/>
+            <a:endCxn id="186" idx="2"/>
+          </p:cNvCxnSpPr>
+          <p:nvPr/>
+        </p:nvCxnSpPr>
+        <p:spPr>
+          <a:xfrm>
+            <a:off x="1543050" y="3533775"/>
+            <a:ext cx="288290" cy="1492250"/>
+          </a:xfrm>
+          <a:prstGeom prst="straightConnector1">
+            <a:avLst/>
+          </a:prstGeom>
+          <a:ln>
+            <a:tailEnd type="arrow" w="med" len="med"/>
+          </a:ln>
+        </p:spPr>
+        <p:style>
+          <a:lnRef idx="1">
+            <a:schemeClr val="dk1"/>
+          </a:lnRef>
+          <a:fillRef idx="0">
+            <a:schemeClr val="dk1"/>
+          </a:fillRef>
+          <a:effectRef idx="0">
+            <a:schemeClr val="dk1"/>
+          </a:effectRef>
+          <a:fontRef idx="minor">
+            <a:schemeClr val="tx1"/>
+          </a:fontRef>
+        </p:style>
+      </p:cxnSp>
+      <p:cxnSp>
+        <p:nvCxnSpPr>
+          <p:cNvPr id="195" name="直接箭头连接符 194"/>
+          <p:cNvCxnSpPr>
+            <a:stCxn id="182" idx="6"/>
+            <a:endCxn id="186" idx="2"/>
+          </p:cNvCxnSpPr>
+          <p:nvPr/>
+        </p:nvCxnSpPr>
+        <p:spPr>
+          <a:xfrm>
+            <a:off x="1831340" y="3534410"/>
+            <a:ext cx="0" cy="1491615"/>
+          </a:xfrm>
+          <a:prstGeom prst="straightConnector1">
+            <a:avLst/>
+          </a:prstGeom>
+          <a:ln>
+            <a:tailEnd type="arrow" w="med" len="med"/>
+          </a:ln>
+        </p:spPr>
+        <p:style>
+          <a:lnRef idx="1">
+            <a:schemeClr val="dk1"/>
+          </a:lnRef>
+          <a:fillRef idx="0">
+            <a:schemeClr val="dk1"/>
+          </a:fillRef>
+          <a:effectRef idx="0">
+            <a:schemeClr val="dk1"/>
+          </a:effectRef>
+          <a:fontRef idx="minor">
+            <a:schemeClr val="tx1"/>
+          </a:fontRef>
+        </p:style>
+      </p:cxnSp>
+      <p:cxnSp>
+        <p:nvCxnSpPr>
+          <p:cNvPr id="196" name="直接箭头连接符 195"/>
+          <p:cNvCxnSpPr>
+            <a:stCxn id="181" idx="5"/>
+            <a:endCxn id="186" idx="2"/>
+          </p:cNvCxnSpPr>
+          <p:nvPr/>
+        </p:nvCxnSpPr>
+        <p:spPr>
+          <a:xfrm flipH="1">
+            <a:off x="1831340" y="3503295"/>
+            <a:ext cx="221615" cy="1522730"/>
+          </a:xfrm>
+          <a:prstGeom prst="straightConnector1">
+            <a:avLst/>
+          </a:prstGeom>
+          <a:ln>
+            <a:tailEnd type="arrow" w="med" len="med"/>
+          </a:ln>
+        </p:spPr>
+        <p:style>
+          <a:lnRef idx="1">
+            <a:schemeClr val="dk1"/>
+          </a:lnRef>
+          <a:fillRef idx="0">
+            <a:schemeClr val="dk1"/>
+          </a:fillRef>
+          <a:effectRef idx="0">
+            <a:schemeClr val="dk1"/>
+          </a:effectRef>
+          <a:fontRef idx="minor">
+            <a:schemeClr val="tx1"/>
+          </a:fontRef>
+        </p:style>
+      </p:cxnSp>
+      <p:cxnSp>
+        <p:nvCxnSpPr>
+          <p:cNvPr id="197" name="直接箭头连接符 196"/>
+          <p:cNvCxnSpPr>
+            <a:stCxn id="180" idx="6"/>
+            <a:endCxn id="186" idx="2"/>
+          </p:cNvCxnSpPr>
+          <p:nvPr/>
+        </p:nvCxnSpPr>
+        <p:spPr>
+          <a:xfrm flipH="1">
+            <a:off x="1831340" y="3534410"/>
+            <a:ext cx="588645" cy="1491615"/>
+          </a:xfrm>
+          <a:prstGeom prst="straightConnector1">
+            <a:avLst/>
+          </a:prstGeom>
+          <a:ln>
+            <a:tailEnd type="arrow" w="med" len="med"/>
+          </a:ln>
+        </p:spPr>
+        <p:style>
+          <a:lnRef idx="1">
+            <a:schemeClr val="dk1"/>
+          </a:lnRef>
+          <a:fillRef idx="0">
+            <a:schemeClr val="dk1"/>
+          </a:fillRef>
+          <a:effectRef idx="0">
+            <a:schemeClr val="dk1"/>
+          </a:effectRef>
+          <a:fontRef idx="minor">
+            <a:schemeClr val="tx1"/>
+          </a:fontRef>
+        </p:style>
+      </p:cxnSp>
+      <p:cxnSp>
+        <p:nvCxnSpPr>
+          <p:cNvPr id="198" name="直接箭头连接符 197"/>
+          <p:cNvCxnSpPr>
+            <a:stCxn id="179" idx="5"/>
+            <a:endCxn id="186" idx="2"/>
+          </p:cNvCxnSpPr>
+          <p:nvPr/>
+        </p:nvCxnSpPr>
+        <p:spPr>
+          <a:xfrm flipH="1">
+            <a:off x="1831340" y="3502660"/>
+            <a:ext cx="1176020" cy="1523365"/>
+          </a:xfrm>
+          <a:prstGeom prst="straightConnector1">
+            <a:avLst/>
+          </a:prstGeom>
+          <a:ln>
+            <a:tailEnd type="arrow" w="med" len="med"/>
+          </a:ln>
+        </p:spPr>
+        <p:style>
+          <a:lnRef idx="1">
+            <a:schemeClr val="dk1"/>
+          </a:lnRef>
+          <a:fillRef idx="0">
+            <a:schemeClr val="dk1"/>
+          </a:fillRef>
+          <a:effectRef idx="0">
+            <a:schemeClr val="dk1"/>
+          </a:effectRef>
+          <a:fontRef idx="minor">
+            <a:schemeClr val="tx1"/>
+          </a:fontRef>
+        </p:style>
+      </p:cxnSp>
+      <p:cxnSp>
+        <p:nvCxnSpPr>
+          <p:cNvPr id="199" name="直接箭头连接符 198"/>
+          <p:cNvCxnSpPr>
+            <a:stCxn id="178" idx="6"/>
+            <a:endCxn id="186" idx="2"/>
+          </p:cNvCxnSpPr>
+          <p:nvPr/>
+        </p:nvCxnSpPr>
+        <p:spPr>
+          <a:xfrm flipH="1">
+            <a:off x="1831340" y="3534410"/>
+            <a:ext cx="1536700" cy="1491615"/>
+          </a:xfrm>
+          <a:prstGeom prst="straightConnector1">
+            <a:avLst/>
+          </a:prstGeom>
+          <a:ln>
+            <a:tailEnd type="arrow" w="med" len="med"/>
+          </a:ln>
+        </p:spPr>
+        <p:style>
+          <a:lnRef idx="1">
+            <a:schemeClr val="dk1"/>
+          </a:lnRef>
+          <a:fillRef idx="0">
+            <a:schemeClr val="dk1"/>
+          </a:fillRef>
+          <a:effectRef idx="0">
+            <a:schemeClr val="dk1"/>
+          </a:effectRef>
+          <a:fontRef idx="minor">
+            <a:schemeClr val="tx1"/>
+          </a:fontRef>
+        </p:style>
+      </p:cxnSp>
+      <p:cxnSp>
+        <p:nvCxnSpPr>
+          <p:cNvPr id="200" name="直接箭头连接符 199"/>
+          <p:cNvCxnSpPr>
+            <a:stCxn id="177" idx="5"/>
+            <a:endCxn id="186" idx="2"/>
+          </p:cNvCxnSpPr>
+          <p:nvPr/>
+        </p:nvCxnSpPr>
+        <p:spPr>
+          <a:xfrm flipH="1">
+            <a:off x="1831340" y="3503295"/>
+            <a:ext cx="1758315" cy="1522730"/>
+          </a:xfrm>
+          <a:prstGeom prst="straightConnector1">
+            <a:avLst/>
+          </a:prstGeom>
+          <a:ln>
+            <a:tailEnd type="arrow" w="med" len="med"/>
+          </a:ln>
+        </p:spPr>
+        <p:style>
+          <a:lnRef idx="1">
+            <a:schemeClr val="dk1"/>
+          </a:lnRef>
+          <a:fillRef idx="0">
+            <a:schemeClr val="dk1"/>
+          </a:fillRef>
+          <a:effectRef idx="0">
+            <a:schemeClr val="dk1"/>
+          </a:effectRef>
+          <a:fontRef idx="minor">
+            <a:schemeClr val="tx1"/>
+          </a:fontRef>
+        </p:style>
+      </p:cxnSp>
+      <p:cxnSp>
+        <p:nvCxnSpPr>
+          <p:cNvPr id="201" name="直接箭头连接符 200"/>
+          <p:cNvCxnSpPr>
+            <a:stCxn id="176" idx="5"/>
+          </p:cNvCxnSpPr>
+          <p:nvPr/>
+        </p:nvCxnSpPr>
+        <p:spPr>
+          <a:xfrm flipH="1">
+            <a:off x="1855470" y="3503295"/>
+            <a:ext cx="2028825" cy="1543050"/>
+          </a:xfrm>
+          <a:prstGeom prst="straightConnector1">
+            <a:avLst/>
+          </a:prstGeom>
+          <a:ln>
+            <a:tailEnd type="arrow" w="med" len="med"/>
+          </a:ln>
+        </p:spPr>
+        <p:style>
+          <a:lnRef idx="1">
+            <a:schemeClr val="dk1"/>
+          </a:lnRef>
+          <a:fillRef idx="0">
+            <a:schemeClr val="dk1"/>
+          </a:fillRef>
+          <a:effectRef idx="0">
+            <a:schemeClr val="dk1"/>
+          </a:effectRef>
+          <a:fontRef idx="minor">
+            <a:schemeClr val="tx1"/>
+          </a:fontRef>
+        </p:style>
+      </p:cxnSp>
+      <p:cxnSp>
+        <p:nvCxnSpPr>
+          <p:cNvPr id="202" name="直接箭头连接符 201"/>
+          <p:cNvCxnSpPr>
+            <a:stCxn id="175" idx="5"/>
+            <a:endCxn id="186" idx="2"/>
+          </p:cNvCxnSpPr>
+          <p:nvPr/>
+        </p:nvCxnSpPr>
+        <p:spPr>
+          <a:xfrm flipH="1">
+            <a:off x="1831340" y="3503295"/>
+            <a:ext cx="2707640" cy="1522730"/>
+          </a:xfrm>
+          <a:prstGeom prst="straightConnector1">
+            <a:avLst/>
+          </a:prstGeom>
+          <a:ln>
+            <a:tailEnd type="arrow" w="med" len="med"/>
+          </a:ln>
+        </p:spPr>
+        <p:style>
+          <a:lnRef idx="1">
+            <a:schemeClr val="dk1"/>
+          </a:lnRef>
+          <a:fillRef idx="0">
+            <a:schemeClr val="dk1"/>
+          </a:fillRef>
+          <a:effectRef idx="0">
+            <a:schemeClr val="dk1"/>
+          </a:effectRef>
+          <a:fontRef idx="minor">
+            <a:schemeClr val="tx1"/>
+          </a:fontRef>
+        </p:style>
+      </p:cxnSp>
+      <p:cxnSp>
+        <p:nvCxnSpPr>
+          <p:cNvPr id="204" name="直接箭头连接符 203"/>
+          <p:cNvCxnSpPr>
+            <a:stCxn id="174" idx="5"/>
+            <a:endCxn id="186" idx="2"/>
+          </p:cNvCxnSpPr>
+          <p:nvPr/>
+        </p:nvCxnSpPr>
+        <p:spPr>
+          <a:xfrm flipH="1">
+            <a:off x="1831340" y="3503930"/>
+            <a:ext cx="2995930" cy="1522095"/>
+          </a:xfrm>
+          <a:prstGeom prst="straightConnector1">
+            <a:avLst/>
+          </a:prstGeom>
+          <a:ln>
+            <a:tailEnd type="arrow" w="med" len="med"/>
+          </a:ln>
+        </p:spPr>
+        <p:style>
+          <a:lnRef idx="1">
+            <a:schemeClr val="dk1"/>
+          </a:lnRef>
+          <a:fillRef idx="0">
+            <a:schemeClr val="dk1"/>
+          </a:fillRef>
+          <a:effectRef idx="0">
+            <a:schemeClr val="dk1"/>
+          </a:effectRef>
+          <a:fontRef idx="minor">
+            <a:schemeClr val="tx1"/>
+          </a:fontRef>
+        </p:style>
+      </p:cxnSp>
+      <p:cxnSp>
+        <p:nvCxnSpPr>
+          <p:cNvPr id="205" name="直接箭头连接符 204"/>
+          <p:cNvCxnSpPr>
+            <a:stCxn id="173" idx="5"/>
+            <a:endCxn id="186" idx="2"/>
+          </p:cNvCxnSpPr>
+          <p:nvPr/>
+        </p:nvCxnSpPr>
+        <p:spPr>
+          <a:xfrm flipH="1">
+            <a:off x="1831340" y="3503930"/>
+            <a:ext cx="3289935" cy="1522095"/>
+          </a:xfrm>
+          <a:prstGeom prst="straightConnector1">
+            <a:avLst/>
+          </a:prstGeom>
+          <a:ln>
+            <a:tailEnd type="arrow" w="med" len="med"/>
+          </a:ln>
+        </p:spPr>
+        <p:style>
+          <a:lnRef idx="1">
+            <a:schemeClr val="dk1"/>
+          </a:lnRef>
+          <a:fillRef idx="0">
+            <a:schemeClr val="dk1"/>
+          </a:fillRef>
+          <a:effectRef idx="0">
+            <a:schemeClr val="dk1"/>
+          </a:effectRef>
+          <a:fontRef idx="minor">
+            <a:schemeClr val="tx1"/>
+          </a:fontRef>
+        </p:style>
+      </p:cxnSp>
+      <p:cxnSp>
+        <p:nvCxnSpPr>
+          <p:cNvPr id="206" name="直接箭头连接符 205"/>
+          <p:cNvCxnSpPr>
+            <a:stCxn id="172" idx="5"/>
+            <a:endCxn id="186" idx="2"/>
+          </p:cNvCxnSpPr>
+          <p:nvPr/>
+        </p:nvCxnSpPr>
+        <p:spPr>
+          <a:xfrm flipH="1">
+            <a:off x="1831340" y="3503930"/>
+            <a:ext cx="3584575" cy="1522095"/>
+          </a:xfrm>
+          <a:prstGeom prst="straightConnector1">
+            <a:avLst/>
+          </a:prstGeom>
+          <a:ln>
+            <a:tailEnd type="arrow" w="med" len="med"/>
+          </a:ln>
+        </p:spPr>
+        <p:style>
+          <a:lnRef idx="1">
+            <a:schemeClr val="dk1"/>
+          </a:lnRef>
+          <a:fillRef idx="0">
+            <a:schemeClr val="dk1"/>
+          </a:fillRef>
+          <a:effectRef idx="0">
+            <a:schemeClr val="dk1"/>
+          </a:effectRef>
+          <a:fontRef idx="minor">
+            <a:schemeClr val="tx1"/>
+          </a:fontRef>
+        </p:style>
+      </p:cxnSp>
+      <p:sp>
+        <p:nvSpPr>
+          <p:cNvPr id="207" name="椭圆 206"/>
+          <p:cNvSpPr/>
+          <p:nvPr/>
+        </p:nvSpPr>
+        <p:spPr>
+          <a:xfrm rot="5400000">
+            <a:off x="5382895" y="3328035"/>
+            <a:ext cx="210185" cy="203200"/>
+          </a:xfrm>
+          <a:prstGeom prst="ellipse">
+            <a:avLst/>
+          </a:prstGeom>
+          <a:solidFill>
+            <a:schemeClr val="accent4"/>
+          </a:solidFill>
+        </p:spPr>
+        <p:style>
+          <a:lnRef idx="2">
+            <a:schemeClr val="accent1">
+              <a:shade val="50000"/>
+            </a:schemeClr>
+          </a:lnRef>
+          <a:fillRef idx="1">
+            <a:schemeClr val="accent1"/>
+          </a:fillRef>
+          <a:effectRef idx="0">
+            <a:schemeClr val="accent1"/>
+          </a:effectRef>
+          <a:fontRef idx="minor">
+            <a:schemeClr val="lt1"/>
+          </a:fontRef>
+        </p:style>
+        <p:txBody>
+          <a:bodyPr rtlCol="0" anchor="ctr"/>
+          <a:p>
+            <a:pPr algn="ctr"/>
+            <a:endParaRPr lang="zh-CN" altLang="en-US"/>
+          </a:p>
+        </p:txBody>
+      </p:sp>
+      <p:sp>
+        <p:nvSpPr>
+          <p:cNvPr id="208" name="椭圆 207"/>
+          <p:cNvSpPr/>
+          <p:nvPr/>
+        </p:nvSpPr>
+        <p:spPr>
+          <a:xfrm rot="5400000">
+            <a:off x="5088255" y="3328035"/>
+            <a:ext cx="210185" cy="203200"/>
+          </a:xfrm>
+          <a:prstGeom prst="ellipse">
+            <a:avLst/>
+          </a:prstGeom>
+          <a:solidFill>
+            <a:schemeClr val="accent4"/>
+          </a:solidFill>
+        </p:spPr>
+        <p:style>
+          <a:lnRef idx="2">
+            <a:schemeClr val="accent1">
+              <a:shade val="50000"/>
+            </a:schemeClr>
+          </a:lnRef>
+          <a:fillRef idx="1">
+            <a:schemeClr val="accent1"/>
+          </a:fillRef>
+          <a:effectRef idx="0">
+            <a:schemeClr val="accent1"/>
+          </a:effectRef>
+          <a:fontRef idx="minor">
+            <a:schemeClr val="lt1"/>
+          </a:fontRef>
+        </p:style>
+        <p:txBody>
+          <a:bodyPr rtlCol="0" anchor="ctr"/>
+          <a:p>
+            <a:pPr algn="ctr"/>
+            <a:endParaRPr lang="zh-CN" altLang="en-US"/>
+          </a:p>
+        </p:txBody>
+      </p:sp>
+      <p:sp>
+        <p:nvSpPr>
+          <p:cNvPr id="209" name="椭圆 208"/>
+          <p:cNvSpPr/>
+          <p:nvPr/>
+        </p:nvSpPr>
+        <p:spPr>
+          <a:xfrm rot="5400000">
+            <a:off x="4794250" y="3328035"/>
+            <a:ext cx="210185" cy="203200"/>
+          </a:xfrm>
+          <a:prstGeom prst="ellipse">
+            <a:avLst/>
+          </a:prstGeom>
+          <a:solidFill>
+            <a:schemeClr val="accent4"/>
+          </a:solidFill>
+        </p:spPr>
+        <p:style>
+          <a:lnRef idx="2">
+            <a:schemeClr val="accent1">
+              <a:shade val="50000"/>
+            </a:schemeClr>
+          </a:lnRef>
+          <a:fillRef idx="1">
+            <a:schemeClr val="accent1"/>
+          </a:fillRef>
+          <a:effectRef idx="0">
+            <a:schemeClr val="accent1"/>
+          </a:effectRef>
+          <a:fontRef idx="minor">
+            <a:schemeClr val="lt1"/>
+          </a:fontRef>
+        </p:style>
+        <p:txBody>
+          <a:bodyPr rtlCol="0" anchor="ctr"/>
+          <a:p>
+            <a:pPr algn="ctr"/>
+            <a:endParaRPr lang="zh-CN" altLang="en-US"/>
+          </a:p>
+        </p:txBody>
+      </p:sp>
+      <p:sp>
+        <p:nvSpPr>
+          <p:cNvPr id="210" name="椭圆 209"/>
+          <p:cNvSpPr/>
+          <p:nvPr/>
+        </p:nvSpPr>
+        <p:spPr>
+          <a:xfrm rot="5400000">
+            <a:off x="4505960" y="3327400"/>
+            <a:ext cx="210185" cy="203200"/>
+          </a:xfrm>
+          <a:prstGeom prst="ellipse">
+            <a:avLst/>
+          </a:prstGeom>
+          <a:solidFill>
+            <a:schemeClr val="accent4"/>
+          </a:solidFill>
+        </p:spPr>
+        <p:style>
+          <a:lnRef idx="2">
+            <a:schemeClr val="accent1">
+              <a:shade val="50000"/>
+            </a:schemeClr>
+          </a:lnRef>
+          <a:fillRef idx="1">
+            <a:schemeClr val="accent1"/>
+          </a:fillRef>
+          <a:effectRef idx="0">
+            <a:schemeClr val="accent1"/>
+          </a:effectRef>
+          <a:fontRef idx="minor">
+            <a:schemeClr val="lt1"/>
+          </a:fontRef>
+        </p:style>
+        <p:txBody>
+          <a:bodyPr rtlCol="0" anchor="ctr"/>
+          <a:p>
+            <a:pPr algn="ctr"/>
+            <a:endParaRPr lang="zh-CN" altLang="en-US"/>
+          </a:p>
+        </p:txBody>
+      </p:sp>
+      <p:sp>
+        <p:nvSpPr>
+          <p:cNvPr id="211" name="椭圆 210"/>
+          <p:cNvSpPr/>
+          <p:nvPr/>
+        </p:nvSpPr>
+        <p:spPr>
+          <a:xfrm rot="5400000">
+            <a:off x="3851275" y="3327400"/>
+            <a:ext cx="210185" cy="203200"/>
+          </a:xfrm>
+          <a:prstGeom prst="ellipse">
+            <a:avLst/>
+          </a:prstGeom>
+          <a:solidFill>
+            <a:schemeClr val="accent4"/>
+          </a:solidFill>
+        </p:spPr>
+        <p:style>
+          <a:lnRef idx="2">
+            <a:schemeClr val="accent1">
+              <a:shade val="50000"/>
+            </a:schemeClr>
+          </a:lnRef>
+          <a:fillRef idx="1">
+            <a:schemeClr val="accent1"/>
+          </a:fillRef>
+          <a:effectRef idx="0">
+            <a:schemeClr val="accent1"/>
+          </a:effectRef>
+          <a:fontRef idx="minor">
+            <a:schemeClr val="lt1"/>
+          </a:fontRef>
+        </p:style>
+        <p:txBody>
+          <a:bodyPr rtlCol="0" anchor="ctr"/>
+          <a:p>
+            <a:pPr algn="ctr"/>
+            <a:endParaRPr lang="zh-CN" altLang="en-US"/>
+          </a:p>
+        </p:txBody>
+      </p:sp>
+      <p:sp>
+        <p:nvSpPr>
+          <p:cNvPr id="212" name="椭圆 211"/>
+          <p:cNvSpPr/>
+          <p:nvPr/>
+        </p:nvSpPr>
+        <p:spPr>
+          <a:xfrm rot="5400000">
+            <a:off x="3556635" y="3327400"/>
+            <a:ext cx="210185" cy="203200"/>
+          </a:xfrm>
+          <a:prstGeom prst="ellipse">
+            <a:avLst/>
+          </a:prstGeom>
+          <a:solidFill>
+            <a:schemeClr val="accent4"/>
+          </a:solidFill>
+        </p:spPr>
+        <p:style>
+          <a:lnRef idx="2">
+            <a:schemeClr val="accent1">
+              <a:shade val="50000"/>
+            </a:schemeClr>
+          </a:lnRef>
+          <a:fillRef idx="1">
+            <a:schemeClr val="accent1"/>
+          </a:fillRef>
+          <a:effectRef idx="0">
+            <a:schemeClr val="accent1"/>
+          </a:effectRef>
+          <a:fontRef idx="minor">
+            <a:schemeClr val="lt1"/>
+          </a:fontRef>
+        </p:style>
+        <p:txBody>
+          <a:bodyPr rtlCol="0" anchor="ctr"/>
+          <a:p>
+            <a:pPr algn="ctr"/>
+            <a:endParaRPr lang="zh-CN" altLang="en-US"/>
+          </a:p>
+        </p:txBody>
+      </p:sp>
+      <p:sp>
+        <p:nvSpPr>
+          <p:cNvPr id="213" name="椭圆 212"/>
+          <p:cNvSpPr/>
+          <p:nvPr/>
+        </p:nvSpPr>
+        <p:spPr>
+          <a:xfrm rot="5400000">
+            <a:off x="3262630" y="3327400"/>
+            <a:ext cx="210185" cy="203200"/>
+          </a:xfrm>
+          <a:prstGeom prst="ellipse">
+            <a:avLst/>
+          </a:prstGeom>
+          <a:solidFill>
+            <a:schemeClr val="accent4"/>
+          </a:solidFill>
+        </p:spPr>
+        <p:style>
+          <a:lnRef idx="2">
+            <a:schemeClr val="accent1">
+              <a:shade val="50000"/>
+            </a:schemeClr>
+          </a:lnRef>
+          <a:fillRef idx="1">
+            <a:schemeClr val="accent1"/>
+          </a:fillRef>
+          <a:effectRef idx="0">
+            <a:schemeClr val="accent1"/>
+          </a:effectRef>
+          <a:fontRef idx="minor">
+            <a:schemeClr val="lt1"/>
+          </a:fontRef>
+        </p:style>
+        <p:txBody>
+          <a:bodyPr rtlCol="0" anchor="ctr"/>
+          <a:p>
+            <a:pPr algn="ctr"/>
+            <a:endParaRPr lang="zh-CN" altLang="en-US"/>
+          </a:p>
+        </p:txBody>
+      </p:sp>
+      <p:sp>
+        <p:nvSpPr>
+          <p:cNvPr id="221" name="椭圆 220"/>
+          <p:cNvSpPr/>
+          <p:nvPr/>
+        </p:nvSpPr>
+        <p:spPr>
+          <a:xfrm rot="5400000">
+            <a:off x="2974340" y="3326765"/>
+            <a:ext cx="210185" cy="203200"/>
+          </a:xfrm>
+          <a:prstGeom prst="ellipse">
+            <a:avLst/>
+          </a:prstGeom>
+          <a:solidFill>
+            <a:schemeClr val="accent4"/>
+          </a:solidFill>
+        </p:spPr>
+        <p:style>
+          <a:lnRef idx="2">
+            <a:schemeClr val="accent1">
+              <a:shade val="50000"/>
+            </a:schemeClr>
+          </a:lnRef>
+          <a:fillRef idx="1">
+            <a:schemeClr val="accent1"/>
+          </a:fillRef>
+          <a:effectRef idx="0">
+            <a:schemeClr val="accent1"/>
+          </a:effectRef>
+          <a:fontRef idx="minor">
+            <a:schemeClr val="lt1"/>
+          </a:fontRef>
+        </p:style>
+        <p:txBody>
+          <a:bodyPr rtlCol="0" anchor="ctr"/>
+          <a:p>
+            <a:pPr algn="ctr"/>
+            <a:endParaRPr lang="zh-CN" altLang="en-US"/>
+          </a:p>
+        </p:txBody>
+      </p:sp>
+      <p:sp>
+        <p:nvSpPr>
+          <p:cNvPr id="222" name="椭圆 221"/>
+          <p:cNvSpPr/>
+          <p:nvPr/>
+        </p:nvSpPr>
+        <p:spPr>
+          <a:xfrm rot="5400000">
+            <a:off x="2314575" y="3327400"/>
+            <a:ext cx="210185" cy="203200"/>
+          </a:xfrm>
+          <a:prstGeom prst="ellipse">
+            <a:avLst/>
+          </a:prstGeom>
+          <a:solidFill>
+            <a:schemeClr val="accent4"/>
+          </a:solidFill>
+        </p:spPr>
+        <p:style>
+          <a:lnRef idx="2">
+            <a:schemeClr val="accent1">
+              <a:shade val="50000"/>
+            </a:schemeClr>
+          </a:lnRef>
+          <a:fillRef idx="1">
+            <a:schemeClr val="accent1"/>
+          </a:fillRef>
+          <a:effectRef idx="0">
+            <a:schemeClr val="accent1"/>
+          </a:effectRef>
+          <a:fontRef idx="minor">
+            <a:schemeClr val="lt1"/>
+          </a:fontRef>
+        </p:style>
+        <p:txBody>
+          <a:bodyPr rtlCol="0" anchor="ctr"/>
+          <a:p>
+            <a:pPr algn="ctr"/>
+            <a:endParaRPr lang="zh-CN" altLang="en-US"/>
+          </a:p>
+        </p:txBody>
+      </p:sp>
+      <p:sp>
+        <p:nvSpPr>
+          <p:cNvPr id="223" name="椭圆 222"/>
+          <p:cNvSpPr/>
+          <p:nvPr/>
+        </p:nvSpPr>
+        <p:spPr>
+          <a:xfrm rot="5400000">
+            <a:off x="2019935" y="3327400"/>
+            <a:ext cx="210185" cy="203200"/>
+          </a:xfrm>
+          <a:prstGeom prst="ellipse">
+            <a:avLst/>
+          </a:prstGeom>
+          <a:solidFill>
+            <a:schemeClr val="accent4"/>
+          </a:solidFill>
+        </p:spPr>
+        <p:style>
+          <a:lnRef idx="2">
+            <a:schemeClr val="accent1">
+              <a:shade val="50000"/>
+            </a:schemeClr>
+          </a:lnRef>
+          <a:fillRef idx="1">
+            <a:schemeClr val="accent1"/>
+          </a:fillRef>
+          <a:effectRef idx="0">
+            <a:schemeClr val="accent1"/>
+          </a:effectRef>
+          <a:fontRef idx="minor">
+            <a:schemeClr val="lt1"/>
+          </a:fontRef>
+        </p:style>
+        <p:txBody>
+          <a:bodyPr rtlCol="0" anchor="ctr"/>
+          <a:p>
+            <a:pPr algn="ctr"/>
+            <a:endParaRPr lang="zh-CN" altLang="en-US"/>
+          </a:p>
+        </p:txBody>
+      </p:sp>
+      <p:sp>
+        <p:nvSpPr>
+          <p:cNvPr id="224" name="椭圆 223"/>
+          <p:cNvSpPr/>
+          <p:nvPr/>
+        </p:nvSpPr>
+        <p:spPr>
+          <a:xfrm rot="5400000">
+            <a:off x="1725930" y="3327400"/>
+            <a:ext cx="210185" cy="203200"/>
+          </a:xfrm>
+          <a:prstGeom prst="ellipse">
+            <a:avLst/>
+          </a:prstGeom>
+          <a:solidFill>
+            <a:schemeClr val="accent4"/>
+          </a:solidFill>
+        </p:spPr>
+        <p:style>
+          <a:lnRef idx="2">
+            <a:schemeClr val="accent1">
+              <a:shade val="50000"/>
+            </a:schemeClr>
+          </a:lnRef>
+          <a:fillRef idx="1">
+            <a:schemeClr val="accent1"/>
+          </a:fillRef>
+          <a:effectRef idx="0">
+            <a:schemeClr val="accent1"/>
+          </a:effectRef>
+          <a:fontRef idx="minor">
+            <a:schemeClr val="lt1"/>
+          </a:fontRef>
+        </p:style>
+        <p:txBody>
+          <a:bodyPr rtlCol="0" anchor="ctr"/>
+          <a:p>
+            <a:pPr algn="ctr"/>
+            <a:endParaRPr lang="zh-CN" altLang="en-US"/>
+          </a:p>
+        </p:txBody>
+      </p:sp>
+      <p:sp>
+        <p:nvSpPr>
+          <p:cNvPr id="225" name="椭圆 224"/>
+          <p:cNvSpPr/>
+          <p:nvPr/>
+        </p:nvSpPr>
+        <p:spPr>
+          <a:xfrm rot="5400000">
+            <a:off x="1437640" y="3326765"/>
+            <a:ext cx="210185" cy="203200"/>
+          </a:xfrm>
+          <a:prstGeom prst="ellipse">
+            <a:avLst/>
+          </a:prstGeom>
+          <a:solidFill>
+            <a:schemeClr val="accent4"/>
+          </a:solidFill>
+        </p:spPr>
+        <p:style>
+          <a:lnRef idx="2">
+            <a:schemeClr val="accent1">
+              <a:shade val="50000"/>
+            </a:schemeClr>
+          </a:lnRef>
+          <a:fillRef idx="1">
+            <a:schemeClr val="accent1"/>
+          </a:fillRef>
+          <a:effectRef idx="0">
+            <a:schemeClr val="accent1"/>
+          </a:effectRef>
+          <a:fontRef idx="minor">
+            <a:schemeClr val="lt1"/>
+          </a:fontRef>
+        </p:style>
+        <p:txBody>
+          <a:bodyPr rtlCol="0" anchor="ctr"/>
+          <a:p>
+            <a:pPr algn="ctr"/>
+            <a:endParaRPr lang="zh-CN" altLang="en-US"/>
+          </a:p>
+        </p:txBody>
+      </p:sp>
+      <p:sp>
+        <p:nvSpPr>
+          <p:cNvPr id="226" name="文本框 225"/>
+          <p:cNvSpPr txBox="1"/>
+          <p:nvPr/>
+        </p:nvSpPr>
+        <p:spPr>
+          <a:xfrm>
+            <a:off x="2531110" y="3129915"/>
+            <a:ext cx="447040" cy="460375"/>
+          </a:xfrm>
+          <a:prstGeom prst="rect">
+            <a:avLst/>
+          </a:prstGeom>
+          <a:noFill/>
+        </p:spPr>
+        <p:txBody>
+          <a:bodyPr wrap="square" rtlCol="0">
+            <a:spAutoFit/>
+          </a:bodyPr>
+          <a:p>
+            <a:r>
+              <a:rPr lang="en-US" altLang="zh-CN" sz="2400" b="1"/>
+              <a:t>...</a:t>
+            </a:r>
+            <a:endParaRPr lang="en-US" altLang="zh-CN" sz="2400" b="1"/>
+          </a:p>
+        </p:txBody>
+      </p:sp>
+      <p:sp>
+        <p:nvSpPr>
+          <p:cNvPr id="227" name="文本框 226"/>
+          <p:cNvSpPr txBox="1"/>
+          <p:nvPr/>
+        </p:nvSpPr>
+        <p:spPr>
+          <a:xfrm>
+            <a:off x="4058285" y="3129915"/>
+            <a:ext cx="447040" cy="460375"/>
+          </a:xfrm>
+          <a:prstGeom prst="rect">
+            <a:avLst/>
+          </a:prstGeom>
+          <a:noFill/>
+        </p:spPr>
+        <p:txBody>
+          <a:bodyPr wrap="square" rtlCol="0">
+            <a:spAutoFit/>
+          </a:bodyPr>
+          <a:p>
+            <a:r>
+              <a:rPr lang="en-US" altLang="zh-CN" sz="2400" b="1"/>
+              <a:t>...</a:t>
+            </a:r>
+            <a:endParaRPr lang="en-US" altLang="zh-CN" sz="2400" b="1"/>
+          </a:p>
+        </p:txBody>
+      </p:sp>
+      <p:sp>
+        <p:nvSpPr>
+          <p:cNvPr id="228" name="椭圆 227"/>
+          <p:cNvSpPr/>
+          <p:nvPr/>
+        </p:nvSpPr>
+        <p:spPr>
+          <a:xfrm rot="5400000">
+            <a:off x="1726183" y="5029748"/>
+            <a:ext cx="210229" cy="203340"/>
+          </a:xfrm>
+          <a:prstGeom prst="ellipse">
+            <a:avLst/>
+          </a:prstGeom>
+          <a:solidFill>
+            <a:schemeClr val="accent4"/>
+          </a:solidFill>
+        </p:spPr>
+        <p:style>
+          <a:lnRef idx="2">
+            <a:schemeClr val="accent1">
+              <a:shade val="50000"/>
+            </a:schemeClr>
+          </a:lnRef>
+          <a:fillRef idx="1">
+            <a:schemeClr val="accent1"/>
+          </a:fillRef>
+          <a:effectRef idx="0">
+            <a:schemeClr val="accent1"/>
+          </a:effectRef>
+          <a:fontRef idx="minor">
+            <a:schemeClr val="lt1"/>
+          </a:fontRef>
+        </p:style>
+        <p:txBody>
+          <a:bodyPr rtlCol="0" anchor="ctr"/>
+          <a:p>
+            <a:pPr algn="ctr"/>
+            <a:endParaRPr lang="zh-CN" altLang="en-US"/>
+          </a:p>
+        </p:txBody>
+      </p:sp>
+      <p:cxnSp>
+        <p:nvCxnSpPr>
+          <p:cNvPr id="229" name="直接箭头连接符 228"/>
+          <p:cNvCxnSpPr>
+            <a:stCxn id="225" idx="6"/>
+            <a:endCxn id="228" idx="2"/>
+          </p:cNvCxnSpPr>
+          <p:nvPr/>
+        </p:nvCxnSpPr>
+        <p:spPr>
+          <a:xfrm>
+            <a:off x="1543050" y="3533775"/>
+            <a:ext cx="288290" cy="1492250"/>
+          </a:xfrm>
+          <a:prstGeom prst="straightConnector1">
+            <a:avLst/>
+          </a:prstGeom>
+          <a:ln>
+            <a:tailEnd type="arrow" w="med" len="med"/>
+          </a:ln>
+        </p:spPr>
+        <p:style>
+          <a:lnRef idx="1">
+            <a:schemeClr val="dk1"/>
+          </a:lnRef>
+          <a:fillRef idx="0">
+            <a:schemeClr val="dk1"/>
+          </a:fillRef>
+          <a:effectRef idx="0">
+            <a:schemeClr val="dk1"/>
+          </a:effectRef>
+          <a:fontRef idx="minor">
+            <a:schemeClr val="tx1"/>
+          </a:fontRef>
+        </p:style>
+      </p:cxnSp>
+      <p:cxnSp>
+        <p:nvCxnSpPr>
+          <p:cNvPr id="230" name="直接箭头连接符 229"/>
+          <p:cNvCxnSpPr>
+            <a:stCxn id="224" idx="6"/>
+            <a:endCxn id="228" idx="2"/>
+          </p:cNvCxnSpPr>
+          <p:nvPr/>
+        </p:nvCxnSpPr>
+        <p:spPr>
+          <a:xfrm>
+            <a:off x="1831340" y="3534410"/>
+            <a:ext cx="0" cy="1491615"/>
+          </a:xfrm>
+          <a:prstGeom prst="straightConnector1">
+            <a:avLst/>
+          </a:prstGeom>
+          <a:ln>
+            <a:tailEnd type="arrow" w="med" len="med"/>
+          </a:ln>
+        </p:spPr>
+        <p:style>
+          <a:lnRef idx="1">
+            <a:schemeClr val="dk1"/>
+          </a:lnRef>
+          <a:fillRef idx="0">
+            <a:schemeClr val="dk1"/>
+          </a:fillRef>
+          <a:effectRef idx="0">
+            <a:schemeClr val="dk1"/>
+          </a:effectRef>
+          <a:fontRef idx="minor">
+            <a:schemeClr val="tx1"/>
+          </a:fontRef>
+        </p:style>
+      </p:cxnSp>
+      <p:cxnSp>
+        <p:nvCxnSpPr>
+          <p:cNvPr id="231" name="直接箭头连接符 230"/>
+          <p:cNvCxnSpPr>
+            <a:stCxn id="223" idx="5"/>
+            <a:endCxn id="228" idx="2"/>
+          </p:cNvCxnSpPr>
+          <p:nvPr/>
+        </p:nvCxnSpPr>
+        <p:spPr>
+          <a:xfrm flipH="1">
+            <a:off x="1831340" y="3503930"/>
+            <a:ext cx="222250" cy="1522095"/>
+          </a:xfrm>
+          <a:prstGeom prst="straightConnector1">
+            <a:avLst/>
+          </a:prstGeom>
+          <a:ln>
+            <a:tailEnd type="arrow" w="med" len="med"/>
+          </a:ln>
+        </p:spPr>
+        <p:style>
+          <a:lnRef idx="1">
+            <a:schemeClr val="dk1"/>
+          </a:lnRef>
+          <a:fillRef idx="0">
+            <a:schemeClr val="dk1"/>
+          </a:fillRef>
+          <a:effectRef idx="0">
+            <a:schemeClr val="dk1"/>
+          </a:effectRef>
+          <a:fontRef idx="minor">
+            <a:schemeClr val="tx1"/>
+          </a:fontRef>
+        </p:style>
+      </p:cxnSp>
+      <p:cxnSp>
+        <p:nvCxnSpPr>
+          <p:cNvPr id="232" name="直接箭头连接符 231"/>
+          <p:cNvCxnSpPr>
+            <a:stCxn id="222" idx="6"/>
+            <a:endCxn id="228" idx="2"/>
+          </p:cNvCxnSpPr>
+          <p:nvPr/>
+        </p:nvCxnSpPr>
+        <p:spPr>
+          <a:xfrm flipH="1">
+            <a:off x="1831340" y="3534410"/>
+            <a:ext cx="588645" cy="1491615"/>
+          </a:xfrm>
+          <a:prstGeom prst="straightConnector1">
+            <a:avLst/>
+          </a:prstGeom>
+          <a:ln>
+            <a:tailEnd type="arrow" w="med" len="med"/>
+          </a:ln>
+        </p:spPr>
+        <p:style>
+          <a:lnRef idx="1">
+            <a:schemeClr val="dk1"/>
+          </a:lnRef>
+          <a:fillRef idx="0">
+            <a:schemeClr val="dk1"/>
+          </a:fillRef>
+          <a:effectRef idx="0">
+            <a:schemeClr val="dk1"/>
+          </a:effectRef>
+          <a:fontRef idx="minor">
+            <a:schemeClr val="tx1"/>
+          </a:fontRef>
+        </p:style>
+      </p:cxnSp>
+      <p:cxnSp>
+        <p:nvCxnSpPr>
+          <p:cNvPr id="233" name="直接箭头连接符 232"/>
+          <p:cNvCxnSpPr>
+            <a:stCxn id="221" idx="5"/>
+            <a:endCxn id="228" idx="2"/>
+          </p:cNvCxnSpPr>
+          <p:nvPr/>
+        </p:nvCxnSpPr>
+        <p:spPr>
+          <a:xfrm flipH="1">
+            <a:off x="1831340" y="3503295"/>
+            <a:ext cx="1176655" cy="1522730"/>
+          </a:xfrm>
+          <a:prstGeom prst="straightConnector1">
+            <a:avLst/>
+          </a:prstGeom>
+          <a:ln>
+            <a:tailEnd type="arrow" w="med" len="med"/>
+          </a:ln>
+        </p:spPr>
+        <p:style>
+          <a:lnRef idx="1">
+            <a:schemeClr val="dk1"/>
+          </a:lnRef>
+          <a:fillRef idx="0">
+            <a:schemeClr val="dk1"/>
+          </a:fillRef>
+          <a:effectRef idx="0">
+            <a:schemeClr val="dk1"/>
+          </a:effectRef>
+          <a:fontRef idx="minor">
+            <a:schemeClr val="tx1"/>
+          </a:fontRef>
+        </p:style>
+      </p:cxnSp>
+      <p:cxnSp>
+        <p:nvCxnSpPr>
+          <p:cNvPr id="234" name="直接箭头连接符 233"/>
+          <p:cNvCxnSpPr>
+            <a:stCxn id="213" idx="6"/>
+            <a:endCxn id="228" idx="2"/>
+          </p:cNvCxnSpPr>
+          <p:nvPr/>
+        </p:nvCxnSpPr>
+        <p:spPr>
+          <a:xfrm flipH="1">
+            <a:off x="1831340" y="3534410"/>
+            <a:ext cx="1536700" cy="1491615"/>
+          </a:xfrm>
+          <a:prstGeom prst="straightConnector1">
+            <a:avLst/>
+          </a:prstGeom>
+          <a:ln>
+            <a:tailEnd type="arrow" w="med" len="med"/>
+          </a:ln>
+        </p:spPr>
+        <p:style>
+          <a:lnRef idx="1">
+            <a:schemeClr val="dk1"/>
+          </a:lnRef>
+          <a:fillRef idx="0">
+            <a:schemeClr val="dk1"/>
+          </a:fillRef>
+          <a:effectRef idx="0">
+            <a:schemeClr val="dk1"/>
+          </a:effectRef>
+          <a:fontRef idx="minor">
+            <a:schemeClr val="tx1"/>
+          </a:fontRef>
+        </p:style>
+      </p:cxnSp>
+      <p:cxnSp>
+        <p:nvCxnSpPr>
+          <p:cNvPr id="235" name="直接箭头连接符 234"/>
+          <p:cNvCxnSpPr>
+            <a:stCxn id="212" idx="5"/>
+            <a:endCxn id="228" idx="2"/>
+          </p:cNvCxnSpPr>
+          <p:nvPr/>
+        </p:nvCxnSpPr>
+        <p:spPr>
+          <a:xfrm flipH="1">
+            <a:off x="1831340" y="3503930"/>
+            <a:ext cx="1758950" cy="1522095"/>
+          </a:xfrm>
+          <a:prstGeom prst="straightConnector1">
+            <a:avLst/>
+          </a:prstGeom>
+          <a:ln>
+            <a:tailEnd type="arrow" w="med" len="med"/>
+          </a:ln>
+        </p:spPr>
+        <p:style>
+          <a:lnRef idx="1">
+            <a:schemeClr val="dk1"/>
+          </a:lnRef>
+          <a:fillRef idx="0">
+            <a:schemeClr val="dk1"/>
+          </a:fillRef>
+          <a:effectRef idx="0">
+            <a:schemeClr val="dk1"/>
+          </a:effectRef>
+          <a:fontRef idx="minor">
+            <a:schemeClr val="tx1"/>
+          </a:fontRef>
+        </p:style>
+      </p:cxnSp>
+      <p:cxnSp>
+        <p:nvCxnSpPr>
+          <p:cNvPr id="236" name="直接箭头连接符 235"/>
+          <p:cNvCxnSpPr>
+            <a:stCxn id="211" idx="5"/>
+          </p:cNvCxnSpPr>
+          <p:nvPr/>
+        </p:nvCxnSpPr>
+        <p:spPr>
+          <a:xfrm flipH="1">
+            <a:off x="1856105" y="3503930"/>
+            <a:ext cx="2028825" cy="1543050"/>
+          </a:xfrm>
+          <a:prstGeom prst="straightConnector1">
+            <a:avLst/>
+          </a:prstGeom>
+          <a:ln>
+            <a:tailEnd type="arrow" w="med" len="med"/>
+          </a:ln>
+        </p:spPr>
+        <p:style>
+          <a:lnRef idx="1">
+            <a:schemeClr val="dk1"/>
+          </a:lnRef>
+          <a:fillRef idx="0">
+            <a:schemeClr val="dk1"/>
+          </a:fillRef>
+          <a:effectRef idx="0">
+            <a:schemeClr val="dk1"/>
+          </a:effectRef>
+          <a:fontRef idx="minor">
+            <a:schemeClr val="tx1"/>
+          </a:fontRef>
+        </p:style>
+      </p:cxnSp>
+      <p:cxnSp>
+        <p:nvCxnSpPr>
+          <p:cNvPr id="237" name="直接箭头连接符 236"/>
+          <p:cNvCxnSpPr>
+            <a:stCxn id="210" idx="5"/>
+            <a:endCxn id="228" idx="2"/>
+          </p:cNvCxnSpPr>
+          <p:nvPr/>
+        </p:nvCxnSpPr>
+        <p:spPr>
+          <a:xfrm flipH="1">
+            <a:off x="1831340" y="3503930"/>
+            <a:ext cx="2708275" cy="1522095"/>
+          </a:xfrm>
+          <a:prstGeom prst="straightConnector1">
+            <a:avLst/>
+          </a:prstGeom>
+          <a:ln>
+            <a:tailEnd type="arrow" w="med" len="med"/>
+          </a:ln>
+        </p:spPr>
+        <p:style>
+          <a:lnRef idx="1">
+            <a:schemeClr val="dk1"/>
+          </a:lnRef>
+          <a:fillRef idx="0">
+            <a:schemeClr val="dk1"/>
+          </a:fillRef>
+          <a:effectRef idx="0">
+            <a:schemeClr val="dk1"/>
+          </a:effectRef>
+          <a:fontRef idx="minor">
+            <a:schemeClr val="tx1"/>
+          </a:fontRef>
+        </p:style>
+      </p:cxnSp>
+      <p:cxnSp>
+        <p:nvCxnSpPr>
+          <p:cNvPr id="238" name="直接箭头连接符 237"/>
+          <p:cNvCxnSpPr>
+            <a:stCxn id="209" idx="5"/>
+            <a:endCxn id="228" idx="2"/>
+          </p:cNvCxnSpPr>
+          <p:nvPr/>
+        </p:nvCxnSpPr>
+        <p:spPr>
+          <a:xfrm flipH="1">
+            <a:off x="1831340" y="3504565"/>
+            <a:ext cx="2996565" cy="1521460"/>
+          </a:xfrm>
+          <a:prstGeom prst="straightConnector1">
+            <a:avLst/>
+          </a:prstGeom>
+          <a:ln>
+            <a:tailEnd type="arrow" w="med" len="med"/>
+          </a:ln>
+        </p:spPr>
+        <p:style>
+          <a:lnRef idx="1">
+            <a:schemeClr val="dk1"/>
+          </a:lnRef>
+          <a:fillRef idx="0">
+            <a:schemeClr val="dk1"/>
+          </a:fillRef>
+          <a:effectRef idx="0">
+            <a:schemeClr val="dk1"/>
+          </a:effectRef>
+          <a:fontRef idx="minor">
+            <a:schemeClr val="tx1"/>
+          </a:fontRef>
+        </p:style>
+      </p:cxnSp>
+      <p:cxnSp>
+        <p:nvCxnSpPr>
+          <p:cNvPr id="239" name="直接箭头连接符 238"/>
+          <p:cNvCxnSpPr>
+            <a:stCxn id="208" idx="5"/>
+            <a:endCxn id="228" idx="2"/>
+          </p:cNvCxnSpPr>
+          <p:nvPr/>
+        </p:nvCxnSpPr>
+        <p:spPr>
+          <a:xfrm flipH="1">
+            <a:off x="1831340" y="3504565"/>
+            <a:ext cx="3290570" cy="1521460"/>
+          </a:xfrm>
+          <a:prstGeom prst="straightConnector1">
+            <a:avLst/>
+          </a:prstGeom>
+          <a:ln>
+            <a:tailEnd type="arrow" w="med" len="med"/>
+          </a:ln>
+        </p:spPr>
+        <p:style>
+          <a:lnRef idx="1">
+            <a:schemeClr val="dk1"/>
+          </a:lnRef>
+          <a:fillRef idx="0">
+            <a:schemeClr val="dk1"/>
+          </a:fillRef>
+          <a:effectRef idx="0">
+            <a:schemeClr val="dk1"/>
+          </a:effectRef>
+          <a:fontRef idx="minor">
+            <a:schemeClr val="tx1"/>
+          </a:fontRef>
+        </p:style>
+      </p:cxnSp>
+      <p:cxnSp>
+        <p:nvCxnSpPr>
+          <p:cNvPr id="240" name="直接箭头连接符 239"/>
+          <p:cNvCxnSpPr>
+            <a:stCxn id="207" idx="5"/>
+            <a:endCxn id="228" idx="2"/>
+          </p:cNvCxnSpPr>
+          <p:nvPr/>
+        </p:nvCxnSpPr>
+        <p:spPr>
+          <a:xfrm flipH="1">
+            <a:off x="1831340" y="3504565"/>
+            <a:ext cx="3585210" cy="1521460"/>
+          </a:xfrm>
+          <a:prstGeom prst="straightConnector1">
+            <a:avLst/>
+          </a:prstGeom>
+          <a:ln>
+            <a:tailEnd type="arrow" w="med" len="med"/>
+          </a:ln>
+        </p:spPr>
+        <p:style>
+          <a:lnRef idx="1">
+            <a:schemeClr val="dk1"/>
+          </a:lnRef>
+          <a:fillRef idx="0">
+            <a:schemeClr val="dk1"/>
+          </a:fillRef>
+          <a:effectRef idx="0">
+            <a:schemeClr val="dk1"/>
+          </a:effectRef>
+          <a:fontRef idx="minor">
+            <a:schemeClr val="tx1"/>
+          </a:fontRef>
+        </p:style>
+      </p:cxnSp>
+    </p:spTree>
+  </p:cSld>
+  <p:clrMapOvr>
+    <a:masterClrMapping/>
+  </p:clrMapOvr>
+  <p:timing>
+    <p:tnLst>
+      <p:par>
+        <p:cTn id="1" dur="indefinite" restart="never" nodeType="tmRoot"/>
+      </p:par>
+    </p:tnLst>
+  </p:timing>
+</p:sld>
+</file>
+
 <file path=ppt/slides/slide3.xml><?xml version="1.0" encoding="utf-8"?>
 <p:sld xmlns:a="http://schemas.openxmlformats.org/drawingml/2006/main" xmlns:r="http://schemas.openxmlformats.org/officeDocument/2006/relationships" xmlns:p="http://schemas.openxmlformats.org/presentationml/2006/main">
   <p:cSld>
